--- a/docs/presentation/bachelor-thesis.pptx
+++ b/docs/presentation/bachelor-thesis.pptx
@@ -1599,7 +1599,7 @@
   <p:cSld>
     <p:spTree>
       <p:nvGrpSpPr>
-        <p:cNvPr id="171" name="Shape 171"/>
+        <p:cNvPr id="168" name="Shape 168"/>
         <p:cNvGrpSpPr/>
         <p:nvPr/>
       </p:nvGrpSpPr>
@@ -1613,7 +1613,7 @@
       </p:grpSpPr>
       <p:sp>
         <p:nvSpPr>
-          <p:cNvPr id="172" name="Google Shape;172;g2ced2b81fbc_0_45:notes"/>
+          <p:cNvPr id="169" name="Google Shape;169;g2ced2b81fbc_0_24:notes"/>
           <p:cNvSpPr/>
           <p:nvPr>
             <p:ph idx="2" type="sldImg"/>
@@ -1658,7 +1658,7 @@
       </p:sp>
       <p:sp>
         <p:nvSpPr>
-          <p:cNvPr id="173" name="Google Shape;173;g2ced2b81fbc_0_45:notes"/>
+          <p:cNvPr id="170" name="Google Shape;170;g2ced2b81fbc_0_24:notes"/>
           <p:cNvSpPr txBox="1"/>
           <p:nvPr>
             <p:ph idx="1" type="body"/>
@@ -1706,7 +1706,7 @@
       </p:sp>
       <p:sp>
         <p:nvSpPr>
-          <p:cNvPr id="174" name="Google Shape;174;g2ced2b81fbc_0_45:notes"/>
+          <p:cNvPr id="171" name="Google Shape;171;g2ced2b81fbc_0_24:notes"/>
           <p:cNvSpPr txBox="1"/>
           <p:nvPr>
             <p:ph idx="12" type="sldNum"/>
@@ -1761,7 +1761,7 @@
   <p:cSld>
     <p:spTree>
       <p:nvGrpSpPr>
-        <p:cNvPr id="179" name="Shape 179"/>
+        <p:cNvPr id="176" name="Shape 176"/>
         <p:cNvGrpSpPr/>
         <p:nvPr/>
       </p:nvGrpSpPr>
@@ -1775,7 +1775,7 @@
       </p:grpSpPr>
       <p:sp>
         <p:nvSpPr>
-          <p:cNvPr id="180" name="Google Shape;180;g2ced2b81fbc_0_24:notes"/>
+          <p:cNvPr id="177" name="Google Shape;177;g2d19b423fcd_1_1:notes"/>
           <p:cNvSpPr/>
           <p:nvPr>
             <p:ph idx="2" type="sldImg"/>
@@ -1820,7 +1820,7 @@
       </p:sp>
       <p:sp>
         <p:nvSpPr>
-          <p:cNvPr id="181" name="Google Shape;181;g2ced2b81fbc_0_24:notes"/>
+          <p:cNvPr id="178" name="Google Shape;178;g2d19b423fcd_1_1:notes"/>
           <p:cNvSpPr txBox="1"/>
           <p:nvPr>
             <p:ph idx="1" type="body"/>
@@ -1868,7 +1868,7 @@
       </p:sp>
       <p:sp>
         <p:nvSpPr>
-          <p:cNvPr id="182" name="Google Shape;182;g2ced2b81fbc_0_24:notes"/>
+          <p:cNvPr id="179" name="Google Shape;179;g2d19b423fcd_1_1:notes"/>
           <p:cNvSpPr txBox="1"/>
           <p:nvPr>
             <p:ph idx="12" type="sldNum"/>
@@ -1923,7 +1923,7 @@
   <p:cSld>
     <p:spTree>
       <p:nvGrpSpPr>
-        <p:cNvPr id="187" name="Shape 187"/>
+        <p:cNvPr id="184" name="Shape 184"/>
         <p:cNvGrpSpPr/>
         <p:nvPr/>
       </p:nvGrpSpPr>
@@ -1937,7 +1937,7 @@
       </p:grpSpPr>
       <p:sp>
         <p:nvSpPr>
-          <p:cNvPr id="188" name="Google Shape;188;g2ced2b81fbc_0_31:notes"/>
+          <p:cNvPr id="185" name="Google Shape;185;g2ced2b81fbc_0_31:notes"/>
           <p:cNvSpPr/>
           <p:nvPr>
             <p:ph idx="2" type="sldImg"/>
@@ -1982,7 +1982,7 @@
       </p:sp>
       <p:sp>
         <p:nvSpPr>
-          <p:cNvPr id="189" name="Google Shape;189;g2ced2b81fbc_0_31:notes"/>
+          <p:cNvPr id="186" name="Google Shape;186;g2ced2b81fbc_0_31:notes"/>
           <p:cNvSpPr txBox="1"/>
           <p:nvPr>
             <p:ph idx="1" type="body"/>
@@ -2030,7 +2030,7 @@
       </p:sp>
       <p:sp>
         <p:nvSpPr>
-          <p:cNvPr id="190" name="Google Shape;190;g2ced2b81fbc_0_31:notes"/>
+          <p:cNvPr id="187" name="Google Shape;187;g2ced2b81fbc_0_31:notes"/>
           <p:cNvSpPr txBox="1"/>
           <p:nvPr>
             <p:ph idx="12" type="sldNum"/>
@@ -2085,7 +2085,7 @@
   <p:cSld>
     <p:spTree>
       <p:nvGrpSpPr>
-        <p:cNvPr id="199" name="Shape 199"/>
+        <p:cNvPr id="196" name="Shape 196"/>
         <p:cNvGrpSpPr/>
         <p:nvPr/>
       </p:nvGrpSpPr>
@@ -2099,7 +2099,7 @@
       </p:grpSpPr>
       <p:sp>
         <p:nvSpPr>
-          <p:cNvPr id="200" name="Google Shape;200;g2cf7adac231_1_10:notes"/>
+          <p:cNvPr id="197" name="Google Shape;197;g2cf7adac231_1_10:notes"/>
           <p:cNvSpPr/>
           <p:nvPr>
             <p:ph idx="2" type="sldImg"/>
@@ -2144,7 +2144,7 @@
       </p:sp>
       <p:sp>
         <p:nvSpPr>
-          <p:cNvPr id="201" name="Google Shape;201;g2cf7adac231_1_10:notes"/>
+          <p:cNvPr id="198" name="Google Shape;198;g2cf7adac231_1_10:notes"/>
           <p:cNvSpPr txBox="1"/>
           <p:nvPr>
             <p:ph idx="1" type="body"/>
@@ -2192,7 +2192,7 @@
       </p:sp>
       <p:sp>
         <p:nvSpPr>
-          <p:cNvPr id="202" name="Google Shape;202;g2cf7adac231_1_10:notes"/>
+          <p:cNvPr id="199" name="Google Shape;199;g2cf7adac231_1_10:notes"/>
           <p:cNvSpPr txBox="1"/>
           <p:nvPr>
             <p:ph idx="12" type="sldNum"/>
@@ -2247,7 +2247,7 @@
   <p:cSld>
     <p:spTree>
       <p:nvGrpSpPr>
-        <p:cNvPr id="208" name="Shape 208"/>
+        <p:cNvPr id="205" name="Shape 205"/>
         <p:cNvGrpSpPr/>
         <p:nvPr/>
       </p:nvGrpSpPr>
@@ -2261,7 +2261,7 @@
       </p:grpSpPr>
       <p:sp>
         <p:nvSpPr>
-          <p:cNvPr id="209" name="Google Shape;209;g2cf7adac231_1_3:notes"/>
+          <p:cNvPr id="206" name="Google Shape;206;g2cf7adac231_1_3:notes"/>
           <p:cNvSpPr/>
           <p:nvPr>
             <p:ph idx="2" type="sldImg"/>
@@ -2306,7 +2306,7 @@
       </p:sp>
       <p:sp>
         <p:nvSpPr>
-          <p:cNvPr id="210" name="Google Shape;210;g2cf7adac231_1_3:notes"/>
+          <p:cNvPr id="207" name="Google Shape;207;g2cf7adac231_1_3:notes"/>
           <p:cNvSpPr txBox="1"/>
           <p:nvPr>
             <p:ph idx="1" type="body"/>
@@ -2354,7 +2354,7 @@
       </p:sp>
       <p:sp>
         <p:nvSpPr>
-          <p:cNvPr id="211" name="Google Shape;211;g2cf7adac231_1_3:notes"/>
+          <p:cNvPr id="208" name="Google Shape;208;g2cf7adac231_1_3:notes"/>
           <p:cNvSpPr txBox="1"/>
           <p:nvPr>
             <p:ph idx="12" type="sldNum"/>
@@ -2409,7 +2409,7 @@
   <p:cSld>
     <p:spTree>
       <p:nvGrpSpPr>
-        <p:cNvPr id="221" name="Shape 221"/>
+        <p:cNvPr id="219" name="Shape 219"/>
         <p:cNvGrpSpPr/>
         <p:nvPr/>
       </p:nvGrpSpPr>
@@ -2423,7 +2423,7 @@
       </p:grpSpPr>
       <p:sp>
         <p:nvSpPr>
-          <p:cNvPr id="222" name="Google Shape;222;g2d193afa9ba_0_0:notes"/>
+          <p:cNvPr id="220" name="Google Shape;220;g2d193afa9ba_0_0:notes"/>
           <p:cNvSpPr/>
           <p:nvPr>
             <p:ph idx="2" type="sldImg"/>
@@ -2468,7 +2468,7 @@
       </p:sp>
       <p:sp>
         <p:nvSpPr>
-          <p:cNvPr id="223" name="Google Shape;223;g2d193afa9ba_0_0:notes"/>
+          <p:cNvPr id="221" name="Google Shape;221;g2d193afa9ba_0_0:notes"/>
           <p:cNvSpPr txBox="1"/>
           <p:nvPr>
             <p:ph idx="1" type="body"/>
@@ -2516,7 +2516,7 @@
       </p:sp>
       <p:sp>
         <p:nvSpPr>
-          <p:cNvPr id="224" name="Google Shape;224;g2d193afa9ba_0_0:notes"/>
+          <p:cNvPr id="222" name="Google Shape;222;g2d193afa9ba_0_0:notes"/>
           <p:cNvSpPr txBox="1"/>
           <p:nvPr>
             <p:ph idx="12" type="sldNum"/>
@@ -3219,7 +3219,7 @@
   <p:cSld>
     <p:spTree>
       <p:nvGrpSpPr>
-        <p:cNvPr id="115" name="Shape 115"/>
+        <p:cNvPr id="114" name="Shape 114"/>
         <p:cNvGrpSpPr/>
         <p:nvPr/>
       </p:nvGrpSpPr>
@@ -3233,7 +3233,7 @@
       </p:grpSpPr>
       <p:sp>
         <p:nvSpPr>
-          <p:cNvPr id="116" name="Google Shape;116;g2a14a5eee53_0_19:notes"/>
+          <p:cNvPr id="115" name="Google Shape;115;g2a14a5eee53_0_19:notes"/>
           <p:cNvSpPr/>
           <p:nvPr>
             <p:ph idx="2" type="sldImg"/>
@@ -3278,7 +3278,7 @@
       </p:sp>
       <p:sp>
         <p:nvSpPr>
-          <p:cNvPr id="117" name="Google Shape;117;g2a14a5eee53_0_19:notes"/>
+          <p:cNvPr id="116" name="Google Shape;116;g2a14a5eee53_0_19:notes"/>
           <p:cNvSpPr txBox="1"/>
           <p:nvPr>
             <p:ph idx="1" type="body"/>
@@ -3326,7 +3326,7 @@
       </p:sp>
       <p:sp>
         <p:nvSpPr>
-          <p:cNvPr id="118" name="Google Shape;118;g2a14a5eee53_0_19:notes"/>
+          <p:cNvPr id="117" name="Google Shape;117;g2a14a5eee53_0_19:notes"/>
           <p:cNvSpPr txBox="1"/>
           <p:nvPr>
             <p:ph idx="12" type="sldNum"/>
@@ -3381,7 +3381,7 @@
   <p:cSld>
     <p:spTree>
       <p:nvGrpSpPr>
-        <p:cNvPr id="127" name="Shape 127"/>
+        <p:cNvPr id="126" name="Shape 126"/>
         <p:cNvGrpSpPr/>
         <p:nvPr/>
       </p:nvGrpSpPr>
@@ -3395,7 +3395,7 @@
       </p:grpSpPr>
       <p:sp>
         <p:nvSpPr>
-          <p:cNvPr id="128" name="Google Shape;128;g2a14a5eee53_0_13:notes"/>
+          <p:cNvPr id="127" name="Google Shape;127;g2a14a5eee53_0_13:notes"/>
           <p:cNvSpPr/>
           <p:nvPr>
             <p:ph idx="2" type="sldImg"/>
@@ -3440,7 +3440,7 @@
       </p:sp>
       <p:sp>
         <p:nvSpPr>
-          <p:cNvPr id="129" name="Google Shape;129;g2a14a5eee53_0_13:notes"/>
+          <p:cNvPr id="128" name="Google Shape;128;g2a14a5eee53_0_13:notes"/>
           <p:cNvSpPr txBox="1"/>
           <p:nvPr>
             <p:ph idx="1" type="body"/>
@@ -3488,7 +3488,7 @@
       </p:sp>
       <p:sp>
         <p:nvSpPr>
-          <p:cNvPr id="130" name="Google Shape;130;g2a14a5eee53_0_13:notes"/>
+          <p:cNvPr id="129" name="Google Shape;129;g2a14a5eee53_0_13:notes"/>
           <p:cNvSpPr txBox="1"/>
           <p:nvPr>
             <p:ph idx="12" type="sldNum"/>
@@ -3543,7 +3543,7 @@
   <p:cSld>
     <p:spTree>
       <p:nvGrpSpPr>
-        <p:cNvPr id="139" name="Shape 139"/>
+        <p:cNvPr id="136" name="Shape 136"/>
         <p:cNvGrpSpPr/>
         <p:nvPr/>
       </p:nvGrpSpPr>
@@ -3557,165 +3557,7 @@
       </p:grpSpPr>
       <p:sp>
         <p:nvSpPr>
-          <p:cNvPr id="140" name="Google Shape;140;p3:notes"/>
-          <p:cNvSpPr/>
-          <p:nvPr>
-            <p:ph idx="2" type="sldImg"/>
-          </p:nvPr>
-        </p:nvSpPr>
-        <p:spPr>
-          <a:xfrm>
-            <a:off x="398463" y="1243013"/>
-            <a:ext cx="5964237" cy="3355975"/>
-          </a:xfrm>
-          <a:custGeom>
-            <a:rect b="b" l="l" r="r" t="t"/>
-            <a:pathLst>
-              <a:path extrusionOk="0" h="120000" w="120000">
-                <a:moveTo>
-                  <a:pt x="0" y="0"/>
-                </a:moveTo>
-                <a:lnTo>
-                  <a:pt x="120000" y="0"/>
-                </a:lnTo>
-                <a:lnTo>
-                  <a:pt x="120000" y="120000"/>
-                </a:lnTo>
-                <a:lnTo>
-                  <a:pt x="0" y="120000"/>
-                </a:lnTo>
-                <a:close/>
-              </a:path>
-            </a:pathLst>
-          </a:custGeom>
-          <a:noFill/>
-          <a:ln cap="flat" cmpd="sng" w="12700">
-            <a:solidFill>
-              <a:srgbClr val="000000"/>
-            </a:solidFill>
-            <a:prstDash val="solid"/>
-            <a:round/>
-            <a:headEnd len="sm" w="sm" type="none"/>
-            <a:tailEnd len="sm" w="sm" type="none"/>
-          </a:ln>
-        </p:spPr>
-      </p:sp>
-      <p:sp>
-        <p:nvSpPr>
-          <p:cNvPr id="141" name="Google Shape;141;p3:notes"/>
-          <p:cNvSpPr txBox="1"/>
-          <p:nvPr>
-            <p:ph idx="1" type="body"/>
-          </p:nvPr>
-        </p:nvSpPr>
-        <p:spPr>
-          <a:xfrm>
-            <a:off x="676117" y="4784835"/>
-            <a:ext cx="5408930" cy="3914864"/>
-          </a:xfrm>
-          <a:prstGeom prst="rect">
-            <a:avLst/>
-          </a:prstGeom>
-          <a:noFill/>
-          <a:ln>
-            <a:noFill/>
-          </a:ln>
-        </p:spPr>
-        <p:txBody>
-          <a:bodyPr anchorCtr="0" anchor="t" bIns="45700" lIns="91425" spcFirstLastPara="1" rIns="91425" wrap="square" tIns="45700">
-            <a:noAutofit/>
-          </a:bodyPr>
-          <a:lstStyle/>
-          <a:p>
-            <a:pPr indent="0" lvl="0" marL="0" rtl="0" algn="l">
-              <a:spcBef>
-                <a:spcPts val="0"/>
-              </a:spcBef>
-              <a:spcAft>
-                <a:spcPts val="0"/>
-              </a:spcAft>
-              <a:buSzPts val="1100"/>
-              <a:buNone/>
-            </a:pPr>
-            <a:r>
-              <a:t/>
-            </a:r>
-            <a:endParaRPr/>
-          </a:p>
-        </p:txBody>
-      </p:sp>
-      <p:sp>
-        <p:nvSpPr>
-          <p:cNvPr id="142" name="Google Shape;142;p3:notes"/>
-          <p:cNvSpPr txBox="1"/>
-          <p:nvPr>
-            <p:ph idx="12" type="sldNum"/>
-          </p:nvPr>
-        </p:nvSpPr>
-        <p:spPr>
-          <a:xfrm>
-            <a:off x="3829761" y="9443662"/>
-            <a:ext cx="2929837" cy="498851"/>
-          </a:xfrm>
-          <a:prstGeom prst="rect">
-            <a:avLst/>
-          </a:prstGeom>
-          <a:noFill/>
-          <a:ln>
-            <a:noFill/>
-          </a:ln>
-        </p:spPr>
-        <p:txBody>
-          <a:bodyPr anchorCtr="0" anchor="b" bIns="45700" lIns="91425" spcFirstLastPara="1" rIns="91425" wrap="square" tIns="45700">
-            <a:noAutofit/>
-          </a:bodyPr>
-          <a:lstStyle/>
-          <a:p>
-            <a:pPr indent="0" lvl="0" marL="0" rtl="0" algn="r">
-              <a:spcBef>
-                <a:spcPts val="0"/>
-              </a:spcBef>
-              <a:spcAft>
-                <a:spcPts val="0"/>
-              </a:spcAft>
-              <a:buNone/>
-            </a:pPr>
-            <a:fld id="{00000000-1234-1234-1234-123412341234}" type="slidenum">
-              <a:rPr lang="ru-RU"/>
-              <a:t>‹#›</a:t>
-            </a:fld>
-            <a:endParaRPr/>
-          </a:p>
-        </p:txBody>
-      </p:sp>
-    </p:spTree>
-  </p:cSld>
-  <p:clrMapOvr>
-    <a:masterClrMapping/>
-  </p:clrMapOvr>
-</p:notes>
-</file>
-
-<file path=ppt/notesSlides/notesSlide7.xml><?xml version="1.0" encoding="utf-8"?>
-<p:notes xmlns:a="http://schemas.openxmlformats.org/drawingml/2006/main" xmlns:r="http://schemas.openxmlformats.org/officeDocument/2006/relationships" xmlns:mc="http://schemas.openxmlformats.org/markup-compatibility/2006" xmlns:mv="urn:schemas-microsoft-com:mac:vml" xmlns:p="http://schemas.openxmlformats.org/presentationml/2006/main" xmlns:c="http://schemas.openxmlformats.org/drawingml/2006/chart" xmlns:dgm="http://schemas.openxmlformats.org/drawingml/2006/diagram" xmlns:o="urn:schemas-microsoft-com:office:office" xmlns:v="urn:schemas-microsoft-com:vml" xmlns:pvml="urn:schemas-microsoft-com:office:powerpoint" xmlns:com="http://schemas.openxmlformats.org/drawingml/2006/compatibility" xmlns:p14="http://schemas.microsoft.com/office/powerpoint/2010/main" xmlns:p15="http://schemas.microsoft.com/office/powerpoint/2012/main" xmlns:ahyp="http://schemas.microsoft.com/office/drawing/2018/hyperlinkcolor" showMasterPhAnim="0" showMasterSp="0">
-  <p:cSld>
-    <p:spTree>
-      <p:nvGrpSpPr>
-        <p:cNvPr id="147" name="Shape 147"/>
-        <p:cNvGrpSpPr/>
-        <p:nvPr/>
-      </p:nvGrpSpPr>
-      <p:grpSpPr>
-        <a:xfrm>
-          <a:off x="0" y="0"/>
-          <a:ext cx="0" cy="0"/>
-          <a:chOff x="0" y="0"/>
-          <a:chExt cx="0" cy="0"/>
-        </a:xfrm>
-      </p:grpSpPr>
-      <p:sp>
-        <p:nvSpPr>
-          <p:cNvPr id="148" name="Google Shape;148;g29f92348849_0_1:notes"/>
+          <p:cNvPr id="137" name="Google Shape;137;g2d229dfb37f_0_0:notes"/>
           <p:cNvSpPr/>
           <p:nvPr>
             <p:ph idx="2" type="sldImg"/>
@@ -3760,7 +3602,7 @@
       </p:sp>
       <p:sp>
         <p:nvSpPr>
-          <p:cNvPr id="149" name="Google Shape;149;g29f92348849_0_1:notes"/>
+          <p:cNvPr id="138" name="Google Shape;138;g2d229dfb37f_0_0:notes"/>
           <p:cNvSpPr txBox="1"/>
           <p:nvPr>
             <p:ph idx="1" type="body"/>
@@ -3804,7 +3646,7 @@
       </p:sp>
       <p:sp>
         <p:nvSpPr>
-          <p:cNvPr id="150" name="Google Shape;150;g29f92348849_0_1:notes"/>
+          <p:cNvPr id="139" name="Google Shape;139;g2d229dfb37f_0_0:notes"/>
           <p:cNvSpPr txBox="1"/>
           <p:nvPr>
             <p:ph idx="12" type="sldNum"/>
@@ -3854,12 +3696,12 @@
 </p:notes>
 </file>
 
-<file path=ppt/notesSlides/notesSlide8.xml><?xml version="1.0" encoding="utf-8"?>
+<file path=ppt/notesSlides/notesSlide7.xml><?xml version="1.0" encoding="utf-8"?>
 <p:notes xmlns:a="http://schemas.openxmlformats.org/drawingml/2006/main" xmlns:r="http://schemas.openxmlformats.org/officeDocument/2006/relationships" xmlns:mc="http://schemas.openxmlformats.org/markup-compatibility/2006" xmlns:mv="urn:schemas-microsoft-com:mac:vml" xmlns:p="http://schemas.openxmlformats.org/presentationml/2006/main" xmlns:c="http://schemas.openxmlformats.org/drawingml/2006/chart" xmlns:dgm="http://schemas.openxmlformats.org/drawingml/2006/diagram" xmlns:o="urn:schemas-microsoft-com:office:office" xmlns:v="urn:schemas-microsoft-com:vml" xmlns:pvml="urn:schemas-microsoft-com:office:powerpoint" xmlns:com="http://schemas.openxmlformats.org/drawingml/2006/compatibility" xmlns:p14="http://schemas.microsoft.com/office/powerpoint/2010/main" xmlns:p15="http://schemas.microsoft.com/office/powerpoint/2012/main" xmlns:ahyp="http://schemas.microsoft.com/office/drawing/2018/hyperlinkcolor" showMasterPhAnim="0" showMasterSp="0">
   <p:cSld>
     <p:spTree>
       <p:nvGrpSpPr>
-        <p:cNvPr id="155" name="Shape 155"/>
+        <p:cNvPr id="144" name="Shape 144"/>
         <p:cNvGrpSpPr/>
         <p:nvPr/>
       </p:nvGrpSpPr>
@@ -3873,7 +3715,7 @@
       </p:grpSpPr>
       <p:sp>
         <p:nvSpPr>
-          <p:cNvPr id="156" name="Google Shape;156;g2ced2b81fbc_0_5:notes"/>
+          <p:cNvPr id="145" name="Google Shape;145;g2ced2b81fbc_0_5:notes"/>
           <p:cNvSpPr/>
           <p:nvPr>
             <p:ph idx="2" type="sldImg"/>
@@ -3918,7 +3760,7 @@
       </p:sp>
       <p:sp>
         <p:nvSpPr>
-          <p:cNvPr id="157" name="Google Shape;157;g2ced2b81fbc_0_5:notes"/>
+          <p:cNvPr id="146" name="Google Shape;146;g2ced2b81fbc_0_5:notes"/>
           <p:cNvSpPr txBox="1"/>
           <p:nvPr>
             <p:ph idx="1" type="body"/>
@@ -3966,7 +3808,7 @@
       </p:sp>
       <p:sp>
         <p:nvSpPr>
-          <p:cNvPr id="158" name="Google Shape;158;g2ced2b81fbc_0_5:notes"/>
+          <p:cNvPr id="147" name="Google Shape;147;g2ced2b81fbc_0_5:notes"/>
           <p:cNvSpPr txBox="1"/>
           <p:nvPr>
             <p:ph idx="12" type="sldNum"/>
@@ -4016,12 +3858,12 @@
 </p:notes>
 </file>
 
-<file path=ppt/notesSlides/notesSlide9.xml><?xml version="1.0" encoding="utf-8"?>
+<file path=ppt/notesSlides/notesSlide8.xml><?xml version="1.0" encoding="utf-8"?>
 <p:notes xmlns:a="http://schemas.openxmlformats.org/drawingml/2006/main" xmlns:r="http://schemas.openxmlformats.org/officeDocument/2006/relationships" xmlns:mc="http://schemas.openxmlformats.org/markup-compatibility/2006" xmlns:mv="urn:schemas-microsoft-com:mac:vml" xmlns:p="http://schemas.openxmlformats.org/presentationml/2006/main" xmlns:c="http://schemas.openxmlformats.org/drawingml/2006/chart" xmlns:dgm="http://schemas.openxmlformats.org/drawingml/2006/diagram" xmlns:o="urn:schemas-microsoft-com:office:office" xmlns:v="urn:schemas-microsoft-com:vml" xmlns:pvml="urn:schemas-microsoft-com:office:powerpoint" xmlns:com="http://schemas.openxmlformats.org/drawingml/2006/compatibility" xmlns:p14="http://schemas.microsoft.com/office/powerpoint/2010/main" xmlns:p15="http://schemas.microsoft.com/office/powerpoint/2012/main" xmlns:ahyp="http://schemas.microsoft.com/office/drawing/2018/hyperlinkcolor" showMasterPhAnim="0" showMasterSp="0">
   <p:cSld>
     <p:spTree>
       <p:nvGrpSpPr>
-        <p:cNvPr id="163" name="Shape 163"/>
+        <p:cNvPr id="152" name="Shape 152"/>
         <p:cNvGrpSpPr/>
         <p:nvPr/>
       </p:nvGrpSpPr>
@@ -4035,7 +3877,7 @@
       </p:grpSpPr>
       <p:sp>
         <p:nvSpPr>
-          <p:cNvPr id="164" name="Google Shape;164;g2ced2b81fbc_0_17:notes"/>
+          <p:cNvPr id="153" name="Google Shape;153;g2ced2b81fbc_0_17:notes"/>
           <p:cNvSpPr/>
           <p:nvPr>
             <p:ph idx="2" type="sldImg"/>
@@ -4080,7 +3922,7 @@
       </p:sp>
       <p:sp>
         <p:nvSpPr>
-          <p:cNvPr id="165" name="Google Shape;165;g2ced2b81fbc_0_17:notes"/>
+          <p:cNvPr id="154" name="Google Shape;154;g2ced2b81fbc_0_17:notes"/>
           <p:cNvSpPr txBox="1"/>
           <p:nvPr>
             <p:ph idx="1" type="body"/>
@@ -4128,7 +3970,169 @@
       </p:sp>
       <p:sp>
         <p:nvSpPr>
-          <p:cNvPr id="166" name="Google Shape;166;g2ced2b81fbc_0_17:notes"/>
+          <p:cNvPr id="155" name="Google Shape;155;g2ced2b81fbc_0_17:notes"/>
+          <p:cNvSpPr txBox="1"/>
+          <p:nvPr>
+            <p:ph idx="12" type="sldNum"/>
+          </p:nvPr>
+        </p:nvSpPr>
+        <p:spPr>
+          <a:xfrm>
+            <a:off x="3829761" y="9443662"/>
+            <a:ext cx="2929800" cy="498900"/>
+          </a:xfrm>
+          <a:prstGeom prst="rect">
+            <a:avLst/>
+          </a:prstGeom>
+          <a:noFill/>
+          <a:ln>
+            <a:noFill/>
+          </a:ln>
+        </p:spPr>
+        <p:txBody>
+          <a:bodyPr anchorCtr="0" anchor="b" bIns="45700" lIns="91425" spcFirstLastPara="1" rIns="91425" wrap="square" tIns="45700">
+            <a:noAutofit/>
+          </a:bodyPr>
+          <a:lstStyle/>
+          <a:p>
+            <a:pPr indent="0" lvl="0" marL="0" rtl="0" algn="r">
+              <a:spcBef>
+                <a:spcPts val="0"/>
+              </a:spcBef>
+              <a:spcAft>
+                <a:spcPts val="0"/>
+              </a:spcAft>
+              <a:buNone/>
+            </a:pPr>
+            <a:fld id="{00000000-1234-1234-1234-123412341234}" type="slidenum">
+              <a:rPr lang="ru-RU"/>
+              <a:t>‹#›</a:t>
+            </a:fld>
+            <a:endParaRPr/>
+          </a:p>
+        </p:txBody>
+      </p:sp>
+    </p:spTree>
+  </p:cSld>
+  <p:clrMapOvr>
+    <a:masterClrMapping/>
+  </p:clrMapOvr>
+</p:notes>
+</file>
+
+<file path=ppt/notesSlides/notesSlide9.xml><?xml version="1.0" encoding="utf-8"?>
+<p:notes xmlns:a="http://schemas.openxmlformats.org/drawingml/2006/main" xmlns:r="http://schemas.openxmlformats.org/officeDocument/2006/relationships" xmlns:mc="http://schemas.openxmlformats.org/markup-compatibility/2006" xmlns:mv="urn:schemas-microsoft-com:mac:vml" xmlns:p="http://schemas.openxmlformats.org/presentationml/2006/main" xmlns:c="http://schemas.openxmlformats.org/drawingml/2006/chart" xmlns:dgm="http://schemas.openxmlformats.org/drawingml/2006/diagram" xmlns:o="urn:schemas-microsoft-com:office:office" xmlns:v="urn:schemas-microsoft-com:vml" xmlns:pvml="urn:schemas-microsoft-com:office:powerpoint" xmlns:com="http://schemas.openxmlformats.org/drawingml/2006/compatibility" xmlns:p14="http://schemas.microsoft.com/office/powerpoint/2010/main" xmlns:p15="http://schemas.microsoft.com/office/powerpoint/2012/main" xmlns:ahyp="http://schemas.microsoft.com/office/drawing/2018/hyperlinkcolor" showMasterPhAnim="0" showMasterSp="0">
+  <p:cSld>
+    <p:spTree>
+      <p:nvGrpSpPr>
+        <p:cNvPr id="160" name="Shape 160"/>
+        <p:cNvGrpSpPr/>
+        <p:nvPr/>
+      </p:nvGrpSpPr>
+      <p:grpSpPr>
+        <a:xfrm>
+          <a:off x="0" y="0"/>
+          <a:ext cx="0" cy="0"/>
+          <a:chOff x="0" y="0"/>
+          <a:chExt cx="0" cy="0"/>
+        </a:xfrm>
+      </p:grpSpPr>
+      <p:sp>
+        <p:nvSpPr>
+          <p:cNvPr id="161" name="Google Shape;161;g2ced2b81fbc_0_45:notes"/>
+          <p:cNvSpPr/>
+          <p:nvPr>
+            <p:ph idx="2" type="sldImg"/>
+          </p:nvPr>
+        </p:nvSpPr>
+        <p:spPr>
+          <a:xfrm>
+            <a:off x="398463" y="1243013"/>
+            <a:ext cx="5964300" cy="3356100"/>
+          </a:xfrm>
+          <a:custGeom>
+            <a:rect b="b" l="l" r="r" t="t"/>
+            <a:pathLst>
+              <a:path extrusionOk="0" h="120000" w="120000">
+                <a:moveTo>
+                  <a:pt x="0" y="0"/>
+                </a:moveTo>
+                <a:lnTo>
+                  <a:pt x="120000" y="0"/>
+                </a:lnTo>
+                <a:lnTo>
+                  <a:pt x="120000" y="120000"/>
+                </a:lnTo>
+                <a:lnTo>
+                  <a:pt x="0" y="120000"/>
+                </a:lnTo>
+                <a:close/>
+              </a:path>
+            </a:pathLst>
+          </a:custGeom>
+          <a:noFill/>
+          <a:ln cap="flat" cmpd="sng" w="12700">
+            <a:solidFill>
+              <a:srgbClr val="000000"/>
+            </a:solidFill>
+            <a:prstDash val="solid"/>
+            <a:round/>
+            <a:headEnd len="sm" w="sm" type="none"/>
+            <a:tailEnd len="sm" w="sm" type="none"/>
+          </a:ln>
+        </p:spPr>
+      </p:sp>
+      <p:sp>
+        <p:nvSpPr>
+          <p:cNvPr id="162" name="Google Shape;162;g2ced2b81fbc_0_45:notes"/>
+          <p:cNvSpPr txBox="1"/>
+          <p:nvPr>
+            <p:ph idx="1" type="body"/>
+          </p:nvPr>
+        </p:nvSpPr>
+        <p:spPr>
+          <a:xfrm>
+            <a:off x="676117" y="4784835"/>
+            <a:ext cx="5409000" cy="3915000"/>
+          </a:xfrm>
+          <a:prstGeom prst="rect">
+            <a:avLst/>
+          </a:prstGeom>
+          <a:noFill/>
+          <a:ln>
+            <a:noFill/>
+          </a:ln>
+        </p:spPr>
+        <p:txBody>
+          <a:bodyPr anchorCtr="0" anchor="t" bIns="45700" lIns="91425" spcFirstLastPara="1" rIns="91425" wrap="square" tIns="45700">
+            <a:noAutofit/>
+          </a:bodyPr>
+          <a:lstStyle/>
+          <a:p>
+            <a:pPr indent="0" lvl="0" marL="0" rtl="0" algn="l">
+              <a:spcBef>
+                <a:spcPts val="0"/>
+              </a:spcBef>
+              <a:spcAft>
+                <a:spcPts val="0"/>
+              </a:spcAft>
+              <a:buNone/>
+            </a:pPr>
+            <a:r>
+              <a:t/>
+            </a:r>
+            <a:endParaRPr b="1" sz="1000">
+              <a:latin typeface="Times New Roman"/>
+              <a:ea typeface="Times New Roman"/>
+              <a:cs typeface="Times New Roman"/>
+              <a:sym typeface="Times New Roman"/>
+            </a:endParaRPr>
+          </a:p>
+        </p:txBody>
+      </p:sp>
+      <p:sp>
+        <p:nvSpPr>
+          <p:cNvPr id="163" name="Google Shape;163;g2ced2b81fbc_0_45:notes"/>
           <p:cNvSpPr txBox="1"/>
           <p:nvPr>
             <p:ph idx="12" type="sldNum"/>
@@ -14597,7 +14601,7 @@
                 <a:cs typeface="Times New Roman"/>
                 <a:sym typeface="Times New Roman"/>
               </a:rPr>
-              <a:t>«Метод автоматического управления памятью</a:t>
+              <a:t>Метод автоматического управления памятью</a:t>
             </a:r>
             <a:br>
               <a:rPr lang="ru-RU" sz="3700">
@@ -14631,7 +14635,7 @@
                 <a:cs typeface="Times New Roman"/>
                 <a:sym typeface="Times New Roman"/>
               </a:rPr>
-              <a:t>на основе подсчёта ссылок»</a:t>
+              <a:t>на основе подсчёта ссылок</a:t>
             </a:r>
             <a:endParaRPr sz="3700"/>
           </a:p>
@@ -14647,8 +14651,8 @@
         </p:nvSpPr>
         <p:spPr>
           <a:xfrm>
-            <a:off x="-10" y="5692930"/>
-            <a:ext cx="12192000" cy="921900"/>
+            <a:off x="240450" y="5692925"/>
+            <a:ext cx="11711100" cy="921900"/>
           </a:xfrm>
           <a:prstGeom prst="rect">
             <a:avLst/>
@@ -14664,7 +14668,7 @@
           </a:bodyPr>
           <a:lstStyle/>
           <a:p>
-            <a:pPr indent="0" lvl="0" marL="0" rtl="0" algn="ctr">
+            <a:pPr indent="0" lvl="0" marL="0" rtl="0" algn="r">
               <a:lnSpc>
                 <a:spcPct val="90000"/>
               </a:lnSpc>
@@ -14692,7 +14696,7 @@
             <a:endParaRPr/>
           </a:p>
           <a:p>
-            <a:pPr indent="0" lvl="0" marL="0" rtl="0" algn="ctr">
+            <a:pPr indent="0" lvl="0" marL="0" rtl="0" algn="r">
               <a:lnSpc>
                 <a:spcPct val="90000"/>
               </a:lnSpc>
@@ -14942,7 +14946,7 @@
   <p:cSld>
     <p:spTree>
       <p:nvGrpSpPr>
-        <p:cNvPr id="175" name="Shape 175"/>
+        <p:cNvPr id="172" name="Shape 172"/>
         <p:cNvGrpSpPr/>
         <p:nvPr/>
       </p:nvGrpSpPr>
@@ -14956,7 +14960,7 @@
       </p:grpSpPr>
       <p:sp>
         <p:nvSpPr>
-          <p:cNvPr id="176" name="Google Shape;176;p23"/>
+          <p:cNvPr id="173" name="Google Shape;173;p23"/>
           <p:cNvSpPr txBox="1"/>
           <p:nvPr>
             <p:ph type="title"/>
@@ -15002,7 +15006,7 @@
                 <a:cs typeface="Times New Roman"/>
                 <a:sym typeface="Times New Roman"/>
               </a:rPr>
-              <a:t>Алгоритм разметки</a:t>
+              <a:t>Алгоритм очистки</a:t>
             </a:r>
             <a:endParaRPr>
               <a:latin typeface="Times New Roman"/>
@@ -15015,7 +15019,7 @@
       </p:sp>
       <p:sp>
         <p:nvSpPr>
-          <p:cNvPr id="177" name="Google Shape;177;p23"/>
+          <p:cNvPr id="174" name="Google Shape;174;p23"/>
           <p:cNvSpPr txBox="1"/>
           <p:nvPr>
             <p:ph idx="12" type="sldNum"/>
@@ -15059,163 +15063,7 @@
       </p:sp>
       <p:pic>
         <p:nvPicPr>
-          <p:cNvPr id="178" name="Google Shape;178;p23"/>
-          <p:cNvPicPr preferRelativeResize="0"/>
-          <p:nvPr/>
-        </p:nvPicPr>
-        <p:blipFill>
-          <a:blip r:embed="rId3">
-            <a:alphaModFix/>
-          </a:blip>
-          <a:stretch>
-            <a:fillRect/>
-          </a:stretch>
-        </p:blipFill>
-        <p:spPr>
-          <a:xfrm>
-            <a:off x="2333775" y="1052400"/>
-            <a:ext cx="7524449" cy="5669051"/>
-          </a:xfrm>
-          <a:prstGeom prst="rect">
-            <a:avLst/>
-          </a:prstGeom>
-          <a:noFill/>
-          <a:ln>
-            <a:noFill/>
-          </a:ln>
-        </p:spPr>
-      </p:pic>
-    </p:spTree>
-  </p:cSld>
-  <p:clrMapOvr>
-    <a:masterClrMapping/>
-  </p:clrMapOvr>
-</p:sld>
-</file>
-
-<file path=ppt/slides/slide11.xml><?xml version="1.0" encoding="utf-8"?>
-<p:sld xmlns:a="http://schemas.openxmlformats.org/drawingml/2006/main" xmlns:r="http://schemas.openxmlformats.org/officeDocument/2006/relationships" xmlns:mc="http://schemas.openxmlformats.org/markup-compatibility/2006" xmlns:mv="urn:schemas-microsoft-com:mac:vml" xmlns:p="http://schemas.openxmlformats.org/presentationml/2006/main" xmlns:c="http://schemas.openxmlformats.org/drawingml/2006/chart" xmlns:dgm="http://schemas.openxmlformats.org/drawingml/2006/diagram" xmlns:o="urn:schemas-microsoft-com:office:office" xmlns:v="urn:schemas-microsoft-com:vml" xmlns:pvml="urn:schemas-microsoft-com:office:powerpoint" xmlns:com="http://schemas.openxmlformats.org/drawingml/2006/compatibility" xmlns:p14="http://schemas.microsoft.com/office/powerpoint/2010/main" xmlns:p15="http://schemas.microsoft.com/office/powerpoint/2012/main" xmlns:ahyp="http://schemas.microsoft.com/office/drawing/2018/hyperlinkcolor">
-  <p:cSld>
-    <p:spTree>
-      <p:nvGrpSpPr>
-        <p:cNvPr id="183" name="Shape 183"/>
-        <p:cNvGrpSpPr/>
-        <p:nvPr/>
-      </p:nvGrpSpPr>
-      <p:grpSpPr>
-        <a:xfrm>
-          <a:off x="0" y="0"/>
-          <a:ext cx="0" cy="0"/>
-          <a:chOff x="0" y="0"/>
-          <a:chExt cx="0" cy="0"/>
-        </a:xfrm>
-      </p:grpSpPr>
-      <p:sp>
-        <p:nvSpPr>
-          <p:cNvPr id="184" name="Google Shape;184;p24"/>
-          <p:cNvSpPr txBox="1"/>
-          <p:nvPr>
-            <p:ph type="title"/>
-          </p:nvPr>
-        </p:nvSpPr>
-        <p:spPr>
-          <a:xfrm>
-            <a:off x="838175" y="0"/>
-            <a:ext cx="11062800" cy="1325700"/>
-          </a:xfrm>
-          <a:prstGeom prst="rect">
-            <a:avLst/>
-          </a:prstGeom>
-          <a:noFill/>
-          <a:ln>
-            <a:noFill/>
-          </a:ln>
-        </p:spPr>
-        <p:txBody>
-          <a:bodyPr anchorCtr="0" anchor="ctr" bIns="45700" lIns="91425" spcFirstLastPara="1" rIns="91425" wrap="square" tIns="45700">
-            <a:normAutofit/>
-          </a:bodyPr>
-          <a:lstStyle/>
-          <a:p>
-            <a:pPr indent="0" lvl="0" marL="0" rtl="0" algn="l">
-              <a:spcBef>
-                <a:spcPts val="0"/>
-              </a:spcBef>
-              <a:spcAft>
-                <a:spcPts val="0"/>
-              </a:spcAft>
-              <a:buClr>
-                <a:schemeClr val="dk1"/>
-              </a:buClr>
-              <a:buSzPts val="4400"/>
-              <a:buFont typeface="Times New Roman"/>
-              <a:buNone/>
-            </a:pPr>
-            <a:r>
-              <a:rPr lang="ru-RU">
-                <a:latin typeface="Times New Roman"/>
-                <a:ea typeface="Times New Roman"/>
-                <a:cs typeface="Times New Roman"/>
-                <a:sym typeface="Times New Roman"/>
-              </a:rPr>
-              <a:t>Алгоритм очистки</a:t>
-            </a:r>
-            <a:endParaRPr>
-              <a:latin typeface="Times New Roman"/>
-              <a:ea typeface="Times New Roman"/>
-              <a:cs typeface="Times New Roman"/>
-              <a:sym typeface="Times New Roman"/>
-            </a:endParaRPr>
-          </a:p>
-        </p:txBody>
-      </p:sp>
-      <p:sp>
-        <p:nvSpPr>
-          <p:cNvPr id="185" name="Google Shape;185;p24"/>
-          <p:cNvSpPr txBox="1"/>
-          <p:nvPr>
-            <p:ph idx="12" type="sldNum"/>
-          </p:nvPr>
-        </p:nvSpPr>
-        <p:spPr>
-          <a:xfrm>
-            <a:off x="8610600" y="6356350"/>
-            <a:ext cx="2743200" cy="365100"/>
-          </a:xfrm>
-          <a:prstGeom prst="rect">
-            <a:avLst/>
-          </a:prstGeom>
-        </p:spPr>
-        <p:txBody>
-          <a:bodyPr anchorCtr="0" anchor="ctr" bIns="45700" lIns="91425" spcFirstLastPara="1" rIns="91425" wrap="square" tIns="45700">
-            <a:noAutofit/>
-          </a:bodyPr>
-          <a:lstStyle/>
-          <a:p>
-            <a:pPr indent="0" lvl="0" marL="0" rtl="0" algn="r">
-              <a:spcBef>
-                <a:spcPts val="0"/>
-              </a:spcBef>
-              <a:spcAft>
-                <a:spcPts val="0"/>
-              </a:spcAft>
-              <a:buClr>
-                <a:srgbClr val="000000"/>
-              </a:buClr>
-              <a:buFont typeface="Arial"/>
-              <a:buNone/>
-            </a:pPr>
-            <a:fld id="{00000000-1234-1234-1234-123412341234}" type="slidenum">
-              <a:rPr lang="ru-RU"/>
-              <a:t>‹#›</a:t>
-            </a:fld>
-            <a:endParaRPr/>
-          </a:p>
-        </p:txBody>
-      </p:sp>
-      <p:pic>
-        <p:nvPicPr>
-          <p:cNvPr id="186" name="Google Shape;186;p24"/>
+          <p:cNvPr id="175" name="Google Shape;175;p23"/>
           <p:cNvPicPr preferRelativeResize="0"/>
           <p:nvPr/>
         </p:nvPicPr>
@@ -15249,12 +15097,12 @@
 </p:sld>
 </file>
 
-<file path=ppt/slides/slide12.xml><?xml version="1.0" encoding="utf-8"?>
+<file path=ppt/slides/slide11.xml><?xml version="1.0" encoding="utf-8"?>
 <p:sld xmlns:a="http://schemas.openxmlformats.org/drawingml/2006/main" xmlns:r="http://schemas.openxmlformats.org/officeDocument/2006/relationships" xmlns:mc="http://schemas.openxmlformats.org/markup-compatibility/2006" xmlns:mv="urn:schemas-microsoft-com:mac:vml" xmlns:p="http://schemas.openxmlformats.org/presentationml/2006/main" xmlns:c="http://schemas.openxmlformats.org/drawingml/2006/chart" xmlns:dgm="http://schemas.openxmlformats.org/drawingml/2006/diagram" xmlns:o="urn:schemas-microsoft-com:office:office" xmlns:v="urn:schemas-microsoft-com:vml" xmlns:pvml="urn:schemas-microsoft-com:office:powerpoint" xmlns:com="http://schemas.openxmlformats.org/drawingml/2006/compatibility" xmlns:p14="http://schemas.microsoft.com/office/powerpoint/2010/main" xmlns:p15="http://schemas.microsoft.com/office/powerpoint/2012/main" xmlns:ahyp="http://schemas.microsoft.com/office/drawing/2018/hyperlinkcolor">
   <p:cSld>
     <p:spTree>
       <p:nvGrpSpPr>
-        <p:cNvPr id="191" name="Shape 191"/>
+        <p:cNvPr id="180" name="Shape 180"/>
         <p:cNvGrpSpPr/>
         <p:nvPr/>
       </p:nvGrpSpPr>
@@ -15268,7 +15116,7 @@
       </p:grpSpPr>
       <p:sp>
         <p:nvSpPr>
-          <p:cNvPr id="192" name="Google Shape;192;p25"/>
+          <p:cNvPr id="181" name="Google Shape;181;p24"/>
           <p:cNvSpPr txBox="1"/>
           <p:nvPr>
             <p:ph type="title"/>
@@ -15314,6 +15162,162 @@
                 <a:cs typeface="Times New Roman"/>
                 <a:sym typeface="Times New Roman"/>
               </a:rPr>
+              <a:t>Структура ПО</a:t>
+            </a:r>
+            <a:endParaRPr>
+              <a:latin typeface="Times New Roman"/>
+              <a:ea typeface="Times New Roman"/>
+              <a:cs typeface="Times New Roman"/>
+              <a:sym typeface="Times New Roman"/>
+            </a:endParaRPr>
+          </a:p>
+        </p:txBody>
+      </p:sp>
+      <p:sp>
+        <p:nvSpPr>
+          <p:cNvPr id="182" name="Google Shape;182;p24"/>
+          <p:cNvSpPr txBox="1"/>
+          <p:nvPr>
+            <p:ph idx="12" type="sldNum"/>
+          </p:nvPr>
+        </p:nvSpPr>
+        <p:spPr>
+          <a:xfrm>
+            <a:off x="8610600" y="6356350"/>
+            <a:ext cx="2743200" cy="365100"/>
+          </a:xfrm>
+          <a:prstGeom prst="rect">
+            <a:avLst/>
+          </a:prstGeom>
+        </p:spPr>
+        <p:txBody>
+          <a:bodyPr anchorCtr="0" anchor="ctr" bIns="45700" lIns="91425" spcFirstLastPara="1" rIns="91425" wrap="square" tIns="45700">
+            <a:noAutofit/>
+          </a:bodyPr>
+          <a:lstStyle/>
+          <a:p>
+            <a:pPr indent="0" lvl="0" marL="0" rtl="0" algn="r">
+              <a:spcBef>
+                <a:spcPts val="0"/>
+              </a:spcBef>
+              <a:spcAft>
+                <a:spcPts val="0"/>
+              </a:spcAft>
+              <a:buClr>
+                <a:srgbClr val="000000"/>
+              </a:buClr>
+              <a:buFont typeface="Arial"/>
+              <a:buNone/>
+            </a:pPr>
+            <a:fld id="{00000000-1234-1234-1234-123412341234}" type="slidenum">
+              <a:rPr lang="ru-RU"/>
+              <a:t>‹#›</a:t>
+            </a:fld>
+            <a:endParaRPr/>
+          </a:p>
+        </p:txBody>
+      </p:sp>
+      <p:pic>
+        <p:nvPicPr>
+          <p:cNvPr id="183" name="Google Shape;183;p24"/>
+          <p:cNvPicPr preferRelativeResize="0"/>
+          <p:nvPr/>
+        </p:nvPicPr>
+        <p:blipFill>
+          <a:blip r:embed="rId3">
+            <a:alphaModFix/>
+          </a:blip>
+          <a:stretch>
+            <a:fillRect/>
+          </a:stretch>
+        </p:blipFill>
+        <p:spPr>
+          <a:xfrm>
+            <a:off x="1111625" y="1099400"/>
+            <a:ext cx="9968748" cy="5622049"/>
+          </a:xfrm>
+          <a:prstGeom prst="rect">
+            <a:avLst/>
+          </a:prstGeom>
+          <a:noFill/>
+          <a:ln>
+            <a:noFill/>
+          </a:ln>
+        </p:spPr>
+      </p:pic>
+    </p:spTree>
+  </p:cSld>
+  <p:clrMapOvr>
+    <a:masterClrMapping/>
+  </p:clrMapOvr>
+</p:sld>
+</file>
+
+<file path=ppt/slides/slide12.xml><?xml version="1.0" encoding="utf-8"?>
+<p:sld xmlns:a="http://schemas.openxmlformats.org/drawingml/2006/main" xmlns:r="http://schemas.openxmlformats.org/officeDocument/2006/relationships" xmlns:mc="http://schemas.openxmlformats.org/markup-compatibility/2006" xmlns:mv="urn:schemas-microsoft-com:mac:vml" xmlns:p="http://schemas.openxmlformats.org/presentationml/2006/main" xmlns:c="http://schemas.openxmlformats.org/drawingml/2006/chart" xmlns:dgm="http://schemas.openxmlformats.org/drawingml/2006/diagram" xmlns:o="urn:schemas-microsoft-com:office:office" xmlns:v="urn:schemas-microsoft-com:vml" xmlns:pvml="urn:schemas-microsoft-com:office:powerpoint" xmlns:com="http://schemas.openxmlformats.org/drawingml/2006/compatibility" xmlns:p14="http://schemas.microsoft.com/office/powerpoint/2010/main" xmlns:p15="http://schemas.microsoft.com/office/powerpoint/2012/main" xmlns:ahyp="http://schemas.microsoft.com/office/drawing/2018/hyperlinkcolor" show="0">
+  <p:cSld>
+    <p:spTree>
+      <p:nvGrpSpPr>
+        <p:cNvPr id="188" name="Shape 188"/>
+        <p:cNvGrpSpPr/>
+        <p:nvPr/>
+      </p:nvGrpSpPr>
+      <p:grpSpPr>
+        <a:xfrm>
+          <a:off x="0" y="0"/>
+          <a:ext cx="0" cy="0"/>
+          <a:chOff x="0" y="0"/>
+          <a:chExt cx="0" cy="0"/>
+        </a:xfrm>
+      </p:grpSpPr>
+      <p:sp>
+        <p:nvSpPr>
+          <p:cNvPr id="189" name="Google Shape;189;p25"/>
+          <p:cNvSpPr txBox="1"/>
+          <p:nvPr>
+            <p:ph type="title"/>
+          </p:nvPr>
+        </p:nvSpPr>
+        <p:spPr>
+          <a:xfrm>
+            <a:off x="838175" y="0"/>
+            <a:ext cx="11062800" cy="1325700"/>
+          </a:xfrm>
+          <a:prstGeom prst="rect">
+            <a:avLst/>
+          </a:prstGeom>
+          <a:noFill/>
+          <a:ln>
+            <a:noFill/>
+          </a:ln>
+        </p:spPr>
+        <p:txBody>
+          <a:bodyPr anchorCtr="0" anchor="ctr" bIns="45700" lIns="91425" spcFirstLastPara="1" rIns="91425" wrap="square" tIns="45700">
+            <a:normAutofit/>
+          </a:bodyPr>
+          <a:lstStyle/>
+          <a:p>
+            <a:pPr indent="0" lvl="0" marL="0" rtl="0" algn="l">
+              <a:spcBef>
+                <a:spcPts val="0"/>
+              </a:spcBef>
+              <a:spcAft>
+                <a:spcPts val="0"/>
+              </a:spcAft>
+              <a:buClr>
+                <a:schemeClr val="dk1"/>
+              </a:buClr>
+              <a:buSzPts val="4400"/>
+              <a:buFont typeface="Times New Roman"/>
+              <a:buNone/>
+            </a:pPr>
+            <a:r>
+              <a:rPr lang="ru-RU">
+                <a:latin typeface="Times New Roman"/>
+                <a:ea typeface="Times New Roman"/>
+                <a:cs typeface="Times New Roman"/>
+                <a:sym typeface="Times New Roman"/>
+              </a:rPr>
               <a:t>Использование метода</a:t>
             </a:r>
             <a:endParaRPr>
@@ -15327,7 +15331,7 @@
       </p:sp>
       <p:sp>
         <p:nvSpPr>
-          <p:cNvPr id="193" name="Google Shape;193;p25"/>
+          <p:cNvPr id="190" name="Google Shape;190;p25"/>
           <p:cNvSpPr txBox="1"/>
           <p:nvPr>
             <p:ph idx="12" type="sldNum"/>
@@ -15371,7 +15375,7 @@
       </p:sp>
       <p:sp>
         <p:nvSpPr>
-          <p:cNvPr id="194" name="Google Shape;194;p25"/>
+          <p:cNvPr id="191" name="Google Shape;191;p25"/>
           <p:cNvSpPr txBox="1"/>
           <p:nvPr/>
         </p:nvSpPr>
@@ -15772,7 +15776,7 @@
       </p:sp>
       <p:sp>
         <p:nvSpPr>
-          <p:cNvPr id="195" name="Google Shape;195;p25"/>
+          <p:cNvPr id="192" name="Google Shape;192;p25"/>
           <p:cNvSpPr txBox="1"/>
           <p:nvPr/>
         </p:nvSpPr>
@@ -16185,7 +16189,7 @@
       </p:sp>
       <p:sp>
         <p:nvSpPr>
-          <p:cNvPr id="196" name="Google Shape;196;p25"/>
+          <p:cNvPr id="193" name="Google Shape;193;p25"/>
           <p:cNvSpPr txBox="1"/>
           <p:nvPr/>
         </p:nvSpPr>
@@ -16243,7 +16247,7 @@
       </p:sp>
       <p:sp>
         <p:nvSpPr>
-          <p:cNvPr id="197" name="Google Shape;197;p25"/>
+          <p:cNvPr id="194" name="Google Shape;194;p25"/>
           <p:cNvSpPr txBox="1"/>
           <p:nvPr/>
         </p:nvSpPr>
@@ -16301,7 +16305,7 @@
       </p:sp>
       <p:graphicFrame>
         <p:nvGraphicFramePr>
-          <p:cNvPr id="198" name="Google Shape;198;p25"/>
+          <p:cNvPr id="195" name="Google Shape;195;p25"/>
           <p:cNvGraphicFramePr/>
           <p:nvPr/>
         </p:nvGraphicFramePr>
@@ -16314,7 +16318,7 @@
             <a:tbl>
               <a:tblPr>
                 <a:noFill/>
-                <a:tableStyleId>{1068B27F-ADFB-46B1-9DD5-258757454C2B}</a:tableStyleId>
+                <a:tableStyleId>{570A7BF6-090D-43EB-A9A2-8F647BD2D7F3}</a:tableStyleId>
               </a:tblPr>
               <a:tblGrid>
                 <a:gridCol w="10399400"/>
@@ -16375,7 +16379,7 @@
   <p:cSld>
     <p:spTree>
       <p:nvGrpSpPr>
-        <p:cNvPr id="203" name="Shape 203"/>
+        <p:cNvPr id="200" name="Shape 200"/>
         <p:cNvGrpSpPr/>
         <p:nvPr/>
       </p:nvGrpSpPr>
@@ -16389,7 +16393,7 @@
       </p:grpSpPr>
       <p:sp>
         <p:nvSpPr>
-          <p:cNvPr id="204" name="Google Shape;204;p26"/>
+          <p:cNvPr id="201" name="Google Shape;201;p26"/>
           <p:cNvSpPr txBox="1"/>
           <p:nvPr>
             <p:ph type="title"/>
@@ -16410,7 +16414,7 @@
         </p:spPr>
         <p:txBody>
           <a:bodyPr anchorCtr="0" anchor="ctr" bIns="45700" lIns="91425" spcFirstLastPara="1" rIns="91425" wrap="square" tIns="45700">
-            <a:normAutofit/>
+            <a:normAutofit fontScale="90000"/>
           </a:bodyPr>
           <a:lstStyle/>
           <a:p>
@@ -16424,18 +16428,35 @@
               <a:buClr>
                 <a:schemeClr val="dk1"/>
               </a:buClr>
-              <a:buSzPts val="4400"/>
+              <a:buSzPct val="89999"/>
               <a:buFont typeface="Times New Roman"/>
               <a:buNone/>
             </a:pPr>
             <a:r>
-              <a:rPr lang="ru-RU">
+              <a:rPr lang="ru-RU" sz="4888">
                 <a:latin typeface="Times New Roman"/>
                 <a:ea typeface="Times New Roman"/>
                 <a:cs typeface="Times New Roman"/>
                 <a:sym typeface="Times New Roman"/>
               </a:rPr>
-              <a:t>Классификация алгоритмов</a:t>
+              <a:t>Классы алгоритмов по требованиям</a:t>
+            </a:r>
+            <a:br>
+              <a:rPr lang="ru-RU" sz="4888">
+                <a:latin typeface="Times New Roman"/>
+                <a:ea typeface="Times New Roman"/>
+                <a:cs typeface="Times New Roman"/>
+                <a:sym typeface="Times New Roman"/>
+              </a:rPr>
+            </a:br>
+            <a:r>
+              <a:rPr lang="ru-RU" sz="4888">
+                <a:latin typeface="Times New Roman"/>
+                <a:ea typeface="Times New Roman"/>
+                <a:cs typeface="Times New Roman"/>
+                <a:sym typeface="Times New Roman"/>
+              </a:rPr>
+              <a:t>к дополнительной памяти</a:t>
             </a:r>
             <a:endParaRPr>
               <a:latin typeface="Times New Roman"/>
@@ -16448,14 +16469,14 @@
       </p:sp>
       <p:sp>
         <p:nvSpPr>
-          <p:cNvPr id="205" name="Google Shape;205;p26"/>
+          <p:cNvPr id="202" name="Google Shape;202;p26"/>
           <p:cNvSpPr txBox="1"/>
           <p:nvPr/>
         </p:nvSpPr>
         <p:spPr>
           <a:xfrm>
-            <a:off x="502925" y="993925"/>
-            <a:ext cx="11186100" cy="5744700"/>
+            <a:off x="502925" y="1325700"/>
+            <a:ext cx="11186100" cy="5412600"/>
           </a:xfrm>
           <a:prstGeom prst="rect">
             <a:avLst/>
@@ -16471,9 +16492,9 @@
           </a:bodyPr>
           <a:lstStyle/>
           <a:p>
-            <a:pPr indent="0" lvl="0" marL="0" rtl="0" algn="just">
+            <a:pPr indent="-387350" lvl="0" marL="457200" rtl="0" algn="just">
               <a:lnSpc>
-                <a:spcPct val="85000"/>
+                <a:spcPct val="150000"/>
               </a:lnSpc>
               <a:spcBef>
                 <a:spcPts val="1200"/>
@@ -16481,10 +16502,15 @@
               <a:spcAft>
                 <a:spcPts val="0"/>
               </a:spcAft>
-              <a:buNone/>
+              <a:buClr>
+                <a:schemeClr val="dk1"/>
+              </a:buClr>
+              <a:buSzPts val="2500"/>
+              <a:buFont typeface="Times New Roman"/>
+              <a:buChar char="-"/>
             </a:pPr>
             <a:r>
-              <a:rPr lang="ru-RU" sz="2500">
+              <a:rPr b="1" lang="ru-RU" sz="2500">
                 <a:solidFill>
                   <a:schemeClr val="dk1"/>
                 </a:solidFill>
@@ -16493,10 +16519,10 @@
                 <a:cs typeface="Times New Roman"/>
                 <a:sym typeface="Times New Roman"/>
               </a:rPr>
-              <a:t>Пусть D</a:t>
+              <a:t>V0</a:t>
             </a:r>
             <a:r>
-              <a:rPr baseline="-25000" lang="ru-RU" sz="2500">
+              <a:rPr lang="ru-RU" sz="2500">
                 <a:solidFill>
                   <a:schemeClr val="dk1"/>
                 </a:solidFill>
@@ -16505,10 +16531,10 @@
                 <a:cs typeface="Times New Roman"/>
                 <a:sym typeface="Times New Roman"/>
               </a:rPr>
-              <a:t>n</a:t>
+              <a:t>: </a:t>
             </a:r>
             <a:r>
-              <a:rPr lang="ru-RU" sz="2500">
+              <a:rPr i="1" lang="ru-RU" sz="2500">
                 <a:solidFill>
                   <a:schemeClr val="dk1"/>
                 </a:solidFill>
@@ -16517,10 +16543,10 @@
                 <a:cs typeface="Times New Roman"/>
                 <a:sym typeface="Times New Roman"/>
               </a:rPr>
-              <a:t> – вход алгоритма A, V</a:t>
+              <a:t>V</a:t>
             </a:r>
             <a:r>
-              <a:rPr baseline="-25000" lang="ru-RU" sz="2500">
+              <a:rPr baseline="-25000" i="1" lang="ru-RU" sz="2500">
                 <a:solidFill>
                   <a:schemeClr val="dk1"/>
                 </a:solidFill>
@@ -16532,7 +16558,7 @@
               <a:t>t</a:t>
             </a:r>
             <a:r>
-              <a:rPr lang="ru-RU" sz="2500">
+              <a:rPr i="1" lang="ru-RU" sz="2500">
                 <a:solidFill>
                   <a:schemeClr val="dk1"/>
                 </a:solidFill>
@@ -16541,9 +16567,557 @@
                 <a:cs typeface="Times New Roman"/>
                 <a:sym typeface="Times New Roman"/>
               </a:rPr>
-              <a:t>(D) – дополнительная память алгоритма A, </a:t>
+              <a:t>(D)</a:t>
             </a:r>
-            <a:endParaRPr sz="2500">
+            <a:r>
+              <a:rPr i="1" lang="ru-RU" sz="2500">
+                <a:solidFill>
+                  <a:schemeClr val="dk1"/>
+                </a:solidFill>
+                <a:latin typeface="Times New Roman"/>
+                <a:ea typeface="Times New Roman"/>
+                <a:cs typeface="Times New Roman"/>
+                <a:sym typeface="Times New Roman"/>
+              </a:rPr>
+              <a:t> = 0 </a:t>
+            </a:r>
+            <a:r>
+              <a:rPr b="1" i="1" lang="ru-RU" sz="2500">
+                <a:solidFill>
+                  <a:schemeClr val="dk1"/>
+                </a:solidFill>
+                <a:latin typeface="Times New Roman"/>
+                <a:ea typeface="Times New Roman"/>
+                <a:cs typeface="Times New Roman"/>
+                <a:sym typeface="Times New Roman"/>
+              </a:rPr>
+              <a:t>(не рассматривается)</a:t>
+            </a:r>
+            <a:endParaRPr b="1" i="1" sz="2500">
+              <a:solidFill>
+                <a:schemeClr val="dk1"/>
+              </a:solidFill>
+              <a:latin typeface="Times New Roman"/>
+              <a:ea typeface="Times New Roman"/>
+              <a:cs typeface="Times New Roman"/>
+              <a:sym typeface="Times New Roman"/>
+            </a:endParaRPr>
+          </a:p>
+          <a:p>
+            <a:pPr indent="-387350" lvl="0" marL="457200" rtl="0" algn="just">
+              <a:lnSpc>
+                <a:spcPct val="150000"/>
+              </a:lnSpc>
+              <a:spcBef>
+                <a:spcPts val="0"/>
+              </a:spcBef>
+              <a:spcAft>
+                <a:spcPts val="0"/>
+              </a:spcAft>
+              <a:buClr>
+                <a:schemeClr val="dk1"/>
+              </a:buClr>
+              <a:buSzPts val="2500"/>
+              <a:buFont typeface="Times New Roman"/>
+              <a:buChar char="-"/>
+            </a:pPr>
+            <a:r>
+              <a:rPr b="1" lang="ru-RU" sz="2500">
+                <a:solidFill>
+                  <a:schemeClr val="dk1"/>
+                </a:solidFill>
+                <a:latin typeface="Times New Roman"/>
+                <a:ea typeface="Times New Roman"/>
+                <a:cs typeface="Times New Roman"/>
+                <a:sym typeface="Times New Roman"/>
+              </a:rPr>
+              <a:t>VC</a:t>
+            </a:r>
+            <a:r>
+              <a:rPr lang="ru-RU" sz="2500">
+                <a:solidFill>
+                  <a:schemeClr val="dk1"/>
+                </a:solidFill>
+                <a:latin typeface="Times New Roman"/>
+                <a:ea typeface="Times New Roman"/>
+                <a:cs typeface="Times New Roman"/>
+                <a:sym typeface="Times New Roman"/>
+              </a:rPr>
+              <a:t>: </a:t>
+            </a:r>
+            <a:r>
+              <a:rPr i="1" lang="ru-RU" sz="2500">
+                <a:solidFill>
+                  <a:schemeClr val="dk1"/>
+                </a:solidFill>
+                <a:latin typeface="Times New Roman"/>
+                <a:ea typeface="Times New Roman"/>
+                <a:cs typeface="Times New Roman"/>
+                <a:sym typeface="Times New Roman"/>
+              </a:rPr>
+              <a:t>V</a:t>
+            </a:r>
+            <a:r>
+              <a:rPr baseline="-25000" i="1" lang="ru-RU" sz="2500">
+                <a:solidFill>
+                  <a:schemeClr val="dk1"/>
+                </a:solidFill>
+                <a:latin typeface="Times New Roman"/>
+                <a:ea typeface="Times New Roman"/>
+                <a:cs typeface="Times New Roman"/>
+                <a:sym typeface="Times New Roman"/>
+              </a:rPr>
+              <a:t>t</a:t>
+            </a:r>
+            <a:r>
+              <a:rPr i="1" lang="ru-RU" sz="2500">
+                <a:solidFill>
+                  <a:schemeClr val="dk1"/>
+                </a:solidFill>
+                <a:latin typeface="Times New Roman"/>
+                <a:ea typeface="Times New Roman"/>
+                <a:cs typeface="Times New Roman"/>
+                <a:sym typeface="Times New Roman"/>
+              </a:rPr>
+              <a:t>^(n) = const ≠ 0;</a:t>
+            </a:r>
+            <a:endParaRPr i="1" sz="2500">
+              <a:solidFill>
+                <a:schemeClr val="dk1"/>
+              </a:solidFill>
+              <a:latin typeface="Times New Roman"/>
+              <a:ea typeface="Times New Roman"/>
+              <a:cs typeface="Times New Roman"/>
+              <a:sym typeface="Times New Roman"/>
+            </a:endParaRPr>
+          </a:p>
+          <a:p>
+            <a:pPr indent="-387350" lvl="0" marL="457200" rtl="0" algn="just">
+              <a:lnSpc>
+                <a:spcPct val="150000"/>
+              </a:lnSpc>
+              <a:spcBef>
+                <a:spcPts val="0"/>
+              </a:spcBef>
+              <a:spcAft>
+                <a:spcPts val="0"/>
+              </a:spcAft>
+              <a:buClr>
+                <a:schemeClr val="dk1"/>
+              </a:buClr>
+              <a:buSzPts val="2500"/>
+              <a:buFont typeface="Times New Roman"/>
+              <a:buChar char="-"/>
+            </a:pPr>
+            <a:r>
+              <a:rPr b="1" lang="ru-RU" sz="2500">
+                <a:solidFill>
+                  <a:schemeClr val="dk1"/>
+                </a:solidFill>
+                <a:latin typeface="Times New Roman"/>
+                <a:ea typeface="Times New Roman"/>
+                <a:cs typeface="Times New Roman"/>
+                <a:sym typeface="Times New Roman"/>
+              </a:rPr>
+              <a:t>VL</a:t>
+            </a:r>
+            <a:r>
+              <a:rPr lang="ru-RU" sz="2500">
+                <a:solidFill>
+                  <a:schemeClr val="dk1"/>
+                </a:solidFill>
+                <a:latin typeface="Times New Roman"/>
+                <a:ea typeface="Times New Roman"/>
+                <a:cs typeface="Times New Roman"/>
+                <a:sym typeface="Times New Roman"/>
+              </a:rPr>
+              <a:t>: </a:t>
+            </a:r>
+            <a:r>
+              <a:rPr i="1" lang="ru-RU" sz="2500">
+                <a:solidFill>
+                  <a:schemeClr val="dk1"/>
+                </a:solidFill>
+                <a:latin typeface="Times New Roman"/>
+                <a:ea typeface="Times New Roman"/>
+                <a:cs typeface="Times New Roman"/>
+                <a:sym typeface="Times New Roman"/>
+              </a:rPr>
+              <a:t>V</a:t>
+            </a:r>
+            <a:r>
+              <a:rPr baseline="-25000" i="1" lang="ru-RU" sz="2500">
+                <a:solidFill>
+                  <a:schemeClr val="dk1"/>
+                </a:solidFill>
+                <a:latin typeface="Times New Roman"/>
+                <a:ea typeface="Times New Roman"/>
+                <a:cs typeface="Times New Roman"/>
+                <a:sym typeface="Times New Roman"/>
+              </a:rPr>
+              <a:t>t</a:t>
+            </a:r>
+            <a:r>
+              <a:rPr i="1" lang="ru-RU" sz="2500">
+                <a:solidFill>
+                  <a:schemeClr val="dk1"/>
+                </a:solidFill>
+                <a:latin typeface="Times New Roman"/>
+                <a:ea typeface="Times New Roman"/>
+                <a:cs typeface="Times New Roman"/>
+                <a:sym typeface="Times New Roman"/>
+              </a:rPr>
+              <a:t>^(n)</a:t>
+            </a:r>
+            <a:r>
+              <a:rPr i="1" lang="ru-RU" sz="2500">
+                <a:solidFill>
+                  <a:schemeClr val="dk1"/>
+                </a:solidFill>
+                <a:latin typeface="Times New Roman"/>
+                <a:ea typeface="Times New Roman"/>
+                <a:cs typeface="Times New Roman"/>
+                <a:sym typeface="Times New Roman"/>
+              </a:rPr>
+              <a:t> = Θ(n);</a:t>
+            </a:r>
+            <a:endParaRPr i="1" sz="2500">
+              <a:solidFill>
+                <a:schemeClr val="dk1"/>
+              </a:solidFill>
+              <a:latin typeface="Times New Roman"/>
+              <a:ea typeface="Times New Roman"/>
+              <a:cs typeface="Times New Roman"/>
+              <a:sym typeface="Times New Roman"/>
+            </a:endParaRPr>
+          </a:p>
+          <a:p>
+            <a:pPr indent="-387350" lvl="0" marL="457200" rtl="0" algn="just">
+              <a:lnSpc>
+                <a:spcPct val="150000"/>
+              </a:lnSpc>
+              <a:spcBef>
+                <a:spcPts val="0"/>
+              </a:spcBef>
+              <a:spcAft>
+                <a:spcPts val="0"/>
+              </a:spcAft>
+              <a:buClr>
+                <a:schemeClr val="dk1"/>
+              </a:buClr>
+              <a:buSzPts val="2500"/>
+              <a:buFont typeface="Times New Roman"/>
+              <a:buChar char="-"/>
+            </a:pPr>
+            <a:r>
+              <a:rPr b="1" lang="ru-RU" sz="2500">
+                <a:solidFill>
+                  <a:schemeClr val="dk1"/>
+                </a:solidFill>
+                <a:latin typeface="Times New Roman"/>
+                <a:ea typeface="Times New Roman"/>
+                <a:cs typeface="Times New Roman"/>
+                <a:sym typeface="Times New Roman"/>
+              </a:rPr>
+              <a:t>VQ</a:t>
+            </a:r>
+            <a:r>
+              <a:rPr lang="ru-RU" sz="2500">
+                <a:solidFill>
+                  <a:schemeClr val="dk1"/>
+                </a:solidFill>
+                <a:latin typeface="Times New Roman"/>
+                <a:ea typeface="Times New Roman"/>
+                <a:cs typeface="Times New Roman"/>
+                <a:sym typeface="Times New Roman"/>
+              </a:rPr>
+              <a:t>: </a:t>
+            </a:r>
+            <a:r>
+              <a:rPr i="1" lang="ru-RU" sz="2500">
+                <a:solidFill>
+                  <a:schemeClr val="dk1"/>
+                </a:solidFill>
+                <a:latin typeface="Times New Roman"/>
+                <a:ea typeface="Times New Roman"/>
+                <a:cs typeface="Times New Roman"/>
+                <a:sym typeface="Times New Roman"/>
+              </a:rPr>
+              <a:t>V</a:t>
+            </a:r>
+            <a:r>
+              <a:rPr baseline="-25000" i="1" lang="ru-RU" sz="2500">
+                <a:solidFill>
+                  <a:schemeClr val="dk1"/>
+                </a:solidFill>
+                <a:latin typeface="Times New Roman"/>
+                <a:ea typeface="Times New Roman"/>
+                <a:cs typeface="Times New Roman"/>
+                <a:sym typeface="Times New Roman"/>
+              </a:rPr>
+              <a:t>t</a:t>
+            </a:r>
+            <a:r>
+              <a:rPr i="1" lang="ru-RU" sz="2500">
+                <a:solidFill>
+                  <a:schemeClr val="dk1"/>
+                </a:solidFill>
+                <a:latin typeface="Times New Roman"/>
+                <a:ea typeface="Times New Roman"/>
+                <a:cs typeface="Times New Roman"/>
+                <a:sym typeface="Times New Roman"/>
+              </a:rPr>
+              <a:t>^(n) = Θ(n</a:t>
+            </a:r>
+            <a:r>
+              <a:rPr baseline="30000" i="1" lang="ru-RU" sz="2500">
+                <a:solidFill>
+                  <a:schemeClr val="dk1"/>
+                </a:solidFill>
+                <a:latin typeface="Times New Roman"/>
+                <a:ea typeface="Times New Roman"/>
+                <a:cs typeface="Times New Roman"/>
+                <a:sym typeface="Times New Roman"/>
+              </a:rPr>
+              <a:t>2</a:t>
+            </a:r>
+            <a:r>
+              <a:rPr i="1" lang="ru-RU" sz="2500">
+                <a:solidFill>
+                  <a:schemeClr val="dk1"/>
+                </a:solidFill>
+                <a:latin typeface="Times New Roman"/>
+                <a:ea typeface="Times New Roman"/>
+                <a:cs typeface="Times New Roman"/>
+                <a:sym typeface="Times New Roman"/>
+              </a:rPr>
+              <a:t>);</a:t>
+            </a:r>
+            <a:endParaRPr i="1" sz="2500">
+              <a:solidFill>
+                <a:schemeClr val="dk1"/>
+              </a:solidFill>
+              <a:latin typeface="Times New Roman"/>
+              <a:ea typeface="Times New Roman"/>
+              <a:cs typeface="Times New Roman"/>
+              <a:sym typeface="Times New Roman"/>
+            </a:endParaRPr>
+          </a:p>
+          <a:p>
+            <a:pPr indent="-387350" lvl="0" marL="457200" rtl="0" algn="just">
+              <a:lnSpc>
+                <a:spcPct val="150000"/>
+              </a:lnSpc>
+              <a:spcBef>
+                <a:spcPts val="0"/>
+              </a:spcBef>
+              <a:spcAft>
+                <a:spcPts val="0"/>
+              </a:spcAft>
+              <a:buClr>
+                <a:schemeClr val="dk1"/>
+              </a:buClr>
+              <a:buSzPts val="2500"/>
+              <a:buFont typeface="Times New Roman"/>
+              <a:buChar char="-"/>
+            </a:pPr>
+            <a:r>
+              <a:rPr b="1" lang="ru-RU" sz="2500">
+                <a:solidFill>
+                  <a:schemeClr val="dk1"/>
+                </a:solidFill>
+                <a:latin typeface="Times New Roman"/>
+                <a:ea typeface="Times New Roman"/>
+                <a:cs typeface="Times New Roman"/>
+                <a:sym typeface="Times New Roman"/>
+              </a:rPr>
+              <a:t>VP</a:t>
+            </a:r>
+            <a:r>
+              <a:rPr lang="ru-RU" sz="2500">
+                <a:solidFill>
+                  <a:schemeClr val="dk1"/>
+                </a:solidFill>
+                <a:latin typeface="Times New Roman"/>
+                <a:ea typeface="Times New Roman"/>
+                <a:cs typeface="Times New Roman"/>
+                <a:sym typeface="Times New Roman"/>
+              </a:rPr>
+              <a:t>: </a:t>
+            </a:r>
+            <a:r>
+              <a:rPr i="1" lang="ru-RU" sz="2500">
+                <a:solidFill>
+                  <a:schemeClr val="dk1"/>
+                </a:solidFill>
+                <a:latin typeface="Times New Roman"/>
+                <a:ea typeface="Times New Roman"/>
+                <a:cs typeface="Times New Roman"/>
+                <a:sym typeface="Times New Roman"/>
+              </a:rPr>
+              <a:t>V</a:t>
+            </a:r>
+            <a:r>
+              <a:rPr baseline="-25000" i="1" lang="ru-RU" sz="2500">
+                <a:solidFill>
+                  <a:schemeClr val="dk1"/>
+                </a:solidFill>
+                <a:latin typeface="Times New Roman"/>
+                <a:ea typeface="Times New Roman"/>
+                <a:cs typeface="Times New Roman"/>
+                <a:sym typeface="Times New Roman"/>
+              </a:rPr>
+              <a:t>t</a:t>
+            </a:r>
+            <a:r>
+              <a:rPr i="1" lang="ru-RU" sz="2500">
+                <a:solidFill>
+                  <a:schemeClr val="dk1"/>
+                </a:solidFill>
+                <a:latin typeface="Times New Roman"/>
+                <a:ea typeface="Times New Roman"/>
+                <a:cs typeface="Times New Roman"/>
+                <a:sym typeface="Times New Roman"/>
+              </a:rPr>
+              <a:t>^(n) = Θ(n</a:t>
+            </a:r>
+            <a:r>
+              <a:rPr baseline="30000" i="1" lang="ru-RU" sz="2500">
+                <a:solidFill>
+                  <a:schemeClr val="dk1"/>
+                </a:solidFill>
+                <a:latin typeface="Times New Roman"/>
+                <a:ea typeface="Times New Roman"/>
+                <a:cs typeface="Times New Roman"/>
+                <a:sym typeface="Times New Roman"/>
+              </a:rPr>
+              <a:t>k</a:t>
+            </a:r>
+            <a:r>
+              <a:rPr i="1" lang="ru-RU" sz="2500">
+                <a:solidFill>
+                  <a:schemeClr val="dk1"/>
+                </a:solidFill>
+                <a:latin typeface="Times New Roman"/>
+                <a:ea typeface="Times New Roman"/>
+                <a:cs typeface="Times New Roman"/>
+                <a:sym typeface="Times New Roman"/>
+              </a:rPr>
+              <a:t>), k &gt; 2;</a:t>
+            </a:r>
+            <a:endParaRPr i="1" sz="2500">
+              <a:solidFill>
+                <a:schemeClr val="dk1"/>
+              </a:solidFill>
+              <a:latin typeface="Times New Roman"/>
+              <a:ea typeface="Times New Roman"/>
+              <a:cs typeface="Times New Roman"/>
+              <a:sym typeface="Times New Roman"/>
+            </a:endParaRPr>
+          </a:p>
+          <a:p>
+            <a:pPr indent="-387350" lvl="0" marL="457200" rtl="0" algn="just">
+              <a:lnSpc>
+                <a:spcPct val="150000"/>
+              </a:lnSpc>
+              <a:spcBef>
+                <a:spcPts val="0"/>
+              </a:spcBef>
+              <a:spcAft>
+                <a:spcPts val="0"/>
+              </a:spcAft>
+              <a:buClr>
+                <a:schemeClr val="dk1"/>
+              </a:buClr>
+              <a:buSzPts val="2500"/>
+              <a:buFont typeface="Times New Roman"/>
+              <a:buChar char="-"/>
+            </a:pPr>
+            <a:r>
+              <a:rPr b="1" lang="ru-RU" sz="2500">
+                <a:solidFill>
+                  <a:schemeClr val="dk1"/>
+                </a:solidFill>
+                <a:latin typeface="Times New Roman"/>
+                <a:ea typeface="Times New Roman"/>
+                <a:cs typeface="Times New Roman"/>
+                <a:sym typeface="Times New Roman"/>
+              </a:rPr>
+              <a:t>VE</a:t>
+            </a:r>
+            <a:r>
+              <a:rPr lang="ru-RU" sz="2500">
+                <a:solidFill>
+                  <a:schemeClr val="dk1"/>
+                </a:solidFill>
+                <a:latin typeface="Times New Roman"/>
+                <a:ea typeface="Times New Roman"/>
+                <a:cs typeface="Times New Roman"/>
+                <a:sym typeface="Times New Roman"/>
+              </a:rPr>
+              <a:t>: </a:t>
+            </a:r>
+            <a:r>
+              <a:rPr i="1" lang="ru-RU" sz="2500">
+                <a:solidFill>
+                  <a:schemeClr val="dk1"/>
+                </a:solidFill>
+                <a:latin typeface="Times New Roman"/>
+                <a:ea typeface="Times New Roman"/>
+                <a:cs typeface="Times New Roman"/>
+                <a:sym typeface="Times New Roman"/>
+              </a:rPr>
+              <a:t>V</a:t>
+            </a:r>
+            <a:r>
+              <a:rPr baseline="-25000" i="1" lang="ru-RU" sz="2500">
+                <a:solidFill>
+                  <a:schemeClr val="dk1"/>
+                </a:solidFill>
+                <a:latin typeface="Times New Roman"/>
+                <a:ea typeface="Times New Roman"/>
+                <a:cs typeface="Times New Roman"/>
+                <a:sym typeface="Times New Roman"/>
+              </a:rPr>
+              <a:t>t</a:t>
+            </a:r>
+            <a:r>
+              <a:rPr i="1" lang="ru-RU" sz="2500">
+                <a:solidFill>
+                  <a:schemeClr val="dk1"/>
+                </a:solidFill>
+                <a:latin typeface="Times New Roman"/>
+                <a:ea typeface="Times New Roman"/>
+                <a:cs typeface="Times New Roman"/>
+                <a:sym typeface="Times New Roman"/>
+              </a:rPr>
+              <a:t>^(n) = Θ(e</a:t>
+            </a:r>
+            <a:r>
+              <a:rPr baseline="30000" i="1" lang="ru-RU" sz="2500">
+                <a:solidFill>
+                  <a:schemeClr val="dk1"/>
+                </a:solidFill>
+                <a:latin typeface="Times New Roman"/>
+                <a:ea typeface="Times New Roman"/>
+                <a:cs typeface="Times New Roman"/>
+                <a:sym typeface="Times New Roman"/>
+              </a:rPr>
+              <a:t>λn</a:t>
+            </a:r>
+            <a:r>
+              <a:rPr i="1" lang="ru-RU" sz="2500">
+                <a:solidFill>
+                  <a:schemeClr val="dk1"/>
+                </a:solidFill>
+                <a:latin typeface="Times New Roman"/>
+                <a:ea typeface="Times New Roman"/>
+                <a:cs typeface="Times New Roman"/>
+                <a:sym typeface="Times New Roman"/>
+              </a:rPr>
+              <a:t>), λ &gt; 0;</a:t>
+            </a:r>
+            <a:endParaRPr i="1" sz="2500">
               <a:solidFill>
                 <a:schemeClr val="dk1"/>
               </a:solidFill>
@@ -16576,6 +17150,65 @@
                 <a:cs typeface="Times New Roman"/>
                 <a:sym typeface="Times New Roman"/>
               </a:rPr>
+              <a:t>где D</a:t>
+            </a:r>
+            <a:r>
+              <a:rPr baseline="-25000" lang="ru-RU" sz="2500">
+                <a:solidFill>
+                  <a:schemeClr val="dk1"/>
+                </a:solidFill>
+                <a:latin typeface="Times New Roman"/>
+                <a:ea typeface="Times New Roman"/>
+                <a:cs typeface="Times New Roman"/>
+                <a:sym typeface="Times New Roman"/>
+              </a:rPr>
+              <a:t>n</a:t>
+            </a:r>
+            <a:r>
+              <a:rPr lang="ru-RU" sz="2500">
+                <a:solidFill>
+                  <a:schemeClr val="dk1"/>
+                </a:solidFill>
+                <a:latin typeface="Times New Roman"/>
+                <a:ea typeface="Times New Roman"/>
+                <a:cs typeface="Times New Roman"/>
+                <a:sym typeface="Times New Roman"/>
+              </a:rPr>
+              <a:t> – вход алгоритма длины n,</a:t>
+            </a:r>
+            <a:endParaRPr sz="2500">
+              <a:solidFill>
+                <a:schemeClr val="dk1"/>
+              </a:solidFill>
+              <a:latin typeface="Times New Roman"/>
+              <a:ea typeface="Times New Roman"/>
+              <a:cs typeface="Times New Roman"/>
+              <a:sym typeface="Times New Roman"/>
+            </a:endParaRPr>
+          </a:p>
+          <a:p>
+            <a:pPr indent="457200" lvl="0" marL="0" rtl="0" algn="just">
+              <a:lnSpc>
+                <a:spcPct val="85000"/>
+              </a:lnSpc>
+              <a:spcBef>
+                <a:spcPts val="1200"/>
+              </a:spcBef>
+              <a:spcAft>
+                <a:spcPts val="0"/>
+              </a:spcAft>
+              <a:buNone/>
+            </a:pPr>
+            <a:r>
+              <a:rPr lang="ru-RU" sz="2500">
+                <a:solidFill>
+                  <a:schemeClr val="dk1"/>
+                </a:solidFill>
+                <a:latin typeface="Times New Roman"/>
+                <a:ea typeface="Times New Roman"/>
+                <a:cs typeface="Times New Roman"/>
+                <a:sym typeface="Times New Roman"/>
+              </a:rPr>
               <a:t>V</a:t>
             </a:r>
             <a:r>
@@ -16600,7 +17233,42 @@
                 <a:cs typeface="Times New Roman"/>
                 <a:sym typeface="Times New Roman"/>
               </a:rPr>
-              <a:t>^(n) = max V</a:t>
+              <a:t>(D) – дополнительная память алгоритма,</a:t>
+            </a:r>
+            <a:endParaRPr sz="2500">
+              <a:solidFill>
+                <a:schemeClr val="dk1"/>
+              </a:solidFill>
+              <a:latin typeface="Times New Roman"/>
+              <a:ea typeface="Times New Roman"/>
+              <a:cs typeface="Times New Roman"/>
+              <a:sym typeface="Times New Roman"/>
+            </a:endParaRPr>
+          </a:p>
+          <a:p>
+            <a:pPr indent="457200" lvl="0" marL="0" rtl="0" algn="just">
+              <a:lnSpc>
+                <a:spcPct val="85000"/>
+              </a:lnSpc>
+              <a:spcBef>
+                <a:spcPts val="1200"/>
+              </a:spcBef>
+              <a:spcAft>
+                <a:spcPts val="0"/>
+              </a:spcAft>
+              <a:buNone/>
+            </a:pPr>
+            <a:r>
+              <a:rPr lang="ru-RU" sz="2500">
+                <a:solidFill>
+                  <a:schemeClr val="dk1"/>
+                </a:solidFill>
+                <a:latin typeface="Times New Roman"/>
+                <a:ea typeface="Times New Roman"/>
+                <a:cs typeface="Times New Roman"/>
+                <a:sym typeface="Times New Roman"/>
+              </a:rPr>
+              <a:t>V</a:t>
             </a:r>
             <a:r>
               <a:rPr baseline="-25000" lang="ru-RU" sz="2500">
@@ -16624,7 +17292,54 @@
                 <a:cs typeface="Times New Roman"/>
                 <a:sym typeface="Times New Roman"/>
               </a:rPr>
-              <a:t>(D) – дополнительная память алгоритма A в худшем случае для всех входов длины n.</a:t>
+              <a:t>^(n) = max V</a:t>
+            </a:r>
+            <a:r>
+              <a:rPr baseline="-25000" lang="ru-RU" sz="2500">
+                <a:solidFill>
+                  <a:schemeClr val="dk1"/>
+                </a:solidFill>
+                <a:latin typeface="Times New Roman"/>
+                <a:ea typeface="Times New Roman"/>
+                <a:cs typeface="Times New Roman"/>
+                <a:sym typeface="Times New Roman"/>
+              </a:rPr>
+              <a:t>t</a:t>
+            </a:r>
+            <a:r>
+              <a:rPr lang="ru-RU" sz="2500">
+                <a:solidFill>
+                  <a:schemeClr val="dk1"/>
+                </a:solidFill>
+                <a:latin typeface="Times New Roman"/>
+                <a:ea typeface="Times New Roman"/>
+                <a:cs typeface="Times New Roman"/>
+                <a:sym typeface="Times New Roman"/>
+              </a:rPr>
+              <a:t>(D) – дополнительная память алгоритма в худшем случае</a:t>
+            </a:r>
+            <a:br>
+              <a:rPr lang="ru-RU" sz="2500">
+                <a:solidFill>
+                  <a:schemeClr val="dk1"/>
+                </a:solidFill>
+                <a:latin typeface="Times New Roman"/>
+                <a:ea typeface="Times New Roman"/>
+                <a:cs typeface="Times New Roman"/>
+                <a:sym typeface="Times New Roman"/>
+              </a:rPr>
+            </a:br>
+            <a:r>
+              <a:rPr lang="ru-RU" sz="2500">
+                <a:solidFill>
+                  <a:schemeClr val="dk1"/>
+                </a:solidFill>
+                <a:latin typeface="Times New Roman"/>
+                <a:ea typeface="Times New Roman"/>
+                <a:cs typeface="Times New Roman"/>
+                <a:sym typeface="Times New Roman"/>
+              </a:rPr>
+              <a:t>	для всех входов длины n.</a:t>
             </a:r>
             <a:endParaRPr sz="2500">
               <a:solidFill>
@@ -16638,38 +17353,6 @@
           </a:p>
           <a:p>
             <a:pPr indent="0" lvl="0" marL="0" rtl="0" algn="just">
-              <a:spcBef>
-                <a:spcPts val="1200"/>
-              </a:spcBef>
-              <a:spcAft>
-                <a:spcPts val="0"/>
-              </a:spcAft>
-              <a:buNone/>
-            </a:pPr>
-            <a:r>
-              <a:rPr lang="ru-RU" sz="2500">
-                <a:solidFill>
-                  <a:schemeClr val="dk1"/>
-                </a:solidFill>
-                <a:latin typeface="Times New Roman"/>
-                <a:ea typeface="Times New Roman"/>
-                <a:cs typeface="Times New Roman"/>
-                <a:sym typeface="Times New Roman"/>
-              </a:rPr>
-              <a:t>Классы алгоритмов по требованиям к дополнительной памяти:</a:t>
-            </a:r>
-            <a:endParaRPr sz="2500">
-              <a:solidFill>
-                <a:schemeClr val="dk1"/>
-              </a:solidFill>
-              <a:latin typeface="Times New Roman"/>
-              <a:ea typeface="Times New Roman"/>
-              <a:cs typeface="Times New Roman"/>
-              <a:sym typeface="Times New Roman"/>
-            </a:endParaRPr>
-          </a:p>
-          <a:p>
-            <a:pPr indent="-387350" lvl="0" marL="457200" rtl="0" algn="just">
               <a:lnSpc>
                 <a:spcPct val="150000"/>
               </a:lnSpc>
@@ -16679,610 +17362,12 @@
               <a:spcAft>
                 <a:spcPts val="0"/>
               </a:spcAft>
-              <a:buClr>
-                <a:schemeClr val="dk1"/>
-              </a:buClr>
-              <a:buSzPts val="2500"/>
-              <a:buFont typeface="Times New Roman"/>
-              <a:buChar char="-"/>
+              <a:buNone/>
             </a:pPr>
             <a:r>
-              <a:rPr b="1" lang="ru-RU" sz="2500">
-                <a:solidFill>
-                  <a:schemeClr val="dk1"/>
-                </a:solidFill>
-                <a:latin typeface="Times New Roman"/>
-                <a:ea typeface="Times New Roman"/>
-                <a:cs typeface="Times New Roman"/>
-                <a:sym typeface="Times New Roman"/>
-              </a:rPr>
-              <a:t>V0</a:t>
+              <a:t/>
             </a:r>
-            <a:r>
-              <a:rPr lang="ru-RU" sz="2500">
-                <a:solidFill>
-                  <a:schemeClr val="dk1"/>
-                </a:solidFill>
-                <a:latin typeface="Times New Roman"/>
-                <a:ea typeface="Times New Roman"/>
-                <a:cs typeface="Times New Roman"/>
-                <a:sym typeface="Times New Roman"/>
-              </a:rPr>
-              <a:t>: </a:t>
-            </a:r>
-            <a:r>
-              <a:rPr i="1" lang="ru-RU" sz="2500">
-                <a:solidFill>
-                  <a:schemeClr val="dk1"/>
-                </a:solidFill>
-                <a:latin typeface="Times New Roman"/>
-                <a:ea typeface="Times New Roman"/>
-                <a:cs typeface="Times New Roman"/>
-                <a:sym typeface="Times New Roman"/>
-              </a:rPr>
-              <a:t>V</a:t>
-            </a:r>
-            <a:r>
-              <a:rPr baseline="-25000" i="1" lang="ru-RU" sz="2500">
-                <a:solidFill>
-                  <a:schemeClr val="dk1"/>
-                </a:solidFill>
-                <a:latin typeface="Times New Roman"/>
-                <a:ea typeface="Times New Roman"/>
-                <a:cs typeface="Times New Roman"/>
-                <a:sym typeface="Times New Roman"/>
-              </a:rPr>
-              <a:t>t</a:t>
-            </a:r>
-            <a:r>
-              <a:rPr i="1" lang="ru-RU" sz="2500">
-                <a:solidFill>
-                  <a:schemeClr val="dk1"/>
-                </a:solidFill>
-                <a:latin typeface="Times New Roman"/>
-                <a:ea typeface="Times New Roman"/>
-                <a:cs typeface="Times New Roman"/>
-                <a:sym typeface="Times New Roman"/>
-              </a:rPr>
-              <a:t>(D)</a:t>
-            </a:r>
-            <a:r>
-              <a:rPr i="1" lang="ru-RU" sz="2500">
-                <a:solidFill>
-                  <a:schemeClr val="dk1"/>
-                </a:solidFill>
-                <a:latin typeface="Times New Roman"/>
-                <a:ea typeface="Times New Roman"/>
-                <a:cs typeface="Times New Roman"/>
-                <a:sym typeface="Times New Roman"/>
-              </a:rPr>
-              <a:t> = 0.</a:t>
-            </a:r>
-            <a:endParaRPr i="1" sz="2500">
-              <a:solidFill>
-                <a:schemeClr val="dk1"/>
-              </a:solidFill>
-              <a:latin typeface="Times New Roman"/>
-              <a:ea typeface="Times New Roman"/>
-              <a:cs typeface="Times New Roman"/>
-              <a:sym typeface="Times New Roman"/>
-            </a:endParaRPr>
-          </a:p>
-          <a:p>
-            <a:pPr indent="-387350" lvl="0" marL="457200" rtl="0" algn="just">
-              <a:lnSpc>
-                <a:spcPct val="150000"/>
-              </a:lnSpc>
-              <a:spcBef>
-                <a:spcPts val="0"/>
-              </a:spcBef>
-              <a:spcAft>
-                <a:spcPts val="0"/>
-              </a:spcAft>
-              <a:buClr>
-                <a:schemeClr val="dk1"/>
-              </a:buClr>
-              <a:buSzPts val="2500"/>
-              <a:buFont typeface="Times New Roman"/>
-              <a:buChar char="-"/>
-            </a:pPr>
-            <a:r>
-              <a:rPr b="1" lang="ru-RU" sz="2500">
-                <a:solidFill>
-                  <a:schemeClr val="dk1"/>
-                </a:solidFill>
-                <a:latin typeface="Times New Roman"/>
-                <a:ea typeface="Times New Roman"/>
-                <a:cs typeface="Times New Roman"/>
-                <a:sym typeface="Times New Roman"/>
-              </a:rPr>
-              <a:t>VC</a:t>
-            </a:r>
-            <a:r>
-              <a:rPr lang="ru-RU" sz="2500">
-                <a:solidFill>
-                  <a:schemeClr val="dk1"/>
-                </a:solidFill>
-                <a:latin typeface="Times New Roman"/>
-                <a:ea typeface="Times New Roman"/>
-                <a:cs typeface="Times New Roman"/>
-                <a:sym typeface="Times New Roman"/>
-              </a:rPr>
-              <a:t>: </a:t>
-            </a:r>
-            <a:r>
-              <a:rPr i="1" lang="ru-RU" sz="2500">
-                <a:solidFill>
-                  <a:schemeClr val="dk1"/>
-                </a:solidFill>
-                <a:latin typeface="Times New Roman"/>
-                <a:ea typeface="Times New Roman"/>
-                <a:cs typeface="Times New Roman"/>
-                <a:sym typeface="Times New Roman"/>
-              </a:rPr>
-              <a:t>V</a:t>
-            </a:r>
-            <a:r>
-              <a:rPr baseline="-25000" i="1" lang="ru-RU" sz="2500">
-                <a:solidFill>
-                  <a:schemeClr val="dk1"/>
-                </a:solidFill>
-                <a:latin typeface="Times New Roman"/>
-                <a:ea typeface="Times New Roman"/>
-                <a:cs typeface="Times New Roman"/>
-                <a:sym typeface="Times New Roman"/>
-              </a:rPr>
-              <a:t>t</a:t>
-            </a:r>
-            <a:r>
-              <a:rPr i="1" lang="ru-RU" sz="2500">
-                <a:solidFill>
-                  <a:schemeClr val="dk1"/>
-                </a:solidFill>
-                <a:latin typeface="Times New Roman"/>
-                <a:ea typeface="Times New Roman"/>
-                <a:cs typeface="Times New Roman"/>
-                <a:sym typeface="Times New Roman"/>
-              </a:rPr>
-              <a:t>^(n) = const ≠ 0.</a:t>
-            </a:r>
-            <a:endParaRPr i="1" sz="2500">
-              <a:solidFill>
-                <a:schemeClr val="dk1"/>
-              </a:solidFill>
-              <a:latin typeface="Times New Roman"/>
-              <a:ea typeface="Times New Roman"/>
-              <a:cs typeface="Times New Roman"/>
-              <a:sym typeface="Times New Roman"/>
-            </a:endParaRPr>
-          </a:p>
-          <a:p>
-            <a:pPr indent="-387350" lvl="0" marL="457200" rtl="0" algn="just">
-              <a:lnSpc>
-                <a:spcPct val="150000"/>
-              </a:lnSpc>
-              <a:spcBef>
-                <a:spcPts val="0"/>
-              </a:spcBef>
-              <a:spcAft>
-                <a:spcPts val="0"/>
-              </a:spcAft>
-              <a:buClr>
-                <a:schemeClr val="dk1"/>
-              </a:buClr>
-              <a:buSzPts val="2500"/>
-              <a:buFont typeface="Times New Roman"/>
-              <a:buChar char="-"/>
-            </a:pPr>
-            <a:r>
-              <a:rPr b="1" lang="ru-RU" sz="2500">
-                <a:solidFill>
-                  <a:schemeClr val="dk1"/>
-                </a:solidFill>
-                <a:latin typeface="Times New Roman"/>
-                <a:ea typeface="Times New Roman"/>
-                <a:cs typeface="Times New Roman"/>
-                <a:sym typeface="Times New Roman"/>
-              </a:rPr>
-              <a:t>VL</a:t>
-            </a:r>
-            <a:r>
-              <a:rPr lang="ru-RU" sz="2500">
-                <a:solidFill>
-                  <a:schemeClr val="dk1"/>
-                </a:solidFill>
-                <a:latin typeface="Times New Roman"/>
-                <a:ea typeface="Times New Roman"/>
-                <a:cs typeface="Times New Roman"/>
-                <a:sym typeface="Times New Roman"/>
-              </a:rPr>
-              <a:t>: </a:t>
-            </a:r>
-            <a:r>
-              <a:rPr i="1" lang="ru-RU" sz="2500">
-                <a:solidFill>
-                  <a:schemeClr val="dk1"/>
-                </a:solidFill>
-                <a:latin typeface="Times New Roman"/>
-                <a:ea typeface="Times New Roman"/>
-                <a:cs typeface="Times New Roman"/>
-                <a:sym typeface="Times New Roman"/>
-              </a:rPr>
-              <a:t>V</a:t>
-            </a:r>
-            <a:r>
-              <a:rPr baseline="-25000" i="1" lang="ru-RU" sz="2500">
-                <a:solidFill>
-                  <a:schemeClr val="dk1"/>
-                </a:solidFill>
-                <a:latin typeface="Times New Roman"/>
-                <a:ea typeface="Times New Roman"/>
-                <a:cs typeface="Times New Roman"/>
-                <a:sym typeface="Times New Roman"/>
-              </a:rPr>
-              <a:t>t</a:t>
-            </a:r>
-            <a:r>
-              <a:rPr i="1" lang="ru-RU" sz="2500">
-                <a:solidFill>
-                  <a:schemeClr val="dk1"/>
-                </a:solidFill>
-                <a:latin typeface="Times New Roman"/>
-                <a:ea typeface="Times New Roman"/>
-                <a:cs typeface="Times New Roman"/>
-                <a:sym typeface="Times New Roman"/>
-              </a:rPr>
-              <a:t>^(n)</a:t>
-            </a:r>
-            <a:r>
-              <a:rPr i="1" lang="ru-RU" sz="2500">
-                <a:solidFill>
-                  <a:schemeClr val="dk1"/>
-                </a:solidFill>
-                <a:latin typeface="Times New Roman"/>
-                <a:ea typeface="Times New Roman"/>
-                <a:cs typeface="Times New Roman"/>
-                <a:sym typeface="Times New Roman"/>
-              </a:rPr>
-              <a:t> = Θ(n).</a:t>
-            </a:r>
-            <a:endParaRPr i="1" sz="2500">
-              <a:solidFill>
-                <a:schemeClr val="dk1"/>
-              </a:solidFill>
-              <a:latin typeface="Times New Roman"/>
-              <a:ea typeface="Times New Roman"/>
-              <a:cs typeface="Times New Roman"/>
-              <a:sym typeface="Times New Roman"/>
-            </a:endParaRPr>
-          </a:p>
-          <a:p>
-            <a:pPr indent="-387350" lvl="0" marL="457200" rtl="0" algn="just">
-              <a:lnSpc>
-                <a:spcPct val="150000"/>
-              </a:lnSpc>
-              <a:spcBef>
-                <a:spcPts val="0"/>
-              </a:spcBef>
-              <a:spcAft>
-                <a:spcPts val="0"/>
-              </a:spcAft>
-              <a:buClr>
-                <a:schemeClr val="dk1"/>
-              </a:buClr>
-              <a:buSzPts val="2500"/>
-              <a:buFont typeface="Times New Roman"/>
-              <a:buChar char="-"/>
-            </a:pPr>
-            <a:r>
-              <a:rPr b="1" lang="ru-RU" sz="2500">
-                <a:solidFill>
-                  <a:schemeClr val="dk1"/>
-                </a:solidFill>
-                <a:latin typeface="Times New Roman"/>
-                <a:ea typeface="Times New Roman"/>
-                <a:cs typeface="Times New Roman"/>
-                <a:sym typeface="Times New Roman"/>
-              </a:rPr>
-              <a:t>VQ</a:t>
-            </a:r>
-            <a:r>
-              <a:rPr lang="ru-RU" sz="2500">
-                <a:solidFill>
-                  <a:schemeClr val="dk1"/>
-                </a:solidFill>
-                <a:latin typeface="Times New Roman"/>
-                <a:ea typeface="Times New Roman"/>
-                <a:cs typeface="Times New Roman"/>
-                <a:sym typeface="Times New Roman"/>
-              </a:rPr>
-              <a:t>: </a:t>
-            </a:r>
-            <a:r>
-              <a:rPr i="1" lang="ru-RU" sz="2500">
-                <a:solidFill>
-                  <a:schemeClr val="dk1"/>
-                </a:solidFill>
-                <a:latin typeface="Times New Roman"/>
-                <a:ea typeface="Times New Roman"/>
-                <a:cs typeface="Times New Roman"/>
-                <a:sym typeface="Times New Roman"/>
-              </a:rPr>
-              <a:t>V</a:t>
-            </a:r>
-            <a:r>
-              <a:rPr baseline="-25000" i="1" lang="ru-RU" sz="2500">
-                <a:solidFill>
-                  <a:schemeClr val="dk1"/>
-                </a:solidFill>
-                <a:latin typeface="Times New Roman"/>
-                <a:ea typeface="Times New Roman"/>
-                <a:cs typeface="Times New Roman"/>
-                <a:sym typeface="Times New Roman"/>
-              </a:rPr>
-              <a:t>t</a:t>
-            </a:r>
-            <a:r>
-              <a:rPr i="1" lang="ru-RU" sz="2500">
-                <a:solidFill>
-                  <a:schemeClr val="dk1"/>
-                </a:solidFill>
-                <a:latin typeface="Times New Roman"/>
-                <a:ea typeface="Times New Roman"/>
-                <a:cs typeface="Times New Roman"/>
-                <a:sym typeface="Times New Roman"/>
-              </a:rPr>
-              <a:t>^(n) = Θ(n</a:t>
-            </a:r>
-            <a:r>
-              <a:rPr baseline="30000" i="1" lang="ru-RU" sz="2500">
-                <a:solidFill>
-                  <a:schemeClr val="dk1"/>
-                </a:solidFill>
-                <a:latin typeface="Times New Roman"/>
-                <a:ea typeface="Times New Roman"/>
-                <a:cs typeface="Times New Roman"/>
-                <a:sym typeface="Times New Roman"/>
-              </a:rPr>
-              <a:t>2</a:t>
-            </a:r>
-            <a:r>
-              <a:rPr i="1" lang="ru-RU" sz="2500">
-                <a:solidFill>
-                  <a:schemeClr val="dk1"/>
-                </a:solidFill>
-                <a:latin typeface="Times New Roman"/>
-                <a:ea typeface="Times New Roman"/>
-                <a:cs typeface="Times New Roman"/>
-                <a:sym typeface="Times New Roman"/>
-              </a:rPr>
-              <a:t>).</a:t>
-            </a:r>
-            <a:endParaRPr i="1" sz="2500">
-              <a:solidFill>
-                <a:schemeClr val="dk1"/>
-              </a:solidFill>
-              <a:latin typeface="Times New Roman"/>
-              <a:ea typeface="Times New Roman"/>
-              <a:cs typeface="Times New Roman"/>
-              <a:sym typeface="Times New Roman"/>
-            </a:endParaRPr>
-          </a:p>
-          <a:p>
-            <a:pPr indent="-387350" lvl="0" marL="457200" rtl="0" algn="just">
-              <a:lnSpc>
-                <a:spcPct val="150000"/>
-              </a:lnSpc>
-              <a:spcBef>
-                <a:spcPts val="0"/>
-              </a:spcBef>
-              <a:spcAft>
-                <a:spcPts val="0"/>
-              </a:spcAft>
-              <a:buClr>
-                <a:schemeClr val="dk1"/>
-              </a:buClr>
-              <a:buSzPts val="2500"/>
-              <a:buFont typeface="Times New Roman"/>
-              <a:buChar char="-"/>
-            </a:pPr>
-            <a:r>
-              <a:rPr b="1" lang="ru-RU" sz="2500">
-                <a:solidFill>
-                  <a:schemeClr val="dk1"/>
-                </a:solidFill>
-                <a:latin typeface="Times New Roman"/>
-                <a:ea typeface="Times New Roman"/>
-                <a:cs typeface="Times New Roman"/>
-                <a:sym typeface="Times New Roman"/>
-              </a:rPr>
-              <a:t>VP</a:t>
-            </a:r>
-            <a:r>
-              <a:rPr lang="ru-RU" sz="2500">
-                <a:solidFill>
-                  <a:schemeClr val="dk1"/>
-                </a:solidFill>
-                <a:latin typeface="Times New Roman"/>
-                <a:ea typeface="Times New Roman"/>
-                <a:cs typeface="Times New Roman"/>
-                <a:sym typeface="Times New Roman"/>
-              </a:rPr>
-              <a:t>: </a:t>
-            </a:r>
-            <a:r>
-              <a:rPr i="1" lang="ru-RU" sz="2500">
-                <a:solidFill>
-                  <a:schemeClr val="dk1"/>
-                </a:solidFill>
-                <a:latin typeface="Times New Roman"/>
-                <a:ea typeface="Times New Roman"/>
-                <a:cs typeface="Times New Roman"/>
-                <a:sym typeface="Times New Roman"/>
-              </a:rPr>
-              <a:t>V</a:t>
-            </a:r>
-            <a:r>
-              <a:rPr baseline="-25000" i="1" lang="ru-RU" sz="2500">
-                <a:solidFill>
-                  <a:schemeClr val="dk1"/>
-                </a:solidFill>
-                <a:latin typeface="Times New Roman"/>
-                <a:ea typeface="Times New Roman"/>
-                <a:cs typeface="Times New Roman"/>
-                <a:sym typeface="Times New Roman"/>
-              </a:rPr>
-              <a:t>t</a:t>
-            </a:r>
-            <a:r>
-              <a:rPr i="1" lang="ru-RU" sz="2500">
-                <a:solidFill>
-                  <a:schemeClr val="dk1"/>
-                </a:solidFill>
-                <a:latin typeface="Times New Roman"/>
-                <a:ea typeface="Times New Roman"/>
-                <a:cs typeface="Times New Roman"/>
-                <a:sym typeface="Times New Roman"/>
-              </a:rPr>
-              <a:t>^(n) = Θ(n</a:t>
-            </a:r>
-            <a:r>
-              <a:rPr baseline="30000" i="1" lang="ru-RU" sz="2500">
-                <a:solidFill>
-                  <a:schemeClr val="dk1"/>
-                </a:solidFill>
-                <a:latin typeface="Times New Roman"/>
-                <a:ea typeface="Times New Roman"/>
-                <a:cs typeface="Times New Roman"/>
-                <a:sym typeface="Times New Roman"/>
-              </a:rPr>
-              <a:t>k</a:t>
-            </a:r>
-            <a:r>
-              <a:rPr i="1" lang="ru-RU" sz="2500">
-                <a:solidFill>
-                  <a:schemeClr val="dk1"/>
-                </a:solidFill>
-                <a:latin typeface="Times New Roman"/>
-                <a:ea typeface="Times New Roman"/>
-                <a:cs typeface="Times New Roman"/>
-                <a:sym typeface="Times New Roman"/>
-              </a:rPr>
-              <a:t>), k &gt; 2.</a:t>
-            </a:r>
-            <a:endParaRPr i="1" sz="2500">
-              <a:solidFill>
-                <a:schemeClr val="dk1"/>
-              </a:solidFill>
-              <a:latin typeface="Times New Roman"/>
-              <a:ea typeface="Times New Roman"/>
-              <a:cs typeface="Times New Roman"/>
-              <a:sym typeface="Times New Roman"/>
-            </a:endParaRPr>
-          </a:p>
-          <a:p>
-            <a:pPr indent="-387350" lvl="0" marL="457200" rtl="0" algn="just">
-              <a:lnSpc>
-                <a:spcPct val="150000"/>
-              </a:lnSpc>
-              <a:spcBef>
-                <a:spcPts val="0"/>
-              </a:spcBef>
-              <a:spcAft>
-                <a:spcPts val="0"/>
-              </a:spcAft>
-              <a:buClr>
-                <a:schemeClr val="dk1"/>
-              </a:buClr>
-              <a:buSzPts val="2500"/>
-              <a:buFont typeface="Times New Roman"/>
-              <a:buChar char="-"/>
-            </a:pPr>
-            <a:r>
-              <a:rPr b="1" lang="ru-RU" sz="2500">
-                <a:solidFill>
-                  <a:schemeClr val="dk1"/>
-                </a:solidFill>
-                <a:latin typeface="Times New Roman"/>
-                <a:ea typeface="Times New Roman"/>
-                <a:cs typeface="Times New Roman"/>
-                <a:sym typeface="Times New Roman"/>
-              </a:rPr>
-              <a:t>VE</a:t>
-            </a:r>
-            <a:r>
-              <a:rPr lang="ru-RU" sz="2500">
-                <a:solidFill>
-                  <a:schemeClr val="dk1"/>
-                </a:solidFill>
-                <a:latin typeface="Times New Roman"/>
-                <a:ea typeface="Times New Roman"/>
-                <a:cs typeface="Times New Roman"/>
-                <a:sym typeface="Times New Roman"/>
-              </a:rPr>
-              <a:t>: </a:t>
-            </a:r>
-            <a:r>
-              <a:rPr i="1" lang="ru-RU" sz="2500">
-                <a:solidFill>
-                  <a:schemeClr val="dk1"/>
-                </a:solidFill>
-                <a:latin typeface="Times New Roman"/>
-                <a:ea typeface="Times New Roman"/>
-                <a:cs typeface="Times New Roman"/>
-                <a:sym typeface="Times New Roman"/>
-              </a:rPr>
-              <a:t>V</a:t>
-            </a:r>
-            <a:r>
-              <a:rPr baseline="-25000" i="1" lang="ru-RU" sz="2500">
-                <a:solidFill>
-                  <a:schemeClr val="dk1"/>
-                </a:solidFill>
-                <a:latin typeface="Times New Roman"/>
-                <a:ea typeface="Times New Roman"/>
-                <a:cs typeface="Times New Roman"/>
-                <a:sym typeface="Times New Roman"/>
-              </a:rPr>
-              <a:t>t</a:t>
-            </a:r>
-            <a:r>
-              <a:rPr i="1" lang="ru-RU" sz="2500">
-                <a:solidFill>
-                  <a:schemeClr val="dk1"/>
-                </a:solidFill>
-                <a:latin typeface="Times New Roman"/>
-                <a:ea typeface="Times New Roman"/>
-                <a:cs typeface="Times New Roman"/>
-                <a:sym typeface="Times New Roman"/>
-              </a:rPr>
-              <a:t>^(n) = Θ(e</a:t>
-            </a:r>
-            <a:r>
-              <a:rPr baseline="30000" i="1" lang="ru-RU" sz="2500">
-                <a:solidFill>
-                  <a:schemeClr val="dk1"/>
-                </a:solidFill>
-                <a:latin typeface="Times New Roman"/>
-                <a:ea typeface="Times New Roman"/>
-                <a:cs typeface="Times New Roman"/>
-                <a:sym typeface="Times New Roman"/>
-              </a:rPr>
-              <a:t>λn</a:t>
-            </a:r>
-            <a:r>
-              <a:rPr i="1" lang="ru-RU" sz="2500">
-                <a:solidFill>
-                  <a:schemeClr val="dk1"/>
-                </a:solidFill>
-                <a:latin typeface="Times New Roman"/>
-                <a:ea typeface="Times New Roman"/>
-                <a:cs typeface="Times New Roman"/>
-                <a:sym typeface="Times New Roman"/>
-              </a:rPr>
-              <a:t>), λ &gt; 0.</a:t>
-            </a:r>
-            <a:endParaRPr i="1" sz="2500">
+            <a:endParaRPr sz="2500">
               <a:solidFill>
                 <a:schemeClr val="dk1"/>
               </a:solidFill>
@@ -17296,7 +17381,7 @@
       </p:sp>
       <p:sp>
         <p:nvSpPr>
-          <p:cNvPr id="206" name="Google Shape;206;p26"/>
+          <p:cNvPr id="203" name="Google Shape;203;p26"/>
           <p:cNvSpPr txBox="1"/>
           <p:nvPr>
             <p:ph idx="12" type="sldNum"/>
@@ -17340,7 +17425,7 @@
       </p:sp>
       <p:pic>
         <p:nvPicPr>
-          <p:cNvPr id="207" name="Google Shape;207;p26"/>
+          <p:cNvPr id="204" name="Google Shape;204;p26"/>
           <p:cNvPicPr preferRelativeResize="0"/>
           <p:nvPr/>
         </p:nvPicPr>
@@ -17354,8 +17439,8 @@
         </p:blipFill>
         <p:spPr>
           <a:xfrm>
-            <a:off x="5115375" y="2777875"/>
-            <a:ext cx="5289475" cy="3943575"/>
+            <a:off x="6079275" y="1325700"/>
+            <a:ext cx="5274525" cy="3898975"/>
           </a:xfrm>
           <a:prstGeom prst="rect">
             <a:avLst/>
@@ -17379,7 +17464,7 @@
   <p:cSld>
     <p:spTree>
       <p:nvGrpSpPr>
-        <p:cNvPr id="212" name="Shape 212"/>
+        <p:cNvPr id="209" name="Shape 209"/>
         <p:cNvGrpSpPr/>
         <p:nvPr/>
       </p:nvGrpSpPr>
@@ -17393,7 +17478,7 @@
       </p:grpSpPr>
       <p:sp>
         <p:nvSpPr>
-          <p:cNvPr id="213" name="Google Shape;213;p27"/>
+          <p:cNvPr id="210" name="Google Shape;210;p27"/>
           <p:cNvSpPr txBox="1"/>
           <p:nvPr>
             <p:ph type="title"/>
@@ -17402,7 +17487,7 @@
         <p:spPr>
           <a:xfrm>
             <a:off x="838200" y="0"/>
-            <a:ext cx="10515600" cy="1325700"/>
+            <a:ext cx="10596000" cy="1325700"/>
           </a:xfrm>
           <a:prstGeom prst="rect">
             <a:avLst/>
@@ -17414,7 +17499,7 @@
         </p:spPr>
         <p:txBody>
           <a:bodyPr anchorCtr="0" anchor="ctr" bIns="45700" lIns="91425" spcFirstLastPara="1" rIns="91425" wrap="square" tIns="45700">
-            <a:normAutofit/>
+            <a:normAutofit fontScale="90000"/>
           </a:bodyPr>
           <a:lstStyle/>
           <a:p>
@@ -17428,7 +17513,7 @@
               <a:buClr>
                 <a:schemeClr val="dk1"/>
               </a:buClr>
-              <a:buSzPts val="4400"/>
+              <a:buSzPct val="100000"/>
               <a:buFont typeface="Times New Roman"/>
               <a:buNone/>
             </a:pPr>
@@ -17439,7 +17524,7 @@
                 <a:cs typeface="Times New Roman"/>
                 <a:sym typeface="Times New Roman"/>
               </a:rPr>
-              <a:t>Результаты исследования (1/2)</a:t>
+              <a:t>Проигрыш по времени выполнения алгоритмов в сравнении со встроенными средствами Golang</a:t>
             </a:r>
             <a:endParaRPr>
               <a:latin typeface="Times New Roman"/>
@@ -17452,7 +17537,7 @@
       </p:sp>
       <p:sp>
         <p:nvSpPr>
-          <p:cNvPr id="214" name="Google Shape;214;p27"/>
+          <p:cNvPr id="211" name="Google Shape;211;p27"/>
           <p:cNvSpPr txBox="1"/>
           <p:nvPr>
             <p:ph idx="12" type="sldNum"/>
@@ -17494,9 +17579,237 @@
           </a:p>
         </p:txBody>
       </p:sp>
+      <p:sp>
+        <p:nvSpPr>
+          <p:cNvPr id="212" name="Google Shape;212;p27"/>
+          <p:cNvSpPr txBox="1"/>
+          <p:nvPr/>
+        </p:nvSpPr>
+        <p:spPr>
+          <a:xfrm>
+            <a:off x="6213400" y="4374288"/>
+            <a:ext cx="5556000" cy="2067600"/>
+          </a:xfrm>
+          <a:prstGeom prst="rect">
+            <a:avLst/>
+          </a:prstGeom>
+          <a:noFill/>
+          <a:ln>
+            <a:noFill/>
+          </a:ln>
+        </p:spPr>
+        <p:txBody>
+          <a:bodyPr anchorCtr="0" anchor="t" bIns="91425" lIns="91425" spcFirstLastPara="1" rIns="91425" wrap="square" tIns="91425">
+            <a:noAutofit/>
+          </a:bodyPr>
+          <a:lstStyle/>
+          <a:p>
+            <a:pPr indent="0" lvl="0" marL="457200" rtl="0" algn="l">
+              <a:spcBef>
+                <a:spcPts val="0"/>
+              </a:spcBef>
+              <a:spcAft>
+                <a:spcPts val="0"/>
+              </a:spcAft>
+              <a:buNone/>
+            </a:pPr>
+            <a:r>
+              <a:rPr b="1" lang="ru-RU" sz="2500">
+                <a:solidFill>
+                  <a:schemeClr val="dk1"/>
+                </a:solidFill>
+                <a:latin typeface="Times New Roman"/>
+                <a:ea typeface="Times New Roman"/>
+                <a:cs typeface="Times New Roman"/>
+                <a:sym typeface="Times New Roman"/>
+              </a:rPr>
+              <a:t>VC</a:t>
+            </a:r>
+            <a:r>
+              <a:rPr lang="ru-RU" sz="2500">
+                <a:solidFill>
+                  <a:schemeClr val="dk1"/>
+                </a:solidFill>
+                <a:latin typeface="Times New Roman"/>
+                <a:ea typeface="Times New Roman"/>
+                <a:cs typeface="Times New Roman"/>
+                <a:sym typeface="Times New Roman"/>
+              </a:rPr>
+              <a:t>: фиксированная доп. память;</a:t>
+            </a:r>
+            <a:endParaRPr sz="2500">
+              <a:solidFill>
+                <a:schemeClr val="dk1"/>
+              </a:solidFill>
+              <a:latin typeface="Times New Roman"/>
+              <a:ea typeface="Times New Roman"/>
+              <a:cs typeface="Times New Roman"/>
+              <a:sym typeface="Times New Roman"/>
+            </a:endParaRPr>
+          </a:p>
+          <a:p>
+            <a:pPr indent="0" lvl="0" marL="457200" rtl="0" algn="l">
+              <a:spcBef>
+                <a:spcPts val="0"/>
+              </a:spcBef>
+              <a:spcAft>
+                <a:spcPts val="0"/>
+              </a:spcAft>
+              <a:buNone/>
+            </a:pPr>
+            <a:r>
+              <a:rPr b="1" lang="ru-RU" sz="2500">
+                <a:solidFill>
+                  <a:schemeClr val="dk1"/>
+                </a:solidFill>
+                <a:latin typeface="Times New Roman"/>
+                <a:ea typeface="Times New Roman"/>
+                <a:cs typeface="Times New Roman"/>
+                <a:sym typeface="Times New Roman"/>
+              </a:rPr>
+              <a:t>VL</a:t>
+            </a:r>
+            <a:r>
+              <a:rPr lang="ru-RU" sz="2500">
+                <a:solidFill>
+                  <a:schemeClr val="dk1"/>
+                </a:solidFill>
+                <a:latin typeface="Times New Roman"/>
+                <a:ea typeface="Times New Roman"/>
+                <a:cs typeface="Times New Roman"/>
+                <a:sym typeface="Times New Roman"/>
+              </a:rPr>
+              <a:t>: </a:t>
+            </a:r>
+            <a:r>
+              <a:rPr lang="ru-RU" sz="2500">
+                <a:solidFill>
+                  <a:schemeClr val="dk1"/>
+                </a:solidFill>
+                <a:latin typeface="Times New Roman"/>
+                <a:ea typeface="Times New Roman"/>
+                <a:cs typeface="Times New Roman"/>
+                <a:sym typeface="Times New Roman"/>
+              </a:rPr>
+              <a:t>доп. память линейно</a:t>
+            </a:r>
+            <a:br>
+              <a:rPr lang="ru-RU" sz="2500">
+                <a:solidFill>
+                  <a:schemeClr val="dk1"/>
+                </a:solidFill>
+                <a:latin typeface="Times New Roman"/>
+                <a:ea typeface="Times New Roman"/>
+                <a:cs typeface="Times New Roman"/>
+                <a:sym typeface="Times New Roman"/>
+              </a:rPr>
+            </a:br>
+            <a:r>
+              <a:rPr lang="ru-RU" sz="2500">
+                <a:solidFill>
+                  <a:schemeClr val="dk1"/>
+                </a:solidFill>
+                <a:latin typeface="Times New Roman"/>
+                <a:ea typeface="Times New Roman"/>
+                <a:cs typeface="Times New Roman"/>
+                <a:sym typeface="Times New Roman"/>
+              </a:rPr>
+              <a:t>	  зависит от длины входа;</a:t>
+            </a:r>
+            <a:endParaRPr sz="2500">
+              <a:solidFill>
+                <a:schemeClr val="dk1"/>
+              </a:solidFill>
+              <a:latin typeface="Times New Roman"/>
+              <a:ea typeface="Times New Roman"/>
+              <a:cs typeface="Times New Roman"/>
+              <a:sym typeface="Times New Roman"/>
+            </a:endParaRPr>
+          </a:p>
+          <a:p>
+            <a:pPr indent="0" lvl="0" marL="457200" rtl="0" algn="l">
+              <a:spcBef>
+                <a:spcPts val="0"/>
+              </a:spcBef>
+              <a:spcAft>
+                <a:spcPts val="0"/>
+              </a:spcAft>
+              <a:buNone/>
+            </a:pPr>
+            <a:r>
+              <a:rPr b="1" lang="ru-RU" sz="2500">
+                <a:solidFill>
+                  <a:schemeClr val="dk1"/>
+                </a:solidFill>
+                <a:latin typeface="Times New Roman"/>
+                <a:ea typeface="Times New Roman"/>
+                <a:cs typeface="Times New Roman"/>
+                <a:sym typeface="Times New Roman"/>
+              </a:rPr>
+              <a:t>VQ</a:t>
+            </a:r>
+            <a:r>
+              <a:rPr lang="ru-RU" sz="2500">
+                <a:solidFill>
+                  <a:schemeClr val="dk1"/>
+                </a:solidFill>
+                <a:latin typeface="Times New Roman"/>
+                <a:ea typeface="Times New Roman"/>
+                <a:cs typeface="Times New Roman"/>
+                <a:sym typeface="Times New Roman"/>
+              </a:rPr>
+              <a:t>: </a:t>
+            </a:r>
+            <a:r>
+              <a:rPr lang="ru-RU" sz="2500">
+                <a:solidFill>
+                  <a:schemeClr val="dk1"/>
+                </a:solidFill>
+                <a:latin typeface="Times New Roman"/>
+                <a:ea typeface="Times New Roman"/>
+                <a:cs typeface="Times New Roman"/>
+                <a:sym typeface="Times New Roman"/>
+              </a:rPr>
+              <a:t>доп. память квадратично</a:t>
+            </a:r>
+            <a:br>
+              <a:rPr lang="ru-RU" sz="2500">
+                <a:solidFill>
+                  <a:schemeClr val="dk1"/>
+                </a:solidFill>
+                <a:latin typeface="Times New Roman"/>
+                <a:ea typeface="Times New Roman"/>
+                <a:cs typeface="Times New Roman"/>
+                <a:sym typeface="Times New Roman"/>
+              </a:rPr>
+            </a:br>
+            <a:r>
+              <a:rPr lang="ru-RU" sz="2500">
+                <a:solidFill>
+                  <a:schemeClr val="dk1"/>
+                </a:solidFill>
+                <a:latin typeface="Times New Roman"/>
+                <a:ea typeface="Times New Roman"/>
+                <a:cs typeface="Times New Roman"/>
+                <a:sym typeface="Times New Roman"/>
+              </a:rPr>
+              <a:t>	  зависит от длины входа.</a:t>
+            </a:r>
+            <a:endParaRPr sz="2500">
+              <a:solidFill>
+                <a:schemeClr val="dk1"/>
+              </a:solidFill>
+              <a:latin typeface="Times New Roman"/>
+              <a:ea typeface="Times New Roman"/>
+              <a:cs typeface="Times New Roman"/>
+              <a:sym typeface="Times New Roman"/>
+            </a:endParaRPr>
+          </a:p>
+        </p:txBody>
+      </p:sp>
       <p:pic>
         <p:nvPicPr>
-          <p:cNvPr id="215" name="Google Shape;215;p27"/>
+          <p:cNvPr id="213" name="Google Shape;213;p27"/>
           <p:cNvPicPr preferRelativeResize="0"/>
           <p:nvPr/>
         </p:nvPicPr>
@@ -17510,8 +17823,8 @@
         </p:blipFill>
         <p:spPr>
           <a:xfrm>
-            <a:off x="376825" y="1325700"/>
-            <a:ext cx="5555924" cy="2626751"/>
+            <a:off x="384263" y="1396862"/>
+            <a:ext cx="5541057" cy="2626724"/>
           </a:xfrm>
           <a:prstGeom prst="rect">
             <a:avLst/>
@@ -17524,7 +17837,7 @@
       </p:pic>
       <p:pic>
         <p:nvPicPr>
-          <p:cNvPr id="216" name="Google Shape;216;p27"/>
+          <p:cNvPr id="214" name="Google Shape;214;p27"/>
           <p:cNvPicPr preferRelativeResize="0"/>
           <p:nvPr/>
         </p:nvPicPr>
@@ -17538,8 +17851,8 @@
         </p:blipFill>
         <p:spPr>
           <a:xfrm>
-            <a:off x="6213412" y="1325700"/>
-            <a:ext cx="5555954" cy="2626751"/>
+            <a:off x="6220875" y="1396850"/>
+            <a:ext cx="5541052" cy="2626724"/>
           </a:xfrm>
           <a:prstGeom prst="rect">
             <a:avLst/>
@@ -17552,7 +17865,7 @@
       </p:pic>
       <p:pic>
         <p:nvPicPr>
-          <p:cNvPr id="217" name="Google Shape;217;p27"/>
+          <p:cNvPr id="215" name="Google Shape;215;p27"/>
           <p:cNvPicPr preferRelativeResize="0"/>
           <p:nvPr/>
         </p:nvPicPr>
@@ -17566,8 +17879,8 @@
         </p:blipFill>
         <p:spPr>
           <a:xfrm>
-            <a:off x="3318050" y="4094728"/>
-            <a:ext cx="5555900" cy="2626724"/>
+            <a:off x="386575" y="4094725"/>
+            <a:ext cx="5536452" cy="2626726"/>
           </a:xfrm>
           <a:prstGeom prst="rect">
             <a:avLst/>
@@ -17580,12 +17893,12 @@
       </p:pic>
       <p:graphicFrame>
         <p:nvGraphicFramePr>
-          <p:cNvPr id="218" name="Google Shape;218;p27"/>
+          <p:cNvPr id="216" name="Google Shape;216;p27"/>
           <p:cNvGraphicFramePr/>
           <p:nvPr/>
         </p:nvGraphicFramePr>
         <p:xfrm>
-          <a:off x="5119975" y="2904775"/>
+          <a:off x="5148588" y="5355650"/>
           <a:ext cx="3000000" cy="3000000"/>
         </p:xfrm>
         <a:graphic>
@@ -17593,7 +17906,103 @@
             <a:tbl>
               <a:tblPr>
                 <a:noFill/>
-                <a:tableStyleId>{1068B27F-ADFB-46B1-9DD5-258757454C2B}</a:tableStyleId>
+                <a:tableStyleId>{570A7BF6-090D-43EB-A9A2-8F647BD2D7F3}</a:tableStyleId>
+              </a:tblPr>
+              <a:tblGrid>
+                <a:gridCol w="649725"/>
+              </a:tblGrid>
+              <a:tr h="381000">
+                <a:tc>
+                  <a:txBody>
+                    <a:bodyPr/>
+                    <a:lstStyle/>
+                    <a:p>
+                      <a:pPr indent="0" lvl="0" marL="0" rtl="0" algn="l">
+                        <a:spcBef>
+                          <a:spcPts val="0"/>
+                        </a:spcBef>
+                        <a:spcAft>
+                          <a:spcPts val="0"/>
+                        </a:spcAft>
+                        <a:buNone/>
+                      </a:pPr>
+                      <a:r>
+                        <a:rPr lang="ru-RU" sz="2500">
+                          <a:latin typeface="Times New Roman"/>
+                          <a:ea typeface="Times New Roman"/>
+                          <a:cs typeface="Times New Roman"/>
+                          <a:sym typeface="Times New Roman"/>
+                        </a:rPr>
+                        <a:t>VQ</a:t>
+                      </a:r>
+                      <a:endParaRPr sz="2500">
+                        <a:latin typeface="Times New Roman"/>
+                        <a:ea typeface="Times New Roman"/>
+                        <a:cs typeface="Times New Roman"/>
+                        <a:sym typeface="Times New Roman"/>
+                      </a:endParaRPr>
+                    </a:p>
+                  </a:txBody>
+                  <a:tcPr marT="91425" marB="91425" marR="91425" marL="91425">
+                    <a:lnL cap="flat" cmpd="sng" w="9525">
+                      <a:solidFill>
+                        <a:schemeClr val="dk1"/>
+                      </a:solidFill>
+                      <a:prstDash val="solid"/>
+                      <a:round/>
+                      <a:headEnd len="sm" w="sm" type="none"/>
+                      <a:tailEnd len="sm" w="sm" type="none"/>
+                    </a:lnL>
+                    <a:lnR cap="flat" cmpd="sng" w="9525">
+                      <a:solidFill>
+                        <a:schemeClr val="dk1"/>
+                      </a:solidFill>
+                      <a:prstDash val="solid"/>
+                      <a:round/>
+                      <a:headEnd len="sm" w="sm" type="none"/>
+                      <a:tailEnd len="sm" w="sm" type="none"/>
+                    </a:lnR>
+                    <a:lnT cap="flat" cmpd="sng" w="9525">
+                      <a:solidFill>
+                        <a:schemeClr val="dk1"/>
+                      </a:solidFill>
+                      <a:prstDash val="solid"/>
+                      <a:round/>
+                      <a:headEnd len="sm" w="sm" type="none"/>
+                      <a:tailEnd len="sm" w="sm" type="none"/>
+                    </a:lnT>
+                    <a:lnB cap="flat" cmpd="sng" w="9525">
+                      <a:solidFill>
+                        <a:schemeClr val="dk1"/>
+                      </a:solidFill>
+                      <a:prstDash val="solid"/>
+                      <a:round/>
+                      <a:headEnd len="sm" w="sm" type="none"/>
+                      <a:tailEnd len="sm" w="sm" type="none"/>
+                    </a:lnB>
+                  </a:tcPr>
+                </a:tc>
+              </a:tr>
+            </a:tbl>
+          </a:graphicData>
+        </a:graphic>
+      </p:graphicFrame>
+      <p:graphicFrame>
+        <p:nvGraphicFramePr>
+          <p:cNvPr id="217" name="Google Shape;217;p27"/>
+          <p:cNvGraphicFramePr/>
+          <p:nvPr/>
+        </p:nvGraphicFramePr>
+        <p:xfrm>
+          <a:off x="5129700" y="2979925"/>
+          <a:ext cx="3000000" cy="3000000"/>
+        </p:xfrm>
+        <a:graphic>
+          <a:graphicData uri="http://schemas.openxmlformats.org/drawingml/2006/table">
+            <a:tbl>
+              <a:tblPr>
+                <a:noFill/>
+                <a:tableStyleId>{570A7BF6-090D-43EB-A9A2-8F647BD2D7F3}</a:tableStyleId>
               </a:tblPr>
               <a:tblGrid>
                 <a:gridCol w="628950"/>
@@ -17676,12 +18085,12 @@
       </p:graphicFrame>
       <p:graphicFrame>
         <p:nvGraphicFramePr>
-          <p:cNvPr id="219" name="Google Shape;219;p27"/>
+          <p:cNvPr id="218" name="Google Shape;218;p27"/>
           <p:cNvGraphicFramePr/>
           <p:nvPr/>
         </p:nvGraphicFramePr>
         <p:xfrm>
-          <a:off x="10971000" y="2904775"/>
+          <a:off x="10961875" y="2979925"/>
           <a:ext cx="3000000" cy="3000000"/>
         </p:xfrm>
         <a:graphic>
@@ -17689,7 +18098,7 @@
             <a:tbl>
               <a:tblPr>
                 <a:noFill/>
-                <a:tableStyleId>{1068B27F-ADFB-46B1-9DD5-258757454C2B}</a:tableStyleId>
+                <a:tableStyleId>{570A7BF6-090D-43EB-A9A2-8F647BD2D7F3}</a:tableStyleId>
               </a:tblPr>
               <a:tblGrid>
                 <a:gridCol w="628950"/>
@@ -17770,102 +18179,6 @@
           </a:graphicData>
         </a:graphic>
       </p:graphicFrame>
-      <p:graphicFrame>
-        <p:nvGraphicFramePr>
-          <p:cNvPr id="220" name="Google Shape;220;p27"/>
-          <p:cNvGraphicFramePr/>
-          <p:nvPr/>
-        </p:nvGraphicFramePr>
-        <p:xfrm>
-          <a:off x="8126750" y="5377225"/>
-          <a:ext cx="3000000" cy="3000000"/>
-        </p:xfrm>
-        <a:graphic>
-          <a:graphicData uri="http://schemas.openxmlformats.org/drawingml/2006/table">
-            <a:tbl>
-              <a:tblPr>
-                <a:noFill/>
-                <a:tableStyleId>{1068B27F-ADFB-46B1-9DD5-258757454C2B}</a:tableStyleId>
-              </a:tblPr>
-              <a:tblGrid>
-                <a:gridCol w="649725"/>
-              </a:tblGrid>
-              <a:tr h="381000">
-                <a:tc>
-                  <a:txBody>
-                    <a:bodyPr/>
-                    <a:lstStyle/>
-                    <a:p>
-                      <a:pPr indent="0" lvl="0" marL="0" rtl="0" algn="l">
-                        <a:spcBef>
-                          <a:spcPts val="0"/>
-                        </a:spcBef>
-                        <a:spcAft>
-                          <a:spcPts val="0"/>
-                        </a:spcAft>
-                        <a:buNone/>
-                      </a:pPr>
-                      <a:r>
-                        <a:rPr lang="ru-RU" sz="2500">
-                          <a:latin typeface="Times New Roman"/>
-                          <a:ea typeface="Times New Roman"/>
-                          <a:cs typeface="Times New Roman"/>
-                          <a:sym typeface="Times New Roman"/>
-                        </a:rPr>
-                        <a:t>VQ</a:t>
-                      </a:r>
-                      <a:endParaRPr sz="2500">
-                        <a:latin typeface="Times New Roman"/>
-                        <a:ea typeface="Times New Roman"/>
-                        <a:cs typeface="Times New Roman"/>
-                        <a:sym typeface="Times New Roman"/>
-                      </a:endParaRPr>
-                    </a:p>
-                  </a:txBody>
-                  <a:tcPr marT="91425" marB="91425" marR="91425" marL="91425">
-                    <a:lnL cap="flat" cmpd="sng" w="9525">
-                      <a:solidFill>
-                        <a:schemeClr val="dk1"/>
-                      </a:solidFill>
-                      <a:prstDash val="solid"/>
-                      <a:round/>
-                      <a:headEnd len="sm" w="sm" type="none"/>
-                      <a:tailEnd len="sm" w="sm" type="none"/>
-                    </a:lnL>
-                    <a:lnR cap="flat" cmpd="sng" w="9525">
-                      <a:solidFill>
-                        <a:schemeClr val="dk1"/>
-                      </a:solidFill>
-                      <a:prstDash val="solid"/>
-                      <a:round/>
-                      <a:headEnd len="sm" w="sm" type="none"/>
-                      <a:tailEnd len="sm" w="sm" type="none"/>
-                    </a:lnR>
-                    <a:lnT cap="flat" cmpd="sng" w="9525">
-                      <a:solidFill>
-                        <a:schemeClr val="dk1"/>
-                      </a:solidFill>
-                      <a:prstDash val="solid"/>
-                      <a:round/>
-                      <a:headEnd len="sm" w="sm" type="none"/>
-                      <a:tailEnd len="sm" w="sm" type="none"/>
-                    </a:lnT>
-                    <a:lnB cap="flat" cmpd="sng" w="9525">
-                      <a:solidFill>
-                        <a:schemeClr val="dk1"/>
-                      </a:solidFill>
-                      <a:prstDash val="solid"/>
-                      <a:round/>
-                      <a:headEnd len="sm" w="sm" type="none"/>
-                      <a:tailEnd len="sm" w="sm" type="none"/>
-                    </a:lnB>
-                  </a:tcPr>
-                </a:tc>
-              </a:tr>
-            </a:tbl>
-          </a:graphicData>
-        </a:graphic>
-      </p:graphicFrame>
     </p:spTree>
   </p:cSld>
   <p:clrMapOvr>
@@ -17879,7 +18192,7 @@
   <p:cSld>
     <p:spTree>
       <p:nvGrpSpPr>
-        <p:cNvPr id="225" name="Shape 225"/>
+        <p:cNvPr id="223" name="Shape 223"/>
         <p:cNvGrpSpPr/>
         <p:nvPr/>
       </p:nvGrpSpPr>
@@ -17893,7 +18206,7 @@
       </p:grpSpPr>
       <p:sp>
         <p:nvSpPr>
-          <p:cNvPr id="226" name="Google Shape;226;p28"/>
+          <p:cNvPr id="224" name="Google Shape;224;p28"/>
           <p:cNvSpPr txBox="1"/>
           <p:nvPr>
             <p:ph type="title"/>
@@ -17902,7 +18215,7 @@
         <p:spPr>
           <a:xfrm>
             <a:off x="838200" y="0"/>
-            <a:ext cx="10515600" cy="1325700"/>
+            <a:ext cx="10626300" cy="1325700"/>
           </a:xfrm>
           <a:prstGeom prst="rect">
             <a:avLst/>
@@ -17914,7 +18227,7 @@
         </p:spPr>
         <p:txBody>
           <a:bodyPr anchorCtr="0" anchor="ctr" bIns="45700" lIns="91425" spcFirstLastPara="1" rIns="91425" wrap="square" tIns="45700">
-            <a:normAutofit/>
+            <a:normAutofit fontScale="90000"/>
           </a:bodyPr>
           <a:lstStyle/>
           <a:p>
@@ -17928,7 +18241,7 @@
               <a:buClr>
                 <a:schemeClr val="dk1"/>
               </a:buClr>
-              <a:buSzPts val="4400"/>
+              <a:buSzPct val="100000"/>
               <a:buFont typeface="Times New Roman"/>
               <a:buNone/>
             </a:pPr>
@@ -17939,7 +18252,7 @@
                 <a:cs typeface="Times New Roman"/>
                 <a:sym typeface="Times New Roman"/>
               </a:rPr>
-              <a:t>Результаты исследования (2/</a:t>
+              <a:t>Выигрыш</a:t>
             </a:r>
             <a:r>
               <a:rPr lang="ru-RU">
@@ -17948,8 +18261,16 @@
                 <a:cs typeface="Times New Roman"/>
                 <a:sym typeface="Times New Roman"/>
               </a:rPr>
-              <a:t>2</a:t>
+              <a:t> по времени выполнения алгоритмов</a:t>
             </a:r>
+            <a:br>
+              <a:rPr lang="ru-RU">
+                <a:latin typeface="Times New Roman"/>
+                <a:ea typeface="Times New Roman"/>
+                <a:cs typeface="Times New Roman"/>
+                <a:sym typeface="Times New Roman"/>
+              </a:rPr>
+            </a:br>
             <a:r>
               <a:rPr lang="ru-RU">
                 <a:latin typeface="Times New Roman"/>
@@ -17957,7 +18278,7 @@
                 <a:cs typeface="Times New Roman"/>
                 <a:sym typeface="Times New Roman"/>
               </a:rPr>
-              <a:t>)</a:t>
+              <a:t>в сравнении со встроенными средствами Golang</a:t>
             </a:r>
             <a:endParaRPr>
               <a:latin typeface="Times New Roman"/>
@@ -17970,7 +18291,7 @@
       </p:sp>
       <p:sp>
         <p:nvSpPr>
-          <p:cNvPr id="227" name="Google Shape;227;p28"/>
+          <p:cNvPr id="225" name="Google Shape;225;p28"/>
           <p:cNvSpPr txBox="1"/>
           <p:nvPr>
             <p:ph idx="12" type="sldNum"/>
@@ -18012,6 +18333,158 @@
           </a:p>
         </p:txBody>
       </p:sp>
+      <p:sp>
+        <p:nvSpPr>
+          <p:cNvPr id="226" name="Google Shape;226;p28"/>
+          <p:cNvSpPr txBox="1"/>
+          <p:nvPr/>
+        </p:nvSpPr>
+        <p:spPr>
+          <a:xfrm>
+            <a:off x="633550" y="5860150"/>
+            <a:ext cx="5652300" cy="861300"/>
+          </a:xfrm>
+          <a:prstGeom prst="rect">
+            <a:avLst/>
+          </a:prstGeom>
+          <a:noFill/>
+          <a:ln>
+            <a:noFill/>
+          </a:ln>
+        </p:spPr>
+        <p:txBody>
+          <a:bodyPr anchorCtr="0" anchor="t" bIns="91425" lIns="91425" spcFirstLastPara="1" rIns="91425" wrap="square" tIns="91425">
+            <a:noAutofit/>
+          </a:bodyPr>
+          <a:lstStyle/>
+          <a:p>
+            <a:pPr indent="0" lvl="0" marL="0" rtl="0" algn="l">
+              <a:spcBef>
+                <a:spcPts val="0"/>
+              </a:spcBef>
+              <a:spcAft>
+                <a:spcPts val="0"/>
+              </a:spcAft>
+              <a:buNone/>
+            </a:pPr>
+            <a:r>
+              <a:rPr b="1" lang="ru-RU" sz="2500">
+                <a:solidFill>
+                  <a:schemeClr val="dk1"/>
+                </a:solidFill>
+                <a:latin typeface="Times New Roman"/>
+                <a:ea typeface="Times New Roman"/>
+                <a:cs typeface="Times New Roman"/>
+                <a:sym typeface="Times New Roman"/>
+              </a:rPr>
+              <a:t>VP</a:t>
+            </a:r>
+            <a:r>
+              <a:rPr lang="ru-RU" sz="2500">
+                <a:solidFill>
+                  <a:schemeClr val="dk1"/>
+                </a:solidFill>
+                <a:latin typeface="Times New Roman"/>
+                <a:ea typeface="Times New Roman"/>
+                <a:cs typeface="Times New Roman"/>
+                <a:sym typeface="Times New Roman"/>
+              </a:rPr>
+              <a:t>: </a:t>
+            </a:r>
+            <a:r>
+              <a:rPr lang="ru-RU" sz="2500">
+                <a:solidFill>
+                  <a:schemeClr val="dk1"/>
+                </a:solidFill>
+                <a:latin typeface="Times New Roman"/>
+                <a:ea typeface="Times New Roman"/>
+                <a:cs typeface="Times New Roman"/>
+                <a:sym typeface="Times New Roman"/>
+              </a:rPr>
+              <a:t>доп. память полиномиально надквадратично зависит от длины входа</a:t>
+            </a:r>
+            <a:endParaRPr sz="2500">
+              <a:solidFill>
+                <a:schemeClr val="dk1"/>
+              </a:solidFill>
+              <a:latin typeface="Times New Roman"/>
+              <a:ea typeface="Times New Roman"/>
+              <a:cs typeface="Times New Roman"/>
+              <a:sym typeface="Times New Roman"/>
+            </a:endParaRPr>
+          </a:p>
+        </p:txBody>
+      </p:sp>
+      <p:sp>
+        <p:nvSpPr>
+          <p:cNvPr id="227" name="Google Shape;227;p28"/>
+          <p:cNvSpPr txBox="1"/>
+          <p:nvPr/>
+        </p:nvSpPr>
+        <p:spPr>
+          <a:xfrm>
+            <a:off x="6656575" y="5860150"/>
+            <a:ext cx="4818600" cy="861300"/>
+          </a:xfrm>
+          <a:prstGeom prst="rect">
+            <a:avLst/>
+          </a:prstGeom>
+          <a:noFill/>
+          <a:ln>
+            <a:noFill/>
+          </a:ln>
+        </p:spPr>
+        <p:txBody>
+          <a:bodyPr anchorCtr="0" anchor="t" bIns="91425" lIns="91425" spcFirstLastPara="1" rIns="91425" wrap="square" tIns="91425">
+            <a:noAutofit/>
+          </a:bodyPr>
+          <a:lstStyle/>
+          <a:p>
+            <a:pPr indent="0" lvl="0" marL="0" rtl="0" algn="l">
+              <a:spcBef>
+                <a:spcPts val="0"/>
+              </a:spcBef>
+              <a:spcAft>
+                <a:spcPts val="0"/>
+              </a:spcAft>
+              <a:buNone/>
+            </a:pPr>
+            <a:r>
+              <a:rPr b="1" lang="ru-RU" sz="2500">
+                <a:solidFill>
+                  <a:schemeClr val="dk1"/>
+                </a:solidFill>
+                <a:latin typeface="Times New Roman"/>
+                <a:ea typeface="Times New Roman"/>
+                <a:cs typeface="Times New Roman"/>
+                <a:sym typeface="Times New Roman"/>
+              </a:rPr>
+              <a:t>VE</a:t>
+            </a:r>
+            <a:r>
+              <a:rPr lang="ru-RU" sz="2500">
+                <a:solidFill>
+                  <a:schemeClr val="dk1"/>
+                </a:solidFill>
+                <a:latin typeface="Times New Roman"/>
+                <a:ea typeface="Times New Roman"/>
+                <a:cs typeface="Times New Roman"/>
+                <a:sym typeface="Times New Roman"/>
+              </a:rPr>
+              <a:t>: доп. память экспоненциально зависит от длины входа</a:t>
+            </a:r>
+            <a:endParaRPr sz="2500">
+              <a:solidFill>
+                <a:schemeClr val="dk1"/>
+              </a:solidFill>
+              <a:latin typeface="Times New Roman"/>
+              <a:ea typeface="Times New Roman"/>
+              <a:cs typeface="Times New Roman"/>
+              <a:sym typeface="Times New Roman"/>
+            </a:endParaRPr>
+          </a:p>
+        </p:txBody>
+      </p:sp>
       <p:pic>
         <p:nvPicPr>
           <p:cNvPr id="228" name="Google Shape;228;p28"/>
@@ -18028,36 +18501,8 @@
         </p:blipFill>
         <p:spPr>
           <a:xfrm>
-            <a:off x="611000" y="1128850"/>
-            <a:ext cx="5173105" cy="5227501"/>
-          </a:xfrm>
-          <a:prstGeom prst="rect">
-            <a:avLst/>
-          </a:prstGeom>
-          <a:noFill/>
-          <a:ln>
-            <a:noFill/>
-          </a:ln>
-        </p:spPr>
-      </p:pic>
-      <p:pic>
-        <p:nvPicPr>
-          <p:cNvPr id="229" name="Google Shape;229;p28"/>
-          <p:cNvPicPr preferRelativeResize="0"/>
-          <p:nvPr/>
-        </p:nvPicPr>
-        <p:blipFill>
-          <a:blip r:embed="rId4">
-            <a:alphaModFix/>
-          </a:blip>
-          <a:stretch>
-            <a:fillRect/>
-          </a:stretch>
-        </p:blipFill>
-        <p:spPr>
-          <a:xfrm>
-            <a:off x="6291250" y="1128850"/>
-            <a:ext cx="5173100" cy="5227494"/>
+            <a:off x="1172124" y="1334575"/>
+            <a:ext cx="4575150" cy="4498893"/>
           </a:xfrm>
           <a:prstGeom prst="rect">
             <a:avLst/>
@@ -18070,12 +18515,12 @@
       </p:pic>
       <p:graphicFrame>
         <p:nvGraphicFramePr>
-          <p:cNvPr id="230" name="Google Shape;230;p28"/>
+          <p:cNvPr id="229" name="Google Shape;229;p28"/>
           <p:cNvGraphicFramePr/>
           <p:nvPr/>
         </p:nvGraphicFramePr>
         <p:xfrm>
-          <a:off x="4951350" y="5306550"/>
+          <a:off x="4999075" y="4806900"/>
           <a:ext cx="3000000" cy="3000000"/>
         </p:xfrm>
         <a:graphic>
@@ -18083,7 +18528,7 @@
             <a:tbl>
               <a:tblPr>
                 <a:noFill/>
-                <a:tableStyleId>{1068B27F-ADFB-46B1-9DD5-258757454C2B}</a:tableStyleId>
+                <a:tableStyleId>{570A7BF6-090D-43EB-A9A2-8F647BD2D7F3}</a:tableStyleId>
               </a:tblPr>
               <a:tblGrid>
                 <a:gridCol w="628950"/>
@@ -18164,6 +18609,34 @@
           </a:graphicData>
         </a:graphic>
       </p:graphicFrame>
+      <p:pic>
+        <p:nvPicPr>
+          <p:cNvPr id="230" name="Google Shape;230;p28"/>
+          <p:cNvPicPr preferRelativeResize="0"/>
+          <p:nvPr/>
+        </p:nvPicPr>
+        <p:blipFill>
+          <a:blip r:embed="rId4">
+            <a:alphaModFix/>
+          </a:blip>
+          <a:stretch>
+            <a:fillRect/>
+          </a:stretch>
+        </p:blipFill>
+        <p:spPr>
+          <a:xfrm>
+            <a:off x="6778302" y="1373863"/>
+            <a:ext cx="4575150" cy="4420325"/>
+          </a:xfrm>
+          <a:prstGeom prst="rect">
+            <a:avLst/>
+          </a:prstGeom>
+          <a:noFill/>
+          <a:ln>
+            <a:noFill/>
+          </a:ln>
+        </p:spPr>
+      </p:pic>
       <p:graphicFrame>
         <p:nvGraphicFramePr>
           <p:cNvPr id="231" name="Google Shape;231;p28"/>
@@ -18171,7 +18644,7 @@
           <p:nvPr/>
         </p:nvGraphicFramePr>
         <p:xfrm>
-          <a:off x="10694975" y="5306550"/>
+          <a:off x="10586175" y="4806900"/>
           <a:ext cx="3000000" cy="3000000"/>
         </p:xfrm>
         <a:graphic>
@@ -18179,7 +18652,7 @@
             <a:tbl>
               <a:tblPr>
                 <a:noFill/>
-                <a:tableStyleId>{1068B27F-ADFB-46B1-9DD5-258757454C2B}</a:tableStyleId>
+                <a:tableStyleId>{570A7BF6-090D-43EB-A9A2-8F647BD2D7F3}</a:tableStyleId>
               </a:tblPr>
               <a:tblGrid>
                 <a:gridCol w="628950"/>
@@ -18747,7 +19220,7 @@
         <p:spPr>
           <a:xfrm>
             <a:off x="502925" y="993925"/>
-            <a:ext cx="11186100" cy="5744700"/>
+            <a:ext cx="11186100" cy="1325700"/>
           </a:xfrm>
           <a:prstGeom prst="rect">
             <a:avLst/>
@@ -18916,6 +19389,128 @@
               <a:t>‹#›</a:t>
             </a:fld>
             <a:endParaRPr/>
+          </a:p>
+        </p:txBody>
+      </p:sp>
+      <p:sp>
+        <p:nvSpPr>
+          <p:cNvPr id="248" name="Google Shape;248;p30"/>
+          <p:cNvSpPr txBox="1"/>
+          <p:nvPr>
+            <p:ph type="title"/>
+          </p:nvPr>
+        </p:nvSpPr>
+        <p:spPr>
+          <a:xfrm>
+            <a:off x="838225" y="2269188"/>
+            <a:ext cx="10515600" cy="1325700"/>
+          </a:xfrm>
+          <a:prstGeom prst="rect">
+            <a:avLst/>
+          </a:prstGeom>
+          <a:noFill/>
+          <a:ln>
+            <a:noFill/>
+          </a:ln>
+        </p:spPr>
+        <p:txBody>
+          <a:bodyPr anchorCtr="0" anchor="ctr" bIns="45700" lIns="91425" spcFirstLastPara="1" rIns="91425" wrap="square" tIns="45700">
+            <a:normAutofit/>
+          </a:bodyPr>
+          <a:lstStyle/>
+          <a:p>
+            <a:pPr indent="0" lvl="0" marL="0" rtl="0" algn="l">
+              <a:spcBef>
+                <a:spcPts val="0"/>
+              </a:spcBef>
+              <a:spcAft>
+                <a:spcPts val="0"/>
+              </a:spcAft>
+              <a:buClr>
+                <a:schemeClr val="dk1"/>
+              </a:buClr>
+              <a:buSzPts val="4400"/>
+              <a:buFont typeface="Times New Roman"/>
+              <a:buNone/>
+            </a:pPr>
+            <a:r>
+              <a:rPr lang="ru-RU">
+                <a:latin typeface="Times New Roman"/>
+                <a:ea typeface="Times New Roman"/>
+                <a:cs typeface="Times New Roman"/>
+                <a:sym typeface="Times New Roman"/>
+              </a:rPr>
+              <a:t>Публикации</a:t>
+            </a:r>
+            <a:endParaRPr>
+              <a:latin typeface="Times New Roman"/>
+              <a:ea typeface="Times New Roman"/>
+              <a:cs typeface="Times New Roman"/>
+              <a:sym typeface="Times New Roman"/>
+            </a:endParaRPr>
+          </a:p>
+        </p:txBody>
+      </p:sp>
+      <p:sp>
+        <p:nvSpPr>
+          <p:cNvPr id="249" name="Google Shape;249;p30"/>
+          <p:cNvSpPr txBox="1"/>
+          <p:nvPr/>
+        </p:nvSpPr>
+        <p:spPr>
+          <a:xfrm>
+            <a:off x="502950" y="3263113"/>
+            <a:ext cx="11186100" cy="1325700"/>
+          </a:xfrm>
+          <a:prstGeom prst="rect">
+            <a:avLst/>
+          </a:prstGeom>
+          <a:noFill/>
+          <a:ln>
+            <a:noFill/>
+          </a:ln>
+        </p:spPr>
+        <p:txBody>
+          <a:bodyPr anchorCtr="0" anchor="t" bIns="91425" lIns="91425" spcFirstLastPara="1" rIns="91425" wrap="square" tIns="91425">
+            <a:noAutofit/>
+          </a:bodyPr>
+          <a:lstStyle/>
+          <a:p>
+            <a:pPr indent="-387350" lvl="0" marL="457200" rtl="0" algn="just">
+              <a:spcBef>
+                <a:spcPts val="1200"/>
+              </a:spcBef>
+              <a:spcAft>
+                <a:spcPts val="0"/>
+              </a:spcAft>
+              <a:buClr>
+                <a:schemeClr val="dk1"/>
+              </a:buClr>
+              <a:buSzPts val="2500"/>
+              <a:buFont typeface="Times New Roman"/>
+              <a:buChar char="-"/>
+            </a:pPr>
+            <a:r>
+              <a:rPr lang="ru-RU" sz="2500">
+                <a:solidFill>
+                  <a:schemeClr val="dk1"/>
+                </a:solidFill>
+                <a:latin typeface="Times New Roman"/>
+                <a:ea typeface="Times New Roman"/>
+                <a:cs typeface="Times New Roman"/>
+                <a:sym typeface="Times New Roman"/>
+              </a:rPr>
+              <a:t>TODO</a:t>
+            </a:r>
+            <a:endParaRPr sz="2500">
+              <a:solidFill>
+                <a:schemeClr val="dk1"/>
+              </a:solidFill>
+              <a:latin typeface="Times New Roman"/>
+              <a:ea typeface="Times New Roman"/>
+              <a:cs typeface="Times New Roman"/>
+              <a:sym typeface="Times New Roman"/>
+            </a:endParaRPr>
           </a:p>
         </p:txBody>
       </p:sp>
@@ -19150,7 +19745,7 @@
                 <a:cs typeface="Times New Roman"/>
                 <a:sym typeface="Times New Roman"/>
               </a:rPr>
-              <a:t>Проанализировать и классифицировать существующие методы распределения памяти в языках программирования с автоматической сборкой мусора.</a:t>
+              <a:t>Проанализировать существующие методы распределения памяти в языках программирования с автоматической сборкой мусора.</a:t>
             </a:r>
             <a:endParaRPr sz="2500">
               <a:solidFill>
@@ -19187,7 +19782,7 @@
                 <a:cs typeface="Times New Roman"/>
                 <a:sym typeface="Times New Roman"/>
               </a:rPr>
-              <a:t>Классифицировать алгоритмы по требованиям к дополнительной памяти.</a:t>
+              <a:t>Спроектировать метод автоматического управления памятью.</a:t>
             </a:r>
             <a:endParaRPr sz="2500">
               <a:solidFill>
@@ -19224,7 +19819,7 @@
                 <a:cs typeface="Times New Roman"/>
                 <a:sym typeface="Times New Roman"/>
               </a:rPr>
-              <a:t>Спроектировать и реализовать метод автоматического управления памятью.</a:t>
+              <a:t>Реализовать спроектированный метод в виде подключаемой библиотеки.</a:t>
             </a:r>
             <a:endParaRPr sz="2500">
               <a:solidFill>
@@ -19407,86 +20002,6 @@
         <p:nvSpPr>
           <p:cNvPr id="112" name="Google Shape;112;p16"/>
           <p:cNvSpPr txBox="1"/>
-          <p:nvPr/>
-        </p:nvSpPr>
-        <p:spPr>
-          <a:xfrm>
-            <a:off x="502925" y="1022300"/>
-            <a:ext cx="11186100" cy="3818700"/>
-          </a:xfrm>
-          <a:prstGeom prst="rect">
-            <a:avLst/>
-          </a:prstGeom>
-          <a:noFill/>
-          <a:ln>
-            <a:noFill/>
-          </a:ln>
-        </p:spPr>
-        <p:txBody>
-          <a:bodyPr anchorCtr="0" anchor="t" bIns="91425" lIns="91425" spcFirstLastPara="1" rIns="91425" wrap="square" tIns="91425">
-            <a:noAutofit/>
-          </a:bodyPr>
-          <a:lstStyle/>
-          <a:p>
-            <a:pPr indent="0" lvl="0" marL="0" rtl="0" algn="l">
-              <a:lnSpc>
-                <a:spcPct val="90000"/>
-              </a:lnSpc>
-              <a:spcBef>
-                <a:spcPts val="1600"/>
-              </a:spcBef>
-              <a:spcAft>
-                <a:spcPts val="0"/>
-              </a:spcAft>
-              <a:buNone/>
-            </a:pPr>
-            <a:r>
-              <a:t/>
-            </a:r>
-            <a:endParaRPr sz="2500">
-              <a:solidFill>
-                <a:schemeClr val="dk1"/>
-              </a:solidFill>
-              <a:latin typeface="Times New Roman"/>
-              <a:ea typeface="Times New Roman"/>
-              <a:cs typeface="Times New Roman"/>
-              <a:sym typeface="Times New Roman"/>
-            </a:endParaRPr>
-          </a:p>
-        </p:txBody>
-      </p:sp>
-      <p:pic>
-        <p:nvPicPr>
-          <p:cNvPr id="113" name="Google Shape;113;p16"/>
-          <p:cNvPicPr preferRelativeResize="0"/>
-          <p:nvPr/>
-        </p:nvPicPr>
-        <p:blipFill>
-          <a:blip r:embed="rId3">
-            <a:alphaModFix/>
-          </a:blip>
-          <a:stretch>
-            <a:fillRect/>
-          </a:stretch>
-        </p:blipFill>
-        <p:spPr>
-          <a:xfrm>
-            <a:off x="2245675" y="1325700"/>
-            <a:ext cx="9807524" cy="4812774"/>
-          </a:xfrm>
-          <a:prstGeom prst="rect">
-            <a:avLst/>
-          </a:prstGeom>
-          <a:noFill/>
-          <a:ln>
-            <a:noFill/>
-          </a:ln>
-        </p:spPr>
-      </p:pic>
-      <p:sp>
-        <p:nvSpPr>
-          <p:cNvPr id="114" name="Google Shape;114;p16"/>
-          <p:cNvSpPr txBox="1"/>
           <p:nvPr>
             <p:ph idx="12" type="sldNum"/>
           </p:nvPr>
@@ -19527,6 +20042,34 @@
           </a:p>
         </p:txBody>
       </p:sp>
+      <p:pic>
+        <p:nvPicPr>
+          <p:cNvPr id="113" name="Google Shape;113;p16"/>
+          <p:cNvPicPr preferRelativeResize="0"/>
+          <p:nvPr/>
+        </p:nvPicPr>
+        <p:blipFill>
+          <a:blip r:embed="rId3">
+            <a:alphaModFix/>
+          </a:blip>
+          <a:stretch>
+            <a:fillRect/>
+          </a:stretch>
+        </p:blipFill>
+        <p:spPr>
+          <a:xfrm>
+            <a:off x="2245675" y="1325709"/>
+            <a:ext cx="9807524" cy="4812789"/>
+          </a:xfrm>
+          <a:prstGeom prst="rect">
+            <a:avLst/>
+          </a:prstGeom>
+          <a:noFill/>
+          <a:ln>
+            <a:noFill/>
+          </a:ln>
+        </p:spPr>
+      </p:pic>
     </p:spTree>
   </p:cSld>
   <p:clrMapOvr>
@@ -19540,7 +20083,7 @@
   <p:cSld>
     <p:spTree>
       <p:nvGrpSpPr>
-        <p:cNvPr id="119" name="Shape 119"/>
+        <p:cNvPr id="118" name="Shape 118"/>
         <p:cNvGrpSpPr/>
         <p:nvPr/>
       </p:nvGrpSpPr>
@@ -19554,7 +20097,7 @@
       </p:grpSpPr>
       <p:sp>
         <p:nvSpPr>
-          <p:cNvPr id="120" name="Google Shape;120;p17"/>
+          <p:cNvPr id="119" name="Google Shape;119;p17"/>
           <p:cNvSpPr txBox="1"/>
           <p:nvPr>
             <p:ph type="title"/>
@@ -19613,7 +20156,7 @@
       </p:sp>
       <p:sp>
         <p:nvSpPr>
-          <p:cNvPr id="121" name="Google Shape;121;p17"/>
+          <p:cNvPr id="120" name="Google Shape;120;p17"/>
           <p:cNvSpPr txBox="1"/>
           <p:nvPr/>
         </p:nvSpPr>
@@ -19755,7 +20298,7 @@
       </p:sp>
       <p:sp>
         <p:nvSpPr>
-          <p:cNvPr id="122" name="Google Shape;122;p17"/>
+          <p:cNvPr id="121" name="Google Shape;121;p17"/>
           <p:cNvSpPr txBox="1"/>
           <p:nvPr/>
         </p:nvSpPr>
@@ -20125,7 +20668,7 @@
       </p:sp>
       <p:sp>
         <p:nvSpPr>
-          <p:cNvPr id="123" name="Google Shape;123;p17"/>
+          <p:cNvPr id="122" name="Google Shape;122;p17"/>
           <p:cNvSpPr txBox="1"/>
           <p:nvPr/>
         </p:nvSpPr>
@@ -20498,7 +21041,7 @@
       </p:sp>
       <p:sp>
         <p:nvSpPr>
-          <p:cNvPr id="124" name="Google Shape;124;p17"/>
+          <p:cNvPr id="123" name="Google Shape;123;p17"/>
           <p:cNvSpPr txBox="1"/>
           <p:nvPr/>
         </p:nvSpPr>
@@ -20556,7 +21099,7 @@
       </p:sp>
       <p:sp>
         <p:nvSpPr>
-          <p:cNvPr id="125" name="Google Shape;125;p17"/>
+          <p:cNvPr id="124" name="Google Shape;124;p17"/>
           <p:cNvSpPr txBox="1"/>
           <p:nvPr/>
         </p:nvSpPr>
@@ -20626,7 +21169,7 @@
       </p:sp>
       <p:sp>
         <p:nvSpPr>
-          <p:cNvPr id="126" name="Google Shape;126;p17"/>
+          <p:cNvPr id="125" name="Google Shape;125;p17"/>
           <p:cNvSpPr txBox="1"/>
           <p:nvPr>
             <p:ph idx="12" type="sldNum"/>
@@ -20681,7 +21224,7 @@
   <p:cSld>
     <p:spTree>
       <p:nvGrpSpPr>
-        <p:cNvPr id="131" name="Shape 131"/>
+        <p:cNvPr id="130" name="Shape 130"/>
         <p:cNvGrpSpPr/>
         <p:nvPr/>
       </p:nvGrpSpPr>
@@ -20695,7 +21238,7 @@
       </p:grpSpPr>
       <p:sp>
         <p:nvSpPr>
-          <p:cNvPr id="132" name="Google Shape;132;p18"/>
+          <p:cNvPr id="131" name="Google Shape;131;p18"/>
           <p:cNvSpPr txBox="1"/>
           <p:nvPr>
             <p:ph type="title"/>
@@ -20741,7 +21284,24 @@
                 <a:cs typeface="Times New Roman"/>
                 <a:sym typeface="Times New Roman"/>
               </a:rPr>
-              <a:t>Сборка мусора</a:t>
+              <a:t>Автоматическая переработка</a:t>
+            </a:r>
+            <a:br>
+              <a:rPr lang="ru-RU">
+                <a:latin typeface="Times New Roman"/>
+                <a:ea typeface="Times New Roman"/>
+                <a:cs typeface="Times New Roman"/>
+                <a:sym typeface="Times New Roman"/>
+              </a:rPr>
+            </a:br>
+            <a:r>
+              <a:rPr lang="ru-RU">
+                <a:latin typeface="Times New Roman"/>
+                <a:ea typeface="Times New Roman"/>
+                <a:cs typeface="Times New Roman"/>
+                <a:sym typeface="Times New Roman"/>
+              </a:rPr>
+              <a:t>динамически выделяемой памяти</a:t>
             </a:r>
             <a:endParaRPr>
               <a:latin typeface="Times New Roman"/>
@@ -20754,92 +21314,7 @@
       </p:sp>
       <p:sp>
         <p:nvSpPr>
-          <p:cNvPr id="133" name="Google Shape;133;p18"/>
-          <p:cNvSpPr txBox="1"/>
-          <p:nvPr/>
-        </p:nvSpPr>
-        <p:spPr>
-          <a:xfrm>
-            <a:off x="502925" y="1022300"/>
-            <a:ext cx="11186100" cy="664200"/>
-          </a:xfrm>
-          <a:prstGeom prst="rect">
-            <a:avLst/>
-          </a:prstGeom>
-          <a:noFill/>
-          <a:ln>
-            <a:noFill/>
-          </a:ln>
-        </p:spPr>
-        <p:txBody>
-          <a:bodyPr anchorCtr="0" anchor="t" bIns="91425" lIns="91425" spcFirstLastPara="1" rIns="91425" wrap="square" tIns="91425">
-            <a:noAutofit/>
-          </a:bodyPr>
-          <a:lstStyle/>
-          <a:p>
-            <a:pPr indent="0" lvl="0" marL="0" rtl="0" algn="l">
-              <a:lnSpc>
-                <a:spcPct val="90000"/>
-              </a:lnSpc>
-              <a:spcBef>
-                <a:spcPts val="1600"/>
-              </a:spcBef>
-              <a:spcAft>
-                <a:spcPts val="0"/>
-              </a:spcAft>
-              <a:buNone/>
-            </a:pPr>
-            <a:r>
-              <a:rPr lang="ru-RU" sz="2500">
-                <a:solidFill>
-                  <a:schemeClr val="dk1"/>
-                </a:solidFill>
-                <a:latin typeface="Times New Roman"/>
-                <a:ea typeface="Times New Roman"/>
-                <a:cs typeface="Times New Roman"/>
-                <a:sym typeface="Times New Roman"/>
-              </a:rPr>
-              <a:t>Это </a:t>
-            </a:r>
-            <a:r>
-              <a:rPr lang="ru-RU" sz="2500">
-                <a:solidFill>
-                  <a:schemeClr val="dk1"/>
-                </a:solidFill>
-                <a:latin typeface="Times New Roman"/>
-                <a:ea typeface="Times New Roman"/>
-                <a:cs typeface="Times New Roman"/>
-                <a:sym typeface="Times New Roman"/>
-              </a:rPr>
-              <a:t>а</a:t>
-            </a:r>
-            <a:r>
-              <a:rPr lang="ru-RU" sz="2500">
-                <a:solidFill>
-                  <a:schemeClr val="dk1"/>
-                </a:solidFill>
-                <a:latin typeface="Times New Roman"/>
-                <a:ea typeface="Times New Roman"/>
-                <a:cs typeface="Times New Roman"/>
-                <a:sym typeface="Times New Roman"/>
-              </a:rPr>
-              <a:t>втоматическая переработка динамически выделяемой памяти.</a:t>
-            </a:r>
-            <a:endParaRPr sz="2500">
-              <a:solidFill>
-                <a:schemeClr val="dk1"/>
-              </a:solidFill>
-              <a:latin typeface="Times New Roman"/>
-              <a:ea typeface="Times New Roman"/>
-              <a:cs typeface="Times New Roman"/>
-              <a:sym typeface="Times New Roman"/>
-            </a:endParaRPr>
-          </a:p>
-        </p:txBody>
-      </p:sp>
-      <p:sp>
-        <p:nvSpPr>
-          <p:cNvPr id="134" name="Google Shape;134;p18"/>
+          <p:cNvPr id="132" name="Google Shape;132;p18"/>
           <p:cNvSpPr txBox="1"/>
           <p:nvPr/>
         </p:nvSpPr>
@@ -21226,7 +21701,7 @@
       </p:sp>
       <p:sp>
         <p:nvSpPr>
-          <p:cNvPr id="135" name="Google Shape;135;p18"/>
+          <p:cNvPr id="133" name="Google Shape;133;p18"/>
           <p:cNvSpPr txBox="1"/>
           <p:nvPr>
             <p:ph idx="12" type="sldNum"/>
@@ -21268,72 +21743,16 @@
           </a:p>
         </p:txBody>
       </p:sp>
-      <p:pic>
-        <p:nvPicPr>
-          <p:cNvPr id="136" name="Google Shape;136;p18"/>
-          <p:cNvPicPr preferRelativeResize="0"/>
-          <p:nvPr/>
-        </p:nvPicPr>
-        <p:blipFill>
-          <a:blip r:embed="rId3">
-            <a:alphaModFix/>
-          </a:blip>
-          <a:stretch>
-            <a:fillRect/>
-          </a:stretch>
-        </p:blipFill>
-        <p:spPr>
-          <a:xfrm>
-            <a:off x="992875" y="2715800"/>
-            <a:ext cx="1893450" cy="2967768"/>
-          </a:xfrm>
-          <a:prstGeom prst="rect">
-            <a:avLst/>
-          </a:prstGeom>
-          <a:noFill/>
-          <a:ln>
-            <a:noFill/>
-          </a:ln>
-        </p:spPr>
-      </p:pic>
-      <p:pic>
-        <p:nvPicPr>
-          <p:cNvPr id="137" name="Google Shape;137;p18"/>
-          <p:cNvPicPr preferRelativeResize="0"/>
-          <p:nvPr/>
-        </p:nvPicPr>
-        <p:blipFill>
-          <a:blip r:embed="rId4">
-            <a:alphaModFix/>
-          </a:blip>
-          <a:stretch>
-            <a:fillRect/>
-          </a:stretch>
-        </p:blipFill>
-        <p:spPr>
-          <a:xfrm>
-            <a:off x="3204325" y="2715800"/>
-            <a:ext cx="1893450" cy="3773475"/>
-          </a:xfrm>
-          <a:prstGeom prst="rect">
-            <a:avLst/>
-          </a:prstGeom>
-          <a:noFill/>
-          <a:ln>
-            <a:noFill/>
-          </a:ln>
-        </p:spPr>
-      </p:pic>
       <p:sp>
         <p:nvSpPr>
-          <p:cNvPr id="138" name="Google Shape;138;p18"/>
+          <p:cNvPr id="134" name="Google Shape;134;p18"/>
           <p:cNvSpPr txBox="1"/>
           <p:nvPr/>
         </p:nvSpPr>
         <p:spPr>
           <a:xfrm>
             <a:off x="838175" y="1686500"/>
-            <a:ext cx="5352900" cy="1029300"/>
+            <a:ext cx="4491300" cy="1029300"/>
           </a:xfrm>
           <a:prstGeom prst="rect">
             <a:avLst/>
@@ -21400,7 +21819,7 @@
                 <a:cs typeface="Times New Roman"/>
                 <a:sym typeface="Times New Roman"/>
               </a:rPr>
-              <a:t>   mark-sweep	   	mark-compact</a:t>
+              <a:t>    mark-sweep	 mark-compact</a:t>
             </a:r>
             <a:endParaRPr sz="2500">
               <a:solidFill>
@@ -21414,6 +21833,34 @@
           </a:p>
         </p:txBody>
       </p:sp>
+      <p:pic>
+        <p:nvPicPr>
+          <p:cNvPr id="135" name="Google Shape;135;p18"/>
+          <p:cNvPicPr preferRelativeResize="0"/>
+          <p:nvPr/>
+        </p:nvPicPr>
+        <p:blipFill>
+          <a:blip r:embed="rId3">
+            <a:alphaModFix/>
+          </a:blip>
+          <a:stretch>
+            <a:fillRect/>
+          </a:stretch>
+        </p:blipFill>
+        <p:spPr>
+          <a:xfrm>
+            <a:off x="1068437" y="2715800"/>
+            <a:ext cx="4041876" cy="3773475"/>
+          </a:xfrm>
+          <a:prstGeom prst="rect">
+            <a:avLst/>
+          </a:prstGeom>
+          <a:noFill/>
+          <a:ln>
+            <a:noFill/>
+          </a:ln>
+        </p:spPr>
+      </p:pic>
     </p:spTree>
   </p:cSld>
   <p:clrMapOvr>
@@ -21427,7 +21874,7 @@
   <p:cSld>
     <p:spTree>
       <p:nvGrpSpPr>
-        <p:cNvPr id="143" name="Shape 143"/>
+        <p:cNvPr id="140" name="Shape 140"/>
         <p:cNvGrpSpPr/>
         <p:nvPr/>
       </p:nvGrpSpPr>
@@ -21441,7 +21888,7 @@
       </p:grpSpPr>
       <p:sp>
         <p:nvSpPr>
-          <p:cNvPr id="144" name="Google Shape;144;p19"/>
+          <p:cNvPr id="141" name="Google Shape;141;p19"/>
           <p:cNvSpPr txBox="1"/>
           <p:nvPr>
             <p:ph type="title"/>
@@ -21490,7 +21937,7 @@
                 <a:cs typeface="Times New Roman"/>
                 <a:sym typeface="Times New Roman"/>
               </a:rPr>
-              <a:t>Классификация существующих решений (1/2)</a:t>
+              <a:t>Классификация существующих решений</a:t>
             </a:r>
             <a:endParaRPr>
               <a:latin typeface="Times New Roman"/>
@@ -21503,7 +21950,7 @@
       </p:sp>
       <p:sp>
         <p:nvSpPr>
-          <p:cNvPr id="145" name="Google Shape;145;p19"/>
+          <p:cNvPr id="142" name="Google Shape;142;p19"/>
           <p:cNvSpPr txBox="1"/>
           <p:nvPr>
             <p:ph idx="12" type="sldNum"/>
@@ -21545,1450 +21992,34 @@
           </a:p>
         </p:txBody>
       </p:sp>
-      <p:graphicFrame>
-        <p:nvGraphicFramePr>
-          <p:cNvPr id="146" name="Google Shape;146;p19"/>
-          <p:cNvGraphicFramePr/>
+      <p:pic>
+        <p:nvPicPr>
+          <p:cNvPr id="143" name="Google Shape;143;p19"/>
+          <p:cNvPicPr preferRelativeResize="0"/>
           <p:nvPr/>
-        </p:nvGraphicFramePr>
-        <p:xfrm>
-          <a:off x="647400" y="1325700"/>
-          <a:ext cx="3000000" cy="3000000"/>
-        </p:xfrm>
-        <a:graphic>
-          <a:graphicData uri="http://schemas.openxmlformats.org/drawingml/2006/table">
-            <a:tbl>
-              <a:tblPr>
-                <a:noFill/>
-                <a:tableStyleId>{1068B27F-ADFB-46B1-9DD5-258757454C2B}</a:tableStyleId>
-              </a:tblPr>
-              <a:tblGrid>
-                <a:gridCol w="2305775"/>
-                <a:gridCol w="1889850"/>
-                <a:gridCol w="1839650"/>
-                <a:gridCol w="2732375"/>
-                <a:gridCol w="1990400"/>
-              </a:tblGrid>
-              <a:tr h="255025">
-                <a:tc>
-                  <a:txBody>
-                    <a:bodyPr/>
-                    <a:lstStyle/>
-                    <a:p>
-                      <a:pPr indent="0" lvl="0" marL="0" rtl="0" algn="ctr">
-                        <a:spcBef>
-                          <a:spcPts val="0"/>
-                        </a:spcBef>
-                        <a:spcAft>
-                          <a:spcPts val="0"/>
-                        </a:spcAft>
-                        <a:buNone/>
-                      </a:pPr>
-                      <a:r>
-                        <a:rPr lang="ru-RU" sz="2000">
-                          <a:latin typeface="Times New Roman"/>
-                          <a:ea typeface="Times New Roman"/>
-                          <a:cs typeface="Times New Roman"/>
-                          <a:sym typeface="Times New Roman"/>
-                        </a:rPr>
-                        <a:t>Язык программирования</a:t>
-                      </a:r>
-                      <a:endParaRPr sz="2000">
-                        <a:latin typeface="Times New Roman"/>
-                        <a:ea typeface="Times New Roman"/>
-                        <a:cs typeface="Times New Roman"/>
-                        <a:sym typeface="Times New Roman"/>
-                      </a:endParaRPr>
-                    </a:p>
-                  </a:txBody>
-                  <a:tcPr marT="91425" marB="91425" marR="91425" marL="91425" anchor="ctr"/>
-                </a:tc>
-                <a:tc>
-                  <a:txBody>
-                    <a:bodyPr/>
-                    <a:lstStyle/>
-                    <a:p>
-                      <a:pPr indent="0" lvl="0" marL="0" rtl="0" algn="ctr">
-                        <a:spcBef>
-                          <a:spcPts val="0"/>
-                        </a:spcBef>
-                        <a:spcAft>
-                          <a:spcPts val="0"/>
-                        </a:spcAft>
-                        <a:buNone/>
-                      </a:pPr>
-                      <a:r>
-                        <a:rPr lang="ru-RU" sz="2000">
-                          <a:latin typeface="Times New Roman"/>
-                          <a:ea typeface="Times New Roman"/>
-                          <a:cs typeface="Times New Roman"/>
-                          <a:sym typeface="Times New Roman"/>
-                        </a:rPr>
-                        <a:t>Сборщик мусора</a:t>
-                      </a:r>
-                      <a:endParaRPr sz="2000">
-                        <a:latin typeface="Times New Roman"/>
-                        <a:ea typeface="Times New Roman"/>
-                        <a:cs typeface="Times New Roman"/>
-                        <a:sym typeface="Times New Roman"/>
-                      </a:endParaRPr>
-                    </a:p>
-                  </a:txBody>
-                  <a:tcPr marT="91425" marB="91425" marR="91425" marL="91425" anchor="ctr"/>
-                </a:tc>
-                <a:tc>
-                  <a:txBody>
-                    <a:bodyPr/>
-                    <a:lstStyle/>
-                    <a:p>
-                      <a:pPr indent="0" lvl="0" marL="0" rtl="0" algn="ctr">
-                        <a:spcBef>
-                          <a:spcPts val="0"/>
-                        </a:spcBef>
-                        <a:spcAft>
-                          <a:spcPts val="0"/>
-                        </a:spcAft>
-                        <a:buNone/>
-                      </a:pPr>
-                      <a:r>
-                        <a:rPr lang="ru-RU" sz="2000">
-                          <a:latin typeface="Times New Roman"/>
-                          <a:ea typeface="Times New Roman"/>
-                          <a:cs typeface="Times New Roman"/>
-                          <a:sym typeface="Times New Roman"/>
-                        </a:rPr>
-                        <a:t>Использование поколений</a:t>
-                      </a:r>
-                      <a:endParaRPr sz="2000">
-                        <a:latin typeface="Times New Roman"/>
-                        <a:ea typeface="Times New Roman"/>
-                        <a:cs typeface="Times New Roman"/>
-                        <a:sym typeface="Times New Roman"/>
-                      </a:endParaRPr>
-                    </a:p>
-                  </a:txBody>
-                  <a:tcPr marT="91425" marB="91425" marR="91425" marL="91425" anchor="ctr"/>
-                </a:tc>
-                <a:tc>
-                  <a:txBody>
-                    <a:bodyPr/>
-                    <a:lstStyle/>
-                    <a:p>
-                      <a:pPr indent="0" lvl="0" marL="0" rtl="0" algn="ctr">
-                        <a:spcBef>
-                          <a:spcPts val="0"/>
-                        </a:spcBef>
-                        <a:spcAft>
-                          <a:spcPts val="0"/>
-                        </a:spcAft>
-                        <a:buNone/>
-                      </a:pPr>
-                      <a:r>
-                        <a:rPr lang="ru-RU" sz="2000">
-                          <a:latin typeface="Times New Roman"/>
-                          <a:ea typeface="Times New Roman"/>
-                          <a:cs typeface="Times New Roman"/>
-                          <a:sym typeface="Times New Roman"/>
-                        </a:rPr>
-                        <a:t>Отсутствие хранения доп. данных в объектах</a:t>
-                      </a:r>
-                      <a:endParaRPr sz="2000">
-                        <a:latin typeface="Times New Roman"/>
-                        <a:ea typeface="Times New Roman"/>
-                        <a:cs typeface="Times New Roman"/>
-                        <a:sym typeface="Times New Roman"/>
-                      </a:endParaRPr>
-                    </a:p>
-                  </a:txBody>
-                  <a:tcPr marT="91425" marB="91425" marR="91425" marL="91425" anchor="ctr"/>
-                </a:tc>
-                <a:tc>
-                  <a:txBody>
-                    <a:bodyPr/>
-                    <a:lstStyle/>
-                    <a:p>
-                      <a:pPr indent="0" lvl="0" marL="0" rtl="0" algn="ctr">
-                        <a:spcBef>
-                          <a:spcPts val="0"/>
-                        </a:spcBef>
-                        <a:spcAft>
-                          <a:spcPts val="0"/>
-                        </a:spcAft>
-                        <a:buNone/>
-                      </a:pPr>
-                      <a:r>
-                        <a:rPr lang="ru-RU" sz="2000">
-                          <a:latin typeface="Times New Roman"/>
-                          <a:ea typeface="Times New Roman"/>
-                          <a:cs typeface="Times New Roman"/>
-                          <a:sym typeface="Times New Roman"/>
-                        </a:rPr>
-                        <a:t>Конкурентная сборка мусора</a:t>
-                      </a:r>
-                      <a:endParaRPr sz="2000">
-                        <a:latin typeface="Times New Roman"/>
-                        <a:ea typeface="Times New Roman"/>
-                        <a:cs typeface="Times New Roman"/>
-                        <a:sym typeface="Times New Roman"/>
-                      </a:endParaRPr>
-                    </a:p>
-                  </a:txBody>
-                  <a:tcPr marT="91425" marB="91425" marR="91425" marL="91425" anchor="ctr"/>
-                </a:tc>
-              </a:tr>
-              <a:tr h="128550">
-                <a:tc>
-                  <a:txBody>
-                    <a:bodyPr/>
-                    <a:lstStyle/>
-                    <a:p>
-                      <a:pPr indent="0" lvl="0" marL="0" rtl="0" algn="ctr">
-                        <a:spcBef>
-                          <a:spcPts val="0"/>
-                        </a:spcBef>
-                        <a:spcAft>
-                          <a:spcPts val="0"/>
-                        </a:spcAft>
-                        <a:buNone/>
-                      </a:pPr>
-                      <a:r>
-                        <a:rPr b="1" lang="ru-RU" sz="2000">
-                          <a:latin typeface="Times New Roman"/>
-                          <a:ea typeface="Times New Roman"/>
-                          <a:cs typeface="Times New Roman"/>
-                          <a:sym typeface="Times New Roman"/>
-                        </a:rPr>
-                        <a:t>Python</a:t>
-                      </a:r>
-                      <a:endParaRPr b="1" sz="2000">
-                        <a:latin typeface="Times New Roman"/>
-                        <a:ea typeface="Times New Roman"/>
-                        <a:cs typeface="Times New Roman"/>
-                        <a:sym typeface="Times New Roman"/>
-                      </a:endParaRPr>
-                    </a:p>
-                  </a:txBody>
-                  <a:tcPr marT="91425" marB="91425" marR="91425" marL="91425" anchor="ctr"/>
-                </a:tc>
-                <a:tc>
-                  <a:txBody>
-                    <a:bodyPr/>
-                    <a:lstStyle/>
-                    <a:p>
-                      <a:pPr indent="0" lvl="0" marL="0" rtl="0" algn="ctr">
-                        <a:spcBef>
-                          <a:spcPts val="0"/>
-                        </a:spcBef>
-                        <a:spcAft>
-                          <a:spcPts val="0"/>
-                        </a:spcAft>
-                        <a:buNone/>
-                      </a:pPr>
-                      <a:r>
-                        <a:rPr b="1" lang="ru-RU" sz="2000">
-                          <a:latin typeface="Times New Roman"/>
-                          <a:ea typeface="Times New Roman"/>
-                          <a:cs typeface="Times New Roman"/>
-                          <a:sym typeface="Times New Roman"/>
-                        </a:rPr>
-                        <a:t>По умолчанию</a:t>
-                      </a:r>
-                      <a:endParaRPr b="1" sz="2000">
-                        <a:latin typeface="Times New Roman"/>
-                        <a:ea typeface="Times New Roman"/>
-                        <a:cs typeface="Times New Roman"/>
-                        <a:sym typeface="Times New Roman"/>
-                      </a:endParaRPr>
-                    </a:p>
-                  </a:txBody>
-                  <a:tcPr marT="91425" marB="91425" marR="91425" marL="91425" anchor="ctr"/>
-                </a:tc>
-                <a:tc>
-                  <a:txBody>
-                    <a:bodyPr/>
-                    <a:lstStyle/>
-                    <a:p>
-                      <a:pPr indent="0" lvl="0" marL="0" rtl="0" algn="ctr">
-                        <a:spcBef>
-                          <a:spcPts val="0"/>
-                        </a:spcBef>
-                        <a:spcAft>
-                          <a:spcPts val="0"/>
-                        </a:spcAft>
-                        <a:buNone/>
-                      </a:pPr>
-                      <a:r>
-                        <a:rPr b="1" lang="ru-RU" sz="2000">
-                          <a:latin typeface="Times New Roman"/>
-                          <a:ea typeface="Times New Roman"/>
-                          <a:cs typeface="Times New Roman"/>
-                          <a:sym typeface="Times New Roman"/>
-                        </a:rPr>
-                        <a:t>+</a:t>
-                      </a:r>
-                      <a:endParaRPr b="1" sz="2000">
-                        <a:latin typeface="Times New Roman"/>
-                        <a:ea typeface="Times New Roman"/>
-                        <a:cs typeface="Times New Roman"/>
-                        <a:sym typeface="Times New Roman"/>
-                      </a:endParaRPr>
-                    </a:p>
-                  </a:txBody>
-                  <a:tcPr marT="91425" marB="91425" marR="91425" marL="91425" anchor="ctr"/>
-                </a:tc>
-                <a:tc>
-                  <a:txBody>
-                    <a:bodyPr/>
-                    <a:lstStyle/>
-                    <a:p>
-                      <a:pPr indent="0" lvl="0" marL="0" rtl="0" algn="ctr">
-                        <a:spcBef>
-                          <a:spcPts val="0"/>
-                        </a:spcBef>
-                        <a:spcAft>
-                          <a:spcPts val="0"/>
-                        </a:spcAft>
-                        <a:buNone/>
-                      </a:pPr>
-                      <a:r>
-                        <a:rPr b="1" lang="ru-RU" sz="2000">
-                          <a:latin typeface="Times New Roman"/>
-                          <a:ea typeface="Times New Roman"/>
-                          <a:cs typeface="Times New Roman"/>
-                          <a:sym typeface="Times New Roman"/>
-                        </a:rPr>
-                        <a:t>-</a:t>
-                      </a:r>
-                      <a:endParaRPr b="1" sz="2000">
-                        <a:latin typeface="Times New Roman"/>
-                        <a:ea typeface="Times New Roman"/>
-                        <a:cs typeface="Times New Roman"/>
-                        <a:sym typeface="Times New Roman"/>
-                      </a:endParaRPr>
-                    </a:p>
-                  </a:txBody>
-                  <a:tcPr marT="91425" marB="91425" marR="91425" marL="91425" anchor="ctr"/>
-                </a:tc>
-                <a:tc>
-                  <a:txBody>
-                    <a:bodyPr/>
-                    <a:lstStyle/>
-                    <a:p>
-                      <a:pPr indent="0" lvl="0" marL="0" rtl="0" algn="ctr">
-                        <a:spcBef>
-                          <a:spcPts val="0"/>
-                        </a:spcBef>
-                        <a:spcAft>
-                          <a:spcPts val="0"/>
-                        </a:spcAft>
-                        <a:buNone/>
-                      </a:pPr>
-                      <a:r>
-                        <a:rPr b="1" lang="ru-RU" sz="2000">
-                          <a:latin typeface="Times New Roman"/>
-                          <a:ea typeface="Times New Roman"/>
-                          <a:cs typeface="Times New Roman"/>
-                          <a:sym typeface="Times New Roman"/>
-                        </a:rPr>
-                        <a:t>+</a:t>
-                      </a:r>
-                      <a:endParaRPr b="1" sz="2000">
-                        <a:latin typeface="Times New Roman"/>
-                        <a:ea typeface="Times New Roman"/>
-                        <a:cs typeface="Times New Roman"/>
-                        <a:sym typeface="Times New Roman"/>
-                      </a:endParaRPr>
-                    </a:p>
-                  </a:txBody>
-                  <a:tcPr marT="91425" marB="91425" marR="91425" marL="91425" anchor="ctr"/>
-                </a:tc>
-              </a:tr>
-              <a:tr h="100000">
-                <a:tc rowSpan="4">
-                  <a:txBody>
-                    <a:bodyPr/>
-                    <a:lstStyle/>
-                    <a:p>
-                      <a:pPr indent="0" lvl="0" marL="0" rtl="0" algn="ctr">
-                        <a:spcBef>
-                          <a:spcPts val="0"/>
-                        </a:spcBef>
-                        <a:spcAft>
-                          <a:spcPts val="0"/>
-                        </a:spcAft>
-                        <a:buNone/>
-                      </a:pPr>
-                      <a:r>
-                        <a:rPr b="1" lang="ru-RU" sz="2000">
-                          <a:latin typeface="Times New Roman"/>
-                          <a:ea typeface="Times New Roman"/>
-                          <a:cs typeface="Times New Roman"/>
-                          <a:sym typeface="Times New Roman"/>
-                        </a:rPr>
-                        <a:t>Java</a:t>
-                      </a:r>
-                      <a:endParaRPr b="1" sz="2000">
-                        <a:latin typeface="Times New Roman"/>
-                        <a:ea typeface="Times New Roman"/>
-                        <a:cs typeface="Times New Roman"/>
-                        <a:sym typeface="Times New Roman"/>
-                      </a:endParaRPr>
-                    </a:p>
-                  </a:txBody>
-                  <a:tcPr marT="91425" marB="91425" marR="91425" marL="91425" anchor="ctr"/>
-                </a:tc>
-                <a:tc>
-                  <a:txBody>
-                    <a:bodyPr/>
-                    <a:lstStyle/>
-                    <a:p>
-                      <a:pPr indent="0" lvl="0" marL="0" rtl="0" algn="ctr">
-                        <a:spcBef>
-                          <a:spcPts val="0"/>
-                        </a:spcBef>
-                        <a:spcAft>
-                          <a:spcPts val="0"/>
-                        </a:spcAft>
-                        <a:buNone/>
-                      </a:pPr>
-                      <a:r>
-                        <a:rPr b="1" lang="ru-RU" sz="2000">
-                          <a:latin typeface="Times New Roman"/>
-                          <a:ea typeface="Times New Roman"/>
-                          <a:cs typeface="Times New Roman"/>
-                          <a:sym typeface="Times New Roman"/>
-                        </a:rPr>
-                        <a:t>Serial</a:t>
-                      </a:r>
-                      <a:endParaRPr b="1" sz="2000">
-                        <a:latin typeface="Times New Roman"/>
-                        <a:ea typeface="Times New Roman"/>
-                        <a:cs typeface="Times New Roman"/>
-                        <a:sym typeface="Times New Roman"/>
-                      </a:endParaRPr>
-                    </a:p>
-                  </a:txBody>
-                  <a:tcPr marT="91425" marB="91425" marR="91425" marL="91425" anchor="ctr"/>
-                </a:tc>
-                <a:tc>
-                  <a:txBody>
-                    <a:bodyPr/>
-                    <a:lstStyle/>
-                    <a:p>
-                      <a:pPr indent="0" lvl="0" marL="0" rtl="0" algn="ctr">
-                        <a:spcBef>
-                          <a:spcPts val="0"/>
-                        </a:spcBef>
-                        <a:spcAft>
-                          <a:spcPts val="0"/>
-                        </a:spcAft>
-                        <a:buNone/>
-                      </a:pPr>
-                      <a:r>
-                        <a:rPr b="1" lang="ru-RU" sz="2000">
-                          <a:latin typeface="Times New Roman"/>
-                          <a:ea typeface="Times New Roman"/>
-                          <a:cs typeface="Times New Roman"/>
-                          <a:sym typeface="Times New Roman"/>
-                        </a:rPr>
-                        <a:t>+</a:t>
-                      </a:r>
-                      <a:endParaRPr b="1" sz="2000">
-                        <a:latin typeface="Times New Roman"/>
-                        <a:ea typeface="Times New Roman"/>
-                        <a:cs typeface="Times New Roman"/>
-                        <a:sym typeface="Times New Roman"/>
-                      </a:endParaRPr>
-                    </a:p>
-                  </a:txBody>
-                  <a:tcPr marT="91425" marB="91425" marR="91425" marL="91425" anchor="ctr"/>
-                </a:tc>
-                <a:tc>
-                  <a:txBody>
-                    <a:bodyPr/>
-                    <a:lstStyle/>
-                    <a:p>
-                      <a:pPr indent="0" lvl="0" marL="0" rtl="0" algn="ctr">
-                        <a:spcBef>
-                          <a:spcPts val="0"/>
-                        </a:spcBef>
-                        <a:spcAft>
-                          <a:spcPts val="0"/>
-                        </a:spcAft>
-                        <a:buNone/>
-                      </a:pPr>
-                      <a:r>
-                        <a:rPr b="1" lang="ru-RU" sz="2000">
-                          <a:latin typeface="Times New Roman"/>
-                          <a:ea typeface="Times New Roman"/>
-                          <a:cs typeface="Times New Roman"/>
-                          <a:sym typeface="Times New Roman"/>
-                        </a:rPr>
-                        <a:t>+</a:t>
-                      </a:r>
-                      <a:endParaRPr b="1" sz="2000">
-                        <a:latin typeface="Times New Roman"/>
-                        <a:ea typeface="Times New Roman"/>
-                        <a:cs typeface="Times New Roman"/>
-                        <a:sym typeface="Times New Roman"/>
-                      </a:endParaRPr>
-                    </a:p>
-                  </a:txBody>
-                  <a:tcPr marT="91425" marB="91425" marR="91425" marL="91425" anchor="ctr"/>
-                </a:tc>
-                <a:tc>
-                  <a:txBody>
-                    <a:bodyPr/>
-                    <a:lstStyle/>
-                    <a:p>
-                      <a:pPr indent="0" lvl="0" marL="0" rtl="0" algn="ctr">
-                        <a:spcBef>
-                          <a:spcPts val="0"/>
-                        </a:spcBef>
-                        <a:spcAft>
-                          <a:spcPts val="0"/>
-                        </a:spcAft>
-                        <a:buNone/>
-                      </a:pPr>
-                      <a:r>
-                        <a:rPr b="1" lang="ru-RU" sz="2000">
-                          <a:latin typeface="Times New Roman"/>
-                          <a:ea typeface="Times New Roman"/>
-                          <a:cs typeface="Times New Roman"/>
-                          <a:sym typeface="Times New Roman"/>
-                        </a:rPr>
-                        <a:t>+</a:t>
-                      </a:r>
-                      <a:endParaRPr b="1" sz="2000">
-                        <a:latin typeface="Times New Roman"/>
-                        <a:ea typeface="Times New Roman"/>
-                        <a:cs typeface="Times New Roman"/>
-                        <a:sym typeface="Times New Roman"/>
-                      </a:endParaRPr>
-                    </a:p>
-                  </a:txBody>
-                  <a:tcPr marT="91425" marB="91425" marR="91425" marL="91425" anchor="ctr"/>
-                </a:tc>
-              </a:tr>
-              <a:tr h="100000">
-                <a:tc vMerge="1"/>
-                <a:tc>
-                  <a:txBody>
-                    <a:bodyPr/>
-                    <a:lstStyle/>
-                    <a:p>
-                      <a:pPr indent="0" lvl="0" marL="0" rtl="0" algn="ctr">
-                        <a:spcBef>
-                          <a:spcPts val="0"/>
-                        </a:spcBef>
-                        <a:spcAft>
-                          <a:spcPts val="0"/>
-                        </a:spcAft>
-                        <a:buNone/>
-                      </a:pPr>
-                      <a:r>
-                        <a:rPr b="1" lang="ru-RU" sz="2000">
-                          <a:latin typeface="Times New Roman"/>
-                          <a:ea typeface="Times New Roman"/>
-                          <a:cs typeface="Times New Roman"/>
-                          <a:sym typeface="Times New Roman"/>
-                        </a:rPr>
-                        <a:t>Parallel</a:t>
-                      </a:r>
-                      <a:endParaRPr b="1" sz="2000">
-                        <a:latin typeface="Times New Roman"/>
-                        <a:ea typeface="Times New Roman"/>
-                        <a:cs typeface="Times New Roman"/>
-                        <a:sym typeface="Times New Roman"/>
-                      </a:endParaRPr>
-                    </a:p>
-                  </a:txBody>
-                  <a:tcPr marT="91425" marB="91425" marR="91425" marL="91425" anchor="ctr"/>
-                </a:tc>
-                <a:tc>
-                  <a:txBody>
-                    <a:bodyPr/>
-                    <a:lstStyle/>
-                    <a:p>
-                      <a:pPr indent="0" lvl="0" marL="0" rtl="0" algn="ctr">
-                        <a:spcBef>
-                          <a:spcPts val="0"/>
-                        </a:spcBef>
-                        <a:spcAft>
-                          <a:spcPts val="0"/>
-                        </a:spcAft>
-                        <a:buNone/>
-                      </a:pPr>
-                      <a:r>
-                        <a:rPr b="1" lang="ru-RU" sz="2000">
-                          <a:latin typeface="Times New Roman"/>
-                          <a:ea typeface="Times New Roman"/>
-                          <a:cs typeface="Times New Roman"/>
-                          <a:sym typeface="Times New Roman"/>
-                        </a:rPr>
-                        <a:t>+</a:t>
-                      </a:r>
-                      <a:endParaRPr b="1" sz="2000">
-                        <a:latin typeface="Times New Roman"/>
-                        <a:ea typeface="Times New Roman"/>
-                        <a:cs typeface="Times New Roman"/>
-                        <a:sym typeface="Times New Roman"/>
-                      </a:endParaRPr>
-                    </a:p>
-                  </a:txBody>
-                  <a:tcPr marT="91425" marB="91425" marR="91425" marL="91425" anchor="ctr"/>
-                </a:tc>
-                <a:tc>
-                  <a:txBody>
-                    <a:bodyPr/>
-                    <a:lstStyle/>
-                    <a:p>
-                      <a:pPr indent="0" lvl="0" marL="0" rtl="0" algn="ctr">
-                        <a:spcBef>
-                          <a:spcPts val="0"/>
-                        </a:spcBef>
-                        <a:spcAft>
-                          <a:spcPts val="0"/>
-                        </a:spcAft>
-                        <a:buNone/>
-                      </a:pPr>
-                      <a:r>
-                        <a:rPr b="1" lang="ru-RU" sz="2000">
-                          <a:latin typeface="Times New Roman"/>
-                          <a:ea typeface="Times New Roman"/>
-                          <a:cs typeface="Times New Roman"/>
-                          <a:sym typeface="Times New Roman"/>
-                        </a:rPr>
-                        <a:t>+</a:t>
-                      </a:r>
-                      <a:endParaRPr b="1" sz="2000">
-                        <a:latin typeface="Times New Roman"/>
-                        <a:ea typeface="Times New Roman"/>
-                        <a:cs typeface="Times New Roman"/>
-                        <a:sym typeface="Times New Roman"/>
-                      </a:endParaRPr>
-                    </a:p>
-                  </a:txBody>
-                  <a:tcPr marT="91425" marB="91425" marR="91425" marL="91425" anchor="ctr"/>
-                </a:tc>
-                <a:tc>
-                  <a:txBody>
-                    <a:bodyPr/>
-                    <a:lstStyle/>
-                    <a:p>
-                      <a:pPr indent="0" lvl="0" marL="0" rtl="0" algn="ctr">
-                        <a:spcBef>
-                          <a:spcPts val="0"/>
-                        </a:spcBef>
-                        <a:spcAft>
-                          <a:spcPts val="0"/>
-                        </a:spcAft>
-                        <a:buNone/>
-                      </a:pPr>
-                      <a:r>
-                        <a:rPr b="1" lang="ru-RU" sz="2000">
-                          <a:latin typeface="Times New Roman"/>
-                          <a:ea typeface="Times New Roman"/>
-                          <a:cs typeface="Times New Roman"/>
-                          <a:sym typeface="Times New Roman"/>
-                        </a:rPr>
-                        <a:t>+</a:t>
-                      </a:r>
-                      <a:endParaRPr b="1" sz="2000">
-                        <a:latin typeface="Times New Roman"/>
-                        <a:ea typeface="Times New Roman"/>
-                        <a:cs typeface="Times New Roman"/>
-                        <a:sym typeface="Times New Roman"/>
-                      </a:endParaRPr>
-                    </a:p>
-                  </a:txBody>
-                  <a:tcPr marT="91425" marB="91425" marR="91425" marL="91425" anchor="ctr"/>
-                </a:tc>
-              </a:tr>
-              <a:tr h="100000">
-                <a:tc vMerge="1"/>
-                <a:tc>
-                  <a:txBody>
-                    <a:bodyPr/>
-                    <a:lstStyle/>
-                    <a:p>
-                      <a:pPr indent="0" lvl="0" marL="0" rtl="0" algn="ctr">
-                        <a:spcBef>
-                          <a:spcPts val="0"/>
-                        </a:spcBef>
-                        <a:spcAft>
-                          <a:spcPts val="0"/>
-                        </a:spcAft>
-                        <a:buNone/>
-                      </a:pPr>
-                      <a:r>
-                        <a:rPr b="1" lang="ru-RU" sz="2000">
-                          <a:latin typeface="Times New Roman"/>
-                          <a:ea typeface="Times New Roman"/>
-                          <a:cs typeface="Times New Roman"/>
-                          <a:sym typeface="Times New Roman"/>
-                        </a:rPr>
-                        <a:t>Garbage-First</a:t>
-                      </a:r>
-                      <a:endParaRPr b="1" sz="2000">
-                        <a:latin typeface="Times New Roman"/>
-                        <a:ea typeface="Times New Roman"/>
-                        <a:cs typeface="Times New Roman"/>
-                        <a:sym typeface="Times New Roman"/>
-                      </a:endParaRPr>
-                    </a:p>
-                  </a:txBody>
-                  <a:tcPr marT="91425" marB="91425" marR="91425" marL="91425" anchor="ctr"/>
-                </a:tc>
-                <a:tc>
-                  <a:txBody>
-                    <a:bodyPr/>
-                    <a:lstStyle/>
-                    <a:p>
-                      <a:pPr indent="0" lvl="0" marL="0" rtl="0" algn="ctr">
-                        <a:spcBef>
-                          <a:spcPts val="0"/>
-                        </a:spcBef>
-                        <a:spcAft>
-                          <a:spcPts val="0"/>
-                        </a:spcAft>
-                        <a:buNone/>
-                      </a:pPr>
-                      <a:r>
-                        <a:rPr b="1" lang="ru-RU" sz="2000">
-                          <a:latin typeface="Times New Roman"/>
-                          <a:ea typeface="Times New Roman"/>
-                          <a:cs typeface="Times New Roman"/>
-                          <a:sym typeface="Times New Roman"/>
-                        </a:rPr>
-                        <a:t>+</a:t>
-                      </a:r>
-                      <a:endParaRPr b="1" sz="2000">
-                        <a:latin typeface="Times New Roman"/>
-                        <a:ea typeface="Times New Roman"/>
-                        <a:cs typeface="Times New Roman"/>
-                        <a:sym typeface="Times New Roman"/>
-                      </a:endParaRPr>
-                    </a:p>
-                  </a:txBody>
-                  <a:tcPr marT="91425" marB="91425" marR="91425" marL="91425" anchor="ctr"/>
-                </a:tc>
-                <a:tc>
-                  <a:txBody>
-                    <a:bodyPr/>
-                    <a:lstStyle/>
-                    <a:p>
-                      <a:pPr indent="0" lvl="0" marL="0" rtl="0" algn="ctr">
-                        <a:spcBef>
-                          <a:spcPts val="0"/>
-                        </a:spcBef>
-                        <a:spcAft>
-                          <a:spcPts val="0"/>
-                        </a:spcAft>
-                        <a:buNone/>
-                      </a:pPr>
-                      <a:r>
-                        <a:rPr b="1" lang="ru-RU" sz="2000">
-                          <a:latin typeface="Times New Roman"/>
-                          <a:ea typeface="Times New Roman"/>
-                          <a:cs typeface="Times New Roman"/>
-                          <a:sym typeface="Times New Roman"/>
-                        </a:rPr>
-                        <a:t>+</a:t>
-                      </a:r>
-                      <a:endParaRPr b="1" sz="2000">
-                        <a:latin typeface="Times New Roman"/>
-                        <a:ea typeface="Times New Roman"/>
-                        <a:cs typeface="Times New Roman"/>
-                        <a:sym typeface="Times New Roman"/>
-                      </a:endParaRPr>
-                    </a:p>
-                  </a:txBody>
-                  <a:tcPr marT="91425" marB="91425" marR="91425" marL="91425" anchor="ctr"/>
-                </a:tc>
-                <a:tc>
-                  <a:txBody>
-                    <a:bodyPr/>
-                    <a:lstStyle/>
-                    <a:p>
-                      <a:pPr indent="0" lvl="0" marL="0" rtl="0" algn="ctr">
-                        <a:spcBef>
-                          <a:spcPts val="0"/>
-                        </a:spcBef>
-                        <a:spcAft>
-                          <a:spcPts val="0"/>
-                        </a:spcAft>
-                        <a:buNone/>
-                      </a:pPr>
-                      <a:r>
-                        <a:rPr b="1" lang="ru-RU" sz="2000">
-                          <a:latin typeface="Times New Roman"/>
-                          <a:ea typeface="Times New Roman"/>
-                          <a:cs typeface="Times New Roman"/>
-                          <a:sym typeface="Times New Roman"/>
-                        </a:rPr>
-                        <a:t>+</a:t>
-                      </a:r>
-                      <a:endParaRPr b="1" sz="2000">
-                        <a:latin typeface="Times New Roman"/>
-                        <a:ea typeface="Times New Roman"/>
-                        <a:cs typeface="Times New Roman"/>
-                        <a:sym typeface="Times New Roman"/>
-                      </a:endParaRPr>
-                    </a:p>
-                  </a:txBody>
-                  <a:tcPr marT="91425" marB="91425" marR="91425" marL="91425" anchor="ctr"/>
-                </a:tc>
-              </a:tr>
-              <a:tr h="100000">
-                <a:tc vMerge="1"/>
-                <a:tc>
-                  <a:txBody>
-                    <a:bodyPr/>
-                    <a:lstStyle/>
-                    <a:p>
-                      <a:pPr indent="0" lvl="0" marL="0" rtl="0" algn="ctr">
-                        <a:spcBef>
-                          <a:spcPts val="0"/>
-                        </a:spcBef>
-                        <a:spcAft>
-                          <a:spcPts val="0"/>
-                        </a:spcAft>
-                        <a:buNone/>
-                      </a:pPr>
-                      <a:r>
-                        <a:rPr b="1" lang="ru-RU" sz="2000">
-                          <a:latin typeface="Times New Roman"/>
-                          <a:ea typeface="Times New Roman"/>
-                          <a:cs typeface="Times New Roman"/>
-                          <a:sym typeface="Times New Roman"/>
-                        </a:rPr>
-                        <a:t>ZGC</a:t>
-                      </a:r>
-                      <a:endParaRPr b="1" sz="2000">
-                        <a:latin typeface="Times New Roman"/>
-                        <a:ea typeface="Times New Roman"/>
-                        <a:cs typeface="Times New Roman"/>
-                        <a:sym typeface="Times New Roman"/>
-                      </a:endParaRPr>
-                    </a:p>
-                  </a:txBody>
-                  <a:tcPr marT="91425" marB="91425" marR="91425" marL="91425" anchor="ctr"/>
-                </a:tc>
-                <a:tc>
-                  <a:txBody>
-                    <a:bodyPr/>
-                    <a:lstStyle/>
-                    <a:p>
-                      <a:pPr indent="0" lvl="0" marL="0" rtl="0" algn="ctr">
-                        <a:spcBef>
-                          <a:spcPts val="0"/>
-                        </a:spcBef>
-                        <a:spcAft>
-                          <a:spcPts val="0"/>
-                        </a:spcAft>
-                        <a:buNone/>
-                      </a:pPr>
-                      <a:r>
-                        <a:rPr b="1" lang="ru-RU" sz="2000">
-                          <a:latin typeface="Times New Roman"/>
-                          <a:ea typeface="Times New Roman"/>
-                          <a:cs typeface="Times New Roman"/>
-                          <a:sym typeface="Times New Roman"/>
-                        </a:rPr>
-                        <a:t>+</a:t>
-                      </a:r>
-                      <a:endParaRPr b="1" sz="2000">
-                        <a:latin typeface="Times New Roman"/>
-                        <a:ea typeface="Times New Roman"/>
-                        <a:cs typeface="Times New Roman"/>
-                        <a:sym typeface="Times New Roman"/>
-                      </a:endParaRPr>
-                    </a:p>
-                  </a:txBody>
-                  <a:tcPr marT="91425" marB="91425" marR="91425" marL="91425" anchor="ctr"/>
-                </a:tc>
-                <a:tc>
-                  <a:txBody>
-                    <a:bodyPr/>
-                    <a:lstStyle/>
-                    <a:p>
-                      <a:pPr indent="0" lvl="0" marL="0" rtl="0" algn="ctr">
-                        <a:spcBef>
-                          <a:spcPts val="0"/>
-                        </a:spcBef>
-                        <a:spcAft>
-                          <a:spcPts val="0"/>
-                        </a:spcAft>
-                        <a:buNone/>
-                      </a:pPr>
-                      <a:r>
-                        <a:rPr b="1" lang="ru-RU" sz="2000">
-                          <a:latin typeface="Times New Roman"/>
-                          <a:ea typeface="Times New Roman"/>
-                          <a:cs typeface="Times New Roman"/>
-                          <a:sym typeface="Times New Roman"/>
-                        </a:rPr>
-                        <a:t>+</a:t>
-                      </a:r>
-                      <a:endParaRPr b="1" sz="2000">
-                        <a:latin typeface="Times New Roman"/>
-                        <a:ea typeface="Times New Roman"/>
-                        <a:cs typeface="Times New Roman"/>
-                        <a:sym typeface="Times New Roman"/>
-                      </a:endParaRPr>
-                    </a:p>
-                  </a:txBody>
-                  <a:tcPr marT="91425" marB="91425" marR="91425" marL="91425" anchor="ctr"/>
-                </a:tc>
-                <a:tc>
-                  <a:txBody>
-                    <a:bodyPr/>
-                    <a:lstStyle/>
-                    <a:p>
-                      <a:pPr indent="0" lvl="0" marL="0" rtl="0" algn="ctr">
-                        <a:spcBef>
-                          <a:spcPts val="0"/>
-                        </a:spcBef>
-                        <a:spcAft>
-                          <a:spcPts val="0"/>
-                        </a:spcAft>
-                        <a:buNone/>
-                      </a:pPr>
-                      <a:r>
-                        <a:rPr b="1" lang="ru-RU" sz="2000">
-                          <a:latin typeface="Times New Roman"/>
-                          <a:ea typeface="Times New Roman"/>
-                          <a:cs typeface="Times New Roman"/>
-                          <a:sym typeface="Times New Roman"/>
-                        </a:rPr>
-                        <a:t>+</a:t>
-                      </a:r>
-                      <a:endParaRPr b="1" sz="2000">
-                        <a:latin typeface="Times New Roman"/>
-                        <a:ea typeface="Times New Roman"/>
-                        <a:cs typeface="Times New Roman"/>
-                        <a:sym typeface="Times New Roman"/>
-                      </a:endParaRPr>
-                    </a:p>
-                  </a:txBody>
-                  <a:tcPr marT="91425" marB="91425" marR="91425" marL="91425" anchor="ctr"/>
-                </a:tc>
-              </a:tr>
-              <a:tr h="100000">
-                <a:tc>
-                  <a:txBody>
-                    <a:bodyPr/>
-                    <a:lstStyle/>
-                    <a:p>
-                      <a:pPr indent="0" lvl="0" marL="0" rtl="0" algn="ctr">
-                        <a:spcBef>
-                          <a:spcPts val="0"/>
-                        </a:spcBef>
-                        <a:spcAft>
-                          <a:spcPts val="0"/>
-                        </a:spcAft>
-                        <a:buNone/>
-                      </a:pPr>
-                      <a:r>
-                        <a:rPr lang="ru-RU" sz="2000">
-                          <a:latin typeface="Times New Roman"/>
-                          <a:ea typeface="Times New Roman"/>
-                          <a:cs typeface="Times New Roman"/>
-                          <a:sym typeface="Times New Roman"/>
-                        </a:rPr>
-                        <a:t>JavaScript</a:t>
-                      </a:r>
-                      <a:endParaRPr sz="2000">
-                        <a:latin typeface="Times New Roman"/>
-                        <a:ea typeface="Times New Roman"/>
-                        <a:cs typeface="Times New Roman"/>
-                        <a:sym typeface="Times New Roman"/>
-                      </a:endParaRPr>
-                    </a:p>
-                  </a:txBody>
-                  <a:tcPr marT="91425" marB="91425" marR="91425" marL="91425" anchor="ctr"/>
-                </a:tc>
-                <a:tc>
-                  <a:txBody>
-                    <a:bodyPr/>
-                    <a:lstStyle/>
-                    <a:p>
-                      <a:pPr indent="0" lvl="0" marL="0" rtl="0" algn="ctr">
-                        <a:spcBef>
-                          <a:spcPts val="0"/>
-                        </a:spcBef>
-                        <a:spcAft>
-                          <a:spcPts val="0"/>
-                        </a:spcAft>
-                        <a:buNone/>
-                      </a:pPr>
-                      <a:r>
-                        <a:rPr lang="ru-RU" sz="2000">
-                          <a:solidFill>
-                            <a:schemeClr val="dk1"/>
-                          </a:solidFill>
-                          <a:latin typeface="Times New Roman"/>
-                          <a:ea typeface="Times New Roman"/>
-                          <a:cs typeface="Times New Roman"/>
-                          <a:sym typeface="Times New Roman"/>
-                        </a:rPr>
-                        <a:t>По умолчанию</a:t>
-                      </a:r>
-                      <a:endParaRPr sz="2000">
-                        <a:latin typeface="Times New Roman"/>
-                        <a:ea typeface="Times New Roman"/>
-                        <a:cs typeface="Times New Roman"/>
-                        <a:sym typeface="Times New Roman"/>
-                      </a:endParaRPr>
-                    </a:p>
-                  </a:txBody>
-                  <a:tcPr marT="91425" marB="91425" marR="91425" marL="91425" anchor="ctr"/>
-                </a:tc>
-                <a:tc>
-                  <a:txBody>
-                    <a:bodyPr/>
-                    <a:lstStyle/>
-                    <a:p>
-                      <a:pPr indent="0" lvl="0" marL="0" rtl="0" algn="ctr">
-                        <a:spcBef>
-                          <a:spcPts val="0"/>
-                        </a:spcBef>
-                        <a:spcAft>
-                          <a:spcPts val="0"/>
-                        </a:spcAft>
-                        <a:buNone/>
-                      </a:pPr>
-                      <a:r>
-                        <a:rPr lang="ru-RU" sz="2000">
-                          <a:latin typeface="Times New Roman"/>
-                          <a:ea typeface="Times New Roman"/>
-                          <a:cs typeface="Times New Roman"/>
-                          <a:sym typeface="Times New Roman"/>
-                        </a:rPr>
-                        <a:t>-</a:t>
-                      </a:r>
-                      <a:endParaRPr sz="2000">
-                        <a:latin typeface="Times New Roman"/>
-                        <a:ea typeface="Times New Roman"/>
-                        <a:cs typeface="Times New Roman"/>
-                        <a:sym typeface="Times New Roman"/>
-                      </a:endParaRPr>
-                    </a:p>
-                  </a:txBody>
-                  <a:tcPr marT="91425" marB="91425" marR="91425" marL="91425" anchor="ctr"/>
-                </a:tc>
-                <a:tc>
-                  <a:txBody>
-                    <a:bodyPr/>
-                    <a:lstStyle/>
-                    <a:p>
-                      <a:pPr indent="0" lvl="0" marL="0" rtl="0" algn="ctr">
-                        <a:spcBef>
-                          <a:spcPts val="0"/>
-                        </a:spcBef>
-                        <a:spcAft>
-                          <a:spcPts val="0"/>
-                        </a:spcAft>
-                        <a:buNone/>
-                      </a:pPr>
-                      <a:r>
-                        <a:rPr lang="ru-RU" sz="2000">
-                          <a:latin typeface="Times New Roman"/>
-                          <a:ea typeface="Times New Roman"/>
-                          <a:cs typeface="Times New Roman"/>
-                          <a:sym typeface="Times New Roman"/>
-                        </a:rPr>
-                        <a:t>+</a:t>
-                      </a:r>
-                      <a:endParaRPr sz="2000">
-                        <a:latin typeface="Times New Roman"/>
-                        <a:ea typeface="Times New Roman"/>
-                        <a:cs typeface="Times New Roman"/>
-                        <a:sym typeface="Times New Roman"/>
-                      </a:endParaRPr>
-                    </a:p>
-                  </a:txBody>
-                  <a:tcPr marT="91425" marB="91425" marR="91425" marL="91425" anchor="ctr"/>
-                </a:tc>
-                <a:tc>
-                  <a:txBody>
-                    <a:bodyPr/>
-                    <a:lstStyle/>
-                    <a:p>
-                      <a:pPr indent="0" lvl="0" marL="0" rtl="0" algn="ctr">
-                        <a:spcBef>
-                          <a:spcPts val="0"/>
-                        </a:spcBef>
-                        <a:spcAft>
-                          <a:spcPts val="0"/>
-                        </a:spcAft>
-                        <a:buNone/>
-                      </a:pPr>
-                      <a:r>
-                        <a:rPr lang="ru-RU" sz="2000">
-                          <a:latin typeface="Times New Roman"/>
-                          <a:ea typeface="Times New Roman"/>
-                          <a:cs typeface="Times New Roman"/>
-                          <a:sym typeface="Times New Roman"/>
-                        </a:rPr>
-                        <a:t>-</a:t>
-                      </a:r>
-                      <a:endParaRPr sz="2000">
-                        <a:latin typeface="Times New Roman"/>
-                        <a:ea typeface="Times New Roman"/>
-                        <a:cs typeface="Times New Roman"/>
-                        <a:sym typeface="Times New Roman"/>
-                      </a:endParaRPr>
-                    </a:p>
-                  </a:txBody>
-                  <a:tcPr marT="91425" marB="91425" marR="91425" marL="91425" anchor="ctr"/>
-                </a:tc>
-              </a:tr>
-              <a:tr h="103450">
-                <a:tc>
-                  <a:txBody>
-                    <a:bodyPr/>
-                    <a:lstStyle/>
-                    <a:p>
-                      <a:pPr indent="0" lvl="0" marL="0" rtl="0" algn="ctr">
-                        <a:spcBef>
-                          <a:spcPts val="0"/>
-                        </a:spcBef>
-                        <a:spcAft>
-                          <a:spcPts val="0"/>
-                        </a:spcAft>
-                        <a:buNone/>
-                      </a:pPr>
-                      <a:r>
-                        <a:rPr lang="ru-RU" sz="2000">
-                          <a:latin typeface="Times New Roman"/>
-                          <a:ea typeface="Times New Roman"/>
-                          <a:cs typeface="Times New Roman"/>
-                          <a:sym typeface="Times New Roman"/>
-                        </a:rPr>
-                        <a:t>C#</a:t>
-                      </a:r>
-                      <a:endParaRPr sz="2000">
-                        <a:latin typeface="Times New Roman"/>
-                        <a:ea typeface="Times New Roman"/>
-                        <a:cs typeface="Times New Roman"/>
-                        <a:sym typeface="Times New Roman"/>
-                      </a:endParaRPr>
-                    </a:p>
-                  </a:txBody>
-                  <a:tcPr marT="91425" marB="91425" marR="91425" marL="91425" anchor="ctr"/>
-                </a:tc>
-                <a:tc>
-                  <a:txBody>
-                    <a:bodyPr/>
-                    <a:lstStyle/>
-                    <a:p>
-                      <a:pPr indent="0" lvl="0" marL="0" rtl="0" algn="ctr">
-                        <a:spcBef>
-                          <a:spcPts val="0"/>
-                        </a:spcBef>
-                        <a:spcAft>
-                          <a:spcPts val="0"/>
-                        </a:spcAft>
-                        <a:buNone/>
-                      </a:pPr>
-                      <a:r>
-                        <a:rPr lang="ru-RU" sz="2000">
-                          <a:solidFill>
-                            <a:schemeClr val="dk1"/>
-                          </a:solidFill>
-                          <a:latin typeface="Times New Roman"/>
-                          <a:ea typeface="Times New Roman"/>
-                          <a:cs typeface="Times New Roman"/>
-                          <a:sym typeface="Times New Roman"/>
-                        </a:rPr>
-                        <a:t>По умолчанию</a:t>
-                      </a:r>
-                      <a:endParaRPr sz="2000">
-                        <a:latin typeface="Times New Roman"/>
-                        <a:ea typeface="Times New Roman"/>
-                        <a:cs typeface="Times New Roman"/>
-                        <a:sym typeface="Times New Roman"/>
-                      </a:endParaRPr>
-                    </a:p>
-                  </a:txBody>
-                  <a:tcPr marT="91425" marB="91425" marR="91425" marL="91425" anchor="ctr"/>
-                </a:tc>
-                <a:tc>
-                  <a:txBody>
-                    <a:bodyPr/>
-                    <a:lstStyle/>
-                    <a:p>
-                      <a:pPr indent="0" lvl="0" marL="0" rtl="0" algn="ctr">
-                        <a:spcBef>
-                          <a:spcPts val="0"/>
-                        </a:spcBef>
-                        <a:spcAft>
-                          <a:spcPts val="0"/>
-                        </a:spcAft>
-                        <a:buNone/>
-                      </a:pPr>
-                      <a:r>
-                        <a:rPr lang="ru-RU" sz="2000">
-                          <a:latin typeface="Times New Roman"/>
-                          <a:ea typeface="Times New Roman"/>
-                          <a:cs typeface="Times New Roman"/>
-                          <a:sym typeface="Times New Roman"/>
-                        </a:rPr>
-                        <a:t>+</a:t>
-                      </a:r>
-                      <a:endParaRPr sz="2000">
-                        <a:latin typeface="Times New Roman"/>
-                        <a:ea typeface="Times New Roman"/>
-                        <a:cs typeface="Times New Roman"/>
-                        <a:sym typeface="Times New Roman"/>
-                      </a:endParaRPr>
-                    </a:p>
-                  </a:txBody>
-                  <a:tcPr marT="91425" marB="91425" marR="91425" marL="91425" anchor="ctr"/>
-                </a:tc>
-                <a:tc>
-                  <a:txBody>
-                    <a:bodyPr/>
-                    <a:lstStyle/>
-                    <a:p>
-                      <a:pPr indent="0" lvl="0" marL="0" rtl="0" algn="ctr">
-                        <a:spcBef>
-                          <a:spcPts val="0"/>
-                        </a:spcBef>
-                        <a:spcAft>
-                          <a:spcPts val="0"/>
-                        </a:spcAft>
-                        <a:buNone/>
-                      </a:pPr>
-                      <a:r>
-                        <a:rPr lang="ru-RU" sz="2000">
-                          <a:latin typeface="Times New Roman"/>
-                          <a:ea typeface="Times New Roman"/>
-                          <a:cs typeface="Times New Roman"/>
-                          <a:sym typeface="Times New Roman"/>
-                        </a:rPr>
-                        <a:t>+</a:t>
-                      </a:r>
-                      <a:endParaRPr sz="2000">
-                        <a:latin typeface="Times New Roman"/>
-                        <a:ea typeface="Times New Roman"/>
-                        <a:cs typeface="Times New Roman"/>
-                        <a:sym typeface="Times New Roman"/>
-                      </a:endParaRPr>
-                    </a:p>
-                  </a:txBody>
-                  <a:tcPr marT="91425" marB="91425" marR="91425" marL="91425" anchor="ctr"/>
-                </a:tc>
-                <a:tc>
-                  <a:txBody>
-                    <a:bodyPr/>
-                    <a:lstStyle/>
-                    <a:p>
-                      <a:pPr indent="0" lvl="0" marL="0" rtl="0" algn="ctr">
-                        <a:spcBef>
-                          <a:spcPts val="0"/>
-                        </a:spcBef>
-                        <a:spcAft>
-                          <a:spcPts val="0"/>
-                        </a:spcAft>
-                        <a:buNone/>
-                      </a:pPr>
-                      <a:r>
-                        <a:rPr lang="ru-RU" sz="2000">
-                          <a:latin typeface="Times New Roman"/>
-                          <a:ea typeface="Times New Roman"/>
-                          <a:cs typeface="Times New Roman"/>
-                          <a:sym typeface="Times New Roman"/>
-                        </a:rPr>
-                        <a:t>+</a:t>
-                      </a:r>
-                      <a:endParaRPr sz="2000">
-                        <a:latin typeface="Times New Roman"/>
-                        <a:ea typeface="Times New Roman"/>
-                        <a:cs typeface="Times New Roman"/>
-                        <a:sym typeface="Times New Roman"/>
-                      </a:endParaRPr>
-                    </a:p>
-                  </a:txBody>
-                  <a:tcPr marT="91425" marB="91425" marR="91425" marL="91425" anchor="ctr"/>
-                </a:tc>
-              </a:tr>
-              <a:tr h="167075">
-                <a:tc>
-                  <a:txBody>
-                    <a:bodyPr/>
-                    <a:lstStyle/>
-                    <a:p>
-                      <a:pPr indent="0" lvl="0" marL="0" rtl="0" algn="ctr">
-                        <a:spcBef>
-                          <a:spcPts val="0"/>
-                        </a:spcBef>
-                        <a:spcAft>
-                          <a:spcPts val="0"/>
-                        </a:spcAft>
-                        <a:buNone/>
-                      </a:pPr>
-                      <a:r>
-                        <a:rPr lang="ru-RU" sz="2000">
-                          <a:latin typeface="Times New Roman"/>
-                          <a:ea typeface="Times New Roman"/>
-                          <a:cs typeface="Times New Roman"/>
-                          <a:sym typeface="Times New Roman"/>
-                        </a:rPr>
-                        <a:t>Golang</a:t>
-                      </a:r>
-                      <a:endParaRPr sz="2000">
-                        <a:latin typeface="Times New Roman"/>
-                        <a:ea typeface="Times New Roman"/>
-                        <a:cs typeface="Times New Roman"/>
-                        <a:sym typeface="Times New Roman"/>
-                      </a:endParaRPr>
-                    </a:p>
-                  </a:txBody>
-                  <a:tcPr marT="91425" marB="91425" marR="91425" marL="91425" anchor="ctr"/>
-                </a:tc>
-                <a:tc>
-                  <a:txBody>
-                    <a:bodyPr/>
-                    <a:lstStyle/>
-                    <a:p>
-                      <a:pPr indent="0" lvl="0" marL="0" rtl="0" algn="ctr">
-                        <a:spcBef>
-                          <a:spcPts val="0"/>
-                        </a:spcBef>
-                        <a:spcAft>
-                          <a:spcPts val="0"/>
-                        </a:spcAft>
-                        <a:buNone/>
-                      </a:pPr>
-                      <a:r>
-                        <a:rPr lang="ru-RU" sz="2000">
-                          <a:solidFill>
-                            <a:schemeClr val="dk1"/>
-                          </a:solidFill>
-                          <a:latin typeface="Times New Roman"/>
-                          <a:ea typeface="Times New Roman"/>
-                          <a:cs typeface="Times New Roman"/>
-                          <a:sym typeface="Times New Roman"/>
-                        </a:rPr>
-                        <a:t>По умолчанию</a:t>
-                      </a:r>
-                      <a:endParaRPr sz="2000">
-                        <a:latin typeface="Times New Roman"/>
-                        <a:ea typeface="Times New Roman"/>
-                        <a:cs typeface="Times New Roman"/>
-                        <a:sym typeface="Times New Roman"/>
-                      </a:endParaRPr>
-                    </a:p>
-                  </a:txBody>
-                  <a:tcPr marT="91425" marB="91425" marR="91425" marL="91425" anchor="ctr"/>
-                </a:tc>
-                <a:tc>
-                  <a:txBody>
-                    <a:bodyPr/>
-                    <a:lstStyle/>
-                    <a:p>
-                      <a:pPr indent="0" lvl="0" marL="0" rtl="0" algn="ctr">
-                        <a:spcBef>
-                          <a:spcPts val="0"/>
-                        </a:spcBef>
-                        <a:spcAft>
-                          <a:spcPts val="0"/>
-                        </a:spcAft>
-                        <a:buNone/>
-                      </a:pPr>
-                      <a:r>
-                        <a:rPr lang="ru-RU" sz="2000">
-                          <a:latin typeface="Times New Roman"/>
-                          <a:ea typeface="Times New Roman"/>
-                          <a:cs typeface="Times New Roman"/>
-                          <a:sym typeface="Times New Roman"/>
-                        </a:rPr>
-                        <a:t>-</a:t>
-                      </a:r>
-                      <a:endParaRPr sz="2000">
-                        <a:latin typeface="Times New Roman"/>
-                        <a:ea typeface="Times New Roman"/>
-                        <a:cs typeface="Times New Roman"/>
-                        <a:sym typeface="Times New Roman"/>
-                      </a:endParaRPr>
-                    </a:p>
-                  </a:txBody>
-                  <a:tcPr marT="91425" marB="91425" marR="91425" marL="91425" anchor="ctr"/>
-                </a:tc>
-                <a:tc>
-                  <a:txBody>
-                    <a:bodyPr/>
-                    <a:lstStyle/>
-                    <a:p>
-                      <a:pPr indent="0" lvl="0" marL="0" rtl="0" algn="ctr">
-                        <a:spcBef>
-                          <a:spcPts val="0"/>
-                        </a:spcBef>
-                        <a:spcAft>
-                          <a:spcPts val="0"/>
-                        </a:spcAft>
-                        <a:buNone/>
-                      </a:pPr>
-                      <a:r>
-                        <a:rPr lang="ru-RU" sz="2000">
-                          <a:latin typeface="Times New Roman"/>
-                          <a:ea typeface="Times New Roman"/>
-                          <a:cs typeface="Times New Roman"/>
-                          <a:sym typeface="Times New Roman"/>
-                        </a:rPr>
-                        <a:t>+</a:t>
-                      </a:r>
-                      <a:endParaRPr sz="2000">
-                        <a:latin typeface="Times New Roman"/>
-                        <a:ea typeface="Times New Roman"/>
-                        <a:cs typeface="Times New Roman"/>
-                        <a:sym typeface="Times New Roman"/>
-                      </a:endParaRPr>
-                    </a:p>
-                  </a:txBody>
-                  <a:tcPr marT="91425" marB="91425" marR="91425" marL="91425" anchor="ctr"/>
-                </a:tc>
-                <a:tc>
-                  <a:txBody>
-                    <a:bodyPr/>
-                    <a:lstStyle/>
-                    <a:p>
-                      <a:pPr indent="0" lvl="0" marL="0" rtl="0" algn="ctr">
-                        <a:spcBef>
-                          <a:spcPts val="0"/>
-                        </a:spcBef>
-                        <a:spcAft>
-                          <a:spcPts val="0"/>
-                        </a:spcAft>
-                        <a:buNone/>
-                      </a:pPr>
-                      <a:r>
-                        <a:rPr lang="ru-RU" sz="2000">
-                          <a:latin typeface="Times New Roman"/>
-                          <a:ea typeface="Times New Roman"/>
-                          <a:cs typeface="Times New Roman"/>
-                          <a:sym typeface="Times New Roman"/>
-                        </a:rPr>
-                        <a:t>+</a:t>
-                      </a:r>
-                      <a:endParaRPr sz="2000">
-                        <a:latin typeface="Times New Roman"/>
-                        <a:ea typeface="Times New Roman"/>
-                        <a:cs typeface="Times New Roman"/>
-                        <a:sym typeface="Times New Roman"/>
-                      </a:endParaRPr>
-                    </a:p>
-                  </a:txBody>
-                  <a:tcPr marT="91425" marB="91425" marR="91425" marL="91425" anchor="ctr"/>
-                </a:tc>
-              </a:tr>
-            </a:tbl>
-          </a:graphicData>
-        </a:graphic>
-      </p:graphicFrame>
+        </p:nvPicPr>
+        <p:blipFill>
+          <a:blip r:embed="rId3">
+            <a:alphaModFix/>
+          </a:blip>
+          <a:stretch>
+            <a:fillRect/>
+          </a:stretch>
+        </p:blipFill>
+        <p:spPr>
+          <a:xfrm>
+            <a:off x="1178613" y="1131700"/>
+            <a:ext cx="9834774" cy="5481574"/>
+          </a:xfrm>
+          <a:prstGeom prst="rect">
+            <a:avLst/>
+          </a:prstGeom>
+          <a:noFill/>
+          <a:ln>
+            <a:noFill/>
+          </a:ln>
+        </p:spPr>
+      </p:pic>
     </p:spTree>
   </p:cSld>
   <p:clrMapOvr>
@@ -23002,7 +22033,7 @@
   <p:cSld>
     <p:spTree>
       <p:nvGrpSpPr>
-        <p:cNvPr id="151" name="Shape 151"/>
+        <p:cNvPr id="148" name="Shape 148"/>
         <p:cNvGrpSpPr/>
         <p:nvPr/>
       </p:nvGrpSpPr>
@@ -23016,7 +22047,7 @@
       </p:grpSpPr>
       <p:sp>
         <p:nvSpPr>
-          <p:cNvPr id="152" name="Google Shape;152;p20"/>
+          <p:cNvPr id="149" name="Google Shape;149;p20"/>
           <p:cNvSpPr txBox="1"/>
           <p:nvPr>
             <p:ph type="title"/>
@@ -23024,8 +22055,8 @@
         </p:nvSpPr>
         <p:spPr>
           <a:xfrm>
-            <a:off x="838200" y="0"/>
-            <a:ext cx="11245200" cy="1325700"/>
+            <a:off x="838175" y="0"/>
+            <a:ext cx="11062800" cy="1777800"/>
           </a:xfrm>
           <a:prstGeom prst="rect">
             <a:avLst/>
@@ -23037,14 +22068,11 @@
         </p:spPr>
         <p:txBody>
           <a:bodyPr anchorCtr="0" anchor="ctr" bIns="45700" lIns="91425" spcFirstLastPara="1" rIns="91425" wrap="square" tIns="45700">
-            <a:normAutofit/>
+            <a:normAutofit fontScale="90000"/>
           </a:bodyPr>
           <a:lstStyle/>
           <a:p>
             <a:pPr indent="0" lvl="0" marL="0" rtl="0" algn="l">
-              <a:lnSpc>
-                <a:spcPct val="90000"/>
-              </a:lnSpc>
               <a:spcBef>
                 <a:spcPts val="0"/>
               </a:spcBef>
@@ -23054,7 +22082,7 @@
               <a:buClr>
                 <a:schemeClr val="dk1"/>
               </a:buClr>
-              <a:buSzPts val="4400"/>
+              <a:buSzPct val="100000"/>
               <a:buFont typeface="Times New Roman"/>
               <a:buNone/>
             </a:pPr>
@@ -23065,7 +22093,41 @@
                 <a:cs typeface="Times New Roman"/>
                 <a:sym typeface="Times New Roman"/>
               </a:rPr>
-              <a:t>Классификация существующих решений (2/2)</a:t>
+              <a:t>Метод автоматического управления памятью</a:t>
+            </a:r>
+            <a:br>
+              <a:rPr lang="ru-RU">
+                <a:latin typeface="Times New Roman"/>
+                <a:ea typeface="Times New Roman"/>
+                <a:cs typeface="Times New Roman"/>
+                <a:sym typeface="Times New Roman"/>
+              </a:rPr>
+            </a:br>
+            <a:r>
+              <a:rPr lang="ru-RU">
+                <a:latin typeface="Times New Roman"/>
+                <a:ea typeface="Times New Roman"/>
+                <a:cs typeface="Times New Roman"/>
+                <a:sym typeface="Times New Roman"/>
+              </a:rPr>
+              <a:t>с гарантированным временем выполнения</a:t>
+            </a:r>
+            <a:br>
+              <a:rPr lang="ru-RU">
+                <a:latin typeface="Times New Roman"/>
+                <a:ea typeface="Times New Roman"/>
+                <a:cs typeface="Times New Roman"/>
+                <a:sym typeface="Times New Roman"/>
+              </a:rPr>
+            </a:br>
+            <a:r>
+              <a:rPr lang="ru-RU">
+                <a:latin typeface="Times New Roman"/>
+                <a:ea typeface="Times New Roman"/>
+                <a:cs typeface="Times New Roman"/>
+                <a:sym typeface="Times New Roman"/>
+              </a:rPr>
+              <a:t>на основе подсчёта ссылок</a:t>
             </a:r>
             <a:endParaRPr>
               <a:latin typeface="Times New Roman"/>
@@ -23078,7 +22140,7 @@
       </p:sp>
       <p:sp>
         <p:nvSpPr>
-          <p:cNvPr id="153" name="Google Shape;153;p20"/>
+          <p:cNvPr id="150" name="Google Shape;150;p20"/>
           <p:cNvSpPr txBox="1"/>
           <p:nvPr>
             <p:ph idx="12" type="sldNum"/>
@@ -23120,1450 +22182,34 @@
           </a:p>
         </p:txBody>
       </p:sp>
-      <p:graphicFrame>
-        <p:nvGraphicFramePr>
-          <p:cNvPr id="154" name="Google Shape;154;p20"/>
-          <p:cNvGraphicFramePr/>
+      <p:pic>
+        <p:nvPicPr>
+          <p:cNvPr id="151" name="Google Shape;151;p20"/>
+          <p:cNvPicPr preferRelativeResize="0"/>
           <p:nvPr/>
-        </p:nvGraphicFramePr>
-        <p:xfrm>
-          <a:off x="636825" y="1325700"/>
-          <a:ext cx="3000000" cy="3000000"/>
-        </p:xfrm>
-        <a:graphic>
-          <a:graphicData uri="http://schemas.openxmlformats.org/drawingml/2006/table">
-            <a:tbl>
-              <a:tblPr>
-                <a:noFill/>
-                <a:tableStyleId>{1068B27F-ADFB-46B1-9DD5-258757454C2B}</a:tableStyleId>
-              </a:tblPr>
-              <a:tblGrid>
-                <a:gridCol w="2273975"/>
-                <a:gridCol w="1911050"/>
-                <a:gridCol w="1839650"/>
-                <a:gridCol w="2689975"/>
-                <a:gridCol w="2590475"/>
-              </a:tblGrid>
-              <a:tr h="255025">
-                <a:tc>
-                  <a:txBody>
-                    <a:bodyPr/>
-                    <a:lstStyle/>
-                    <a:p>
-                      <a:pPr indent="0" lvl="0" marL="0" rtl="0" algn="ctr">
-                        <a:spcBef>
-                          <a:spcPts val="0"/>
-                        </a:spcBef>
-                        <a:spcAft>
-                          <a:spcPts val="0"/>
-                        </a:spcAft>
-                        <a:buNone/>
-                      </a:pPr>
-                      <a:r>
-                        <a:rPr lang="ru-RU" sz="2000">
-                          <a:latin typeface="Times New Roman"/>
-                          <a:ea typeface="Times New Roman"/>
-                          <a:cs typeface="Times New Roman"/>
-                          <a:sym typeface="Times New Roman"/>
-                        </a:rPr>
-                        <a:t>Язык программирования</a:t>
-                      </a:r>
-                      <a:endParaRPr sz="2000">
-                        <a:latin typeface="Times New Roman"/>
-                        <a:ea typeface="Times New Roman"/>
-                        <a:cs typeface="Times New Roman"/>
-                        <a:sym typeface="Times New Roman"/>
-                      </a:endParaRPr>
-                    </a:p>
-                  </a:txBody>
-                  <a:tcPr marT="91425" marB="91425" marR="91425" marL="91425" anchor="ctr"/>
-                </a:tc>
-                <a:tc>
-                  <a:txBody>
-                    <a:bodyPr/>
-                    <a:lstStyle/>
-                    <a:p>
-                      <a:pPr indent="0" lvl="0" marL="0" rtl="0" algn="ctr">
-                        <a:spcBef>
-                          <a:spcPts val="0"/>
-                        </a:spcBef>
-                        <a:spcAft>
-                          <a:spcPts val="0"/>
-                        </a:spcAft>
-                        <a:buNone/>
-                      </a:pPr>
-                      <a:r>
-                        <a:rPr lang="ru-RU" sz="2000">
-                          <a:latin typeface="Times New Roman"/>
-                          <a:ea typeface="Times New Roman"/>
-                          <a:cs typeface="Times New Roman"/>
-                          <a:sym typeface="Times New Roman"/>
-                        </a:rPr>
-                        <a:t>Сборщик мусора</a:t>
-                      </a:r>
-                      <a:endParaRPr sz="2000">
-                        <a:latin typeface="Times New Roman"/>
-                        <a:ea typeface="Times New Roman"/>
-                        <a:cs typeface="Times New Roman"/>
-                        <a:sym typeface="Times New Roman"/>
-                      </a:endParaRPr>
-                    </a:p>
-                  </a:txBody>
-                  <a:tcPr marT="91425" marB="91425" marR="91425" marL="91425" anchor="ctr"/>
-                </a:tc>
-                <a:tc>
-                  <a:txBody>
-                    <a:bodyPr/>
-                    <a:lstStyle/>
-                    <a:p>
-                      <a:pPr indent="0" lvl="0" marL="0" rtl="0" algn="ctr">
-                        <a:spcBef>
-                          <a:spcPts val="0"/>
-                        </a:spcBef>
-                        <a:spcAft>
-                          <a:spcPts val="0"/>
-                        </a:spcAft>
-                        <a:buNone/>
-                      </a:pPr>
-                      <a:r>
-                        <a:rPr lang="ru-RU" sz="2000">
-                          <a:latin typeface="Times New Roman"/>
-                          <a:ea typeface="Times New Roman"/>
-                          <a:cs typeface="Times New Roman"/>
-                          <a:sym typeface="Times New Roman"/>
-                        </a:rPr>
-                        <a:t>Параллельная сборка мусора</a:t>
-                      </a:r>
-                      <a:endParaRPr sz="2000">
-                        <a:latin typeface="Times New Roman"/>
-                        <a:ea typeface="Times New Roman"/>
-                        <a:cs typeface="Times New Roman"/>
-                        <a:sym typeface="Times New Roman"/>
-                      </a:endParaRPr>
-                    </a:p>
-                  </a:txBody>
-                  <a:tcPr marT="91425" marB="91425" marR="91425" marL="91425" anchor="ctr"/>
-                </a:tc>
-                <a:tc>
-                  <a:txBody>
-                    <a:bodyPr/>
-                    <a:lstStyle/>
-                    <a:p>
-                      <a:pPr indent="0" lvl="0" marL="0" rtl="0" algn="ctr">
-                        <a:spcBef>
-                          <a:spcPts val="0"/>
-                        </a:spcBef>
-                        <a:spcAft>
-                          <a:spcPts val="0"/>
-                        </a:spcAft>
-                        <a:buNone/>
-                      </a:pPr>
-                      <a:r>
-                        <a:rPr lang="ru-RU" sz="2000">
-                          <a:latin typeface="Times New Roman"/>
-                          <a:ea typeface="Times New Roman"/>
-                          <a:cs typeface="Times New Roman"/>
-                          <a:sym typeface="Times New Roman"/>
-                        </a:rPr>
-                        <a:t>Остановка программы не на весь цикл сборки</a:t>
-                      </a:r>
-                      <a:endParaRPr sz="2000">
-                        <a:latin typeface="Times New Roman"/>
-                        <a:ea typeface="Times New Roman"/>
-                        <a:cs typeface="Times New Roman"/>
-                        <a:sym typeface="Times New Roman"/>
-                      </a:endParaRPr>
-                    </a:p>
-                  </a:txBody>
-                  <a:tcPr marT="91425" marB="91425" marR="91425" marL="91425" anchor="ctr"/>
-                </a:tc>
-                <a:tc>
-                  <a:txBody>
-                    <a:bodyPr/>
-                    <a:lstStyle/>
-                    <a:p>
-                      <a:pPr indent="0" lvl="0" marL="0" rtl="0" algn="ctr">
-                        <a:spcBef>
-                          <a:spcPts val="0"/>
-                        </a:spcBef>
-                        <a:spcAft>
-                          <a:spcPts val="0"/>
-                        </a:spcAft>
-                        <a:buNone/>
-                      </a:pPr>
-                      <a:r>
-                        <a:rPr lang="ru-RU" sz="2000">
-                          <a:latin typeface="Times New Roman"/>
-                          <a:ea typeface="Times New Roman"/>
-                          <a:cs typeface="Times New Roman"/>
-                          <a:sym typeface="Times New Roman"/>
-                        </a:rPr>
-                        <a:t>Количество остановок программы за один цикл сборки</a:t>
-                      </a:r>
-                      <a:endParaRPr sz="2000">
-                        <a:latin typeface="Times New Roman"/>
-                        <a:ea typeface="Times New Roman"/>
-                        <a:cs typeface="Times New Roman"/>
-                        <a:sym typeface="Times New Roman"/>
-                      </a:endParaRPr>
-                    </a:p>
-                  </a:txBody>
-                  <a:tcPr marT="91425" marB="91425" marR="91425" marL="91425" anchor="ctr"/>
-                </a:tc>
-              </a:tr>
-              <a:tr h="128550">
-                <a:tc>
-                  <a:txBody>
-                    <a:bodyPr/>
-                    <a:lstStyle/>
-                    <a:p>
-                      <a:pPr indent="0" lvl="0" marL="0" rtl="0" algn="ctr">
-                        <a:spcBef>
-                          <a:spcPts val="0"/>
-                        </a:spcBef>
-                        <a:spcAft>
-                          <a:spcPts val="0"/>
-                        </a:spcAft>
-                        <a:buNone/>
-                      </a:pPr>
-                      <a:r>
-                        <a:rPr b="1" lang="ru-RU" sz="2000">
-                          <a:latin typeface="Times New Roman"/>
-                          <a:ea typeface="Times New Roman"/>
-                          <a:cs typeface="Times New Roman"/>
-                          <a:sym typeface="Times New Roman"/>
-                        </a:rPr>
-                        <a:t>Python</a:t>
-                      </a:r>
-                      <a:endParaRPr b="1" sz="2000">
-                        <a:latin typeface="Times New Roman"/>
-                        <a:ea typeface="Times New Roman"/>
-                        <a:cs typeface="Times New Roman"/>
-                        <a:sym typeface="Times New Roman"/>
-                      </a:endParaRPr>
-                    </a:p>
-                  </a:txBody>
-                  <a:tcPr marT="91425" marB="91425" marR="91425" marL="91425" anchor="ctr"/>
-                </a:tc>
-                <a:tc>
-                  <a:txBody>
-                    <a:bodyPr/>
-                    <a:lstStyle/>
-                    <a:p>
-                      <a:pPr indent="0" lvl="0" marL="0" rtl="0" algn="ctr">
-                        <a:spcBef>
-                          <a:spcPts val="0"/>
-                        </a:spcBef>
-                        <a:spcAft>
-                          <a:spcPts val="0"/>
-                        </a:spcAft>
-                        <a:buNone/>
-                      </a:pPr>
-                      <a:r>
-                        <a:rPr b="1" lang="ru-RU" sz="2000">
-                          <a:latin typeface="Times New Roman"/>
-                          <a:ea typeface="Times New Roman"/>
-                          <a:cs typeface="Times New Roman"/>
-                          <a:sym typeface="Times New Roman"/>
-                        </a:rPr>
-                        <a:t>По умолчанию</a:t>
-                      </a:r>
-                      <a:endParaRPr b="1" sz="2000">
-                        <a:latin typeface="Times New Roman"/>
-                        <a:ea typeface="Times New Roman"/>
-                        <a:cs typeface="Times New Roman"/>
-                        <a:sym typeface="Times New Roman"/>
-                      </a:endParaRPr>
-                    </a:p>
-                  </a:txBody>
-                  <a:tcPr marT="91425" marB="91425" marR="91425" marL="91425" anchor="ctr"/>
-                </a:tc>
-                <a:tc>
-                  <a:txBody>
-                    <a:bodyPr/>
-                    <a:lstStyle/>
-                    <a:p>
-                      <a:pPr indent="0" lvl="0" marL="0" rtl="0" algn="ctr">
-                        <a:spcBef>
-                          <a:spcPts val="0"/>
-                        </a:spcBef>
-                        <a:spcAft>
-                          <a:spcPts val="0"/>
-                        </a:spcAft>
-                        <a:buNone/>
-                      </a:pPr>
-                      <a:r>
-                        <a:rPr b="1" lang="ru-RU" sz="2000">
-                          <a:latin typeface="Times New Roman"/>
-                          <a:ea typeface="Times New Roman"/>
-                          <a:cs typeface="Times New Roman"/>
-                          <a:sym typeface="Times New Roman"/>
-                        </a:rPr>
-                        <a:t>-</a:t>
-                      </a:r>
-                      <a:endParaRPr b="1" sz="2000">
-                        <a:latin typeface="Times New Roman"/>
-                        <a:ea typeface="Times New Roman"/>
-                        <a:cs typeface="Times New Roman"/>
-                        <a:sym typeface="Times New Roman"/>
-                      </a:endParaRPr>
-                    </a:p>
-                  </a:txBody>
-                  <a:tcPr marT="91425" marB="91425" marR="91425" marL="91425" anchor="ctr"/>
-                </a:tc>
-                <a:tc>
-                  <a:txBody>
-                    <a:bodyPr/>
-                    <a:lstStyle/>
-                    <a:p>
-                      <a:pPr indent="0" lvl="0" marL="0" rtl="0" algn="ctr">
-                        <a:spcBef>
-                          <a:spcPts val="0"/>
-                        </a:spcBef>
-                        <a:spcAft>
-                          <a:spcPts val="0"/>
-                        </a:spcAft>
-                        <a:buNone/>
-                      </a:pPr>
-                      <a:r>
-                        <a:rPr b="1" lang="ru-RU" sz="2000">
-                          <a:latin typeface="Times New Roman"/>
-                          <a:ea typeface="Times New Roman"/>
-                          <a:cs typeface="Times New Roman"/>
-                          <a:sym typeface="Times New Roman"/>
-                        </a:rPr>
-                        <a:t>+</a:t>
-                      </a:r>
-                      <a:endParaRPr b="1" sz="2000">
-                        <a:latin typeface="Times New Roman"/>
-                        <a:ea typeface="Times New Roman"/>
-                        <a:cs typeface="Times New Roman"/>
-                        <a:sym typeface="Times New Roman"/>
-                      </a:endParaRPr>
-                    </a:p>
-                  </a:txBody>
-                  <a:tcPr marT="91425" marB="91425" marR="91425" marL="91425" anchor="ctr"/>
-                </a:tc>
-                <a:tc>
-                  <a:txBody>
-                    <a:bodyPr/>
-                    <a:lstStyle/>
-                    <a:p>
-                      <a:pPr indent="0" lvl="0" marL="0" rtl="0" algn="ctr">
-                        <a:spcBef>
-                          <a:spcPts val="0"/>
-                        </a:spcBef>
-                        <a:spcAft>
-                          <a:spcPts val="0"/>
-                        </a:spcAft>
-                        <a:buNone/>
-                      </a:pPr>
-                      <a:r>
-                        <a:rPr b="1" lang="ru-RU" sz="2000">
-                          <a:latin typeface="Times New Roman"/>
-                          <a:ea typeface="Times New Roman"/>
-                          <a:cs typeface="Times New Roman"/>
-                          <a:sym typeface="Times New Roman"/>
-                        </a:rPr>
-                        <a:t>1</a:t>
-                      </a:r>
-                      <a:endParaRPr b="1" sz="2000">
-                        <a:latin typeface="Times New Roman"/>
-                        <a:ea typeface="Times New Roman"/>
-                        <a:cs typeface="Times New Roman"/>
-                        <a:sym typeface="Times New Roman"/>
-                      </a:endParaRPr>
-                    </a:p>
-                  </a:txBody>
-                  <a:tcPr marT="91425" marB="91425" marR="91425" marL="91425" anchor="ctr"/>
-                </a:tc>
-              </a:tr>
-              <a:tr h="100000">
-                <a:tc rowSpan="4">
-                  <a:txBody>
-                    <a:bodyPr/>
-                    <a:lstStyle/>
-                    <a:p>
-                      <a:pPr indent="0" lvl="0" marL="0" rtl="0" algn="ctr">
-                        <a:spcBef>
-                          <a:spcPts val="0"/>
-                        </a:spcBef>
-                        <a:spcAft>
-                          <a:spcPts val="0"/>
-                        </a:spcAft>
-                        <a:buNone/>
-                      </a:pPr>
-                      <a:r>
-                        <a:rPr b="1" lang="ru-RU" sz="2000">
-                          <a:latin typeface="Times New Roman"/>
-                          <a:ea typeface="Times New Roman"/>
-                          <a:cs typeface="Times New Roman"/>
-                          <a:sym typeface="Times New Roman"/>
-                        </a:rPr>
-                        <a:t>Java</a:t>
-                      </a:r>
-                      <a:endParaRPr b="1" sz="2000">
-                        <a:latin typeface="Times New Roman"/>
-                        <a:ea typeface="Times New Roman"/>
-                        <a:cs typeface="Times New Roman"/>
-                        <a:sym typeface="Times New Roman"/>
-                      </a:endParaRPr>
-                    </a:p>
-                  </a:txBody>
-                  <a:tcPr marT="91425" marB="91425" marR="91425" marL="91425" anchor="ctr"/>
-                </a:tc>
-                <a:tc>
-                  <a:txBody>
-                    <a:bodyPr/>
-                    <a:lstStyle/>
-                    <a:p>
-                      <a:pPr indent="0" lvl="0" marL="0" rtl="0" algn="ctr">
-                        <a:spcBef>
-                          <a:spcPts val="0"/>
-                        </a:spcBef>
-                        <a:spcAft>
-                          <a:spcPts val="0"/>
-                        </a:spcAft>
-                        <a:buNone/>
-                      </a:pPr>
-                      <a:r>
-                        <a:rPr b="1" lang="ru-RU" sz="2000">
-                          <a:latin typeface="Times New Roman"/>
-                          <a:ea typeface="Times New Roman"/>
-                          <a:cs typeface="Times New Roman"/>
-                          <a:sym typeface="Times New Roman"/>
-                        </a:rPr>
-                        <a:t>Serial</a:t>
-                      </a:r>
-                      <a:endParaRPr b="1" sz="2000">
-                        <a:latin typeface="Times New Roman"/>
-                        <a:ea typeface="Times New Roman"/>
-                        <a:cs typeface="Times New Roman"/>
-                        <a:sym typeface="Times New Roman"/>
-                      </a:endParaRPr>
-                    </a:p>
-                  </a:txBody>
-                  <a:tcPr marT="91425" marB="91425" marR="91425" marL="91425" anchor="ctr"/>
-                </a:tc>
-                <a:tc>
-                  <a:txBody>
-                    <a:bodyPr/>
-                    <a:lstStyle/>
-                    <a:p>
-                      <a:pPr indent="0" lvl="0" marL="0" rtl="0" algn="ctr">
-                        <a:spcBef>
-                          <a:spcPts val="0"/>
-                        </a:spcBef>
-                        <a:spcAft>
-                          <a:spcPts val="0"/>
-                        </a:spcAft>
-                        <a:buNone/>
-                      </a:pPr>
-                      <a:r>
-                        <a:rPr b="1" lang="ru-RU" sz="2000">
-                          <a:latin typeface="Times New Roman"/>
-                          <a:ea typeface="Times New Roman"/>
-                          <a:cs typeface="Times New Roman"/>
-                          <a:sym typeface="Times New Roman"/>
-                        </a:rPr>
-                        <a:t>-</a:t>
-                      </a:r>
-                      <a:endParaRPr b="1" sz="2000">
-                        <a:latin typeface="Times New Roman"/>
-                        <a:ea typeface="Times New Roman"/>
-                        <a:cs typeface="Times New Roman"/>
-                        <a:sym typeface="Times New Roman"/>
-                      </a:endParaRPr>
-                    </a:p>
-                  </a:txBody>
-                  <a:tcPr marT="91425" marB="91425" marR="91425" marL="91425" anchor="ctr"/>
-                </a:tc>
-                <a:tc>
-                  <a:txBody>
-                    <a:bodyPr/>
-                    <a:lstStyle/>
-                    <a:p>
-                      <a:pPr indent="0" lvl="0" marL="0" rtl="0" algn="ctr">
-                        <a:spcBef>
-                          <a:spcPts val="0"/>
-                        </a:spcBef>
-                        <a:spcAft>
-                          <a:spcPts val="0"/>
-                        </a:spcAft>
-                        <a:buNone/>
-                      </a:pPr>
-                      <a:r>
-                        <a:rPr b="1" lang="ru-RU" sz="2000">
-                          <a:latin typeface="Times New Roman"/>
-                          <a:ea typeface="Times New Roman"/>
-                          <a:cs typeface="Times New Roman"/>
-                          <a:sym typeface="Times New Roman"/>
-                        </a:rPr>
-                        <a:t>-</a:t>
-                      </a:r>
-                      <a:endParaRPr b="1" sz="2000">
-                        <a:latin typeface="Times New Roman"/>
-                        <a:ea typeface="Times New Roman"/>
-                        <a:cs typeface="Times New Roman"/>
-                        <a:sym typeface="Times New Roman"/>
-                      </a:endParaRPr>
-                    </a:p>
-                  </a:txBody>
-                  <a:tcPr marT="91425" marB="91425" marR="91425" marL="91425" anchor="ctr"/>
-                </a:tc>
-                <a:tc>
-                  <a:txBody>
-                    <a:bodyPr/>
-                    <a:lstStyle/>
-                    <a:p>
-                      <a:pPr indent="0" lvl="0" marL="0" rtl="0" algn="ctr">
-                        <a:spcBef>
-                          <a:spcPts val="0"/>
-                        </a:spcBef>
-                        <a:spcAft>
-                          <a:spcPts val="0"/>
-                        </a:spcAft>
-                        <a:buNone/>
-                      </a:pPr>
-                      <a:r>
-                        <a:rPr b="1" lang="ru-RU" sz="2000">
-                          <a:latin typeface="Times New Roman"/>
-                          <a:ea typeface="Times New Roman"/>
-                          <a:cs typeface="Times New Roman"/>
-                          <a:sym typeface="Times New Roman"/>
-                        </a:rPr>
-                        <a:t>1</a:t>
-                      </a:r>
-                      <a:endParaRPr b="1" sz="2000">
-                        <a:latin typeface="Times New Roman"/>
-                        <a:ea typeface="Times New Roman"/>
-                        <a:cs typeface="Times New Roman"/>
-                        <a:sym typeface="Times New Roman"/>
-                      </a:endParaRPr>
-                    </a:p>
-                  </a:txBody>
-                  <a:tcPr marT="91425" marB="91425" marR="91425" marL="91425" anchor="ctr"/>
-                </a:tc>
-              </a:tr>
-              <a:tr h="100000">
-                <a:tc vMerge="1"/>
-                <a:tc>
-                  <a:txBody>
-                    <a:bodyPr/>
-                    <a:lstStyle/>
-                    <a:p>
-                      <a:pPr indent="0" lvl="0" marL="0" rtl="0" algn="ctr">
-                        <a:spcBef>
-                          <a:spcPts val="0"/>
-                        </a:spcBef>
-                        <a:spcAft>
-                          <a:spcPts val="0"/>
-                        </a:spcAft>
-                        <a:buNone/>
-                      </a:pPr>
-                      <a:r>
-                        <a:rPr b="1" lang="ru-RU" sz="2000">
-                          <a:latin typeface="Times New Roman"/>
-                          <a:ea typeface="Times New Roman"/>
-                          <a:cs typeface="Times New Roman"/>
-                          <a:sym typeface="Times New Roman"/>
-                        </a:rPr>
-                        <a:t>Parallel</a:t>
-                      </a:r>
-                      <a:endParaRPr b="1" sz="2000">
-                        <a:latin typeface="Times New Roman"/>
-                        <a:ea typeface="Times New Roman"/>
-                        <a:cs typeface="Times New Roman"/>
-                        <a:sym typeface="Times New Roman"/>
-                      </a:endParaRPr>
-                    </a:p>
-                  </a:txBody>
-                  <a:tcPr marT="91425" marB="91425" marR="91425" marL="91425" anchor="ctr"/>
-                </a:tc>
-                <a:tc>
-                  <a:txBody>
-                    <a:bodyPr/>
-                    <a:lstStyle/>
-                    <a:p>
-                      <a:pPr indent="0" lvl="0" marL="0" rtl="0" algn="ctr">
-                        <a:spcBef>
-                          <a:spcPts val="0"/>
-                        </a:spcBef>
-                        <a:spcAft>
-                          <a:spcPts val="0"/>
-                        </a:spcAft>
-                        <a:buNone/>
-                      </a:pPr>
-                      <a:r>
-                        <a:rPr b="1" lang="ru-RU" sz="2000">
-                          <a:latin typeface="Times New Roman"/>
-                          <a:ea typeface="Times New Roman"/>
-                          <a:cs typeface="Times New Roman"/>
-                          <a:sym typeface="Times New Roman"/>
-                        </a:rPr>
-                        <a:t>+</a:t>
-                      </a:r>
-                      <a:endParaRPr b="1" sz="2000">
-                        <a:latin typeface="Times New Roman"/>
-                        <a:ea typeface="Times New Roman"/>
-                        <a:cs typeface="Times New Roman"/>
-                        <a:sym typeface="Times New Roman"/>
-                      </a:endParaRPr>
-                    </a:p>
-                  </a:txBody>
-                  <a:tcPr marT="91425" marB="91425" marR="91425" marL="91425" anchor="ctr"/>
-                </a:tc>
-                <a:tc>
-                  <a:txBody>
-                    <a:bodyPr/>
-                    <a:lstStyle/>
-                    <a:p>
-                      <a:pPr indent="0" lvl="0" marL="0" rtl="0" algn="ctr">
-                        <a:spcBef>
-                          <a:spcPts val="0"/>
-                        </a:spcBef>
-                        <a:spcAft>
-                          <a:spcPts val="0"/>
-                        </a:spcAft>
-                        <a:buNone/>
-                      </a:pPr>
-                      <a:r>
-                        <a:rPr b="1" lang="ru-RU" sz="2000">
-                          <a:latin typeface="Times New Roman"/>
-                          <a:ea typeface="Times New Roman"/>
-                          <a:cs typeface="Times New Roman"/>
-                          <a:sym typeface="Times New Roman"/>
-                        </a:rPr>
-                        <a:t>-</a:t>
-                      </a:r>
-                      <a:endParaRPr b="1" sz="2000">
-                        <a:latin typeface="Times New Roman"/>
-                        <a:ea typeface="Times New Roman"/>
-                        <a:cs typeface="Times New Roman"/>
-                        <a:sym typeface="Times New Roman"/>
-                      </a:endParaRPr>
-                    </a:p>
-                  </a:txBody>
-                  <a:tcPr marT="91425" marB="91425" marR="91425" marL="91425" anchor="ctr"/>
-                </a:tc>
-                <a:tc>
-                  <a:txBody>
-                    <a:bodyPr/>
-                    <a:lstStyle/>
-                    <a:p>
-                      <a:pPr indent="0" lvl="0" marL="0" rtl="0" algn="ctr">
-                        <a:spcBef>
-                          <a:spcPts val="0"/>
-                        </a:spcBef>
-                        <a:spcAft>
-                          <a:spcPts val="0"/>
-                        </a:spcAft>
-                        <a:buNone/>
-                      </a:pPr>
-                      <a:r>
-                        <a:rPr b="1" lang="ru-RU" sz="2000">
-                          <a:latin typeface="Times New Roman"/>
-                          <a:ea typeface="Times New Roman"/>
-                          <a:cs typeface="Times New Roman"/>
-                          <a:sym typeface="Times New Roman"/>
-                        </a:rPr>
-                        <a:t>1</a:t>
-                      </a:r>
-                      <a:endParaRPr b="1" sz="2000">
-                        <a:latin typeface="Times New Roman"/>
-                        <a:ea typeface="Times New Roman"/>
-                        <a:cs typeface="Times New Roman"/>
-                        <a:sym typeface="Times New Roman"/>
-                      </a:endParaRPr>
-                    </a:p>
-                  </a:txBody>
-                  <a:tcPr marT="91425" marB="91425" marR="91425" marL="91425" anchor="ctr"/>
-                </a:tc>
-              </a:tr>
-              <a:tr h="100000">
-                <a:tc vMerge="1"/>
-                <a:tc>
-                  <a:txBody>
-                    <a:bodyPr/>
-                    <a:lstStyle/>
-                    <a:p>
-                      <a:pPr indent="0" lvl="0" marL="0" rtl="0" algn="ctr">
-                        <a:spcBef>
-                          <a:spcPts val="0"/>
-                        </a:spcBef>
-                        <a:spcAft>
-                          <a:spcPts val="0"/>
-                        </a:spcAft>
-                        <a:buNone/>
-                      </a:pPr>
-                      <a:r>
-                        <a:rPr b="1" lang="ru-RU" sz="2000">
-                          <a:latin typeface="Times New Roman"/>
-                          <a:ea typeface="Times New Roman"/>
-                          <a:cs typeface="Times New Roman"/>
-                          <a:sym typeface="Times New Roman"/>
-                        </a:rPr>
-                        <a:t>Garbage-First</a:t>
-                      </a:r>
-                      <a:endParaRPr b="1" sz="2000">
-                        <a:latin typeface="Times New Roman"/>
-                        <a:ea typeface="Times New Roman"/>
-                        <a:cs typeface="Times New Roman"/>
-                        <a:sym typeface="Times New Roman"/>
-                      </a:endParaRPr>
-                    </a:p>
-                  </a:txBody>
-                  <a:tcPr marT="91425" marB="91425" marR="91425" marL="91425" anchor="ctr"/>
-                </a:tc>
-                <a:tc>
-                  <a:txBody>
-                    <a:bodyPr/>
-                    <a:lstStyle/>
-                    <a:p>
-                      <a:pPr indent="0" lvl="0" marL="0" rtl="0" algn="ctr">
-                        <a:spcBef>
-                          <a:spcPts val="0"/>
-                        </a:spcBef>
-                        <a:spcAft>
-                          <a:spcPts val="0"/>
-                        </a:spcAft>
-                        <a:buNone/>
-                      </a:pPr>
-                      <a:r>
-                        <a:rPr b="1" lang="ru-RU" sz="2000">
-                          <a:latin typeface="Times New Roman"/>
-                          <a:ea typeface="Times New Roman"/>
-                          <a:cs typeface="Times New Roman"/>
-                          <a:sym typeface="Times New Roman"/>
-                        </a:rPr>
-                        <a:t>+</a:t>
-                      </a:r>
-                      <a:endParaRPr b="1" sz="2000">
-                        <a:latin typeface="Times New Roman"/>
-                        <a:ea typeface="Times New Roman"/>
-                        <a:cs typeface="Times New Roman"/>
-                        <a:sym typeface="Times New Roman"/>
-                      </a:endParaRPr>
-                    </a:p>
-                  </a:txBody>
-                  <a:tcPr marT="91425" marB="91425" marR="91425" marL="91425" anchor="ctr"/>
-                </a:tc>
-                <a:tc>
-                  <a:txBody>
-                    <a:bodyPr/>
-                    <a:lstStyle/>
-                    <a:p>
-                      <a:pPr indent="0" lvl="0" marL="0" rtl="0" algn="ctr">
-                        <a:spcBef>
-                          <a:spcPts val="0"/>
-                        </a:spcBef>
-                        <a:spcAft>
-                          <a:spcPts val="0"/>
-                        </a:spcAft>
-                        <a:buNone/>
-                      </a:pPr>
-                      <a:r>
-                        <a:rPr b="1" lang="ru-RU" sz="2000">
-                          <a:latin typeface="Times New Roman"/>
-                          <a:ea typeface="Times New Roman"/>
-                          <a:cs typeface="Times New Roman"/>
-                          <a:sym typeface="Times New Roman"/>
-                        </a:rPr>
-                        <a:t>+</a:t>
-                      </a:r>
-                      <a:endParaRPr b="1" sz="2000">
-                        <a:latin typeface="Times New Roman"/>
-                        <a:ea typeface="Times New Roman"/>
-                        <a:cs typeface="Times New Roman"/>
-                        <a:sym typeface="Times New Roman"/>
-                      </a:endParaRPr>
-                    </a:p>
-                  </a:txBody>
-                  <a:tcPr marT="91425" marB="91425" marR="91425" marL="91425" anchor="ctr"/>
-                </a:tc>
-                <a:tc>
-                  <a:txBody>
-                    <a:bodyPr/>
-                    <a:lstStyle/>
-                    <a:p>
-                      <a:pPr indent="0" lvl="0" marL="0" rtl="0" algn="ctr">
-                        <a:spcBef>
-                          <a:spcPts val="0"/>
-                        </a:spcBef>
-                        <a:spcAft>
-                          <a:spcPts val="0"/>
-                        </a:spcAft>
-                        <a:buNone/>
-                      </a:pPr>
-                      <a:r>
-                        <a:rPr b="1" lang="ru-RU" sz="2000">
-                          <a:latin typeface="Times New Roman"/>
-                          <a:ea typeface="Times New Roman"/>
-                          <a:cs typeface="Times New Roman"/>
-                          <a:sym typeface="Times New Roman"/>
-                        </a:rPr>
-                        <a:t>2</a:t>
-                      </a:r>
-                      <a:endParaRPr b="1" sz="2000">
-                        <a:latin typeface="Times New Roman"/>
-                        <a:ea typeface="Times New Roman"/>
-                        <a:cs typeface="Times New Roman"/>
-                        <a:sym typeface="Times New Roman"/>
-                      </a:endParaRPr>
-                    </a:p>
-                  </a:txBody>
-                  <a:tcPr marT="91425" marB="91425" marR="91425" marL="91425" anchor="ctr"/>
-                </a:tc>
-              </a:tr>
-              <a:tr h="100000">
-                <a:tc vMerge="1"/>
-                <a:tc>
-                  <a:txBody>
-                    <a:bodyPr/>
-                    <a:lstStyle/>
-                    <a:p>
-                      <a:pPr indent="0" lvl="0" marL="0" rtl="0" algn="ctr">
-                        <a:spcBef>
-                          <a:spcPts val="0"/>
-                        </a:spcBef>
-                        <a:spcAft>
-                          <a:spcPts val="0"/>
-                        </a:spcAft>
-                        <a:buNone/>
-                      </a:pPr>
-                      <a:r>
-                        <a:rPr b="1" lang="ru-RU" sz="2000">
-                          <a:latin typeface="Times New Roman"/>
-                          <a:ea typeface="Times New Roman"/>
-                          <a:cs typeface="Times New Roman"/>
-                          <a:sym typeface="Times New Roman"/>
-                        </a:rPr>
-                        <a:t>ZGC</a:t>
-                      </a:r>
-                      <a:endParaRPr b="1" sz="2000">
-                        <a:latin typeface="Times New Roman"/>
-                        <a:ea typeface="Times New Roman"/>
-                        <a:cs typeface="Times New Roman"/>
-                        <a:sym typeface="Times New Roman"/>
-                      </a:endParaRPr>
-                    </a:p>
-                  </a:txBody>
-                  <a:tcPr marT="91425" marB="91425" marR="91425" marL="91425" anchor="ctr"/>
-                </a:tc>
-                <a:tc>
-                  <a:txBody>
-                    <a:bodyPr/>
-                    <a:lstStyle/>
-                    <a:p>
-                      <a:pPr indent="0" lvl="0" marL="0" rtl="0" algn="ctr">
-                        <a:spcBef>
-                          <a:spcPts val="0"/>
-                        </a:spcBef>
-                        <a:spcAft>
-                          <a:spcPts val="0"/>
-                        </a:spcAft>
-                        <a:buNone/>
-                      </a:pPr>
-                      <a:r>
-                        <a:rPr b="1" lang="ru-RU" sz="2000">
-                          <a:latin typeface="Times New Roman"/>
-                          <a:ea typeface="Times New Roman"/>
-                          <a:cs typeface="Times New Roman"/>
-                          <a:sym typeface="Times New Roman"/>
-                        </a:rPr>
-                        <a:t>+</a:t>
-                      </a:r>
-                      <a:endParaRPr b="1" sz="2000">
-                        <a:latin typeface="Times New Roman"/>
-                        <a:ea typeface="Times New Roman"/>
-                        <a:cs typeface="Times New Roman"/>
-                        <a:sym typeface="Times New Roman"/>
-                      </a:endParaRPr>
-                    </a:p>
-                  </a:txBody>
-                  <a:tcPr marT="91425" marB="91425" marR="91425" marL="91425" anchor="ctr"/>
-                </a:tc>
-                <a:tc>
-                  <a:txBody>
-                    <a:bodyPr/>
-                    <a:lstStyle/>
-                    <a:p>
-                      <a:pPr indent="0" lvl="0" marL="0" rtl="0" algn="ctr">
-                        <a:spcBef>
-                          <a:spcPts val="0"/>
-                        </a:spcBef>
-                        <a:spcAft>
-                          <a:spcPts val="0"/>
-                        </a:spcAft>
-                        <a:buNone/>
-                      </a:pPr>
-                      <a:r>
-                        <a:rPr b="1" lang="ru-RU" sz="2000">
-                          <a:latin typeface="Times New Roman"/>
-                          <a:ea typeface="Times New Roman"/>
-                          <a:cs typeface="Times New Roman"/>
-                          <a:sym typeface="Times New Roman"/>
-                        </a:rPr>
-                        <a:t>+</a:t>
-                      </a:r>
-                      <a:endParaRPr b="1" sz="2000">
-                        <a:latin typeface="Times New Roman"/>
-                        <a:ea typeface="Times New Roman"/>
-                        <a:cs typeface="Times New Roman"/>
-                        <a:sym typeface="Times New Roman"/>
-                      </a:endParaRPr>
-                    </a:p>
-                  </a:txBody>
-                  <a:tcPr marT="91425" marB="91425" marR="91425" marL="91425" anchor="ctr"/>
-                </a:tc>
-                <a:tc>
-                  <a:txBody>
-                    <a:bodyPr/>
-                    <a:lstStyle/>
-                    <a:p>
-                      <a:pPr indent="0" lvl="0" marL="0" rtl="0" algn="ctr">
-                        <a:spcBef>
-                          <a:spcPts val="0"/>
-                        </a:spcBef>
-                        <a:spcAft>
-                          <a:spcPts val="0"/>
-                        </a:spcAft>
-                        <a:buNone/>
-                      </a:pPr>
-                      <a:r>
-                        <a:rPr b="1" lang="ru-RU" sz="2000">
-                          <a:latin typeface="Times New Roman"/>
-                          <a:ea typeface="Times New Roman"/>
-                          <a:cs typeface="Times New Roman"/>
-                          <a:sym typeface="Times New Roman"/>
-                        </a:rPr>
-                        <a:t>1</a:t>
-                      </a:r>
-                      <a:endParaRPr b="1" sz="2000">
-                        <a:latin typeface="Times New Roman"/>
-                        <a:ea typeface="Times New Roman"/>
-                        <a:cs typeface="Times New Roman"/>
-                        <a:sym typeface="Times New Roman"/>
-                      </a:endParaRPr>
-                    </a:p>
-                  </a:txBody>
-                  <a:tcPr marT="91425" marB="91425" marR="91425" marL="91425" anchor="ctr"/>
-                </a:tc>
-              </a:tr>
-              <a:tr h="100000">
-                <a:tc>
-                  <a:txBody>
-                    <a:bodyPr/>
-                    <a:lstStyle/>
-                    <a:p>
-                      <a:pPr indent="0" lvl="0" marL="0" rtl="0" algn="ctr">
-                        <a:spcBef>
-                          <a:spcPts val="0"/>
-                        </a:spcBef>
-                        <a:spcAft>
-                          <a:spcPts val="0"/>
-                        </a:spcAft>
-                        <a:buNone/>
-                      </a:pPr>
-                      <a:r>
-                        <a:rPr lang="ru-RU" sz="2000">
-                          <a:latin typeface="Times New Roman"/>
-                          <a:ea typeface="Times New Roman"/>
-                          <a:cs typeface="Times New Roman"/>
-                          <a:sym typeface="Times New Roman"/>
-                        </a:rPr>
-                        <a:t>JavaScript</a:t>
-                      </a:r>
-                      <a:endParaRPr sz="2000">
-                        <a:latin typeface="Times New Roman"/>
-                        <a:ea typeface="Times New Roman"/>
-                        <a:cs typeface="Times New Roman"/>
-                        <a:sym typeface="Times New Roman"/>
-                      </a:endParaRPr>
-                    </a:p>
-                  </a:txBody>
-                  <a:tcPr marT="91425" marB="91425" marR="91425" marL="91425" anchor="ctr"/>
-                </a:tc>
-                <a:tc>
-                  <a:txBody>
-                    <a:bodyPr/>
-                    <a:lstStyle/>
-                    <a:p>
-                      <a:pPr indent="0" lvl="0" marL="0" rtl="0" algn="ctr">
-                        <a:spcBef>
-                          <a:spcPts val="0"/>
-                        </a:spcBef>
-                        <a:spcAft>
-                          <a:spcPts val="0"/>
-                        </a:spcAft>
-                        <a:buNone/>
-                      </a:pPr>
-                      <a:r>
-                        <a:rPr lang="ru-RU" sz="2000">
-                          <a:solidFill>
-                            <a:schemeClr val="dk1"/>
-                          </a:solidFill>
-                          <a:latin typeface="Times New Roman"/>
-                          <a:ea typeface="Times New Roman"/>
-                          <a:cs typeface="Times New Roman"/>
-                          <a:sym typeface="Times New Roman"/>
-                        </a:rPr>
-                        <a:t>По умолчанию</a:t>
-                      </a:r>
-                      <a:endParaRPr sz="2000">
-                        <a:latin typeface="Times New Roman"/>
-                        <a:ea typeface="Times New Roman"/>
-                        <a:cs typeface="Times New Roman"/>
-                        <a:sym typeface="Times New Roman"/>
-                      </a:endParaRPr>
-                    </a:p>
-                  </a:txBody>
-                  <a:tcPr marT="91425" marB="91425" marR="91425" marL="91425" anchor="ctr"/>
-                </a:tc>
-                <a:tc>
-                  <a:txBody>
-                    <a:bodyPr/>
-                    <a:lstStyle/>
-                    <a:p>
-                      <a:pPr indent="0" lvl="0" marL="0" rtl="0" algn="ctr">
-                        <a:spcBef>
-                          <a:spcPts val="0"/>
-                        </a:spcBef>
-                        <a:spcAft>
-                          <a:spcPts val="0"/>
-                        </a:spcAft>
-                        <a:buNone/>
-                      </a:pPr>
-                      <a:r>
-                        <a:rPr lang="ru-RU" sz="2000">
-                          <a:latin typeface="Times New Roman"/>
-                          <a:ea typeface="Times New Roman"/>
-                          <a:cs typeface="Times New Roman"/>
-                          <a:sym typeface="Times New Roman"/>
-                        </a:rPr>
-                        <a:t>-</a:t>
-                      </a:r>
-                      <a:endParaRPr sz="2000">
-                        <a:latin typeface="Times New Roman"/>
-                        <a:ea typeface="Times New Roman"/>
-                        <a:cs typeface="Times New Roman"/>
-                        <a:sym typeface="Times New Roman"/>
-                      </a:endParaRPr>
-                    </a:p>
-                  </a:txBody>
-                  <a:tcPr marT="91425" marB="91425" marR="91425" marL="91425" anchor="ctr"/>
-                </a:tc>
-                <a:tc>
-                  <a:txBody>
-                    <a:bodyPr/>
-                    <a:lstStyle/>
-                    <a:p>
-                      <a:pPr indent="0" lvl="0" marL="0" rtl="0" algn="ctr">
-                        <a:spcBef>
-                          <a:spcPts val="0"/>
-                        </a:spcBef>
-                        <a:spcAft>
-                          <a:spcPts val="0"/>
-                        </a:spcAft>
-                        <a:buNone/>
-                      </a:pPr>
-                      <a:r>
-                        <a:rPr lang="ru-RU" sz="2000">
-                          <a:latin typeface="Times New Roman"/>
-                          <a:ea typeface="Times New Roman"/>
-                          <a:cs typeface="Times New Roman"/>
-                          <a:sym typeface="Times New Roman"/>
-                        </a:rPr>
-                        <a:t>-</a:t>
-                      </a:r>
-                      <a:endParaRPr sz="2000">
-                        <a:latin typeface="Times New Roman"/>
-                        <a:ea typeface="Times New Roman"/>
-                        <a:cs typeface="Times New Roman"/>
-                        <a:sym typeface="Times New Roman"/>
-                      </a:endParaRPr>
-                    </a:p>
-                  </a:txBody>
-                  <a:tcPr marT="91425" marB="91425" marR="91425" marL="91425" anchor="ctr"/>
-                </a:tc>
-                <a:tc>
-                  <a:txBody>
-                    <a:bodyPr/>
-                    <a:lstStyle/>
-                    <a:p>
-                      <a:pPr indent="0" lvl="0" marL="0" rtl="0" algn="ctr">
-                        <a:spcBef>
-                          <a:spcPts val="0"/>
-                        </a:spcBef>
-                        <a:spcAft>
-                          <a:spcPts val="0"/>
-                        </a:spcAft>
-                        <a:buNone/>
-                      </a:pPr>
-                      <a:r>
-                        <a:rPr lang="ru-RU" sz="2000">
-                          <a:latin typeface="Times New Roman"/>
-                          <a:ea typeface="Times New Roman"/>
-                          <a:cs typeface="Times New Roman"/>
-                          <a:sym typeface="Times New Roman"/>
-                        </a:rPr>
-                        <a:t>1</a:t>
-                      </a:r>
-                      <a:endParaRPr sz="2000">
-                        <a:latin typeface="Times New Roman"/>
-                        <a:ea typeface="Times New Roman"/>
-                        <a:cs typeface="Times New Roman"/>
-                        <a:sym typeface="Times New Roman"/>
-                      </a:endParaRPr>
-                    </a:p>
-                  </a:txBody>
-                  <a:tcPr marT="91425" marB="91425" marR="91425" marL="91425" anchor="ctr"/>
-                </a:tc>
-              </a:tr>
-              <a:tr h="103450">
-                <a:tc>
-                  <a:txBody>
-                    <a:bodyPr/>
-                    <a:lstStyle/>
-                    <a:p>
-                      <a:pPr indent="0" lvl="0" marL="0" rtl="0" algn="ctr">
-                        <a:spcBef>
-                          <a:spcPts val="0"/>
-                        </a:spcBef>
-                        <a:spcAft>
-                          <a:spcPts val="0"/>
-                        </a:spcAft>
-                        <a:buNone/>
-                      </a:pPr>
-                      <a:r>
-                        <a:rPr lang="ru-RU" sz="2000">
-                          <a:latin typeface="Times New Roman"/>
-                          <a:ea typeface="Times New Roman"/>
-                          <a:cs typeface="Times New Roman"/>
-                          <a:sym typeface="Times New Roman"/>
-                        </a:rPr>
-                        <a:t>C#</a:t>
-                      </a:r>
-                      <a:endParaRPr sz="2000">
-                        <a:latin typeface="Times New Roman"/>
-                        <a:ea typeface="Times New Roman"/>
-                        <a:cs typeface="Times New Roman"/>
-                        <a:sym typeface="Times New Roman"/>
-                      </a:endParaRPr>
-                    </a:p>
-                  </a:txBody>
-                  <a:tcPr marT="91425" marB="91425" marR="91425" marL="91425" anchor="ctr"/>
-                </a:tc>
-                <a:tc>
-                  <a:txBody>
-                    <a:bodyPr/>
-                    <a:lstStyle/>
-                    <a:p>
-                      <a:pPr indent="0" lvl="0" marL="0" rtl="0" algn="ctr">
-                        <a:spcBef>
-                          <a:spcPts val="0"/>
-                        </a:spcBef>
-                        <a:spcAft>
-                          <a:spcPts val="0"/>
-                        </a:spcAft>
-                        <a:buNone/>
-                      </a:pPr>
-                      <a:r>
-                        <a:rPr lang="ru-RU" sz="2000">
-                          <a:solidFill>
-                            <a:schemeClr val="dk1"/>
-                          </a:solidFill>
-                          <a:latin typeface="Times New Roman"/>
-                          <a:ea typeface="Times New Roman"/>
-                          <a:cs typeface="Times New Roman"/>
-                          <a:sym typeface="Times New Roman"/>
-                        </a:rPr>
-                        <a:t>По умолчанию</a:t>
-                      </a:r>
-                      <a:endParaRPr sz="2000">
-                        <a:latin typeface="Times New Roman"/>
-                        <a:ea typeface="Times New Roman"/>
-                        <a:cs typeface="Times New Roman"/>
-                        <a:sym typeface="Times New Roman"/>
-                      </a:endParaRPr>
-                    </a:p>
-                  </a:txBody>
-                  <a:tcPr marT="91425" marB="91425" marR="91425" marL="91425" anchor="ctr"/>
-                </a:tc>
-                <a:tc>
-                  <a:txBody>
-                    <a:bodyPr/>
-                    <a:lstStyle/>
-                    <a:p>
-                      <a:pPr indent="0" lvl="0" marL="0" rtl="0" algn="ctr">
-                        <a:spcBef>
-                          <a:spcPts val="0"/>
-                        </a:spcBef>
-                        <a:spcAft>
-                          <a:spcPts val="0"/>
-                        </a:spcAft>
-                        <a:buNone/>
-                      </a:pPr>
-                      <a:r>
-                        <a:rPr lang="ru-RU" sz="2000">
-                          <a:latin typeface="Times New Roman"/>
-                          <a:ea typeface="Times New Roman"/>
-                          <a:cs typeface="Times New Roman"/>
-                          <a:sym typeface="Times New Roman"/>
-                        </a:rPr>
-                        <a:t>+</a:t>
-                      </a:r>
-                      <a:endParaRPr sz="2000">
-                        <a:latin typeface="Times New Roman"/>
-                        <a:ea typeface="Times New Roman"/>
-                        <a:cs typeface="Times New Roman"/>
-                        <a:sym typeface="Times New Roman"/>
-                      </a:endParaRPr>
-                    </a:p>
-                  </a:txBody>
-                  <a:tcPr marT="91425" marB="91425" marR="91425" marL="91425" anchor="ctr"/>
-                </a:tc>
-                <a:tc>
-                  <a:txBody>
-                    <a:bodyPr/>
-                    <a:lstStyle/>
-                    <a:p>
-                      <a:pPr indent="0" lvl="0" marL="0" rtl="0" algn="ctr">
-                        <a:spcBef>
-                          <a:spcPts val="0"/>
-                        </a:spcBef>
-                        <a:spcAft>
-                          <a:spcPts val="0"/>
-                        </a:spcAft>
-                        <a:buNone/>
-                      </a:pPr>
-                      <a:r>
-                        <a:rPr lang="ru-RU" sz="2000">
-                          <a:latin typeface="Times New Roman"/>
-                          <a:ea typeface="Times New Roman"/>
-                          <a:cs typeface="Times New Roman"/>
-                          <a:sym typeface="Times New Roman"/>
-                        </a:rPr>
-                        <a:t>-</a:t>
-                      </a:r>
-                      <a:endParaRPr sz="2000">
-                        <a:latin typeface="Times New Roman"/>
-                        <a:ea typeface="Times New Roman"/>
-                        <a:cs typeface="Times New Roman"/>
-                        <a:sym typeface="Times New Roman"/>
-                      </a:endParaRPr>
-                    </a:p>
-                  </a:txBody>
-                  <a:tcPr marT="91425" marB="91425" marR="91425" marL="91425" anchor="ctr"/>
-                </a:tc>
-                <a:tc>
-                  <a:txBody>
-                    <a:bodyPr/>
-                    <a:lstStyle/>
-                    <a:p>
-                      <a:pPr indent="0" lvl="0" marL="0" rtl="0" algn="ctr">
-                        <a:spcBef>
-                          <a:spcPts val="0"/>
-                        </a:spcBef>
-                        <a:spcAft>
-                          <a:spcPts val="0"/>
-                        </a:spcAft>
-                        <a:buNone/>
-                      </a:pPr>
-                      <a:r>
-                        <a:rPr lang="ru-RU" sz="2000">
-                          <a:latin typeface="Times New Roman"/>
-                          <a:ea typeface="Times New Roman"/>
-                          <a:cs typeface="Times New Roman"/>
-                          <a:sym typeface="Times New Roman"/>
-                        </a:rPr>
-                        <a:t>1</a:t>
-                      </a:r>
-                      <a:endParaRPr sz="2000">
-                        <a:latin typeface="Times New Roman"/>
-                        <a:ea typeface="Times New Roman"/>
-                        <a:cs typeface="Times New Roman"/>
-                        <a:sym typeface="Times New Roman"/>
-                      </a:endParaRPr>
-                    </a:p>
-                  </a:txBody>
-                  <a:tcPr marT="91425" marB="91425" marR="91425" marL="91425" anchor="ctr"/>
-                </a:tc>
-              </a:tr>
-              <a:tr h="167075">
-                <a:tc>
-                  <a:txBody>
-                    <a:bodyPr/>
-                    <a:lstStyle/>
-                    <a:p>
-                      <a:pPr indent="0" lvl="0" marL="0" rtl="0" algn="ctr">
-                        <a:spcBef>
-                          <a:spcPts val="0"/>
-                        </a:spcBef>
-                        <a:spcAft>
-                          <a:spcPts val="0"/>
-                        </a:spcAft>
-                        <a:buNone/>
-                      </a:pPr>
-                      <a:r>
-                        <a:rPr lang="ru-RU" sz="2000">
-                          <a:latin typeface="Times New Roman"/>
-                          <a:ea typeface="Times New Roman"/>
-                          <a:cs typeface="Times New Roman"/>
-                          <a:sym typeface="Times New Roman"/>
-                        </a:rPr>
-                        <a:t>Golang</a:t>
-                      </a:r>
-                      <a:endParaRPr sz="2000">
-                        <a:latin typeface="Times New Roman"/>
-                        <a:ea typeface="Times New Roman"/>
-                        <a:cs typeface="Times New Roman"/>
-                        <a:sym typeface="Times New Roman"/>
-                      </a:endParaRPr>
-                    </a:p>
-                  </a:txBody>
-                  <a:tcPr marT="91425" marB="91425" marR="91425" marL="91425" anchor="ctr"/>
-                </a:tc>
-                <a:tc>
-                  <a:txBody>
-                    <a:bodyPr/>
-                    <a:lstStyle/>
-                    <a:p>
-                      <a:pPr indent="0" lvl="0" marL="0" rtl="0" algn="ctr">
-                        <a:spcBef>
-                          <a:spcPts val="0"/>
-                        </a:spcBef>
-                        <a:spcAft>
-                          <a:spcPts val="0"/>
-                        </a:spcAft>
-                        <a:buNone/>
-                      </a:pPr>
-                      <a:r>
-                        <a:rPr lang="ru-RU" sz="2000">
-                          <a:solidFill>
-                            <a:schemeClr val="dk1"/>
-                          </a:solidFill>
-                          <a:latin typeface="Times New Roman"/>
-                          <a:ea typeface="Times New Roman"/>
-                          <a:cs typeface="Times New Roman"/>
-                          <a:sym typeface="Times New Roman"/>
-                        </a:rPr>
-                        <a:t>По умолчанию</a:t>
-                      </a:r>
-                      <a:endParaRPr sz="2000">
-                        <a:latin typeface="Times New Roman"/>
-                        <a:ea typeface="Times New Roman"/>
-                        <a:cs typeface="Times New Roman"/>
-                        <a:sym typeface="Times New Roman"/>
-                      </a:endParaRPr>
-                    </a:p>
-                  </a:txBody>
-                  <a:tcPr marT="91425" marB="91425" marR="91425" marL="91425" anchor="ctr"/>
-                </a:tc>
-                <a:tc>
-                  <a:txBody>
-                    <a:bodyPr/>
-                    <a:lstStyle/>
-                    <a:p>
-                      <a:pPr indent="0" lvl="0" marL="0" rtl="0" algn="ctr">
-                        <a:spcBef>
-                          <a:spcPts val="0"/>
-                        </a:spcBef>
-                        <a:spcAft>
-                          <a:spcPts val="0"/>
-                        </a:spcAft>
-                        <a:buNone/>
-                      </a:pPr>
-                      <a:r>
-                        <a:rPr lang="ru-RU" sz="2000">
-                          <a:latin typeface="Times New Roman"/>
-                          <a:ea typeface="Times New Roman"/>
-                          <a:cs typeface="Times New Roman"/>
-                          <a:sym typeface="Times New Roman"/>
-                        </a:rPr>
-                        <a:t>+</a:t>
-                      </a:r>
-                      <a:endParaRPr sz="2000">
-                        <a:latin typeface="Times New Roman"/>
-                        <a:ea typeface="Times New Roman"/>
-                        <a:cs typeface="Times New Roman"/>
-                        <a:sym typeface="Times New Roman"/>
-                      </a:endParaRPr>
-                    </a:p>
-                  </a:txBody>
-                  <a:tcPr marT="91425" marB="91425" marR="91425" marL="91425" anchor="ctr"/>
-                </a:tc>
-                <a:tc>
-                  <a:txBody>
-                    <a:bodyPr/>
-                    <a:lstStyle/>
-                    <a:p>
-                      <a:pPr indent="0" lvl="0" marL="0" rtl="0" algn="ctr">
-                        <a:spcBef>
-                          <a:spcPts val="0"/>
-                        </a:spcBef>
-                        <a:spcAft>
-                          <a:spcPts val="0"/>
-                        </a:spcAft>
-                        <a:buNone/>
-                      </a:pPr>
-                      <a:r>
-                        <a:rPr lang="ru-RU" sz="2000">
-                          <a:latin typeface="Times New Roman"/>
-                          <a:ea typeface="Times New Roman"/>
-                          <a:cs typeface="Times New Roman"/>
-                          <a:sym typeface="Times New Roman"/>
-                        </a:rPr>
-                        <a:t>+</a:t>
-                      </a:r>
-                      <a:endParaRPr sz="2000">
-                        <a:latin typeface="Times New Roman"/>
-                        <a:ea typeface="Times New Roman"/>
-                        <a:cs typeface="Times New Roman"/>
-                        <a:sym typeface="Times New Roman"/>
-                      </a:endParaRPr>
-                    </a:p>
-                  </a:txBody>
-                  <a:tcPr marT="91425" marB="91425" marR="91425" marL="91425" anchor="ctr"/>
-                </a:tc>
-                <a:tc>
-                  <a:txBody>
-                    <a:bodyPr/>
-                    <a:lstStyle/>
-                    <a:p>
-                      <a:pPr indent="0" lvl="0" marL="0" rtl="0" algn="ctr">
-                        <a:spcBef>
-                          <a:spcPts val="0"/>
-                        </a:spcBef>
-                        <a:spcAft>
-                          <a:spcPts val="0"/>
-                        </a:spcAft>
-                        <a:buNone/>
-                      </a:pPr>
-                      <a:r>
-                        <a:rPr lang="ru-RU" sz="2000">
-                          <a:latin typeface="Times New Roman"/>
-                          <a:ea typeface="Times New Roman"/>
-                          <a:cs typeface="Times New Roman"/>
-                          <a:sym typeface="Times New Roman"/>
-                        </a:rPr>
-                        <a:t>2</a:t>
-                      </a:r>
-                      <a:endParaRPr sz="2000">
-                        <a:latin typeface="Times New Roman"/>
-                        <a:ea typeface="Times New Roman"/>
-                        <a:cs typeface="Times New Roman"/>
-                        <a:sym typeface="Times New Roman"/>
-                      </a:endParaRPr>
-                    </a:p>
-                  </a:txBody>
-                  <a:tcPr marT="91425" marB="91425" marR="91425" marL="91425" anchor="ctr"/>
-                </a:tc>
-              </a:tr>
-            </a:tbl>
-          </a:graphicData>
-        </a:graphic>
-      </p:graphicFrame>
+        </p:nvPicPr>
+        <p:blipFill>
+          <a:blip r:embed="rId3">
+            <a:alphaModFix/>
+          </a:blip>
+          <a:stretch>
+            <a:fillRect/>
+          </a:stretch>
+        </p:blipFill>
+        <p:spPr>
+          <a:xfrm>
+            <a:off x="889275" y="1777800"/>
+            <a:ext cx="10413450" cy="4642324"/>
+          </a:xfrm>
+          <a:prstGeom prst="rect">
+            <a:avLst/>
+          </a:prstGeom>
+          <a:noFill/>
+          <a:ln>
+            <a:noFill/>
+          </a:ln>
+        </p:spPr>
+      </p:pic>
     </p:spTree>
   </p:cSld>
   <p:clrMapOvr>
@@ -24577,7 +22223,7 @@
   <p:cSld>
     <p:spTree>
       <p:nvGrpSpPr>
-        <p:cNvPr id="159" name="Shape 159"/>
+        <p:cNvPr id="156" name="Shape 156"/>
         <p:cNvGrpSpPr/>
         <p:nvPr/>
       </p:nvGrpSpPr>
@@ -24591,7 +22237,7 @@
       </p:grpSpPr>
       <p:sp>
         <p:nvSpPr>
-          <p:cNvPr id="160" name="Google Shape;160;p21"/>
+          <p:cNvPr id="157" name="Google Shape;157;p21"/>
           <p:cNvSpPr txBox="1"/>
           <p:nvPr>
             <p:ph type="title"/>
@@ -24637,7 +22283,7 @@
                 <a:cs typeface="Times New Roman"/>
                 <a:sym typeface="Times New Roman"/>
               </a:rPr>
-              <a:t>Предлагаемый метод</a:t>
+              <a:t>Алгоритм выделения памяти</a:t>
             </a:r>
             <a:endParaRPr>
               <a:latin typeface="Times New Roman"/>
@@ -24650,7 +22296,7 @@
       </p:sp>
       <p:sp>
         <p:nvSpPr>
-          <p:cNvPr id="161" name="Google Shape;161;p21"/>
+          <p:cNvPr id="158" name="Google Shape;158;p21"/>
           <p:cNvSpPr txBox="1"/>
           <p:nvPr>
             <p:ph idx="12" type="sldNum"/>
@@ -24694,7 +22340,7 @@
       </p:sp>
       <p:pic>
         <p:nvPicPr>
-          <p:cNvPr id="162" name="Google Shape;162;p21"/>
+          <p:cNvPr id="159" name="Google Shape;159;p21"/>
           <p:cNvPicPr preferRelativeResize="0"/>
           <p:nvPr/>
         </p:nvPicPr>
@@ -24708,8 +22354,8 @@
         </p:blipFill>
         <p:spPr>
           <a:xfrm>
-            <a:off x="885738" y="1325701"/>
-            <a:ext cx="10420526" cy="4976225"/>
+            <a:off x="3055100" y="1088075"/>
+            <a:ext cx="6081802" cy="5633374"/>
           </a:xfrm>
           <a:prstGeom prst="rect">
             <a:avLst/>
@@ -24733,7 +22379,7 @@
   <p:cSld>
     <p:spTree>
       <p:nvGrpSpPr>
-        <p:cNvPr id="167" name="Shape 167"/>
+        <p:cNvPr id="164" name="Shape 164"/>
         <p:cNvGrpSpPr/>
         <p:nvPr/>
       </p:nvGrpSpPr>
@@ -24747,7 +22393,7 @@
       </p:grpSpPr>
       <p:sp>
         <p:nvSpPr>
-          <p:cNvPr id="168" name="Google Shape;168;p22"/>
+          <p:cNvPr id="165" name="Google Shape;165;p22"/>
           <p:cNvSpPr txBox="1"/>
           <p:nvPr>
             <p:ph type="title"/>
@@ -24793,7 +22439,7 @@
                 <a:cs typeface="Times New Roman"/>
                 <a:sym typeface="Times New Roman"/>
               </a:rPr>
-              <a:t>Алгоритм выделения памяти</a:t>
+              <a:t>Алгоритм разметки</a:t>
             </a:r>
             <a:endParaRPr>
               <a:latin typeface="Times New Roman"/>
@@ -24806,7 +22452,7 @@
       </p:sp>
       <p:sp>
         <p:nvSpPr>
-          <p:cNvPr id="169" name="Google Shape;169;p22"/>
+          <p:cNvPr id="166" name="Google Shape;166;p22"/>
           <p:cNvSpPr txBox="1"/>
           <p:nvPr>
             <p:ph idx="12" type="sldNum"/>
@@ -24850,7 +22496,7 @@
       </p:sp>
       <p:pic>
         <p:nvPicPr>
-          <p:cNvPr id="170" name="Google Shape;170;p22"/>
+          <p:cNvPr id="167" name="Google Shape;167;p22"/>
           <p:cNvPicPr preferRelativeResize="0"/>
           <p:nvPr/>
         </p:nvPicPr>
@@ -24864,8 +22510,8 @@
         </p:blipFill>
         <p:spPr>
           <a:xfrm>
-            <a:off x="3055100" y="1088075"/>
-            <a:ext cx="6081802" cy="5633374"/>
+            <a:off x="2333775" y="1052400"/>
+            <a:ext cx="7524449" cy="5669051"/>
           </a:xfrm>
           <a:prstGeom prst="rect">
             <a:avLst/>

--- a/docs/presentation/bachelor-thesis.pptx
+++ b/docs/presentation/bachelor-thesis.pptx
@@ -1536,7 +1536,21 @@
               <a:buNone/>
             </a:pPr>
             <a:r>
-              <a:t/>
+              <a:rPr lang="ru-RU"/>
+              <a:t>Здравствуйте, меня зовут Сапожков Андрей и тема моей дипломной работы “</a:t>
+            </a:r>
+            <a:r>
+              <a:rPr lang="ru-RU" sz="1400">
+                <a:latin typeface="Times New Roman"/>
+                <a:ea typeface="Times New Roman"/>
+                <a:cs typeface="Times New Roman"/>
+                <a:sym typeface="Times New Roman"/>
+              </a:rPr>
+              <a:t>Метод автоматического управления памятью с гарантированным временем выполнения на основе подсчёта ссылок</a:t>
+            </a:r>
+            <a:r>
+              <a:rPr lang="ru-RU"/>
+              <a:t>”.</a:t>
             </a:r>
             <a:endParaRPr/>
           </a:p>
@@ -1599,7 +1613,7 @@
   <p:cSld>
     <p:spTree>
       <p:nvGrpSpPr>
-        <p:cNvPr id="168" name="Shape 168"/>
+        <p:cNvPr id="170" name="Shape 170"/>
         <p:cNvGrpSpPr/>
         <p:nvPr/>
       </p:nvGrpSpPr>
@@ -1613,7 +1627,7 @@
       </p:grpSpPr>
       <p:sp>
         <p:nvSpPr>
-          <p:cNvPr id="169" name="Google Shape;169;g2ced2b81fbc_0_24:notes"/>
+          <p:cNvPr id="171" name="Google Shape;171;g2ced2b81fbc_0_24:notes"/>
           <p:cNvSpPr/>
           <p:nvPr>
             <p:ph idx="2" type="sldImg"/>
@@ -1658,7 +1672,7 @@
       </p:sp>
       <p:sp>
         <p:nvSpPr>
-          <p:cNvPr id="170" name="Google Shape;170;g2ced2b81fbc_0_24:notes"/>
+          <p:cNvPr id="172" name="Google Shape;172;g2ced2b81fbc_0_24:notes"/>
           <p:cNvSpPr txBox="1"/>
           <p:nvPr>
             <p:ph idx="1" type="body"/>
@@ -1690,12 +1704,103 @@
               <a:spcAft>
                 <a:spcPts val="0"/>
               </a:spcAft>
+              <a:buSzPts val="1100"/>
               <a:buNone/>
             </a:pPr>
             <a:r>
+              <a:rPr lang="ru-RU" sz="1400">
+                <a:latin typeface="Times New Roman"/>
+                <a:ea typeface="Times New Roman"/>
+                <a:cs typeface="Times New Roman"/>
+                <a:sym typeface="Times New Roman"/>
+              </a:rPr>
+              <a:t>Алгоритм очистки от “мусорных” объектов состоит из обнаружения мусорных арен и их последующего освобождения. Арена считается мусорной, если все объекты, которые в ней были выделены на момент анализа, являются мусорными. </a:t>
+            </a:r>
+            <a:endParaRPr sz="1400">
+              <a:latin typeface="Times New Roman"/>
+              <a:ea typeface="Times New Roman"/>
+              <a:cs typeface="Times New Roman"/>
+              <a:sym typeface="Times New Roman"/>
+            </a:endParaRPr>
+          </a:p>
+          <a:p>
+            <a:pPr indent="0" lvl="0" marL="0" rtl="0" algn="l">
+              <a:spcBef>
+                <a:spcPts val="0"/>
+              </a:spcBef>
+              <a:spcAft>
+                <a:spcPts val="0"/>
+              </a:spcAft>
+              <a:buSzPts val="1100"/>
+              <a:buNone/>
+            </a:pPr>
+            <a:r>
               <a:t/>
             </a:r>
-            <a:endParaRPr b="1" sz="1000">
+            <a:endParaRPr sz="1400">
+              <a:latin typeface="Times New Roman"/>
+              <a:ea typeface="Times New Roman"/>
+              <a:cs typeface="Times New Roman"/>
+              <a:sym typeface="Times New Roman"/>
+            </a:endParaRPr>
+          </a:p>
+          <a:p>
+            <a:pPr indent="0" lvl="0" marL="0" rtl="0" algn="l">
+              <a:spcBef>
+                <a:spcPts val="0"/>
+              </a:spcBef>
+              <a:spcAft>
+                <a:spcPts val="0"/>
+              </a:spcAft>
+              <a:buSzPts val="1100"/>
+              <a:buNone/>
+            </a:pPr>
+            <a:r>
+              <a:rPr lang="ru-RU" sz="1400">
+                <a:latin typeface="Times New Roman"/>
+                <a:ea typeface="Times New Roman"/>
+                <a:cs typeface="Times New Roman"/>
+                <a:sym typeface="Times New Roman"/>
+              </a:rPr>
+              <a:t>Такое определение мусорной арены может приводить к ситуациям, когда арена не может быть освобождена из-за наличия в ней живых объектов, суммарный разме</a:t>
+            </a:r>
+            <a:r>
+              <a:rPr lang="ru-RU" sz="1400">
+                <a:latin typeface="Times New Roman"/>
+                <a:ea typeface="Times New Roman"/>
+                <a:cs typeface="Times New Roman"/>
+                <a:sym typeface="Times New Roman"/>
+              </a:rPr>
+              <a:t>р </a:t>
+            </a:r>
+            <a:r>
+              <a:rPr lang="ru-RU" sz="1400">
+                <a:latin typeface="Times New Roman"/>
+                <a:ea typeface="Times New Roman"/>
+                <a:cs typeface="Times New Roman"/>
+                <a:sym typeface="Times New Roman"/>
+              </a:rPr>
+              <a:t>которых много меньше размера арены. Данная проблема может решаться по</a:t>
+            </a:r>
+            <a:r>
+              <a:rPr lang="ru-RU" sz="1400">
+                <a:latin typeface="Times New Roman"/>
+                <a:ea typeface="Times New Roman"/>
+                <a:cs typeface="Times New Roman"/>
+                <a:sym typeface="Times New Roman"/>
+              </a:rPr>
+              <a:t>-</a:t>
+            </a:r>
+            <a:r>
+              <a:rPr lang="ru-RU" sz="1400">
+                <a:latin typeface="Times New Roman"/>
+                <a:ea typeface="Times New Roman"/>
+                <a:cs typeface="Times New Roman"/>
+                <a:sym typeface="Times New Roman"/>
+              </a:rPr>
+              <a:t>разному в зависимости от реализации, но в общем случае можно предложить выбор оптимального размера арены памяти, при котором частота возникновения описанных ситуаций пренебрежимо мала.</a:t>
+            </a:r>
+            <a:endParaRPr sz="1400">
               <a:latin typeface="Times New Roman"/>
               <a:ea typeface="Times New Roman"/>
               <a:cs typeface="Times New Roman"/>
@@ -1706,7 +1811,7 @@
       </p:sp>
       <p:sp>
         <p:nvSpPr>
-          <p:cNvPr id="171" name="Google Shape;171;g2ced2b81fbc_0_24:notes"/>
+          <p:cNvPr id="173" name="Google Shape;173;g2ced2b81fbc_0_24:notes"/>
           <p:cNvSpPr txBox="1"/>
           <p:nvPr>
             <p:ph idx="12" type="sldNum"/>
@@ -1761,7 +1866,7 @@
   <p:cSld>
     <p:spTree>
       <p:nvGrpSpPr>
-        <p:cNvPr id="176" name="Shape 176"/>
+        <p:cNvPr id="179" name="Shape 179"/>
         <p:cNvGrpSpPr/>
         <p:nvPr/>
       </p:nvGrpSpPr>
@@ -1775,7 +1880,7 @@
       </p:grpSpPr>
       <p:sp>
         <p:nvSpPr>
-          <p:cNvPr id="177" name="Google Shape;177;g2d19b423fcd_1_1:notes"/>
+          <p:cNvPr id="180" name="Google Shape;180;g2d19b423fcd_1_1:notes"/>
           <p:cNvSpPr/>
           <p:nvPr>
             <p:ph idx="2" type="sldImg"/>
@@ -1820,7 +1925,7 @@
       </p:sp>
       <p:sp>
         <p:nvSpPr>
-          <p:cNvPr id="178" name="Google Shape;178;g2d19b423fcd_1_1:notes"/>
+          <p:cNvPr id="181" name="Google Shape;181;g2d19b423fcd_1_1:notes"/>
           <p:cNvSpPr txBox="1"/>
           <p:nvPr>
             <p:ph idx="1" type="body"/>
@@ -1852,12 +1957,243 @@
               <a:spcAft>
                 <a:spcPts val="0"/>
               </a:spcAft>
+              <a:buSzPts val="1100"/>
               <a:buNone/>
             </a:pPr>
             <a:r>
+              <a:rPr lang="ru-RU" sz="1400">
+                <a:latin typeface="Times New Roman"/>
+                <a:ea typeface="Times New Roman"/>
+                <a:cs typeface="Times New Roman"/>
+                <a:sym typeface="Times New Roman"/>
+              </a:rPr>
+              <a:t>На слайде представлена диаграмма развёртывания, описывающая основные компоненты</a:t>
+            </a:r>
+            <a:r>
+              <a:rPr lang="ru-RU" sz="1400">
+                <a:latin typeface="Times New Roman"/>
+                <a:ea typeface="Times New Roman"/>
+                <a:cs typeface="Times New Roman"/>
+                <a:sym typeface="Times New Roman"/>
+              </a:rPr>
+              <a:t> ПО</a:t>
+            </a:r>
+            <a:r>
+              <a:rPr lang="ru-RU" sz="1400">
+                <a:latin typeface="Times New Roman"/>
+                <a:ea typeface="Times New Roman"/>
+                <a:cs typeface="Times New Roman"/>
+                <a:sym typeface="Times New Roman"/>
+              </a:rPr>
+              <a:t>, реализованного в виде подключаемой библиотеки. Она состоит из интерфейсного модуля alloc, модуля поколения объектов, модуля для взаимодействия с API арен в Golang и модуля, предоставляющего контейнер для дескрипторов объектов. </a:t>
+            </a:r>
+            <a:endParaRPr sz="1400">
+              <a:latin typeface="Times New Roman"/>
+              <a:ea typeface="Times New Roman"/>
+              <a:cs typeface="Times New Roman"/>
+              <a:sym typeface="Times New Roman"/>
+            </a:endParaRPr>
+          </a:p>
+          <a:p>
+            <a:pPr indent="0" lvl="0" marL="0" rtl="0" algn="l">
+              <a:spcBef>
+                <a:spcPts val="0"/>
+              </a:spcBef>
+              <a:spcAft>
+                <a:spcPts val="0"/>
+              </a:spcAft>
+              <a:buSzPts val="1100"/>
+              <a:buNone/>
+            </a:pPr>
+            <a:r>
               <a:t/>
             </a:r>
-            <a:endParaRPr b="1" sz="1000">
+            <a:endParaRPr sz="1400">
+              <a:latin typeface="Times New Roman"/>
+              <a:ea typeface="Times New Roman"/>
+              <a:cs typeface="Times New Roman"/>
+              <a:sym typeface="Times New Roman"/>
+            </a:endParaRPr>
+          </a:p>
+          <a:p>
+            <a:pPr indent="0" lvl="0" marL="0" rtl="0" algn="l">
+              <a:spcBef>
+                <a:spcPts val="0"/>
+              </a:spcBef>
+              <a:spcAft>
+                <a:spcPts val="0"/>
+              </a:spcAft>
+              <a:buSzPts val="1100"/>
+              <a:buNone/>
+            </a:pPr>
+            <a:r>
+              <a:rPr lang="ru-RU" sz="1400">
+                <a:latin typeface="Times New Roman"/>
+                <a:ea typeface="Times New Roman"/>
+                <a:cs typeface="Times New Roman"/>
+                <a:sym typeface="Times New Roman"/>
+              </a:rPr>
+              <a:t>Такой подход предполагает добавление новой библиотеки в пользовательский проект вместо модификации исходного языка, что является более гибким решением, так как появляется возможность выбирать методы распределения памяти для каждого модуля приложения и сравнивать их при использовании в одном отдельно взятом модуле.</a:t>
+            </a:r>
+            <a:endParaRPr sz="1400">
+              <a:latin typeface="Times New Roman"/>
+              <a:ea typeface="Times New Roman"/>
+              <a:cs typeface="Times New Roman"/>
+              <a:sym typeface="Times New Roman"/>
+            </a:endParaRPr>
+          </a:p>
+          <a:p>
+            <a:pPr indent="0" lvl="0" marL="0" rtl="0" algn="l">
+              <a:spcBef>
+                <a:spcPts val="0"/>
+              </a:spcBef>
+              <a:spcAft>
+                <a:spcPts val="0"/>
+              </a:spcAft>
+              <a:buSzPts val="1100"/>
+              <a:buNone/>
+            </a:pPr>
+            <a:r>
+              <a:t/>
+            </a:r>
+            <a:endParaRPr sz="1400">
+              <a:latin typeface="Times New Roman"/>
+              <a:ea typeface="Times New Roman"/>
+              <a:cs typeface="Times New Roman"/>
+              <a:sym typeface="Times New Roman"/>
+            </a:endParaRPr>
+          </a:p>
+          <a:p>
+            <a:pPr indent="0" lvl="0" marL="0" rtl="0" algn="l">
+              <a:spcBef>
+                <a:spcPts val="0"/>
+              </a:spcBef>
+              <a:spcAft>
+                <a:spcPts val="0"/>
+              </a:spcAft>
+              <a:buSzPts val="1100"/>
+              <a:buNone/>
+            </a:pPr>
+            <a:r>
+              <a:t/>
+            </a:r>
+            <a:endParaRPr sz="1400">
+              <a:latin typeface="Times New Roman"/>
+              <a:ea typeface="Times New Roman"/>
+              <a:cs typeface="Times New Roman"/>
+              <a:sym typeface="Times New Roman"/>
+            </a:endParaRPr>
+          </a:p>
+          <a:p>
+            <a:pPr indent="0" lvl="0" marL="0" rtl="0" algn="l">
+              <a:spcBef>
+                <a:spcPts val="0"/>
+              </a:spcBef>
+              <a:spcAft>
+                <a:spcPts val="0"/>
+              </a:spcAft>
+              <a:buSzPts val="1100"/>
+              <a:buNone/>
+            </a:pPr>
+            <a:r>
+              <a:t/>
+            </a:r>
+            <a:endParaRPr sz="1400">
+              <a:latin typeface="Times New Roman"/>
+              <a:ea typeface="Times New Roman"/>
+              <a:cs typeface="Times New Roman"/>
+              <a:sym typeface="Times New Roman"/>
+            </a:endParaRPr>
+          </a:p>
+          <a:p>
+            <a:pPr indent="0" lvl="0" marL="0" rtl="0" algn="l">
+              <a:spcBef>
+                <a:spcPts val="0"/>
+              </a:spcBef>
+              <a:spcAft>
+                <a:spcPts val="0"/>
+              </a:spcAft>
+              <a:buSzPts val="1100"/>
+              <a:buNone/>
+            </a:pPr>
+            <a:r>
+              <a:rPr lang="ru-RU" sz="1400">
+                <a:latin typeface="Times New Roman"/>
+                <a:ea typeface="Times New Roman"/>
+                <a:cs typeface="Times New Roman"/>
+                <a:sym typeface="Times New Roman"/>
+              </a:rPr>
+              <a:t>Для организации объектов, обрабатываемых менеджером памяти, была использована модель поколений, предполагающая наличие молодого, промежуточного и старого поколения объектов. Промежуточное поколение необходимо для того, чтобы замедлить продвижение объектов по поколениям.</a:t>
+            </a:r>
+            <a:endParaRPr sz="1400">
+              <a:latin typeface="Times New Roman"/>
+              <a:ea typeface="Times New Roman"/>
+              <a:cs typeface="Times New Roman"/>
+              <a:sym typeface="Times New Roman"/>
+            </a:endParaRPr>
+          </a:p>
+          <a:p>
+            <a:pPr indent="0" lvl="0" marL="0" rtl="0" algn="l">
+              <a:spcBef>
+                <a:spcPts val="0"/>
+              </a:spcBef>
+              <a:spcAft>
+                <a:spcPts val="0"/>
+              </a:spcAft>
+              <a:buSzPts val="1100"/>
+              <a:buNone/>
+            </a:pPr>
+            <a:r>
+              <a:t/>
+            </a:r>
+            <a:endParaRPr sz="1400">
+              <a:latin typeface="Times New Roman"/>
+              <a:ea typeface="Times New Roman"/>
+              <a:cs typeface="Times New Roman"/>
+              <a:sym typeface="Times New Roman"/>
+            </a:endParaRPr>
+          </a:p>
+          <a:p>
+            <a:pPr indent="0" lvl="0" marL="0" rtl="0" algn="l">
+              <a:spcBef>
+                <a:spcPts val="0"/>
+              </a:spcBef>
+              <a:spcAft>
+                <a:spcPts val="0"/>
+              </a:spcAft>
+              <a:buSzPts val="1100"/>
+              <a:buNone/>
+            </a:pPr>
+            <a:r>
+              <a:rPr lang="ru-RU" sz="1400">
+                <a:latin typeface="Times New Roman"/>
+                <a:ea typeface="Times New Roman"/>
+                <a:cs typeface="Times New Roman"/>
+                <a:sym typeface="Times New Roman"/>
+              </a:rPr>
+              <a:t>Если объект пережил один сбор мусора, то это не значит, что он будет жить дольше других объектов. А вот если он пережил два сбора мусора, то есть его возраст больше промежутка времени между сборами мусора, то вероятность его дальнейшего выживания оценивается выше.</a:t>
+            </a:r>
+            <a:endParaRPr sz="1400">
+              <a:latin typeface="Times New Roman"/>
+              <a:ea typeface="Times New Roman"/>
+              <a:cs typeface="Times New Roman"/>
+              <a:sym typeface="Times New Roman"/>
+            </a:endParaRPr>
+          </a:p>
+          <a:p>
+            <a:pPr indent="0" lvl="0" marL="0" rtl="0" algn="l">
+              <a:spcBef>
+                <a:spcPts val="0"/>
+              </a:spcBef>
+              <a:spcAft>
+                <a:spcPts val="0"/>
+              </a:spcAft>
+              <a:buNone/>
+            </a:pPr>
+            <a:r>
+              <a:t/>
+            </a:r>
+            <a:endParaRPr sz="1400">
               <a:latin typeface="Times New Roman"/>
               <a:ea typeface="Times New Roman"/>
               <a:cs typeface="Times New Roman"/>
@@ -1868,7 +2204,7 @@
       </p:sp>
       <p:sp>
         <p:nvSpPr>
-          <p:cNvPr id="179" name="Google Shape;179;g2d19b423fcd_1_1:notes"/>
+          <p:cNvPr id="182" name="Google Shape;182;g2d19b423fcd_1_1:notes"/>
           <p:cNvSpPr txBox="1"/>
           <p:nvPr>
             <p:ph idx="12" type="sldNum"/>
@@ -1923,7 +2259,7 @@
   <p:cSld>
     <p:spTree>
       <p:nvGrpSpPr>
-        <p:cNvPr id="184" name="Shape 184"/>
+        <p:cNvPr id="187" name="Shape 187"/>
         <p:cNvGrpSpPr/>
         <p:nvPr/>
       </p:nvGrpSpPr>
@@ -1937,7 +2273,7 @@
       </p:grpSpPr>
       <p:sp>
         <p:nvSpPr>
-          <p:cNvPr id="185" name="Google Shape;185;g2ced2b81fbc_0_31:notes"/>
+          <p:cNvPr id="188" name="Google Shape;188;g6dc3c04f35b4e755_3:notes"/>
           <p:cNvSpPr/>
           <p:nvPr>
             <p:ph idx="2" type="sldImg"/>
@@ -1982,7 +2318,7 @@
       </p:sp>
       <p:sp>
         <p:nvSpPr>
-          <p:cNvPr id="186" name="Google Shape;186;g2ced2b81fbc_0_31:notes"/>
+          <p:cNvPr id="189" name="Google Shape;189;g6dc3c04f35b4e755_3:notes"/>
           <p:cNvSpPr txBox="1"/>
           <p:nvPr>
             <p:ph idx="1" type="body"/>
@@ -2017,9 +2353,24 @@
               <a:buNone/>
             </a:pPr>
             <a:r>
-              <a:t/>
-            </a:r>
-            <a:endParaRPr b="1" sz="1000">
+              <a:rPr lang="ru-RU" sz="1400">
+                <a:latin typeface="Times New Roman"/>
+                <a:ea typeface="Times New Roman"/>
+                <a:cs typeface="Times New Roman"/>
+                <a:sym typeface="Times New Roman"/>
+              </a:rPr>
+              <a:t>В рамках разработки программного обеспечения была разработана специальная структура данных - дескриптор объекта. Она описывает характеристики объектов с точки зрения сборщика мусора. Поля </a:t>
+            </a:r>
+            <a:r>
+              <a:rPr lang="ru-RU" sz="1400">
+                <a:latin typeface="Times New Roman"/>
+                <a:ea typeface="Times New Roman"/>
+                <a:cs typeface="Times New Roman"/>
+                <a:sym typeface="Times New Roman"/>
+              </a:rPr>
+              <a:t>данной структуры представлены на слайде.</a:t>
+            </a:r>
+            <a:endParaRPr sz="1400">
               <a:latin typeface="Times New Roman"/>
               <a:ea typeface="Times New Roman"/>
               <a:cs typeface="Times New Roman"/>
@@ -2030,7 +2381,7 @@
       </p:sp>
       <p:sp>
         <p:nvSpPr>
-          <p:cNvPr id="187" name="Google Shape;187;g2ced2b81fbc_0_31:notes"/>
+          <p:cNvPr id="190" name="Google Shape;190;g6dc3c04f35b4e755_3:notes"/>
           <p:cNvSpPr txBox="1"/>
           <p:nvPr>
             <p:ph idx="12" type="sldNum"/>
@@ -2085,7 +2436,7 @@
   <p:cSld>
     <p:spTree>
       <p:nvGrpSpPr>
-        <p:cNvPr id="196" name="Shape 196"/>
+        <p:cNvPr id="195" name="Shape 195"/>
         <p:cNvGrpSpPr/>
         <p:nvPr/>
       </p:nvGrpSpPr>
@@ -2099,7 +2450,7 @@
       </p:grpSpPr>
       <p:sp>
         <p:nvSpPr>
-          <p:cNvPr id="197" name="Google Shape;197;g2cf7adac231_1_10:notes"/>
+          <p:cNvPr id="196" name="Google Shape;196;g2cf7adac231_1_10:notes"/>
           <p:cNvSpPr/>
           <p:nvPr>
             <p:ph idx="2" type="sldImg"/>
@@ -2144,7 +2495,7 @@
       </p:sp>
       <p:sp>
         <p:nvSpPr>
-          <p:cNvPr id="198" name="Google Shape;198;g2cf7adac231_1_10:notes"/>
+          <p:cNvPr id="197" name="Google Shape;197;g2cf7adac231_1_10:notes"/>
           <p:cNvSpPr txBox="1"/>
           <p:nvPr>
             <p:ph idx="1" type="body"/>
@@ -2179,9 +2530,294 @@
               <a:buNone/>
             </a:pPr>
             <a:r>
+              <a:rPr lang="ru-RU" sz="1400">
+                <a:latin typeface="Times New Roman"/>
+                <a:ea typeface="Times New Roman"/>
+                <a:cs typeface="Times New Roman"/>
+                <a:sym typeface="Times New Roman"/>
+              </a:rPr>
+              <a:t>Для проведения сравнительного анализа реализованного метода с реализацией, существующей в языке программирования Golang, необходимо классифицировать алгоритмы, к которым может быть применён метод. По требованиям к дополнительной памяти алгоритмы можно разделить на 6:</a:t>
+            </a:r>
+            <a:endParaRPr sz="1400">
+              <a:latin typeface="Times New Roman"/>
+              <a:ea typeface="Times New Roman"/>
+              <a:cs typeface="Times New Roman"/>
+              <a:sym typeface="Times New Roman"/>
+            </a:endParaRPr>
+          </a:p>
+          <a:p>
+            <a:pPr indent="-317500" lvl="0" marL="457200" rtl="0" algn="l">
+              <a:spcBef>
+                <a:spcPts val="0"/>
+              </a:spcBef>
+              <a:spcAft>
+                <a:spcPts val="0"/>
+              </a:spcAft>
+              <a:buSzPts val="1400"/>
+              <a:buFont typeface="Times New Roman"/>
+              <a:buChar char="-"/>
+            </a:pPr>
+            <a:r>
+              <a:rPr lang="ru-RU" sz="1400">
+                <a:latin typeface="Times New Roman"/>
+                <a:ea typeface="Times New Roman"/>
+                <a:cs typeface="Times New Roman"/>
+                <a:sym typeface="Times New Roman"/>
+              </a:rPr>
+              <a:t>алгоритмы с нулевой доп. памятью, которые далее рассматриваться не будут, так как не позволяют применить реализованный метод;</a:t>
+            </a:r>
+            <a:endParaRPr sz="1400">
+              <a:latin typeface="Times New Roman"/>
+              <a:ea typeface="Times New Roman"/>
+              <a:cs typeface="Times New Roman"/>
+              <a:sym typeface="Times New Roman"/>
+            </a:endParaRPr>
+          </a:p>
+          <a:p>
+            <a:pPr indent="-317500" lvl="0" marL="457200" rtl="0" algn="l">
+              <a:spcBef>
+                <a:spcPts val="0"/>
+              </a:spcBef>
+              <a:spcAft>
+                <a:spcPts val="0"/>
+              </a:spcAft>
+              <a:buSzPts val="1400"/>
+              <a:buFont typeface="Times New Roman"/>
+              <a:buChar char="-"/>
+            </a:pPr>
+            <a:r>
+              <a:rPr lang="ru-RU" sz="1400">
+                <a:latin typeface="Times New Roman"/>
+                <a:ea typeface="Times New Roman"/>
+                <a:cs typeface="Times New Roman"/>
+                <a:sym typeface="Times New Roman"/>
+              </a:rPr>
+              <a:t>алгоритмы с фиксированной доп. памятью;</a:t>
+            </a:r>
+            <a:endParaRPr sz="1400">
+              <a:latin typeface="Times New Roman"/>
+              <a:ea typeface="Times New Roman"/>
+              <a:cs typeface="Times New Roman"/>
+              <a:sym typeface="Times New Roman"/>
+            </a:endParaRPr>
+          </a:p>
+          <a:p>
+            <a:pPr indent="-317500" lvl="0" marL="457200" rtl="0" algn="l">
+              <a:spcBef>
+                <a:spcPts val="0"/>
+              </a:spcBef>
+              <a:spcAft>
+                <a:spcPts val="0"/>
+              </a:spcAft>
+              <a:buSzPts val="1400"/>
+              <a:buFont typeface="Times New Roman"/>
+              <a:buChar char="-"/>
+            </a:pPr>
+            <a:r>
+              <a:rPr lang="ru-RU" sz="1400">
+                <a:latin typeface="Times New Roman"/>
+                <a:ea typeface="Times New Roman"/>
+                <a:cs typeface="Times New Roman"/>
+                <a:sym typeface="Times New Roman"/>
+              </a:rPr>
+              <a:t>алгоритмы, в которых доп. память зависит от длины входа алгоритма линейно, квадратично, полиномиально надквадратично и экспоненциально.</a:t>
+            </a:r>
+            <a:endParaRPr sz="1400">
+              <a:latin typeface="Times New Roman"/>
+              <a:ea typeface="Times New Roman"/>
+              <a:cs typeface="Times New Roman"/>
+              <a:sym typeface="Times New Roman"/>
+            </a:endParaRPr>
+          </a:p>
+          <a:p>
+            <a:pPr indent="0" lvl="0" marL="0" rtl="0" algn="l">
+              <a:spcBef>
+                <a:spcPts val="0"/>
+              </a:spcBef>
+              <a:spcAft>
+                <a:spcPts val="0"/>
+              </a:spcAft>
+              <a:buNone/>
+            </a:pPr>
+            <a:r>
+              <a:rPr lang="ru-RU" sz="1400">
+                <a:latin typeface="Times New Roman"/>
+                <a:ea typeface="Times New Roman"/>
+                <a:cs typeface="Times New Roman"/>
+                <a:sym typeface="Times New Roman"/>
+              </a:rPr>
+              <a:t>В качестве примеров алгоритмов каждого класса были взяты лабораторные работы по курсу “Анализ алгоритмов</a:t>
+            </a:r>
+            <a:r>
+              <a:rPr lang="ru-RU" sz="1400">
+                <a:latin typeface="Times New Roman"/>
+                <a:ea typeface="Times New Roman"/>
+                <a:cs typeface="Times New Roman"/>
+                <a:sym typeface="Times New Roman"/>
+              </a:rPr>
+              <a:t>”:</a:t>
+            </a:r>
+            <a:endParaRPr sz="1400">
+              <a:latin typeface="Times New Roman"/>
+              <a:ea typeface="Times New Roman"/>
+              <a:cs typeface="Times New Roman"/>
+              <a:sym typeface="Times New Roman"/>
+            </a:endParaRPr>
+          </a:p>
+          <a:p>
+            <a:pPr indent="-317500" lvl="0" marL="457200" rtl="0" algn="l">
+              <a:spcBef>
+                <a:spcPts val="0"/>
+              </a:spcBef>
+              <a:spcAft>
+                <a:spcPts val="0"/>
+              </a:spcAft>
+              <a:buSzPts val="1400"/>
+              <a:buFont typeface="Times New Roman"/>
+              <a:buChar char="-"/>
+            </a:pPr>
+            <a:r>
+              <a:rPr lang="ru-RU" sz="1400">
+                <a:latin typeface="Times New Roman"/>
+                <a:ea typeface="Times New Roman"/>
+                <a:cs typeface="Times New Roman"/>
+                <a:sym typeface="Times New Roman"/>
+              </a:rPr>
+              <a:t>Класс VC - конвейерная обработки данных;</a:t>
+            </a:r>
+            <a:endParaRPr sz="1400">
+              <a:latin typeface="Times New Roman"/>
+              <a:ea typeface="Times New Roman"/>
+              <a:cs typeface="Times New Roman"/>
+              <a:sym typeface="Times New Roman"/>
+            </a:endParaRPr>
+          </a:p>
+          <a:p>
+            <a:pPr indent="-317500" lvl="0" marL="457200" rtl="0" algn="l">
+              <a:spcBef>
+                <a:spcPts val="0"/>
+              </a:spcBef>
+              <a:spcAft>
+                <a:spcPts val="0"/>
+              </a:spcAft>
+              <a:buSzPts val="1400"/>
+              <a:buFont typeface="Times New Roman"/>
+              <a:buChar char="-"/>
+            </a:pPr>
+            <a:r>
+              <a:rPr lang="ru-RU" sz="1400">
+                <a:latin typeface="Times New Roman"/>
+                <a:ea typeface="Times New Roman"/>
+                <a:cs typeface="Times New Roman"/>
+                <a:sym typeface="Times New Roman"/>
+              </a:rPr>
+              <a:t>Класс VL - сортировка слиянием;</a:t>
+            </a:r>
+            <a:endParaRPr sz="1400">
+              <a:latin typeface="Times New Roman"/>
+              <a:ea typeface="Times New Roman"/>
+              <a:cs typeface="Times New Roman"/>
+              <a:sym typeface="Times New Roman"/>
+            </a:endParaRPr>
+          </a:p>
+          <a:p>
+            <a:pPr indent="-317500" lvl="0" marL="457200" rtl="0" algn="l">
+              <a:spcBef>
+                <a:spcPts val="0"/>
+              </a:spcBef>
+              <a:spcAft>
+                <a:spcPts val="0"/>
+              </a:spcAft>
+              <a:buSzPts val="1400"/>
+              <a:buFont typeface="Times New Roman"/>
+              <a:buChar char="-"/>
+            </a:pPr>
+            <a:r>
+              <a:rPr lang="ru-RU" sz="1400">
+                <a:latin typeface="Times New Roman"/>
+                <a:ea typeface="Times New Roman"/>
+                <a:cs typeface="Times New Roman"/>
+                <a:sym typeface="Times New Roman"/>
+              </a:rPr>
+              <a:t>Класс VQ - нахождение расстояния Левенштейна;</a:t>
+            </a:r>
+            <a:endParaRPr sz="1400">
+              <a:latin typeface="Times New Roman"/>
+              <a:ea typeface="Times New Roman"/>
+              <a:cs typeface="Times New Roman"/>
+              <a:sym typeface="Times New Roman"/>
+            </a:endParaRPr>
+          </a:p>
+          <a:p>
+            <a:pPr indent="-317500" lvl="0" marL="457200" rtl="0" algn="l">
+              <a:spcBef>
+                <a:spcPts val="0"/>
+              </a:spcBef>
+              <a:spcAft>
+                <a:spcPts val="0"/>
+              </a:spcAft>
+              <a:buSzPts val="1400"/>
+              <a:buFont typeface="Times New Roman"/>
+              <a:buChar char="-"/>
+            </a:pPr>
+            <a:r>
+              <a:rPr lang="ru-RU" sz="1400">
+                <a:latin typeface="Times New Roman"/>
+                <a:ea typeface="Times New Roman"/>
+                <a:cs typeface="Times New Roman"/>
+                <a:sym typeface="Times New Roman"/>
+              </a:rPr>
+              <a:t>Класс VP - перемножение матриц по Винограду;</a:t>
+            </a:r>
+            <a:endParaRPr sz="1400">
+              <a:latin typeface="Times New Roman"/>
+              <a:ea typeface="Times New Roman"/>
+              <a:cs typeface="Times New Roman"/>
+              <a:sym typeface="Times New Roman"/>
+            </a:endParaRPr>
+          </a:p>
+          <a:p>
+            <a:pPr indent="-317500" lvl="0" marL="457200" rtl="0" algn="l">
+              <a:spcBef>
+                <a:spcPts val="0"/>
+              </a:spcBef>
+              <a:spcAft>
+                <a:spcPts val="0"/>
+              </a:spcAft>
+              <a:buSzPts val="1400"/>
+              <a:buFont typeface="Times New Roman"/>
+              <a:buChar char="-"/>
+            </a:pPr>
+            <a:r>
+              <a:rPr lang="ru-RU" sz="1400">
+                <a:latin typeface="Times New Roman"/>
+                <a:ea typeface="Times New Roman"/>
+                <a:cs typeface="Times New Roman"/>
+                <a:sym typeface="Times New Roman"/>
+              </a:rPr>
+              <a:t>Класс VE - сортировка подсчётом.</a:t>
+            </a:r>
+            <a:endParaRPr sz="1400">
+              <a:latin typeface="Times New Roman"/>
+              <a:ea typeface="Times New Roman"/>
+              <a:cs typeface="Times New Roman"/>
+              <a:sym typeface="Times New Roman"/>
+            </a:endParaRPr>
+          </a:p>
+          <a:p>
+            <a:pPr indent="0" lvl="0" marL="0" rtl="0" algn="l">
+              <a:spcBef>
+                <a:spcPts val="0"/>
+              </a:spcBef>
+              <a:spcAft>
+                <a:spcPts val="0"/>
+              </a:spcAft>
+              <a:buNone/>
+            </a:pPr>
+            <a:r>
               <a:t/>
             </a:r>
-            <a:endParaRPr b="1" sz="1000">
+            <a:endParaRPr sz="1400">
               <a:latin typeface="Times New Roman"/>
               <a:ea typeface="Times New Roman"/>
               <a:cs typeface="Times New Roman"/>
@@ -2192,7 +2828,7 @@
       </p:sp>
       <p:sp>
         <p:nvSpPr>
-          <p:cNvPr id="199" name="Google Shape;199;g2cf7adac231_1_10:notes"/>
+          <p:cNvPr id="198" name="Google Shape;198;g2cf7adac231_1_10:notes"/>
           <p:cNvSpPr txBox="1"/>
           <p:nvPr>
             <p:ph idx="12" type="sldNum"/>
@@ -2247,7 +2883,7 @@
   <p:cSld>
     <p:spTree>
       <p:nvGrpSpPr>
-        <p:cNvPr id="205" name="Shape 205"/>
+        <p:cNvPr id="204" name="Shape 204"/>
         <p:cNvGrpSpPr/>
         <p:nvPr/>
       </p:nvGrpSpPr>
@@ -2261,7 +2897,7 @@
       </p:grpSpPr>
       <p:sp>
         <p:nvSpPr>
-          <p:cNvPr id="206" name="Google Shape;206;g2cf7adac231_1_3:notes"/>
+          <p:cNvPr id="205" name="Google Shape;205;g2cf7adac231_1_3:notes"/>
           <p:cNvSpPr/>
           <p:nvPr>
             <p:ph idx="2" type="sldImg"/>
@@ -2306,7 +2942,7 @@
       </p:sp>
       <p:sp>
         <p:nvSpPr>
-          <p:cNvPr id="207" name="Google Shape;207;g2cf7adac231_1_3:notes"/>
+          <p:cNvPr id="206" name="Google Shape;206;g2cf7adac231_1_3:notes"/>
           <p:cNvSpPr txBox="1"/>
           <p:nvPr>
             <p:ph idx="1" type="body"/>
@@ -2341,9 +2977,117 @@
               <a:buNone/>
             </a:pPr>
             <a:r>
+              <a:rPr lang="ru-RU" sz="1400">
+                <a:latin typeface="Times New Roman"/>
+                <a:ea typeface="Times New Roman"/>
+                <a:cs typeface="Times New Roman"/>
+                <a:sym typeface="Times New Roman"/>
+              </a:rPr>
+              <a:t>Ре</a:t>
+            </a:r>
+            <a:r>
+              <a:rPr lang="ru-RU" sz="1400">
+                <a:latin typeface="Times New Roman"/>
+                <a:ea typeface="Times New Roman"/>
+                <a:cs typeface="Times New Roman"/>
+                <a:sym typeface="Times New Roman"/>
+              </a:rPr>
+              <a:t>зультат</a:t>
+            </a:r>
+            <a:r>
+              <a:rPr lang="ru-RU" sz="1400">
+                <a:latin typeface="Times New Roman"/>
+                <a:ea typeface="Times New Roman"/>
+                <a:cs typeface="Times New Roman"/>
+                <a:sym typeface="Times New Roman"/>
+              </a:rPr>
+              <a:t>ы</a:t>
+            </a:r>
+            <a:r>
+              <a:rPr lang="ru-RU" sz="1400">
+                <a:latin typeface="Times New Roman"/>
+                <a:ea typeface="Times New Roman"/>
+                <a:cs typeface="Times New Roman"/>
+                <a:sym typeface="Times New Roman"/>
+              </a:rPr>
+              <a:t> сравнительного анал</a:t>
+            </a:r>
+            <a:r>
+              <a:rPr lang="ru-RU" sz="1400">
+                <a:latin typeface="Times New Roman"/>
+                <a:ea typeface="Times New Roman"/>
+                <a:cs typeface="Times New Roman"/>
+                <a:sym typeface="Times New Roman"/>
+              </a:rPr>
+              <a:t>иза показали, что для алгоритмов, доп. память которых фиксирована или зависит от длины входа линейно или квадратично, реализованный менеджер памяти оказался до 6 раз менее эффективен, чем встроенный в язык Golang.</a:t>
+            </a:r>
+            <a:endParaRPr sz="1400">
+              <a:latin typeface="Times New Roman"/>
+              <a:ea typeface="Times New Roman"/>
+              <a:cs typeface="Times New Roman"/>
+              <a:sym typeface="Times New Roman"/>
+            </a:endParaRPr>
+          </a:p>
+          <a:p>
+            <a:pPr indent="0" lvl="0" marL="0" rtl="0" algn="l">
+              <a:spcBef>
+                <a:spcPts val="0"/>
+              </a:spcBef>
+              <a:spcAft>
+                <a:spcPts val="0"/>
+              </a:spcAft>
+              <a:buNone/>
+            </a:pPr>
+            <a:r>
               <a:t/>
             </a:r>
-            <a:endParaRPr b="1" sz="1000">
+            <a:endParaRPr sz="1400">
+              <a:latin typeface="Times New Roman"/>
+              <a:ea typeface="Times New Roman"/>
+              <a:cs typeface="Times New Roman"/>
+              <a:sym typeface="Times New Roman"/>
+            </a:endParaRPr>
+          </a:p>
+          <a:p>
+            <a:pPr indent="0" lvl="0" marL="0" rtl="0" algn="l">
+              <a:spcBef>
+                <a:spcPts val="0"/>
+              </a:spcBef>
+              <a:spcAft>
+                <a:spcPts val="0"/>
+              </a:spcAft>
+              <a:buNone/>
+            </a:pPr>
+            <a:r>
+              <a:rPr lang="ru-RU" sz="1400">
+                <a:latin typeface="Times New Roman"/>
+                <a:ea typeface="Times New Roman"/>
+                <a:cs typeface="Times New Roman"/>
+                <a:sym typeface="Times New Roman"/>
+              </a:rPr>
+              <a:t>Прошу обратить ваше внимание на то, что диаграммы представлены с логарифмической шкалой.</a:t>
+            </a:r>
+            <a:endParaRPr sz="1400">
+              <a:latin typeface="Times New Roman"/>
+              <a:ea typeface="Times New Roman"/>
+              <a:cs typeface="Times New Roman"/>
+              <a:sym typeface="Times New Roman"/>
+            </a:endParaRPr>
+          </a:p>
+          <a:p>
+            <a:pPr indent="0" lvl="0" marL="0" rtl="0" algn="l">
+              <a:spcBef>
+                <a:spcPts val="0"/>
+              </a:spcBef>
+              <a:spcAft>
+                <a:spcPts val="0"/>
+              </a:spcAft>
+              <a:buNone/>
+            </a:pPr>
+            <a:r>
+              <a:t/>
+            </a:r>
+            <a:endParaRPr sz="1400">
               <a:latin typeface="Times New Roman"/>
               <a:ea typeface="Times New Roman"/>
               <a:cs typeface="Times New Roman"/>
@@ -2354,7 +3098,7 @@
       </p:sp>
       <p:sp>
         <p:nvSpPr>
-          <p:cNvPr id="208" name="Google Shape;208;g2cf7adac231_1_3:notes"/>
+          <p:cNvPr id="207" name="Google Shape;207;g2cf7adac231_1_3:notes"/>
           <p:cNvSpPr txBox="1"/>
           <p:nvPr>
             <p:ph idx="12" type="sldNum"/>
@@ -2409,7 +3153,7 @@
   <p:cSld>
     <p:spTree>
       <p:nvGrpSpPr>
-        <p:cNvPr id="219" name="Shape 219"/>
+        <p:cNvPr id="218" name="Shape 218"/>
         <p:cNvGrpSpPr/>
         <p:nvPr/>
       </p:nvGrpSpPr>
@@ -2423,7 +3167,7 @@
       </p:grpSpPr>
       <p:sp>
         <p:nvSpPr>
-          <p:cNvPr id="220" name="Google Shape;220;g2d193afa9ba_0_0:notes"/>
+          <p:cNvPr id="219" name="Google Shape;219;g2d193afa9ba_0_0:notes"/>
           <p:cNvSpPr/>
           <p:nvPr>
             <p:ph idx="2" type="sldImg"/>
@@ -2468,7 +3212,7 @@
       </p:sp>
       <p:sp>
         <p:nvSpPr>
-          <p:cNvPr id="221" name="Google Shape;221;g2d193afa9ba_0_0:notes"/>
+          <p:cNvPr id="220" name="Google Shape;220;g2d193afa9ba_0_0:notes"/>
           <p:cNvSpPr txBox="1"/>
           <p:nvPr>
             <p:ph idx="1" type="body"/>
@@ -2500,12 +3244,109 @@
               <a:spcAft>
                 <a:spcPts val="0"/>
               </a:spcAft>
+              <a:buClr>
+                <a:schemeClr val="dk1"/>
+              </a:buClr>
+              <a:buFont typeface="Arial"/>
               <a:buNone/>
             </a:pPr>
             <a:r>
+              <a:rPr lang="ru-RU" sz="1400">
+                <a:latin typeface="Times New Roman"/>
+                <a:ea typeface="Times New Roman"/>
+                <a:cs typeface="Times New Roman"/>
+                <a:sym typeface="Times New Roman"/>
+              </a:rPr>
+              <a:t>Однако</a:t>
+            </a:r>
+            <a:r>
+              <a:rPr lang="ru-RU" sz="1400">
+                <a:latin typeface="Times New Roman"/>
+                <a:ea typeface="Times New Roman"/>
+                <a:cs typeface="Times New Roman"/>
+                <a:sym typeface="Times New Roman"/>
+              </a:rPr>
+              <a:t> для алгоритмов, доп. память которых зависит от длины входа полиномиально надквадратично и экспоненциально, реализованный менеджер памяти показал себя до 56% более эффективным, чем встроенный в язык Golang.</a:t>
+            </a:r>
+            <a:endParaRPr sz="1400">
+              <a:latin typeface="Times New Roman"/>
+              <a:ea typeface="Times New Roman"/>
+              <a:cs typeface="Times New Roman"/>
+              <a:sym typeface="Times New Roman"/>
+            </a:endParaRPr>
+          </a:p>
+          <a:p>
+            <a:pPr indent="0" lvl="0" marL="0" rtl="0" algn="l">
+              <a:spcBef>
+                <a:spcPts val="0"/>
+              </a:spcBef>
+              <a:spcAft>
+                <a:spcPts val="0"/>
+              </a:spcAft>
+              <a:buClr>
+                <a:schemeClr val="dk1"/>
+              </a:buClr>
+              <a:buFont typeface="Arial"/>
+              <a:buNone/>
+            </a:pPr>
+            <a:r>
               <a:t/>
             </a:r>
-            <a:endParaRPr b="1" sz="1000">
+            <a:endParaRPr sz="1400">
+              <a:latin typeface="Times New Roman"/>
+              <a:ea typeface="Times New Roman"/>
+              <a:cs typeface="Times New Roman"/>
+              <a:sym typeface="Times New Roman"/>
+            </a:endParaRPr>
+          </a:p>
+          <a:p>
+            <a:pPr indent="0" lvl="0" marL="0" rtl="0" algn="l">
+              <a:spcBef>
+                <a:spcPts val="0"/>
+              </a:spcBef>
+              <a:spcAft>
+                <a:spcPts val="0"/>
+              </a:spcAft>
+              <a:buClr>
+                <a:schemeClr val="dk1"/>
+              </a:buClr>
+              <a:buFont typeface="Arial"/>
+              <a:buNone/>
+            </a:pPr>
+            <a:r>
+              <a:rPr lang="ru-RU" sz="1400">
+                <a:latin typeface="Times New Roman"/>
+                <a:ea typeface="Times New Roman"/>
+                <a:cs typeface="Times New Roman"/>
+                <a:sym typeface="Times New Roman"/>
+              </a:rPr>
+              <a:t>Из опытных данных были получены значения для каждого класса, из которых можно сделать вывод о том, что реализованный метод полностью применим для задач класса VP и частично применим для задач класса VE, причём границей применимости является размерность задач 5*10^6.</a:t>
+            </a:r>
+            <a:endParaRPr sz="1400">
+              <a:latin typeface="Times New Roman"/>
+              <a:ea typeface="Times New Roman"/>
+              <a:cs typeface="Times New Roman"/>
+              <a:sym typeface="Times New Roman"/>
+            </a:endParaRPr>
+          </a:p>
+          <a:p>
+            <a:pPr indent="0" lvl="0" marL="0" rtl="0" algn="l">
+              <a:spcBef>
+                <a:spcPts val="0"/>
+              </a:spcBef>
+              <a:spcAft>
+                <a:spcPts val="0"/>
+              </a:spcAft>
+              <a:buClr>
+                <a:schemeClr val="dk1"/>
+              </a:buClr>
+              <a:buFont typeface="Arial"/>
+              <a:buNone/>
+            </a:pPr>
+            <a:r>
+              <a:t/>
+            </a:r>
+            <a:endParaRPr sz="1400">
               <a:latin typeface="Times New Roman"/>
               <a:ea typeface="Times New Roman"/>
               <a:cs typeface="Times New Roman"/>
@@ -2516,7 +3357,7 @@
       </p:sp>
       <p:sp>
         <p:nvSpPr>
-          <p:cNvPr id="222" name="Google Shape;222;g2d193afa9ba_0_0:notes"/>
+          <p:cNvPr id="221" name="Google Shape;221;g2d193afa9ba_0_0:notes"/>
           <p:cNvSpPr txBox="1"/>
           <p:nvPr>
             <p:ph idx="12" type="sldNum"/>
@@ -2571,7 +3412,7 @@
   <p:cSld>
     <p:spTree>
       <p:nvGrpSpPr>
-        <p:cNvPr id="232" name="Shape 232"/>
+        <p:cNvPr id="229" name="Shape 229"/>
         <p:cNvGrpSpPr/>
         <p:nvPr/>
       </p:nvGrpSpPr>
@@ -2585,7 +3426,7 @@
       </p:grpSpPr>
       <p:sp>
         <p:nvSpPr>
-          <p:cNvPr id="233" name="Google Shape;233;g24625ab792e_0_16:notes"/>
+          <p:cNvPr id="230" name="Google Shape;230;g24625ab792e_0_16:notes"/>
           <p:cNvSpPr/>
           <p:nvPr>
             <p:ph idx="2" type="sldImg"/>
@@ -2630,7 +3471,7 @@
       </p:sp>
       <p:sp>
         <p:nvSpPr>
-          <p:cNvPr id="234" name="Google Shape;234;g24625ab792e_0_16:notes"/>
+          <p:cNvPr id="231" name="Google Shape;231;g24625ab792e_0_16:notes"/>
           <p:cNvSpPr txBox="1"/>
           <p:nvPr>
             <p:ph idx="1" type="body"/>
@@ -2655,7 +3496,10 @@
           </a:bodyPr>
           <a:lstStyle/>
           <a:p>
-            <a:pPr indent="0" lvl="0" marL="0" rtl="0" algn="l">
+            <a:pPr indent="0" lvl="0" marL="0" rtl="0" algn="just">
+              <a:lnSpc>
+                <a:spcPct val="100000"/>
+              </a:lnSpc>
               <a:spcBef>
                 <a:spcPts val="0"/>
               </a:spcBef>
@@ -2665,9 +3509,47 @@
               <a:buNone/>
             </a:pPr>
             <a:r>
+              <a:rPr lang="ru-RU" sz="1400">
+                <a:latin typeface="Times New Roman"/>
+                <a:ea typeface="Times New Roman"/>
+                <a:cs typeface="Times New Roman"/>
+                <a:sym typeface="Times New Roman"/>
+              </a:rPr>
+              <a:t>Таким образом, ц</a:t>
+            </a:r>
+            <a:r>
+              <a:rPr lang="ru-RU" sz="1400">
+                <a:latin typeface="Times New Roman"/>
+                <a:ea typeface="Times New Roman"/>
+                <a:cs typeface="Times New Roman"/>
+                <a:sym typeface="Times New Roman"/>
+              </a:rPr>
+              <a:t>ель работы достигнута: был разработан и реализован метод автоматического управления памятью. Все поставленные задачи были выполнены.</a:t>
+            </a:r>
+            <a:endParaRPr sz="1400">
+              <a:latin typeface="Times New Roman"/>
+              <a:ea typeface="Times New Roman"/>
+              <a:cs typeface="Times New Roman"/>
+              <a:sym typeface="Times New Roman"/>
+            </a:endParaRPr>
+          </a:p>
+          <a:p>
+            <a:pPr indent="0" lvl="0" marL="0" rtl="0" algn="just">
+              <a:lnSpc>
+                <a:spcPct val="100000"/>
+              </a:lnSpc>
+              <a:spcBef>
+                <a:spcPts val="0"/>
+              </a:spcBef>
+              <a:spcAft>
+                <a:spcPts val="0"/>
+              </a:spcAft>
+              <a:buNone/>
+            </a:pPr>
+            <a:r>
               <a:t/>
             </a:r>
-            <a:endParaRPr b="1" sz="1000">
+            <a:endParaRPr sz="1400">
               <a:latin typeface="Times New Roman"/>
               <a:ea typeface="Times New Roman"/>
               <a:cs typeface="Times New Roman"/>
@@ -2678,7 +3560,7 @@
       </p:sp>
       <p:sp>
         <p:nvSpPr>
-          <p:cNvPr id="235" name="Google Shape;235;g24625ab792e_0_16:notes"/>
+          <p:cNvPr id="232" name="Google Shape;232;g24625ab792e_0_16:notes"/>
           <p:cNvSpPr txBox="1"/>
           <p:nvPr>
             <p:ph idx="12" type="sldNum"/>
@@ -2733,7 +3615,7 @@
   <p:cSld>
     <p:spTree>
       <p:nvGrpSpPr>
-        <p:cNvPr id="240" name="Shape 240"/>
+        <p:cNvPr id="237" name="Shape 237"/>
         <p:cNvGrpSpPr/>
         <p:nvPr/>
       </p:nvGrpSpPr>
@@ -2747,7 +3629,7 @@
       </p:grpSpPr>
       <p:sp>
         <p:nvSpPr>
-          <p:cNvPr id="241" name="Google Shape;241;g2ced2b81fbc_0_52:notes"/>
+          <p:cNvPr id="238" name="Google Shape;238;g2ced2b81fbc_0_52:notes"/>
           <p:cNvSpPr/>
           <p:nvPr>
             <p:ph idx="2" type="sldImg"/>
@@ -2792,7 +3674,7 @@
       </p:sp>
       <p:sp>
         <p:nvSpPr>
-          <p:cNvPr id="242" name="Google Shape;242;g2ced2b81fbc_0_52:notes"/>
+          <p:cNvPr id="239" name="Google Shape;239;g2ced2b81fbc_0_52:notes"/>
           <p:cNvSpPr txBox="1"/>
           <p:nvPr>
             <p:ph idx="1" type="body"/>
@@ -2827,9 +3709,44 @@
               <a:buNone/>
             </a:pPr>
             <a:r>
+              <a:rPr lang="ru-RU" sz="1400">
+                <a:latin typeface="Times New Roman"/>
+                <a:ea typeface="Times New Roman"/>
+                <a:cs typeface="Times New Roman"/>
+                <a:sym typeface="Times New Roman"/>
+              </a:rPr>
+              <a:t>В дальнейшем планируется исследовать стабильность разработанного менеджера памяти, фрагментацию кучи при его использовании, а также внедрять метод во встроенный сборщик мусора языка Golang.</a:t>
+            </a:r>
+            <a:r>
+              <a:rPr lang="ru-RU" sz="1400">
+                <a:latin typeface="Times New Roman"/>
+                <a:ea typeface="Times New Roman"/>
+                <a:cs typeface="Times New Roman"/>
+                <a:sym typeface="Times New Roman"/>
+              </a:rPr>
+              <a:t> Результаты работы поданы для участия в международной научной конференции «Математические методы в технике и технологиях ММТТ-37».</a:t>
+            </a:r>
+            <a:endParaRPr sz="1400">
+              <a:latin typeface="Times New Roman"/>
+              <a:ea typeface="Times New Roman"/>
+              <a:cs typeface="Times New Roman"/>
+              <a:sym typeface="Times New Roman"/>
+            </a:endParaRPr>
+          </a:p>
+          <a:p>
+            <a:pPr indent="0" lvl="0" marL="0" rtl="0" algn="l">
+              <a:spcBef>
+                <a:spcPts val="0"/>
+              </a:spcBef>
+              <a:spcAft>
+                <a:spcPts val="0"/>
+              </a:spcAft>
+              <a:buNone/>
+            </a:pPr>
+            <a:r>
               <a:t/>
             </a:r>
-            <a:endParaRPr b="1" sz="1000">
+            <a:endParaRPr sz="1400">
               <a:latin typeface="Times New Roman"/>
               <a:ea typeface="Times New Roman"/>
               <a:cs typeface="Times New Roman"/>
@@ -2840,7 +3757,7 @@
       </p:sp>
       <p:sp>
         <p:nvSpPr>
-          <p:cNvPr id="243" name="Google Shape;243;g2ced2b81fbc_0_52:notes"/>
+          <p:cNvPr id="240" name="Google Shape;240;g2ced2b81fbc_0_52:notes"/>
           <p:cNvSpPr txBox="1"/>
           <p:nvPr>
             <p:ph idx="12" type="sldNum"/>
@@ -2979,19 +3896,47 @@
           </a:bodyPr>
           <a:lstStyle/>
           <a:p>
-            <a:pPr indent="0" lvl="0" marL="0" rtl="0" algn="l">
-              <a:spcBef>
-                <a:spcPts val="0"/>
-              </a:spcBef>
-              <a:spcAft>
-                <a:spcPts val="0"/>
-              </a:spcAft>
+            <a:pPr indent="0" lvl="0" marL="0" rtl="0" algn="just">
+              <a:spcBef>
+                <a:spcPts val="0"/>
+              </a:spcBef>
+              <a:spcAft>
+                <a:spcPts val="0"/>
+              </a:spcAft>
+              <a:buSzPts val="2800"/>
               <a:buNone/>
             </a:pPr>
             <a:r>
+              <a:rPr lang="ru-RU" sz="1400">
+                <a:latin typeface="Times New Roman"/>
+                <a:ea typeface="Times New Roman"/>
+                <a:cs typeface="Times New Roman"/>
+                <a:sym typeface="Times New Roman"/>
+              </a:rPr>
+              <a:t>Целью моей работы является разработка данного метода. На слайде представлены задачи работы.</a:t>
+            </a:r>
+            <a:endParaRPr sz="1400">
+              <a:latin typeface="Times New Roman"/>
+              <a:ea typeface="Times New Roman"/>
+              <a:cs typeface="Times New Roman"/>
+              <a:sym typeface="Times New Roman"/>
+            </a:endParaRPr>
+          </a:p>
+          <a:p>
+            <a:pPr indent="0" lvl="0" marL="0" rtl="0" algn="just">
+              <a:spcBef>
+                <a:spcPts val="0"/>
+              </a:spcBef>
+              <a:spcAft>
+                <a:spcPts val="0"/>
+              </a:spcAft>
+              <a:buSzPts val="2800"/>
+              <a:buNone/>
+            </a:pPr>
+            <a:r>
               <a:t/>
             </a:r>
-            <a:endParaRPr b="1" sz="1000">
+            <a:endParaRPr sz="1400">
               <a:latin typeface="Times New Roman"/>
               <a:ea typeface="Times New Roman"/>
               <a:cs typeface="Times New Roman"/>
@@ -3148,12 +4093,133 @@
               <a:spcAft>
                 <a:spcPts val="0"/>
               </a:spcAft>
+              <a:buClr>
+                <a:schemeClr val="dk1"/>
+              </a:buClr>
+              <a:buSzPts val="1100"/>
+              <a:buFont typeface="Arial"/>
               <a:buNone/>
             </a:pPr>
             <a:r>
+              <a:rPr lang="ru-RU" sz="1400">
+                <a:latin typeface="Times New Roman"/>
+                <a:ea typeface="Times New Roman"/>
+                <a:cs typeface="Times New Roman"/>
+                <a:sym typeface="Times New Roman"/>
+              </a:rPr>
+              <a:t>Управление памятью вычислительной системы выполняется на трёх уровнях.</a:t>
+            </a:r>
+            <a:endParaRPr sz="1400">
+              <a:latin typeface="Times New Roman"/>
+              <a:ea typeface="Times New Roman"/>
+              <a:cs typeface="Times New Roman"/>
+              <a:sym typeface="Times New Roman"/>
+            </a:endParaRPr>
+          </a:p>
+          <a:p>
+            <a:pPr indent="0" lvl="0" marL="0" rtl="0" algn="l">
+              <a:spcBef>
+                <a:spcPts val="0"/>
+              </a:spcBef>
+              <a:spcAft>
+                <a:spcPts val="0"/>
+              </a:spcAft>
+              <a:buClr>
+                <a:schemeClr val="dk1"/>
+              </a:buClr>
+              <a:buSzPts val="1100"/>
+              <a:buFont typeface="Arial"/>
+              <a:buNone/>
+            </a:pPr>
+            <a:r>
+              <a:rPr lang="ru-RU" sz="1400">
+                <a:latin typeface="Times New Roman"/>
+                <a:ea typeface="Times New Roman"/>
+                <a:cs typeface="Times New Roman"/>
+                <a:sym typeface="Times New Roman"/>
+              </a:rPr>
+              <a:t>1. На аппаратном уровне, который определяет среду хранения данных и способы осуществления доступа к ним.</a:t>
+            </a:r>
+            <a:endParaRPr sz="1400">
+              <a:latin typeface="Times New Roman"/>
+              <a:ea typeface="Times New Roman"/>
+              <a:cs typeface="Times New Roman"/>
+              <a:sym typeface="Times New Roman"/>
+            </a:endParaRPr>
+          </a:p>
+          <a:p>
+            <a:pPr indent="0" lvl="0" marL="0" rtl="0" algn="l">
+              <a:spcBef>
+                <a:spcPts val="0"/>
+              </a:spcBef>
+              <a:spcAft>
+                <a:spcPts val="0"/>
+              </a:spcAft>
+              <a:buClr>
+                <a:schemeClr val="dk1"/>
+              </a:buClr>
+              <a:buSzPts val="1100"/>
+              <a:buFont typeface="Arial"/>
+              <a:buNone/>
+            </a:pPr>
+            <a:r>
+              <a:rPr lang="ru-RU" sz="1400">
+                <a:latin typeface="Times New Roman"/>
+                <a:ea typeface="Times New Roman"/>
+                <a:cs typeface="Times New Roman"/>
+                <a:sym typeface="Times New Roman"/>
+              </a:rPr>
+              <a:t>2. На уровне операционной системы, которая управляет виртуальными адресными пространствами процессов.</a:t>
+            </a:r>
+            <a:endParaRPr sz="1400">
+              <a:latin typeface="Times New Roman"/>
+              <a:ea typeface="Times New Roman"/>
+              <a:cs typeface="Times New Roman"/>
+              <a:sym typeface="Times New Roman"/>
+            </a:endParaRPr>
+          </a:p>
+          <a:p>
+            <a:pPr indent="0" lvl="0" marL="0" rtl="0" algn="l">
+              <a:spcBef>
+                <a:spcPts val="0"/>
+              </a:spcBef>
+              <a:spcAft>
+                <a:spcPts val="0"/>
+              </a:spcAft>
+              <a:buSzPts val="1100"/>
+              <a:buNone/>
+            </a:pPr>
+            <a:r>
+              <a:rPr lang="ru-RU" sz="1400">
+                <a:latin typeface="Times New Roman"/>
+                <a:ea typeface="Times New Roman"/>
+                <a:cs typeface="Times New Roman"/>
+                <a:sym typeface="Times New Roman"/>
+              </a:rPr>
+              <a:t>3. На уровне приложений, среды выполнения которых могут реализовывать собственные функции по выделению и переработке памяти.</a:t>
+            </a:r>
+            <a:endParaRPr sz="1400">
+              <a:latin typeface="Times New Roman"/>
+              <a:ea typeface="Times New Roman"/>
+              <a:cs typeface="Times New Roman"/>
+              <a:sym typeface="Times New Roman"/>
+            </a:endParaRPr>
+          </a:p>
+          <a:p>
+            <a:pPr indent="0" lvl="0" marL="0" rtl="0" algn="l">
+              <a:spcBef>
+                <a:spcPts val="0"/>
+              </a:spcBef>
+              <a:spcAft>
+                <a:spcPts val="0"/>
+              </a:spcAft>
+              <a:buSzPts val="1100"/>
+              <a:buNone/>
+            </a:pPr>
+            <a:r>
               <a:t/>
             </a:r>
-            <a:endParaRPr b="1" sz="1000">
+            <a:endParaRPr sz="1400">
               <a:latin typeface="Times New Roman"/>
               <a:ea typeface="Times New Roman"/>
               <a:cs typeface="Times New Roman"/>
@@ -3310,6 +4376,37 @@
               <a:spcAft>
                 <a:spcPts val="0"/>
               </a:spcAft>
+              <a:buClr>
+                <a:schemeClr val="dk1"/>
+              </a:buClr>
+              <a:buSzPts val="1100"/>
+              <a:buFont typeface="Arial"/>
+              <a:buNone/>
+            </a:pPr>
+            <a:r>
+              <a:rPr lang="ru-RU" sz="1400">
+                <a:latin typeface="Times New Roman"/>
+                <a:ea typeface="Times New Roman"/>
+                <a:cs typeface="Times New Roman"/>
+                <a:sym typeface="Times New Roman"/>
+              </a:rPr>
+              <a:t>Существует два способа управления памятью на уровне приложений — ручное и автоматическое. При ручном управлении памятью программист должен следить за освобождением выделенной памяти, что приводит к возможности возникновения ошибок. Автоматическое управление памятью избавляет программиста от необходимости вручную освобождать выделенную память, устраняя тем самым целый класс возможных ошибок и увеличивая безопасность разрабатываемых программ.</a:t>
+            </a:r>
+            <a:endParaRPr sz="1400">
+              <a:latin typeface="Times New Roman"/>
+              <a:ea typeface="Times New Roman"/>
+              <a:cs typeface="Times New Roman"/>
+              <a:sym typeface="Times New Roman"/>
+            </a:endParaRPr>
+          </a:p>
+          <a:p>
+            <a:pPr indent="0" lvl="0" marL="0" rtl="0" algn="l">
+              <a:spcBef>
+                <a:spcPts val="0"/>
+              </a:spcBef>
+              <a:spcAft>
+                <a:spcPts val="0"/>
+              </a:spcAft>
               <a:buNone/>
             </a:pPr>
             <a:r>
@@ -3472,12 +4569,37 @@
               <a:spcAft>
                 <a:spcPts val="0"/>
               </a:spcAft>
+              <a:buSzPts val="1100"/>
               <a:buNone/>
             </a:pPr>
             <a:r>
-              <a:t/>
-            </a:r>
-            <a:endParaRPr b="1" sz="1000">
+              <a:rPr lang="ru-RU" sz="1400">
+                <a:latin typeface="Times New Roman"/>
+                <a:ea typeface="Times New Roman"/>
+                <a:cs typeface="Times New Roman"/>
+                <a:sym typeface="Times New Roman"/>
+              </a:rPr>
+              <a:t>Автоматическая переработка динамически выделяемой памяти (или сборка мусора) реализуется либо с использованием трассирующего сборщика мусора, как правило работающего по алгоритму mark-sweep или mark-compact, </a:t>
+            </a:r>
+            <a:r>
+              <a:rPr lang="ru-RU" sz="1400">
+                <a:latin typeface="Times New Roman"/>
+                <a:ea typeface="Times New Roman"/>
+                <a:cs typeface="Times New Roman"/>
+                <a:sym typeface="Times New Roman"/>
+              </a:rPr>
+              <a:t>либо методом подсчёта ссылок, который может быть реализован вне среды выполнения языка и позволяет устранить зависимость накладных расходов на работу с памятью от объема хранимых данных</a:t>
+            </a:r>
+            <a:r>
+              <a:rPr lang="ru-RU" sz="1400">
+                <a:latin typeface="Times New Roman"/>
+                <a:ea typeface="Times New Roman"/>
+                <a:cs typeface="Times New Roman"/>
+                <a:sym typeface="Times New Roman"/>
+              </a:rPr>
+              <a:t>.</a:t>
+            </a:r>
+            <a:endParaRPr sz="1400">
               <a:latin typeface="Times New Roman"/>
               <a:ea typeface="Times New Roman"/>
               <a:cs typeface="Times New Roman"/>
@@ -3634,13 +4756,373 @@
               <a:spcAft>
                 <a:spcPts val="0"/>
               </a:spcAft>
+              <a:buClr>
+                <a:schemeClr val="dk1"/>
+              </a:buClr>
               <a:buSzPts val="1100"/>
+              <a:buFont typeface="Arial"/>
               <a:buNone/>
             </a:pPr>
             <a:r>
+              <a:rPr lang="ru-RU" sz="1400">
+                <a:latin typeface="Times New Roman"/>
+                <a:ea typeface="Times New Roman"/>
+                <a:cs typeface="Times New Roman"/>
+                <a:sym typeface="Times New Roman"/>
+              </a:rPr>
+              <a:t>Анализ существующих решений в области автоматического управления памятью показал, что менеджеры памяти каждого из языков программирования обладают различными недостатками, среди которых однопоточная или неконкурентная сборка мусора, необходимость остановки потоков мутатора для её выполнения, а также отсутствие разделения объектов на поколения.</a:t>
+            </a:r>
+            <a:endParaRPr sz="1400">
+              <a:latin typeface="Times New Roman"/>
+              <a:ea typeface="Times New Roman"/>
+              <a:cs typeface="Times New Roman"/>
+              <a:sym typeface="Times New Roman"/>
+            </a:endParaRPr>
+          </a:p>
+          <a:p>
+            <a:pPr indent="0" lvl="0" marL="0" rtl="0" algn="l">
+              <a:spcBef>
+                <a:spcPts val="0"/>
+              </a:spcBef>
+              <a:spcAft>
+                <a:spcPts val="0"/>
+              </a:spcAft>
+              <a:buClr>
+                <a:schemeClr val="dk1"/>
+              </a:buClr>
+              <a:buSzPts val="1100"/>
+              <a:buFont typeface="Arial"/>
+              <a:buNone/>
+            </a:pPr>
+            <a:r>
               <a:t/>
             </a:r>
-            <a:endParaRPr/>
+            <a:endParaRPr sz="1400">
+              <a:latin typeface="Times New Roman"/>
+              <a:ea typeface="Times New Roman"/>
+              <a:cs typeface="Times New Roman"/>
+              <a:sym typeface="Times New Roman"/>
+            </a:endParaRPr>
+          </a:p>
+          <a:p>
+            <a:pPr indent="0" lvl="0" marL="0" rtl="0" algn="l">
+              <a:spcBef>
+                <a:spcPts val="0"/>
+              </a:spcBef>
+              <a:spcAft>
+                <a:spcPts val="0"/>
+              </a:spcAft>
+              <a:buClr>
+                <a:schemeClr val="dk1"/>
+              </a:buClr>
+              <a:buSzPts val="1100"/>
+              <a:buFont typeface="Arial"/>
+              <a:buNone/>
+            </a:pPr>
+            <a:r>
+              <a:rPr lang="ru-RU" sz="1400">
+                <a:latin typeface="Times New Roman"/>
+                <a:ea typeface="Times New Roman"/>
+                <a:cs typeface="Times New Roman"/>
+                <a:sym typeface="Times New Roman"/>
+              </a:rPr>
+              <a:t>При этом среди рассмотренных только </a:t>
+            </a:r>
+            <a:r>
+              <a:rPr lang="ru-RU" sz="1400">
+                <a:latin typeface="Times New Roman"/>
+                <a:ea typeface="Times New Roman"/>
+                <a:cs typeface="Times New Roman"/>
+                <a:sym typeface="Times New Roman"/>
+              </a:rPr>
+              <a:t>язык Golang позволяет встраивать собственные менеджеры памяти без модификации среды выполнения языка. </a:t>
+            </a:r>
+            <a:r>
+              <a:rPr lang="ru-RU" sz="1400">
+                <a:latin typeface="Times New Roman"/>
+                <a:ea typeface="Times New Roman"/>
+                <a:cs typeface="Times New Roman"/>
+                <a:sym typeface="Times New Roman"/>
+              </a:rPr>
+              <a:t>Поэтому разрабатываемый метод должен быть ориентирован на устранение недостатков менеджера памяти языка Golang, так как именно он </a:t>
+            </a:r>
+            <a:r>
+              <a:rPr lang="ru-RU" sz="1400">
+                <a:latin typeface="Times New Roman"/>
+                <a:ea typeface="Times New Roman"/>
+                <a:cs typeface="Times New Roman"/>
+                <a:sym typeface="Times New Roman"/>
+              </a:rPr>
+              <a:t>позволяет проверить мою гипотезу</a:t>
+            </a:r>
+            <a:r>
+              <a:rPr lang="ru-RU" sz="1400">
+                <a:latin typeface="Times New Roman"/>
+                <a:ea typeface="Times New Roman"/>
+                <a:cs typeface="Times New Roman"/>
+                <a:sym typeface="Times New Roman"/>
+              </a:rPr>
+              <a:t> (показать пальцем на “</a:t>
+            </a:r>
+            <a:r>
+              <a:rPr b="1" lang="ru-RU" sz="1400">
+                <a:latin typeface="Times New Roman"/>
+                <a:ea typeface="Times New Roman"/>
+                <a:cs typeface="Times New Roman"/>
+                <a:sym typeface="Times New Roman"/>
+              </a:rPr>
+              <a:t>-</a:t>
+            </a:r>
+            <a:r>
+              <a:rPr lang="ru-RU" sz="1400">
+                <a:latin typeface="Times New Roman"/>
+                <a:ea typeface="Times New Roman"/>
+                <a:cs typeface="Times New Roman"/>
+                <a:sym typeface="Times New Roman"/>
+              </a:rPr>
+              <a:t>” и “</a:t>
+            </a:r>
+            <a:r>
+              <a:rPr b="1" lang="ru-RU" sz="1400">
+                <a:latin typeface="Times New Roman"/>
+                <a:ea typeface="Times New Roman"/>
+                <a:cs typeface="Times New Roman"/>
+                <a:sym typeface="Times New Roman"/>
+              </a:rPr>
+              <a:t>2</a:t>
+            </a:r>
+            <a:r>
+              <a:rPr lang="ru-RU" sz="1400">
+                <a:latin typeface="Times New Roman"/>
+                <a:ea typeface="Times New Roman"/>
+                <a:cs typeface="Times New Roman"/>
+                <a:sym typeface="Times New Roman"/>
+              </a:rPr>
+              <a:t>”).</a:t>
+            </a:r>
+            <a:endParaRPr sz="1400">
+              <a:latin typeface="Times New Roman"/>
+              <a:ea typeface="Times New Roman"/>
+              <a:cs typeface="Times New Roman"/>
+              <a:sym typeface="Times New Roman"/>
+            </a:endParaRPr>
+          </a:p>
+          <a:p>
+            <a:pPr indent="0" lvl="0" marL="0" rtl="0" algn="l">
+              <a:spcBef>
+                <a:spcPts val="0"/>
+              </a:spcBef>
+              <a:spcAft>
+                <a:spcPts val="0"/>
+              </a:spcAft>
+              <a:buClr>
+                <a:schemeClr val="dk1"/>
+              </a:buClr>
+              <a:buSzPts val="1100"/>
+              <a:buFont typeface="Arial"/>
+              <a:buNone/>
+            </a:pPr>
+            <a:r>
+              <a:t/>
+            </a:r>
+            <a:endParaRPr sz="1400">
+              <a:latin typeface="Times New Roman"/>
+              <a:ea typeface="Times New Roman"/>
+              <a:cs typeface="Times New Roman"/>
+              <a:sym typeface="Times New Roman"/>
+            </a:endParaRPr>
+          </a:p>
+          <a:p>
+            <a:pPr indent="0" lvl="0" marL="0" rtl="0" algn="l">
+              <a:spcBef>
+                <a:spcPts val="0"/>
+              </a:spcBef>
+              <a:spcAft>
+                <a:spcPts val="0"/>
+              </a:spcAft>
+              <a:buClr>
+                <a:schemeClr val="dk1"/>
+              </a:buClr>
+              <a:buSzPts val="1100"/>
+              <a:buFont typeface="Arial"/>
+              <a:buNone/>
+            </a:pPr>
+            <a:r>
+              <a:t/>
+            </a:r>
+            <a:endParaRPr sz="1400">
+              <a:latin typeface="Times New Roman"/>
+              <a:ea typeface="Times New Roman"/>
+              <a:cs typeface="Times New Roman"/>
+              <a:sym typeface="Times New Roman"/>
+            </a:endParaRPr>
+          </a:p>
+          <a:p>
+            <a:pPr indent="0" lvl="0" marL="0" rtl="0" algn="l">
+              <a:spcBef>
+                <a:spcPts val="0"/>
+              </a:spcBef>
+              <a:spcAft>
+                <a:spcPts val="0"/>
+              </a:spcAft>
+              <a:buClr>
+                <a:schemeClr val="dk1"/>
+              </a:buClr>
+              <a:buSzPts val="1100"/>
+              <a:buFont typeface="Arial"/>
+              <a:buNone/>
+            </a:pPr>
+            <a:r>
+              <a:t/>
+            </a:r>
+            <a:endParaRPr sz="1400">
+              <a:latin typeface="Times New Roman"/>
+              <a:ea typeface="Times New Roman"/>
+              <a:cs typeface="Times New Roman"/>
+              <a:sym typeface="Times New Roman"/>
+            </a:endParaRPr>
+          </a:p>
+          <a:p>
+            <a:pPr indent="0" lvl="0" marL="0" rtl="0" algn="l">
+              <a:spcBef>
+                <a:spcPts val="0"/>
+              </a:spcBef>
+              <a:spcAft>
+                <a:spcPts val="0"/>
+              </a:spcAft>
+              <a:buClr>
+                <a:schemeClr val="dk1"/>
+              </a:buClr>
+              <a:buSzPts val="1100"/>
+              <a:buFont typeface="Arial"/>
+              <a:buNone/>
+            </a:pPr>
+            <a:r>
+              <a:rPr lang="ru-RU" sz="1400">
+                <a:latin typeface="Times New Roman"/>
+                <a:ea typeface="Times New Roman"/>
+                <a:cs typeface="Times New Roman"/>
+                <a:sym typeface="Times New Roman"/>
+              </a:rPr>
+              <a:t>Я выбрал Golang, потому что он предоставляет возможность встраивания модификаций, то есть позволяет проверить мою гипотезу (о том, что в некоторых клеточках Golalng можно сделать лучше за счёт применения новых качеств методов распределения памяти)</a:t>
+            </a:r>
+            <a:endParaRPr sz="1400">
+              <a:latin typeface="Times New Roman"/>
+              <a:ea typeface="Times New Roman"/>
+              <a:cs typeface="Times New Roman"/>
+              <a:sym typeface="Times New Roman"/>
+            </a:endParaRPr>
+          </a:p>
+          <a:p>
+            <a:pPr indent="0" lvl="0" marL="0" rtl="0" algn="l">
+              <a:spcBef>
+                <a:spcPts val="0"/>
+              </a:spcBef>
+              <a:spcAft>
+                <a:spcPts val="0"/>
+              </a:spcAft>
+              <a:buSzPts val="1100"/>
+              <a:buNone/>
+            </a:pPr>
+            <a:r>
+              <a:t/>
+            </a:r>
+            <a:endParaRPr sz="1400">
+              <a:latin typeface="Times New Roman"/>
+              <a:ea typeface="Times New Roman"/>
+              <a:cs typeface="Times New Roman"/>
+              <a:sym typeface="Times New Roman"/>
+            </a:endParaRPr>
+          </a:p>
+          <a:p>
+            <a:pPr indent="0" lvl="0" marL="0" rtl="0" algn="l">
+              <a:spcBef>
+                <a:spcPts val="0"/>
+              </a:spcBef>
+              <a:spcAft>
+                <a:spcPts val="0"/>
+              </a:spcAft>
+              <a:buSzPts val="1100"/>
+              <a:buNone/>
+            </a:pPr>
+            <a:r>
+              <a:t/>
+            </a:r>
+            <a:endParaRPr sz="1400">
+              <a:latin typeface="Times New Roman"/>
+              <a:ea typeface="Times New Roman"/>
+              <a:cs typeface="Times New Roman"/>
+              <a:sym typeface="Times New Roman"/>
+            </a:endParaRPr>
+          </a:p>
+          <a:p>
+            <a:pPr indent="0" lvl="0" marL="0" rtl="0" algn="l">
+              <a:spcBef>
+                <a:spcPts val="0"/>
+              </a:spcBef>
+              <a:spcAft>
+                <a:spcPts val="0"/>
+              </a:spcAft>
+              <a:buSzPts val="1100"/>
+              <a:buNone/>
+            </a:pPr>
+            <a:r>
+              <a:t/>
+            </a:r>
+            <a:endParaRPr sz="1400">
+              <a:latin typeface="Times New Roman"/>
+              <a:ea typeface="Times New Roman"/>
+              <a:cs typeface="Times New Roman"/>
+              <a:sym typeface="Times New Roman"/>
+            </a:endParaRPr>
+          </a:p>
+          <a:p>
+            <a:pPr indent="0" lvl="0" marL="0" rtl="0" algn="l">
+              <a:spcBef>
+                <a:spcPts val="0"/>
+              </a:spcBef>
+              <a:spcAft>
+                <a:spcPts val="0"/>
+              </a:spcAft>
+              <a:buSzPts val="1100"/>
+              <a:buNone/>
+            </a:pPr>
+            <a:r>
+              <a:rPr lang="ru-RU" sz="1400">
+                <a:latin typeface="Times New Roman"/>
+                <a:ea typeface="Times New Roman"/>
+                <a:cs typeface="Times New Roman"/>
+                <a:sym typeface="Times New Roman"/>
+              </a:rPr>
+              <a:t>Среди рассмотренных компилируемых языков программирования наиболее универсальным и масштабируемым можно считать менеджер памяти языка Java за счёт предоставления пользователю возможности выбора сборщика мусора для выполнения каждой программы, а также оптимизации времени пауз на сборку мусора.</a:t>
+            </a:r>
+            <a:endParaRPr sz="1400">
+              <a:latin typeface="Times New Roman"/>
+              <a:ea typeface="Times New Roman"/>
+              <a:cs typeface="Times New Roman"/>
+              <a:sym typeface="Times New Roman"/>
+            </a:endParaRPr>
+          </a:p>
+          <a:p>
+            <a:pPr indent="0" lvl="0" marL="0" rtl="0" algn="l">
+              <a:spcBef>
+                <a:spcPts val="0"/>
+              </a:spcBef>
+              <a:spcAft>
+                <a:spcPts val="0"/>
+              </a:spcAft>
+              <a:buSzPts val="1100"/>
+              <a:buNone/>
+            </a:pPr>
+            <a:r>
+              <a:t/>
+            </a:r>
+            <a:endParaRPr sz="1400">
+              <a:latin typeface="Times New Roman"/>
+              <a:ea typeface="Times New Roman"/>
+              <a:cs typeface="Times New Roman"/>
+              <a:sym typeface="Times New Roman"/>
+            </a:endParaRPr>
           </a:p>
         </p:txBody>
       </p:sp>
@@ -3715,7 +5197,7 @@
       </p:grpSpPr>
       <p:sp>
         <p:nvSpPr>
-          <p:cNvPr id="145" name="Google Shape;145;g2ced2b81fbc_0_5:notes"/>
+          <p:cNvPr id="145" name="Google Shape;145;g2de8b21e9a4_0_21:notes"/>
           <p:cNvSpPr/>
           <p:nvPr>
             <p:ph idx="2" type="sldImg"/>
@@ -3760,7 +5242,7 @@
       </p:sp>
       <p:sp>
         <p:nvSpPr>
-          <p:cNvPr id="146" name="Google Shape;146;g2ced2b81fbc_0_5:notes"/>
+          <p:cNvPr id="146" name="Google Shape;146;g2de8b21e9a4_0_21:notes"/>
           <p:cNvSpPr txBox="1"/>
           <p:nvPr>
             <p:ph idx="1" type="body"/>
@@ -3795,9 +5277,72 @@
               <a:buNone/>
             </a:pPr>
             <a:r>
-              <a:t/>
-            </a:r>
-            <a:endParaRPr b="1" sz="1000">
+              <a:rPr lang="ru-RU" sz="1400">
+                <a:latin typeface="Times New Roman"/>
+                <a:ea typeface="Times New Roman"/>
+                <a:cs typeface="Times New Roman"/>
+                <a:sym typeface="Times New Roman"/>
+              </a:rPr>
+              <a:t>Структура разрабатываемого метода включает в себя 3 базовых этапа: выделение объектов, их разметка и очистка от “мусорных” объектов.</a:t>
+            </a:r>
+            <a:endParaRPr sz="1400">
+              <a:latin typeface="Times New Roman"/>
+              <a:ea typeface="Times New Roman"/>
+              <a:cs typeface="Times New Roman"/>
+              <a:sym typeface="Times New Roman"/>
+            </a:endParaRPr>
+          </a:p>
+          <a:p>
+            <a:pPr indent="0" lvl="0" marL="0" rtl="0" algn="l">
+              <a:spcBef>
+                <a:spcPts val="0"/>
+              </a:spcBef>
+              <a:spcAft>
+                <a:spcPts val="0"/>
+              </a:spcAft>
+              <a:buNone/>
+            </a:pPr>
+            <a:r>
+              <a:rPr lang="ru-RU" sz="1400">
+                <a:latin typeface="Times New Roman"/>
+                <a:ea typeface="Times New Roman"/>
+                <a:cs typeface="Times New Roman"/>
+                <a:sym typeface="Times New Roman"/>
+              </a:rPr>
+              <a:t>или</a:t>
+            </a:r>
+            <a:endParaRPr sz="1400">
+              <a:latin typeface="Times New Roman"/>
+              <a:ea typeface="Times New Roman"/>
+              <a:cs typeface="Times New Roman"/>
+              <a:sym typeface="Times New Roman"/>
+            </a:endParaRPr>
+          </a:p>
+          <a:p>
+            <a:pPr indent="0" lvl="0" marL="0" rtl="0" algn="l">
+              <a:spcBef>
+                <a:spcPts val="0"/>
+              </a:spcBef>
+              <a:spcAft>
+                <a:spcPts val="0"/>
+              </a:spcAft>
+              <a:buClr>
+                <a:schemeClr val="dk1"/>
+              </a:buClr>
+              <a:buSzPts val="1100"/>
+              <a:buFont typeface="Arial"/>
+              <a:buNone/>
+            </a:pPr>
+            <a:r>
+              <a:rPr lang="ru-RU" sz="1400">
+                <a:latin typeface="Times New Roman"/>
+                <a:ea typeface="Times New Roman"/>
+                <a:cs typeface="Times New Roman"/>
+                <a:sym typeface="Times New Roman"/>
+              </a:rPr>
+              <a:t>Структура разрабатываемого метода представлена на детализированной диаграмме IDEF0.</a:t>
+            </a:r>
+            <a:endParaRPr sz="1400">
               <a:latin typeface="Times New Roman"/>
               <a:ea typeface="Times New Roman"/>
               <a:cs typeface="Times New Roman"/>
@@ -3808,7 +5353,7 @@
       </p:sp>
       <p:sp>
         <p:nvSpPr>
-          <p:cNvPr id="147" name="Google Shape;147;g2ced2b81fbc_0_5:notes"/>
+          <p:cNvPr id="147" name="Google Shape;147;g2de8b21e9a4_0_21:notes"/>
           <p:cNvSpPr txBox="1"/>
           <p:nvPr>
             <p:ph idx="12" type="sldNum"/>
@@ -3954,12 +5499,55 @@
               <a:spcAft>
                 <a:spcPts val="0"/>
               </a:spcAft>
+              <a:buSzPts val="1100"/>
               <a:buNone/>
             </a:pPr>
             <a:r>
-              <a:t/>
-            </a:r>
-            <a:endParaRPr b="1" sz="1000">
+              <a:rPr lang="ru-RU" sz="1400">
+                <a:latin typeface="Times New Roman"/>
+                <a:ea typeface="Times New Roman"/>
+                <a:cs typeface="Times New Roman"/>
+                <a:sym typeface="Times New Roman"/>
+              </a:rPr>
+              <a:t>Представленный алгоритм </a:t>
+            </a:r>
+            <a:r>
+              <a:rPr lang="ru-RU" sz="1400">
+                <a:latin typeface="Times New Roman"/>
+                <a:ea typeface="Times New Roman"/>
+                <a:cs typeface="Times New Roman"/>
+                <a:sym typeface="Times New Roman"/>
+              </a:rPr>
+              <a:t>предназначен</a:t>
+            </a:r>
+            <a:r>
+              <a:rPr lang="ru-RU" sz="1400">
+                <a:latin typeface="Times New Roman"/>
+                <a:ea typeface="Times New Roman"/>
+                <a:cs typeface="Times New Roman"/>
+                <a:sym typeface="Times New Roman"/>
+              </a:rPr>
+              <a:t> для выделения объекта на арене памяти и должен возвращать его геттер и финализатор.</a:t>
+            </a:r>
+            <a:r>
+              <a:rPr lang="ru-RU" sz="1400">
+                <a:latin typeface="Times New Roman"/>
+                <a:ea typeface="Times New Roman"/>
+                <a:cs typeface="Times New Roman"/>
+                <a:sym typeface="Times New Roman"/>
+              </a:rPr>
+              <a:t> </a:t>
+            </a:r>
+            <a:r>
+              <a:rPr lang="ru-RU" sz="1400">
+                <a:latin typeface="Times New Roman"/>
+                <a:ea typeface="Times New Roman"/>
+                <a:cs typeface="Times New Roman"/>
+                <a:sym typeface="Times New Roman"/>
+              </a:rPr>
+              <a:t>Предполагается, что геттер объекта будет использоваться основной программой как ссылка на него и будет являться барьером между основной программой и менеджером памяти, предотвращающим гонки данных между ними.</a:t>
+            </a:r>
+            <a:endParaRPr sz="1400">
               <a:latin typeface="Times New Roman"/>
               <a:ea typeface="Times New Roman"/>
               <a:cs typeface="Times New Roman"/>
@@ -4025,7 +5613,7 @@
   <p:cSld>
     <p:spTree>
       <p:nvGrpSpPr>
-        <p:cNvPr id="160" name="Shape 160"/>
+        <p:cNvPr id="161" name="Shape 161"/>
         <p:cNvGrpSpPr/>
         <p:nvPr/>
       </p:nvGrpSpPr>
@@ -4039,7 +5627,7 @@
       </p:grpSpPr>
       <p:sp>
         <p:nvSpPr>
-          <p:cNvPr id="161" name="Google Shape;161;g2ced2b81fbc_0_45:notes"/>
+          <p:cNvPr id="162" name="Google Shape;162;g2ced2b81fbc_0_45:notes"/>
           <p:cNvSpPr/>
           <p:nvPr>
             <p:ph idx="2" type="sldImg"/>
@@ -4084,7 +5672,7 @@
       </p:sp>
       <p:sp>
         <p:nvSpPr>
-          <p:cNvPr id="162" name="Google Shape;162;g2ced2b81fbc_0_45:notes"/>
+          <p:cNvPr id="163" name="Google Shape;163;g2ced2b81fbc_0_45:notes"/>
           <p:cNvSpPr txBox="1"/>
           <p:nvPr>
             <p:ph idx="1" type="body"/>
@@ -4116,12 +5704,43 @@
               <a:spcAft>
                 <a:spcPts val="0"/>
               </a:spcAft>
+              <a:buClr>
+                <a:schemeClr val="dk1"/>
+              </a:buClr>
+              <a:buSzPts val="1100"/>
+              <a:buFont typeface="Arial"/>
               <a:buNone/>
             </a:pPr>
             <a:r>
+              <a:rPr lang="ru-RU" sz="1400">
+                <a:latin typeface="Times New Roman"/>
+                <a:ea typeface="Times New Roman"/>
+                <a:cs typeface="Times New Roman"/>
+                <a:sym typeface="Times New Roman"/>
+              </a:rPr>
+              <a:t>Следующий алгоритм предназначен для заполнения полей дескриптора объекта, а также для определения, следует ли анализировать его ссылки на другие объекты и участвует ли он в цикле ссылок.</a:t>
+            </a:r>
+            <a:endParaRPr sz="1400">
+              <a:latin typeface="Times New Roman"/>
+              <a:ea typeface="Times New Roman"/>
+              <a:cs typeface="Times New Roman"/>
+              <a:sym typeface="Times New Roman"/>
+            </a:endParaRPr>
+          </a:p>
+          <a:p>
+            <a:pPr indent="0" lvl="0" marL="0" rtl="0" algn="l">
+              <a:spcBef>
+                <a:spcPts val="0"/>
+              </a:spcBef>
+              <a:spcAft>
+                <a:spcPts val="0"/>
+              </a:spcAft>
+              <a:buNone/>
+            </a:pPr>
+            <a:r>
               <a:t/>
             </a:r>
-            <a:endParaRPr b="1" sz="1000">
+            <a:endParaRPr sz="1400">
               <a:latin typeface="Times New Roman"/>
               <a:ea typeface="Times New Roman"/>
               <a:cs typeface="Times New Roman"/>
@@ -4132,7 +5751,7 @@
       </p:sp>
       <p:sp>
         <p:nvSpPr>
-          <p:cNvPr id="163" name="Google Shape;163;g2ced2b81fbc_0_45:notes"/>
+          <p:cNvPr id="164" name="Google Shape;164;g2ced2b81fbc_0_45:notes"/>
           <p:cNvSpPr txBox="1"/>
           <p:nvPr>
             <p:ph idx="12" type="sldNum"/>
@@ -14946,7 +16565,7 @@
   <p:cSld>
     <p:spTree>
       <p:nvGrpSpPr>
-        <p:cNvPr id="172" name="Shape 172"/>
+        <p:cNvPr id="174" name="Shape 174"/>
         <p:cNvGrpSpPr/>
         <p:nvPr/>
       </p:nvGrpSpPr>
@@ -14960,7 +16579,7 @@
       </p:grpSpPr>
       <p:sp>
         <p:nvSpPr>
-          <p:cNvPr id="173" name="Google Shape;173;p23"/>
+          <p:cNvPr id="175" name="Google Shape;175;p23"/>
           <p:cNvSpPr txBox="1"/>
           <p:nvPr>
             <p:ph type="title"/>
@@ -15006,7 +16625,7 @@
                 <a:cs typeface="Times New Roman"/>
                 <a:sym typeface="Times New Roman"/>
               </a:rPr>
-              <a:t>Алгоритм очистки</a:t>
+              <a:t>Алгоритм очистки от «мусорных» объектов</a:t>
             </a:r>
             <a:endParaRPr>
               <a:latin typeface="Times New Roman"/>
@@ -15019,7 +16638,7 @@
       </p:sp>
       <p:sp>
         <p:nvSpPr>
-          <p:cNvPr id="174" name="Google Shape;174;p23"/>
+          <p:cNvPr id="176" name="Google Shape;176;p23"/>
           <p:cNvSpPr txBox="1"/>
           <p:nvPr>
             <p:ph idx="12" type="sldNum"/>
@@ -15061,9 +16680,206 @@
           </a:p>
         </p:txBody>
       </p:sp>
+      <p:sp>
+        <p:nvSpPr>
+          <p:cNvPr id="177" name="Google Shape;177;p23"/>
+          <p:cNvSpPr txBox="1"/>
+          <p:nvPr/>
+        </p:nvSpPr>
+        <p:spPr>
+          <a:xfrm>
+            <a:off x="7651150" y="1067100"/>
+            <a:ext cx="4371900" cy="4047300"/>
+          </a:xfrm>
+          <a:prstGeom prst="rect">
+            <a:avLst/>
+          </a:prstGeom>
+          <a:noFill/>
+          <a:ln>
+            <a:noFill/>
+          </a:ln>
+        </p:spPr>
+        <p:txBody>
+          <a:bodyPr anchorCtr="0" anchor="t" bIns="91425" lIns="91425" spcFirstLastPara="1" rIns="91425" wrap="square" tIns="91425">
+            <a:noAutofit/>
+          </a:bodyPr>
+          <a:lstStyle/>
+          <a:p>
+            <a:pPr indent="0" lvl="0" marL="0" rtl="0" algn="l">
+              <a:spcBef>
+                <a:spcPts val="0"/>
+              </a:spcBef>
+              <a:spcAft>
+                <a:spcPts val="0"/>
+              </a:spcAft>
+              <a:buNone/>
+            </a:pPr>
+            <a:r>
+              <a:rPr b="1" lang="ru-RU" sz="2500">
+                <a:solidFill>
+                  <a:schemeClr val="dk1"/>
+                </a:solidFill>
+                <a:latin typeface="Times New Roman"/>
+                <a:ea typeface="Times New Roman"/>
+                <a:cs typeface="Times New Roman"/>
+                <a:sym typeface="Times New Roman"/>
+              </a:rPr>
+              <a:t>«Живой» объект</a:t>
+            </a:r>
+            <a:r>
+              <a:rPr lang="ru-RU" sz="2500">
+                <a:solidFill>
+                  <a:schemeClr val="dk1"/>
+                </a:solidFill>
+                <a:latin typeface="Times New Roman"/>
+                <a:ea typeface="Times New Roman"/>
+                <a:cs typeface="Times New Roman"/>
+                <a:sym typeface="Times New Roman"/>
+              </a:rPr>
+              <a:t> </a:t>
+            </a:r>
+            <a:r>
+              <a:rPr lang="ru-RU" sz="2500">
+                <a:solidFill>
+                  <a:schemeClr val="dk1"/>
+                </a:solidFill>
+                <a:latin typeface="Times New Roman"/>
+                <a:ea typeface="Times New Roman"/>
+                <a:cs typeface="Times New Roman"/>
+                <a:sym typeface="Times New Roman"/>
+              </a:rPr>
+              <a:t>– </a:t>
+            </a:r>
+            <a:r>
+              <a:rPr lang="ru-RU" sz="2500">
+                <a:solidFill>
+                  <a:schemeClr val="dk1"/>
+                </a:solidFill>
+                <a:latin typeface="Times New Roman"/>
+                <a:ea typeface="Times New Roman"/>
+                <a:cs typeface="Times New Roman"/>
+                <a:sym typeface="Times New Roman"/>
+              </a:rPr>
+              <a:t>объект, который </a:t>
+            </a:r>
+            <a:r>
+              <a:rPr b="1" lang="ru-RU" sz="2500">
+                <a:solidFill>
+                  <a:schemeClr val="dk1"/>
+                </a:solidFill>
+                <a:latin typeface="Times New Roman"/>
+                <a:ea typeface="Times New Roman"/>
+                <a:cs typeface="Times New Roman"/>
+                <a:sym typeface="Times New Roman"/>
+              </a:rPr>
+              <a:t>достижим</a:t>
+            </a:r>
+            <a:r>
+              <a:rPr lang="ru-RU" sz="2500">
+                <a:solidFill>
+                  <a:schemeClr val="dk1"/>
+                </a:solidFill>
+                <a:latin typeface="Times New Roman"/>
+                <a:ea typeface="Times New Roman"/>
+                <a:cs typeface="Times New Roman"/>
+                <a:sym typeface="Times New Roman"/>
+              </a:rPr>
+              <a:t> из основной программы.</a:t>
+            </a:r>
+            <a:br>
+              <a:rPr lang="ru-RU" sz="2500">
+                <a:solidFill>
+                  <a:schemeClr val="dk1"/>
+                </a:solidFill>
+                <a:latin typeface="Times New Roman"/>
+                <a:ea typeface="Times New Roman"/>
+                <a:cs typeface="Times New Roman"/>
+                <a:sym typeface="Times New Roman"/>
+              </a:rPr>
+            </a:br>
+            <a:endParaRPr b="1" sz="2500">
+              <a:solidFill>
+                <a:schemeClr val="dk1"/>
+              </a:solidFill>
+              <a:latin typeface="Times New Roman"/>
+              <a:ea typeface="Times New Roman"/>
+              <a:cs typeface="Times New Roman"/>
+              <a:sym typeface="Times New Roman"/>
+            </a:endParaRPr>
+          </a:p>
+          <a:p>
+            <a:pPr indent="0" lvl="0" marL="0" rtl="0" algn="l">
+              <a:spcBef>
+                <a:spcPts val="0"/>
+              </a:spcBef>
+              <a:spcAft>
+                <a:spcPts val="0"/>
+              </a:spcAft>
+              <a:buNone/>
+            </a:pPr>
+            <a:r>
+              <a:rPr b="1" lang="ru-RU" sz="2500">
+                <a:solidFill>
+                  <a:schemeClr val="dk1"/>
+                </a:solidFill>
+                <a:latin typeface="Times New Roman"/>
+                <a:ea typeface="Times New Roman"/>
+                <a:cs typeface="Times New Roman"/>
+                <a:sym typeface="Times New Roman"/>
+              </a:rPr>
+              <a:t>«Мусорный» объект</a:t>
+            </a:r>
+            <a:r>
+              <a:rPr lang="ru-RU" sz="2500">
+                <a:solidFill>
+                  <a:schemeClr val="dk1"/>
+                </a:solidFill>
+                <a:latin typeface="Times New Roman"/>
+                <a:ea typeface="Times New Roman"/>
+                <a:cs typeface="Times New Roman"/>
+                <a:sym typeface="Times New Roman"/>
+              </a:rPr>
+              <a:t> – объект, который </a:t>
+            </a:r>
+            <a:r>
+              <a:rPr b="1" lang="ru-RU" sz="2500">
+                <a:solidFill>
+                  <a:schemeClr val="dk1"/>
+                </a:solidFill>
+                <a:latin typeface="Times New Roman"/>
+                <a:ea typeface="Times New Roman"/>
+                <a:cs typeface="Times New Roman"/>
+                <a:sym typeface="Times New Roman"/>
+              </a:rPr>
+              <a:t>не достижим</a:t>
+            </a:r>
+            <a:r>
+              <a:rPr lang="ru-RU" sz="2500">
+                <a:solidFill>
+                  <a:schemeClr val="dk1"/>
+                </a:solidFill>
+                <a:latin typeface="Times New Roman"/>
+                <a:ea typeface="Times New Roman"/>
+                <a:cs typeface="Times New Roman"/>
+                <a:sym typeface="Times New Roman"/>
+              </a:rPr>
+              <a:t> из основной программы.</a:t>
+            </a:r>
+            <a:endParaRPr sz="2500">
+              <a:solidFill>
+                <a:schemeClr val="dk1"/>
+              </a:solidFill>
+              <a:latin typeface="Times New Roman"/>
+              <a:ea typeface="Times New Roman"/>
+              <a:cs typeface="Times New Roman"/>
+              <a:sym typeface="Times New Roman"/>
+            </a:endParaRPr>
+          </a:p>
+        </p:txBody>
+      </p:sp>
       <p:pic>
         <p:nvPicPr>
-          <p:cNvPr id="175" name="Google Shape;175;p23"/>
+          <p:cNvPr id="178" name="Google Shape;178;p23"/>
           <p:cNvPicPr preferRelativeResize="0"/>
           <p:nvPr/>
         </p:nvPicPr>
@@ -15077,8 +16893,8 @@
         </p:blipFill>
         <p:spPr>
           <a:xfrm>
-            <a:off x="2667900" y="1067100"/>
-            <a:ext cx="6856202" cy="5654350"/>
+            <a:off x="838175" y="1067089"/>
+            <a:ext cx="6856202" cy="5654316"/>
           </a:xfrm>
           <a:prstGeom prst="rect">
             <a:avLst/>
@@ -15102,7 +16918,7 @@
   <p:cSld>
     <p:spTree>
       <p:nvGrpSpPr>
-        <p:cNvPr id="180" name="Shape 180"/>
+        <p:cNvPr id="183" name="Shape 183"/>
         <p:cNvGrpSpPr/>
         <p:nvPr/>
       </p:nvGrpSpPr>
@@ -15116,7 +16932,7 @@
       </p:grpSpPr>
       <p:sp>
         <p:nvSpPr>
-          <p:cNvPr id="181" name="Google Shape;181;p24"/>
+          <p:cNvPr id="184" name="Google Shape;184;p24"/>
           <p:cNvSpPr txBox="1"/>
           <p:nvPr>
             <p:ph type="title"/>
@@ -15162,7 +16978,7 @@
                 <a:cs typeface="Times New Roman"/>
                 <a:sym typeface="Times New Roman"/>
               </a:rPr>
-              <a:t>Структура ПО</a:t>
+              <a:t>Диаграмма развёртывания ПО</a:t>
             </a:r>
             <a:endParaRPr>
               <a:latin typeface="Times New Roman"/>
@@ -15175,7 +16991,7 @@
       </p:sp>
       <p:sp>
         <p:nvSpPr>
-          <p:cNvPr id="182" name="Google Shape;182;p24"/>
+          <p:cNvPr id="185" name="Google Shape;185;p24"/>
           <p:cNvSpPr txBox="1"/>
           <p:nvPr>
             <p:ph idx="12" type="sldNum"/>
@@ -15219,7 +17035,7 @@
       </p:sp>
       <p:pic>
         <p:nvPicPr>
-          <p:cNvPr id="183" name="Google Shape;183;p24"/>
+          <p:cNvPr id="186" name="Google Shape;186;p24"/>
           <p:cNvPicPr preferRelativeResize="0"/>
           <p:nvPr/>
         </p:nvPicPr>
@@ -15233,8 +17049,8 @@
         </p:blipFill>
         <p:spPr>
           <a:xfrm>
-            <a:off x="1111625" y="1099400"/>
-            <a:ext cx="9968748" cy="5622049"/>
+            <a:off x="2838000" y="1083575"/>
+            <a:ext cx="6515999" cy="5637875"/>
           </a:xfrm>
           <a:prstGeom prst="rect">
             <a:avLst/>
@@ -15254,11 +17070,11 @@
 </file>
 
 <file path=ppt/slides/slide12.xml><?xml version="1.0" encoding="utf-8"?>
-<p:sld xmlns:a="http://schemas.openxmlformats.org/drawingml/2006/main" xmlns:r="http://schemas.openxmlformats.org/officeDocument/2006/relationships" xmlns:mc="http://schemas.openxmlformats.org/markup-compatibility/2006" xmlns:mv="urn:schemas-microsoft-com:mac:vml" xmlns:p="http://schemas.openxmlformats.org/presentationml/2006/main" xmlns:c="http://schemas.openxmlformats.org/drawingml/2006/chart" xmlns:dgm="http://schemas.openxmlformats.org/drawingml/2006/diagram" xmlns:o="urn:schemas-microsoft-com:office:office" xmlns:v="urn:schemas-microsoft-com:vml" xmlns:pvml="urn:schemas-microsoft-com:office:powerpoint" xmlns:com="http://schemas.openxmlformats.org/drawingml/2006/compatibility" xmlns:p14="http://schemas.microsoft.com/office/powerpoint/2010/main" xmlns:p15="http://schemas.microsoft.com/office/powerpoint/2012/main" xmlns:ahyp="http://schemas.microsoft.com/office/drawing/2018/hyperlinkcolor" show="0">
+<p:sld xmlns:a="http://schemas.openxmlformats.org/drawingml/2006/main" xmlns:r="http://schemas.openxmlformats.org/officeDocument/2006/relationships" xmlns:mc="http://schemas.openxmlformats.org/markup-compatibility/2006" xmlns:mv="urn:schemas-microsoft-com:mac:vml" xmlns:p="http://schemas.openxmlformats.org/presentationml/2006/main" xmlns:c="http://schemas.openxmlformats.org/drawingml/2006/chart" xmlns:dgm="http://schemas.openxmlformats.org/drawingml/2006/diagram" xmlns:o="urn:schemas-microsoft-com:office:office" xmlns:v="urn:schemas-microsoft-com:vml" xmlns:pvml="urn:schemas-microsoft-com:office:powerpoint" xmlns:com="http://schemas.openxmlformats.org/drawingml/2006/compatibility" xmlns:p14="http://schemas.microsoft.com/office/powerpoint/2010/main" xmlns:p15="http://schemas.microsoft.com/office/powerpoint/2012/main" xmlns:ahyp="http://schemas.microsoft.com/office/drawing/2018/hyperlinkcolor">
   <p:cSld>
     <p:spTree>
       <p:nvGrpSpPr>
-        <p:cNvPr id="188" name="Shape 188"/>
+        <p:cNvPr id="191" name="Shape 191"/>
         <p:cNvGrpSpPr/>
         <p:nvPr/>
       </p:nvGrpSpPr>
@@ -15272,7 +17088,7 @@
       </p:grpSpPr>
       <p:sp>
         <p:nvSpPr>
-          <p:cNvPr id="189" name="Google Shape;189;p25"/>
+          <p:cNvPr id="192" name="Google Shape;192;p25"/>
           <p:cNvSpPr txBox="1"/>
           <p:nvPr>
             <p:ph type="title"/>
@@ -15280,8 +17096,8 @@
         </p:nvSpPr>
         <p:spPr>
           <a:xfrm>
-            <a:off x="838175" y="0"/>
-            <a:ext cx="11062800" cy="1325700"/>
+            <a:off x="838200" y="0"/>
+            <a:ext cx="10515600" cy="1325700"/>
           </a:xfrm>
           <a:prstGeom prst="rect">
             <a:avLst/>
@@ -15318,7 +17134,7 @@
                 <a:cs typeface="Times New Roman"/>
                 <a:sym typeface="Times New Roman"/>
               </a:rPr>
-              <a:t>Использование метода</a:t>
+              <a:t>Дескриптор объекта</a:t>
             </a:r>
             <a:endParaRPr>
               <a:latin typeface="Times New Roman"/>
@@ -15331,7 +17147,7 @@
       </p:sp>
       <p:sp>
         <p:nvSpPr>
-          <p:cNvPr id="190" name="Google Shape;190;p25"/>
+          <p:cNvPr id="193" name="Google Shape;193;p25"/>
           <p:cNvSpPr txBox="1"/>
           <p:nvPr>
             <p:ph idx="12" type="sldNum"/>
@@ -15339,7 +17155,7 @@
         </p:nvSpPr>
         <p:spPr>
           <a:xfrm>
-            <a:off x="7943100" y="6356350"/>
+            <a:off x="8610600" y="6356350"/>
             <a:ext cx="2743200" cy="365100"/>
           </a:xfrm>
           <a:prstGeom prst="rect">
@@ -15373,944 +17189,14 @@
           </a:p>
         </p:txBody>
       </p:sp>
-      <p:sp>
-        <p:nvSpPr>
-          <p:cNvPr id="191" name="Google Shape;191;p25"/>
-          <p:cNvSpPr txBox="1"/>
-          <p:nvPr/>
-        </p:nvSpPr>
-        <p:spPr>
-          <a:xfrm>
-            <a:off x="1471025" y="2345375"/>
-            <a:ext cx="2919900" cy="3015600"/>
-          </a:xfrm>
-          <a:prstGeom prst="rect">
-            <a:avLst/>
-          </a:prstGeom>
-          <a:noFill/>
-          <a:ln>
-            <a:noFill/>
-          </a:ln>
-        </p:spPr>
-        <p:txBody>
-          <a:bodyPr anchorCtr="0" anchor="t" bIns="91425" lIns="91425" spcFirstLastPara="1" rIns="91425" wrap="square" tIns="91425">
-            <a:noAutofit/>
-          </a:bodyPr>
-          <a:lstStyle/>
-          <a:p>
-            <a:pPr indent="0" lvl="0" marL="0" rtl="0" algn="l">
-              <a:lnSpc>
-                <a:spcPct val="135714"/>
-              </a:lnSpc>
-              <a:spcBef>
-                <a:spcPts val="0"/>
-              </a:spcBef>
-              <a:spcAft>
-                <a:spcPts val="0"/>
-              </a:spcAft>
-              <a:buNone/>
-            </a:pPr>
-            <a:r>
-              <a:rPr lang="ru-RU" sz="1800">
-                <a:solidFill>
-                  <a:schemeClr val="dk1"/>
-                </a:solidFill>
-                <a:highlight>
-                  <a:schemeClr val="lt1"/>
-                </a:highlight>
-                <a:latin typeface="Consolas"/>
-                <a:ea typeface="Consolas"/>
-                <a:cs typeface="Consolas"/>
-                <a:sym typeface="Consolas"/>
-              </a:rPr>
-              <a:t>package main</a:t>
-            </a:r>
-            <a:endParaRPr sz="1800">
-              <a:solidFill>
-                <a:schemeClr val="dk1"/>
-              </a:solidFill>
-              <a:highlight>
-                <a:schemeClr val="lt1"/>
-              </a:highlight>
-              <a:latin typeface="Consolas"/>
-              <a:ea typeface="Consolas"/>
-              <a:cs typeface="Consolas"/>
-              <a:sym typeface="Consolas"/>
-            </a:endParaRPr>
-          </a:p>
-          <a:p>
-            <a:pPr indent="0" lvl="0" marL="0" rtl="0" algn="l">
-              <a:lnSpc>
-                <a:spcPct val="135714"/>
-              </a:lnSpc>
-              <a:spcBef>
-                <a:spcPts val="0"/>
-              </a:spcBef>
-              <a:spcAft>
-                <a:spcPts val="0"/>
-              </a:spcAft>
-              <a:buNone/>
-            </a:pPr>
-            <a:r>
-              <a:t/>
-            </a:r>
-            <a:endParaRPr sz="1800">
-              <a:solidFill>
-                <a:schemeClr val="dk1"/>
-              </a:solidFill>
-              <a:highlight>
-                <a:schemeClr val="lt1"/>
-              </a:highlight>
-              <a:latin typeface="Consolas"/>
-              <a:ea typeface="Consolas"/>
-              <a:cs typeface="Consolas"/>
-              <a:sym typeface="Consolas"/>
-            </a:endParaRPr>
-          </a:p>
-          <a:p>
-            <a:pPr indent="0" lvl="0" marL="0" rtl="0" algn="l">
-              <a:lnSpc>
-                <a:spcPct val="135714"/>
-              </a:lnSpc>
-              <a:spcBef>
-                <a:spcPts val="0"/>
-              </a:spcBef>
-              <a:spcAft>
-                <a:spcPts val="0"/>
-              </a:spcAft>
-              <a:buNone/>
-            </a:pPr>
-            <a:r>
-              <a:rPr lang="ru-RU" sz="1800">
-                <a:solidFill>
-                  <a:schemeClr val="dk1"/>
-                </a:solidFill>
-                <a:highlight>
-                  <a:schemeClr val="lt1"/>
-                </a:highlight>
-                <a:latin typeface="Consolas"/>
-                <a:ea typeface="Consolas"/>
-                <a:cs typeface="Consolas"/>
-                <a:sym typeface="Consolas"/>
-              </a:rPr>
-              <a:t>func main() {</a:t>
-            </a:r>
-            <a:endParaRPr sz="1800">
-              <a:solidFill>
-                <a:schemeClr val="dk1"/>
-              </a:solidFill>
-              <a:highlight>
-                <a:schemeClr val="lt1"/>
-              </a:highlight>
-              <a:latin typeface="Consolas"/>
-              <a:ea typeface="Consolas"/>
-              <a:cs typeface="Consolas"/>
-              <a:sym typeface="Consolas"/>
-            </a:endParaRPr>
-          </a:p>
-          <a:p>
-            <a:pPr indent="0" lvl="0" marL="0" rtl="0" algn="l">
-              <a:lnSpc>
-                <a:spcPct val="135714"/>
-              </a:lnSpc>
-              <a:spcBef>
-                <a:spcPts val="0"/>
-              </a:spcBef>
-              <a:spcAft>
-                <a:spcPts val="0"/>
-              </a:spcAft>
-              <a:buNone/>
-            </a:pPr>
-            <a:r>
-              <a:rPr lang="ru-RU" sz="1800">
-                <a:solidFill>
-                  <a:schemeClr val="dk1"/>
-                </a:solidFill>
-                <a:highlight>
-                  <a:schemeClr val="lt1"/>
-                </a:highlight>
-                <a:latin typeface="Consolas"/>
-                <a:ea typeface="Consolas"/>
-                <a:cs typeface="Consolas"/>
-                <a:sym typeface="Consolas"/>
-              </a:rPr>
-              <a:t>	object := </a:t>
-            </a:r>
-            <a:r>
-              <a:rPr b="1" lang="ru-RU" sz="1800">
-                <a:solidFill>
-                  <a:schemeClr val="dk1"/>
-                </a:solidFill>
-                <a:highlight>
-                  <a:schemeClr val="lt1"/>
-                </a:highlight>
-                <a:latin typeface="Consolas"/>
-                <a:ea typeface="Consolas"/>
-                <a:cs typeface="Consolas"/>
-                <a:sym typeface="Consolas"/>
-              </a:rPr>
-              <a:t>new</a:t>
-            </a:r>
-            <a:r>
-              <a:rPr lang="ru-RU" sz="1800">
-                <a:solidFill>
-                  <a:schemeClr val="dk1"/>
-                </a:solidFill>
-                <a:highlight>
-                  <a:schemeClr val="lt1"/>
-                </a:highlight>
-                <a:latin typeface="Consolas"/>
-                <a:ea typeface="Consolas"/>
-                <a:cs typeface="Consolas"/>
-                <a:sym typeface="Consolas"/>
-              </a:rPr>
-              <a:t>(int)</a:t>
-            </a:r>
-            <a:endParaRPr sz="1800">
-              <a:solidFill>
-                <a:schemeClr val="dk1"/>
-              </a:solidFill>
-              <a:highlight>
-                <a:schemeClr val="lt1"/>
-              </a:highlight>
-              <a:latin typeface="Consolas"/>
-              <a:ea typeface="Consolas"/>
-              <a:cs typeface="Consolas"/>
-              <a:sym typeface="Consolas"/>
-            </a:endParaRPr>
-          </a:p>
-          <a:p>
-            <a:pPr indent="0" lvl="0" marL="0" rtl="0" algn="l">
-              <a:lnSpc>
-                <a:spcPct val="135714"/>
-              </a:lnSpc>
-              <a:spcBef>
-                <a:spcPts val="0"/>
-              </a:spcBef>
-              <a:spcAft>
-                <a:spcPts val="0"/>
-              </a:spcAft>
-              <a:buNone/>
-            </a:pPr>
-            <a:r>
-              <a:rPr lang="ru-RU" sz="1800">
-                <a:solidFill>
-                  <a:schemeClr val="dk1"/>
-                </a:solidFill>
-                <a:highlight>
-                  <a:schemeClr val="lt1"/>
-                </a:highlight>
-                <a:latin typeface="Consolas"/>
-                <a:ea typeface="Consolas"/>
-                <a:cs typeface="Consolas"/>
-                <a:sym typeface="Consolas"/>
-              </a:rPr>
-              <a:t>	println(*object)</a:t>
-            </a:r>
-            <a:endParaRPr sz="1800">
-              <a:solidFill>
-                <a:schemeClr val="dk1"/>
-              </a:solidFill>
-              <a:highlight>
-                <a:schemeClr val="lt1"/>
-              </a:highlight>
-              <a:latin typeface="Consolas"/>
-              <a:ea typeface="Consolas"/>
-              <a:cs typeface="Consolas"/>
-              <a:sym typeface="Consolas"/>
-            </a:endParaRPr>
-          </a:p>
-          <a:p>
-            <a:pPr indent="0" lvl="0" marL="0" rtl="0" algn="l">
-              <a:lnSpc>
-                <a:spcPct val="135714"/>
-              </a:lnSpc>
-              <a:spcBef>
-                <a:spcPts val="0"/>
-              </a:spcBef>
-              <a:spcAft>
-                <a:spcPts val="0"/>
-              </a:spcAft>
-              <a:buNone/>
-            </a:pPr>
-            <a:r>
-              <a:rPr lang="ru-RU" sz="1800">
-                <a:solidFill>
-                  <a:schemeClr val="dk1"/>
-                </a:solidFill>
-                <a:highlight>
-                  <a:schemeClr val="lt1"/>
-                </a:highlight>
-                <a:latin typeface="Consolas"/>
-                <a:ea typeface="Consolas"/>
-                <a:cs typeface="Consolas"/>
-                <a:sym typeface="Consolas"/>
-              </a:rPr>
-              <a:t>	*object = 7</a:t>
-            </a:r>
-            <a:endParaRPr sz="1800">
-              <a:solidFill>
-                <a:schemeClr val="dk1"/>
-              </a:solidFill>
-              <a:highlight>
-                <a:schemeClr val="lt1"/>
-              </a:highlight>
-              <a:latin typeface="Consolas"/>
-              <a:ea typeface="Consolas"/>
-              <a:cs typeface="Consolas"/>
-              <a:sym typeface="Consolas"/>
-            </a:endParaRPr>
-          </a:p>
-          <a:p>
-            <a:pPr indent="0" lvl="0" marL="0" rtl="0" algn="l">
-              <a:lnSpc>
-                <a:spcPct val="135714"/>
-              </a:lnSpc>
-              <a:spcBef>
-                <a:spcPts val="0"/>
-              </a:spcBef>
-              <a:spcAft>
-                <a:spcPts val="0"/>
-              </a:spcAft>
-              <a:buNone/>
-            </a:pPr>
-            <a:r>
-              <a:rPr lang="ru-RU" sz="1800">
-                <a:solidFill>
-                  <a:schemeClr val="dk1"/>
-                </a:solidFill>
-                <a:highlight>
-                  <a:schemeClr val="lt1"/>
-                </a:highlight>
-                <a:latin typeface="Consolas"/>
-                <a:ea typeface="Consolas"/>
-                <a:cs typeface="Consolas"/>
-                <a:sym typeface="Consolas"/>
-              </a:rPr>
-              <a:t>	println(*object)</a:t>
-            </a:r>
-            <a:endParaRPr sz="1800">
-              <a:solidFill>
-                <a:schemeClr val="dk1"/>
-              </a:solidFill>
-              <a:highlight>
-                <a:schemeClr val="lt1"/>
-              </a:highlight>
-              <a:latin typeface="Consolas"/>
-              <a:ea typeface="Consolas"/>
-              <a:cs typeface="Consolas"/>
-              <a:sym typeface="Consolas"/>
-            </a:endParaRPr>
-          </a:p>
-          <a:p>
-            <a:pPr indent="0" lvl="0" marL="0" rtl="0" algn="l">
-              <a:lnSpc>
-                <a:spcPct val="135714"/>
-              </a:lnSpc>
-              <a:spcBef>
-                <a:spcPts val="0"/>
-              </a:spcBef>
-              <a:spcAft>
-                <a:spcPts val="0"/>
-              </a:spcAft>
-              <a:buNone/>
-            </a:pPr>
-            <a:r>
-              <a:rPr lang="ru-RU" sz="1800">
-                <a:solidFill>
-                  <a:schemeClr val="dk1"/>
-                </a:solidFill>
-                <a:highlight>
-                  <a:schemeClr val="lt1"/>
-                </a:highlight>
-                <a:latin typeface="Consolas"/>
-                <a:ea typeface="Consolas"/>
-                <a:cs typeface="Consolas"/>
-                <a:sym typeface="Consolas"/>
-              </a:rPr>
-              <a:t>}</a:t>
-            </a:r>
-            <a:endParaRPr sz="1800">
-              <a:solidFill>
-                <a:schemeClr val="dk1"/>
-              </a:solidFill>
-              <a:highlight>
-                <a:schemeClr val="lt1"/>
-              </a:highlight>
-              <a:latin typeface="Consolas"/>
-              <a:ea typeface="Consolas"/>
-              <a:cs typeface="Consolas"/>
-              <a:sym typeface="Consolas"/>
-            </a:endParaRPr>
-          </a:p>
-          <a:p>
-            <a:pPr indent="0" lvl="0" marL="0" rtl="0" algn="l">
-              <a:lnSpc>
-                <a:spcPct val="135714"/>
-              </a:lnSpc>
-              <a:spcBef>
-                <a:spcPts val="0"/>
-              </a:spcBef>
-              <a:spcAft>
-                <a:spcPts val="0"/>
-              </a:spcAft>
-              <a:buNone/>
-            </a:pPr>
-            <a:r>
-              <a:t/>
-            </a:r>
-            <a:endParaRPr sz="1800">
-              <a:solidFill>
-                <a:schemeClr val="dk1"/>
-              </a:solidFill>
-              <a:highlight>
-                <a:schemeClr val="lt1"/>
-              </a:highlight>
-              <a:latin typeface="Consolas"/>
-              <a:ea typeface="Consolas"/>
-              <a:cs typeface="Consolas"/>
-              <a:sym typeface="Consolas"/>
-            </a:endParaRPr>
-          </a:p>
-        </p:txBody>
-      </p:sp>
-      <p:sp>
-        <p:nvSpPr>
-          <p:cNvPr id="192" name="Google Shape;192;p25"/>
-          <p:cNvSpPr txBox="1"/>
-          <p:nvPr/>
-        </p:nvSpPr>
-        <p:spPr>
-          <a:xfrm>
-            <a:off x="6252100" y="2345375"/>
-            <a:ext cx="5043600" cy="3015600"/>
-          </a:xfrm>
-          <a:prstGeom prst="rect">
-            <a:avLst/>
-          </a:prstGeom>
-          <a:noFill/>
-          <a:ln>
-            <a:noFill/>
-          </a:ln>
-        </p:spPr>
-        <p:txBody>
-          <a:bodyPr anchorCtr="0" anchor="t" bIns="91425" lIns="91425" spcFirstLastPara="1" rIns="91425" wrap="square" tIns="91425">
-            <a:noAutofit/>
-          </a:bodyPr>
-          <a:lstStyle/>
-          <a:p>
-            <a:pPr indent="0" lvl="0" marL="0" rtl="0" algn="l">
-              <a:lnSpc>
-                <a:spcPct val="135714"/>
-              </a:lnSpc>
-              <a:spcBef>
-                <a:spcPts val="0"/>
-              </a:spcBef>
-              <a:spcAft>
-                <a:spcPts val="0"/>
-              </a:spcAft>
-              <a:buNone/>
-            </a:pPr>
-            <a:r>
-              <a:rPr lang="ru-RU" sz="1800">
-                <a:solidFill>
-                  <a:schemeClr val="dk1"/>
-                </a:solidFill>
-                <a:highlight>
-                  <a:schemeClr val="lt1"/>
-                </a:highlight>
-                <a:latin typeface="Consolas"/>
-                <a:ea typeface="Consolas"/>
-                <a:cs typeface="Consolas"/>
-                <a:sym typeface="Consolas"/>
-              </a:rPr>
-              <a:t>package main</a:t>
-            </a:r>
-            <a:endParaRPr sz="1800">
-              <a:solidFill>
-                <a:schemeClr val="dk1"/>
-              </a:solidFill>
-              <a:highlight>
-                <a:schemeClr val="lt1"/>
-              </a:highlight>
-              <a:latin typeface="Consolas"/>
-              <a:ea typeface="Consolas"/>
-              <a:cs typeface="Consolas"/>
-              <a:sym typeface="Consolas"/>
-            </a:endParaRPr>
-          </a:p>
-          <a:p>
-            <a:pPr indent="0" lvl="0" marL="0" rtl="0" algn="l">
-              <a:lnSpc>
-                <a:spcPct val="135714"/>
-              </a:lnSpc>
-              <a:spcBef>
-                <a:spcPts val="0"/>
-              </a:spcBef>
-              <a:spcAft>
-                <a:spcPts val="0"/>
-              </a:spcAft>
-              <a:buNone/>
-            </a:pPr>
-            <a:r>
-              <a:rPr lang="ru-RU" sz="1800">
-                <a:solidFill>
-                  <a:schemeClr val="dk1"/>
-                </a:solidFill>
-                <a:highlight>
-                  <a:schemeClr val="lt1"/>
-                </a:highlight>
-                <a:latin typeface="Consolas"/>
-                <a:ea typeface="Consolas"/>
-                <a:cs typeface="Consolas"/>
-                <a:sym typeface="Consolas"/>
-              </a:rPr>
-              <a:t>import "github.com/Inspirate789/alloc"</a:t>
-            </a:r>
-            <a:endParaRPr sz="1800">
-              <a:solidFill>
-                <a:schemeClr val="dk1"/>
-              </a:solidFill>
-              <a:highlight>
-                <a:schemeClr val="lt1"/>
-              </a:highlight>
-              <a:latin typeface="Consolas"/>
-              <a:ea typeface="Consolas"/>
-              <a:cs typeface="Consolas"/>
-              <a:sym typeface="Consolas"/>
-            </a:endParaRPr>
-          </a:p>
-          <a:p>
-            <a:pPr indent="0" lvl="0" marL="0" rtl="0" algn="l">
-              <a:lnSpc>
-                <a:spcPct val="135714"/>
-              </a:lnSpc>
-              <a:spcBef>
-                <a:spcPts val="0"/>
-              </a:spcBef>
-              <a:spcAft>
-                <a:spcPts val="0"/>
-              </a:spcAft>
-              <a:buNone/>
-            </a:pPr>
-            <a:r>
-              <a:rPr lang="ru-RU" sz="1800">
-                <a:solidFill>
-                  <a:schemeClr val="dk1"/>
-                </a:solidFill>
-                <a:highlight>
-                  <a:schemeClr val="lt1"/>
-                </a:highlight>
-                <a:latin typeface="Consolas"/>
-                <a:ea typeface="Consolas"/>
-                <a:cs typeface="Consolas"/>
-                <a:sym typeface="Consolas"/>
-              </a:rPr>
-              <a:t>func main() {</a:t>
-            </a:r>
-            <a:endParaRPr sz="1800">
-              <a:solidFill>
-                <a:schemeClr val="dk1"/>
-              </a:solidFill>
-              <a:highlight>
-                <a:schemeClr val="lt1"/>
-              </a:highlight>
-              <a:latin typeface="Consolas"/>
-              <a:ea typeface="Consolas"/>
-              <a:cs typeface="Consolas"/>
-              <a:sym typeface="Consolas"/>
-            </a:endParaRPr>
-          </a:p>
-          <a:p>
-            <a:pPr indent="0" lvl="0" marL="0" rtl="0" algn="l">
-              <a:lnSpc>
-                <a:spcPct val="135714"/>
-              </a:lnSpc>
-              <a:spcBef>
-                <a:spcPts val="0"/>
-              </a:spcBef>
-              <a:spcAft>
-                <a:spcPts val="0"/>
-              </a:spcAft>
-              <a:buNone/>
-            </a:pPr>
-            <a:r>
-              <a:rPr lang="ru-RU" sz="1800">
-                <a:solidFill>
-                  <a:schemeClr val="dk1"/>
-                </a:solidFill>
-                <a:highlight>
-                  <a:schemeClr val="lt1"/>
-                </a:highlight>
-                <a:latin typeface="Consolas"/>
-                <a:ea typeface="Consolas"/>
-                <a:cs typeface="Consolas"/>
-                <a:sym typeface="Consolas"/>
-              </a:rPr>
-              <a:t>	object := </a:t>
-            </a:r>
-            <a:r>
-              <a:rPr b="1" lang="ru-RU" sz="1800">
-                <a:solidFill>
-                  <a:schemeClr val="dk1"/>
-                </a:solidFill>
-                <a:highlight>
-                  <a:schemeClr val="lt1"/>
-                </a:highlight>
-                <a:latin typeface="Consolas"/>
-                <a:ea typeface="Consolas"/>
-                <a:cs typeface="Consolas"/>
-                <a:sym typeface="Consolas"/>
-              </a:rPr>
-              <a:t>alloc.New</a:t>
-            </a:r>
-            <a:r>
-              <a:rPr lang="ru-RU" sz="1800">
-                <a:solidFill>
-                  <a:schemeClr val="dk1"/>
-                </a:solidFill>
-                <a:highlight>
-                  <a:schemeClr val="lt1"/>
-                </a:highlight>
-                <a:latin typeface="Consolas"/>
-                <a:ea typeface="Consolas"/>
-                <a:cs typeface="Consolas"/>
-                <a:sym typeface="Consolas"/>
-              </a:rPr>
-              <a:t>[int]()</a:t>
-            </a:r>
-            <a:endParaRPr sz="1800">
-              <a:solidFill>
-                <a:schemeClr val="dk1"/>
-              </a:solidFill>
-              <a:highlight>
-                <a:schemeClr val="lt1"/>
-              </a:highlight>
-              <a:latin typeface="Consolas"/>
-              <a:ea typeface="Consolas"/>
-              <a:cs typeface="Consolas"/>
-              <a:sym typeface="Consolas"/>
-            </a:endParaRPr>
-          </a:p>
-          <a:p>
-            <a:pPr indent="0" lvl="0" marL="0" rtl="0" algn="l">
-              <a:lnSpc>
-                <a:spcPct val="135714"/>
-              </a:lnSpc>
-              <a:spcBef>
-                <a:spcPts val="0"/>
-              </a:spcBef>
-              <a:spcAft>
-                <a:spcPts val="0"/>
-              </a:spcAft>
-              <a:buNone/>
-            </a:pPr>
-            <a:r>
-              <a:rPr lang="ru-RU" sz="1800">
-                <a:solidFill>
-                  <a:schemeClr val="dk1"/>
-                </a:solidFill>
-                <a:highlight>
-                  <a:schemeClr val="lt1"/>
-                </a:highlight>
-                <a:latin typeface="Consolas"/>
-                <a:ea typeface="Consolas"/>
-                <a:cs typeface="Consolas"/>
-                <a:sym typeface="Consolas"/>
-              </a:rPr>
-              <a:t>	println(*object.Get())</a:t>
-            </a:r>
-            <a:endParaRPr sz="1800">
-              <a:solidFill>
-                <a:schemeClr val="dk1"/>
-              </a:solidFill>
-              <a:highlight>
-                <a:schemeClr val="lt1"/>
-              </a:highlight>
-              <a:latin typeface="Consolas"/>
-              <a:ea typeface="Consolas"/>
-              <a:cs typeface="Consolas"/>
-              <a:sym typeface="Consolas"/>
-            </a:endParaRPr>
-          </a:p>
-          <a:p>
-            <a:pPr indent="0" lvl="0" marL="0" rtl="0" algn="l">
-              <a:lnSpc>
-                <a:spcPct val="135714"/>
-              </a:lnSpc>
-              <a:spcBef>
-                <a:spcPts val="0"/>
-              </a:spcBef>
-              <a:spcAft>
-                <a:spcPts val="0"/>
-              </a:spcAft>
-              <a:buNone/>
-            </a:pPr>
-            <a:r>
-              <a:rPr lang="ru-RU" sz="1800">
-                <a:solidFill>
-                  <a:schemeClr val="dk1"/>
-                </a:solidFill>
-                <a:highlight>
-                  <a:schemeClr val="lt1"/>
-                </a:highlight>
-                <a:latin typeface="Consolas"/>
-                <a:ea typeface="Consolas"/>
-                <a:cs typeface="Consolas"/>
-                <a:sym typeface="Consolas"/>
-              </a:rPr>
-              <a:t>	*object.Get() = 7</a:t>
-            </a:r>
-            <a:endParaRPr sz="1800">
-              <a:solidFill>
-                <a:schemeClr val="dk1"/>
-              </a:solidFill>
-              <a:highlight>
-                <a:schemeClr val="lt1"/>
-              </a:highlight>
-              <a:latin typeface="Consolas"/>
-              <a:ea typeface="Consolas"/>
-              <a:cs typeface="Consolas"/>
-              <a:sym typeface="Consolas"/>
-            </a:endParaRPr>
-          </a:p>
-          <a:p>
-            <a:pPr indent="0" lvl="0" marL="0" rtl="0" algn="l">
-              <a:lnSpc>
-                <a:spcPct val="135714"/>
-              </a:lnSpc>
-              <a:spcBef>
-                <a:spcPts val="0"/>
-              </a:spcBef>
-              <a:spcAft>
-                <a:spcPts val="0"/>
-              </a:spcAft>
-              <a:buNone/>
-            </a:pPr>
-            <a:r>
-              <a:rPr lang="ru-RU" sz="1800">
-                <a:solidFill>
-                  <a:schemeClr val="dk1"/>
-                </a:solidFill>
-                <a:highlight>
-                  <a:schemeClr val="lt1"/>
-                </a:highlight>
-                <a:latin typeface="Consolas"/>
-                <a:ea typeface="Consolas"/>
-                <a:cs typeface="Consolas"/>
-                <a:sym typeface="Consolas"/>
-              </a:rPr>
-              <a:t>	println(*object.Get())</a:t>
-            </a:r>
-            <a:endParaRPr sz="1800">
-              <a:solidFill>
-                <a:schemeClr val="dk1"/>
-              </a:solidFill>
-              <a:highlight>
-                <a:schemeClr val="lt1"/>
-              </a:highlight>
-              <a:latin typeface="Consolas"/>
-              <a:ea typeface="Consolas"/>
-              <a:cs typeface="Consolas"/>
-              <a:sym typeface="Consolas"/>
-            </a:endParaRPr>
-          </a:p>
-          <a:p>
-            <a:pPr indent="0" lvl="0" marL="0" rtl="0" algn="l">
-              <a:lnSpc>
-                <a:spcPct val="135714"/>
-              </a:lnSpc>
-              <a:spcBef>
-                <a:spcPts val="0"/>
-              </a:spcBef>
-              <a:spcAft>
-                <a:spcPts val="0"/>
-              </a:spcAft>
-              <a:buNone/>
-            </a:pPr>
-            <a:r>
-              <a:rPr lang="ru-RU" sz="1800">
-                <a:solidFill>
-                  <a:schemeClr val="dk1"/>
-                </a:solidFill>
-                <a:highlight>
-                  <a:schemeClr val="lt1"/>
-                </a:highlight>
-                <a:latin typeface="Consolas"/>
-                <a:ea typeface="Consolas"/>
-                <a:cs typeface="Consolas"/>
-                <a:sym typeface="Consolas"/>
-              </a:rPr>
-              <a:t>}</a:t>
-            </a:r>
-            <a:endParaRPr sz="1800">
-              <a:solidFill>
-                <a:schemeClr val="dk1"/>
-              </a:solidFill>
-              <a:highlight>
-                <a:schemeClr val="lt1"/>
-              </a:highlight>
-              <a:latin typeface="Consolas"/>
-              <a:ea typeface="Consolas"/>
-              <a:cs typeface="Consolas"/>
-              <a:sym typeface="Consolas"/>
-            </a:endParaRPr>
-          </a:p>
-          <a:p>
-            <a:pPr indent="0" lvl="0" marL="0" rtl="0" algn="l">
-              <a:lnSpc>
-                <a:spcPct val="135714"/>
-              </a:lnSpc>
-              <a:spcBef>
-                <a:spcPts val="0"/>
-              </a:spcBef>
-              <a:spcAft>
-                <a:spcPts val="0"/>
-              </a:spcAft>
-              <a:buNone/>
-            </a:pPr>
-            <a:r>
-              <a:t/>
-            </a:r>
-            <a:endParaRPr sz="1800">
-              <a:solidFill>
-                <a:schemeClr val="dk1"/>
-              </a:solidFill>
-              <a:highlight>
-                <a:schemeClr val="lt1"/>
-              </a:highlight>
-              <a:latin typeface="Consolas"/>
-              <a:ea typeface="Consolas"/>
-              <a:cs typeface="Consolas"/>
-              <a:sym typeface="Consolas"/>
-            </a:endParaRPr>
-          </a:p>
-        </p:txBody>
-      </p:sp>
-      <p:sp>
-        <p:nvSpPr>
-          <p:cNvPr id="193" name="Google Shape;193;p25"/>
-          <p:cNvSpPr txBox="1"/>
-          <p:nvPr/>
-        </p:nvSpPr>
-        <p:spPr>
-          <a:xfrm>
-            <a:off x="1282625" y="5409675"/>
-            <a:ext cx="3296700" cy="981600"/>
-          </a:xfrm>
-          <a:prstGeom prst="rect">
-            <a:avLst/>
-          </a:prstGeom>
-          <a:noFill/>
-          <a:ln>
-            <a:noFill/>
-          </a:ln>
-        </p:spPr>
-        <p:txBody>
-          <a:bodyPr anchorCtr="0" anchor="t" bIns="91425" lIns="91425" spcFirstLastPara="1" rIns="91425" wrap="square" tIns="91425">
-            <a:noAutofit/>
-          </a:bodyPr>
-          <a:lstStyle/>
-          <a:p>
-            <a:pPr indent="0" lvl="0" marL="0" rtl="0" algn="ctr">
-              <a:spcBef>
-                <a:spcPts val="0"/>
-              </a:spcBef>
-              <a:spcAft>
-                <a:spcPts val="0"/>
-              </a:spcAft>
-              <a:buNone/>
-            </a:pPr>
-            <a:r>
-              <a:rPr lang="ru-RU" sz="2500">
-                <a:solidFill>
-                  <a:schemeClr val="dk1"/>
-                </a:solidFill>
-                <a:latin typeface="Times New Roman"/>
-                <a:ea typeface="Times New Roman"/>
-                <a:cs typeface="Times New Roman"/>
-                <a:sym typeface="Times New Roman"/>
-              </a:rPr>
-              <a:t>Встроенные функции Golang</a:t>
-            </a:r>
-            <a:endParaRPr sz="2500">
-              <a:solidFill>
-                <a:schemeClr val="dk1"/>
-              </a:solidFill>
-              <a:latin typeface="Times New Roman"/>
-              <a:ea typeface="Times New Roman"/>
-              <a:cs typeface="Times New Roman"/>
-              <a:sym typeface="Times New Roman"/>
-            </a:endParaRPr>
-          </a:p>
-        </p:txBody>
-      </p:sp>
-      <p:sp>
-        <p:nvSpPr>
-          <p:cNvPr id="194" name="Google Shape;194;p25"/>
-          <p:cNvSpPr txBox="1"/>
-          <p:nvPr/>
-        </p:nvSpPr>
-        <p:spPr>
-          <a:xfrm>
-            <a:off x="6252100" y="5409675"/>
-            <a:ext cx="5043600" cy="981600"/>
-          </a:xfrm>
-          <a:prstGeom prst="rect">
-            <a:avLst/>
-          </a:prstGeom>
-          <a:noFill/>
-          <a:ln>
-            <a:noFill/>
-          </a:ln>
-        </p:spPr>
-        <p:txBody>
-          <a:bodyPr anchorCtr="0" anchor="t" bIns="91425" lIns="91425" spcFirstLastPara="1" rIns="91425" wrap="square" tIns="91425">
-            <a:noAutofit/>
-          </a:bodyPr>
-          <a:lstStyle/>
-          <a:p>
-            <a:pPr indent="0" lvl="0" marL="0" rtl="0" algn="ctr">
-              <a:spcBef>
-                <a:spcPts val="0"/>
-              </a:spcBef>
-              <a:spcAft>
-                <a:spcPts val="0"/>
-              </a:spcAft>
-              <a:buNone/>
-            </a:pPr>
-            <a:r>
-              <a:rPr lang="ru-RU" sz="2500">
-                <a:solidFill>
-                  <a:schemeClr val="dk1"/>
-                </a:solidFill>
-                <a:latin typeface="Times New Roman"/>
-                <a:ea typeface="Times New Roman"/>
-                <a:cs typeface="Times New Roman"/>
-                <a:sym typeface="Times New Roman"/>
-              </a:rPr>
-              <a:t>Реализованный метод</a:t>
-            </a:r>
-            <a:endParaRPr sz="2500">
-              <a:solidFill>
-                <a:schemeClr val="dk1"/>
-              </a:solidFill>
-              <a:latin typeface="Times New Roman"/>
-              <a:ea typeface="Times New Roman"/>
-              <a:cs typeface="Times New Roman"/>
-              <a:sym typeface="Times New Roman"/>
-            </a:endParaRPr>
-          </a:p>
-        </p:txBody>
-      </p:sp>
       <p:graphicFrame>
         <p:nvGraphicFramePr>
-          <p:cNvPr id="195" name="Google Shape;195;p25"/>
+          <p:cNvPr id="194" name="Google Shape;194;p25"/>
           <p:cNvGraphicFramePr/>
           <p:nvPr/>
         </p:nvGraphicFramePr>
         <p:xfrm>
-          <a:off x="896300" y="1379525"/>
+          <a:off x="838200" y="1117100"/>
           <a:ext cx="3000000" cy="3000000"/>
         </p:xfrm>
         <a:graphic>
@@ -16318,21 +17204,19 @@
             <a:tbl>
               <a:tblPr>
                 <a:noFill/>
-                <a:tableStyleId>{570A7BF6-090D-43EB-A9A2-8F647BD2D7F3}</a:tableStyleId>
+                <a:tableStyleId>{3040A678-AA60-46EF-9325-F8BF5F913F62}</a:tableStyleId>
               </a:tblPr>
               <a:tblGrid>
-                <a:gridCol w="10399400"/>
+                <a:gridCol w="5040575"/>
+                <a:gridCol w="2332900"/>
               </a:tblGrid>
-              <a:tr h="381000">
+              <a:tr h="694800">
                 <a:tc>
                   <a:txBody>
                     <a:bodyPr/>
                     <a:lstStyle/>
                     <a:p>
                       <a:pPr indent="0" lvl="0" marL="0" rtl="0" algn="l">
-                        <a:lnSpc>
-                          <a:spcPct val="135714"/>
-                        </a:lnSpc>
                         <a:spcBef>
                           <a:spcPts val="0"/>
                         </a:spcBef>
@@ -16342,24 +17226,1432 @@
                         <a:buNone/>
                       </a:pPr>
                       <a:r>
-                        <a:rPr lang="ru-RU" sz="1800">
+                        <a:rPr lang="ru-RU" sz="2500">
+                          <a:latin typeface="Times New Roman"/>
+                          <a:ea typeface="Times New Roman"/>
+                          <a:cs typeface="Times New Roman"/>
+                          <a:sym typeface="Times New Roman"/>
+                        </a:rPr>
+                        <a:t>Поле</a:t>
+                      </a:r>
+                      <a:endParaRPr sz="2500">
+                        <a:latin typeface="Times New Roman"/>
+                        <a:ea typeface="Times New Roman"/>
+                        <a:cs typeface="Times New Roman"/>
+                        <a:sym typeface="Times New Roman"/>
+                      </a:endParaRPr>
+                    </a:p>
+                  </a:txBody>
+                  <a:tcPr marT="54000" marB="54000" marR="54000" marL="54000">
+                    <a:lnL cap="flat" cmpd="sng" w="38100">
+                      <a:solidFill>
+                        <a:schemeClr val="dk1"/>
+                      </a:solidFill>
+                      <a:prstDash val="solid"/>
+                      <a:round/>
+                      <a:headEnd len="sm" w="sm" type="none"/>
+                      <a:tailEnd len="sm" w="sm" type="none"/>
+                    </a:lnL>
+                    <a:lnR cap="flat" cmpd="sng" w="38100">
+                      <a:solidFill>
+                        <a:schemeClr val="dk1"/>
+                      </a:solidFill>
+                      <a:prstDash val="solid"/>
+                      <a:round/>
+                      <a:headEnd len="sm" w="sm" type="none"/>
+                      <a:tailEnd len="sm" w="sm" type="none"/>
+                    </a:lnR>
+                    <a:lnT cap="flat" cmpd="sng" w="38100">
+                      <a:solidFill>
+                        <a:schemeClr val="dk1"/>
+                      </a:solidFill>
+                      <a:prstDash val="solid"/>
+                      <a:round/>
+                      <a:headEnd len="sm" w="sm" type="none"/>
+                      <a:tailEnd len="sm" w="sm" type="none"/>
+                    </a:lnT>
+                    <a:lnB cap="flat" cmpd="sng" w="38100">
+                      <a:solidFill>
+                        <a:schemeClr val="dk1"/>
+                      </a:solidFill>
+                      <a:prstDash val="solid"/>
+                      <a:round/>
+                      <a:headEnd len="sm" w="sm" type="none"/>
+                      <a:tailEnd len="sm" w="sm" type="none"/>
+                    </a:lnB>
+                  </a:tcPr>
+                </a:tc>
+                <a:tc>
+                  <a:txBody>
+                    <a:bodyPr/>
+                    <a:lstStyle/>
+                    <a:p>
+                      <a:pPr indent="0" lvl="0" marL="0" rtl="0" algn="l">
+                        <a:spcBef>
+                          <a:spcPts val="0"/>
+                        </a:spcBef>
+                        <a:spcAft>
+                          <a:spcPts val="0"/>
+                        </a:spcAft>
+                        <a:buNone/>
+                      </a:pPr>
+                      <a:r>
+                        <a:rPr lang="ru-RU" sz="2500">
+                          <a:latin typeface="Times New Roman"/>
+                          <a:ea typeface="Times New Roman"/>
+                          <a:cs typeface="Times New Roman"/>
+                          <a:sym typeface="Times New Roman"/>
+                        </a:rPr>
+                        <a:t>Размер в байтах</a:t>
+                      </a:r>
+                      <a:endParaRPr sz="2500">
+                        <a:latin typeface="Times New Roman"/>
+                        <a:ea typeface="Times New Roman"/>
+                        <a:cs typeface="Times New Roman"/>
+                        <a:sym typeface="Times New Roman"/>
+                      </a:endParaRPr>
+                    </a:p>
+                  </a:txBody>
+                  <a:tcPr marT="54000" marB="54000" marR="54000" marL="54000">
+                    <a:lnL cap="flat" cmpd="sng" w="38100">
+                      <a:solidFill>
+                        <a:schemeClr val="dk1"/>
+                      </a:solidFill>
+                      <a:prstDash val="solid"/>
+                      <a:round/>
+                      <a:headEnd len="sm" w="sm" type="none"/>
+                      <a:tailEnd len="sm" w="sm" type="none"/>
+                    </a:lnL>
+                    <a:lnR cap="flat" cmpd="sng" w="38100">
+                      <a:solidFill>
+                        <a:schemeClr val="dk1"/>
+                      </a:solidFill>
+                      <a:prstDash val="solid"/>
+                      <a:round/>
+                      <a:headEnd len="sm" w="sm" type="none"/>
+                      <a:tailEnd len="sm" w="sm" type="none"/>
+                    </a:lnR>
+                    <a:lnT cap="flat" cmpd="sng" w="38100">
+                      <a:solidFill>
+                        <a:schemeClr val="dk1"/>
+                      </a:solidFill>
+                      <a:prstDash val="solid"/>
+                      <a:round/>
+                      <a:headEnd len="sm" w="sm" type="none"/>
+                      <a:tailEnd len="sm" w="sm" type="none"/>
+                    </a:lnT>
+                    <a:lnB cap="flat" cmpd="sng" w="38100">
+                      <a:solidFill>
+                        <a:schemeClr val="dk1"/>
+                      </a:solidFill>
+                      <a:prstDash val="solid"/>
+                      <a:round/>
+                      <a:headEnd len="sm" w="sm" type="none"/>
+                      <a:tailEnd len="sm" w="sm" type="none"/>
+                    </a:lnB>
+                  </a:tcPr>
+                </a:tc>
+              </a:tr>
+              <a:tr h="390525">
+                <a:tc>
+                  <a:txBody>
+                    <a:bodyPr/>
+                    <a:lstStyle/>
+                    <a:p>
+                      <a:pPr indent="0" lvl="0" marL="0" rtl="0" algn="l">
+                        <a:spcBef>
+                          <a:spcPts val="1200"/>
+                        </a:spcBef>
+                        <a:spcAft>
+                          <a:spcPts val="0"/>
+                        </a:spcAft>
+                        <a:buNone/>
+                      </a:pPr>
+                      <a:r>
+                        <a:rPr lang="ru-RU" sz="2500">
                           <a:solidFill>
                             <a:schemeClr val="dk1"/>
                           </a:solidFill>
-                          <a:highlight>
-                            <a:schemeClr val="lt1"/>
-                          </a:highlight>
-                          <a:latin typeface="Consolas"/>
-                          <a:ea typeface="Consolas"/>
-                          <a:cs typeface="Consolas"/>
-                          <a:sym typeface="Consolas"/>
+                          <a:latin typeface="Times New Roman"/>
+                          <a:ea typeface="Times New Roman"/>
+                          <a:cs typeface="Times New Roman"/>
+                          <a:sym typeface="Times New Roman"/>
                         </a:rPr>
-                        <a:t>&gt; go get github.com/Inspirate789/alloc</a:t>
+                        <a:t>Мьютекс</a:t>
                       </a:r>
-                      <a:endParaRPr/>
+                      <a:endParaRPr sz="2500">
+                        <a:latin typeface="Times New Roman"/>
+                        <a:ea typeface="Times New Roman"/>
+                        <a:cs typeface="Times New Roman"/>
+                        <a:sym typeface="Times New Roman"/>
+                      </a:endParaRPr>
                     </a:p>
                   </a:txBody>
-                  <a:tcPr marT="91425" marB="91425" marR="91425" marL="91425"/>
+                  <a:tcPr marT="54000" marB="54000" marR="54000" marL="54000">
+                    <a:lnL cap="flat" cmpd="sng" w="38100">
+                      <a:solidFill>
+                        <a:schemeClr val="dk1"/>
+                      </a:solidFill>
+                      <a:prstDash val="solid"/>
+                      <a:round/>
+                      <a:headEnd len="sm" w="sm" type="none"/>
+                      <a:tailEnd len="sm" w="sm" type="none"/>
+                    </a:lnL>
+                    <a:lnR cap="flat" cmpd="sng" w="38100">
+                      <a:solidFill>
+                        <a:schemeClr val="dk1"/>
+                      </a:solidFill>
+                      <a:prstDash val="solid"/>
+                      <a:round/>
+                      <a:headEnd len="sm" w="sm" type="none"/>
+                      <a:tailEnd len="sm" w="sm" type="none"/>
+                    </a:lnR>
+                    <a:lnT cap="flat" cmpd="sng" w="38100">
+                      <a:solidFill>
+                        <a:schemeClr val="dk1"/>
+                      </a:solidFill>
+                      <a:prstDash val="solid"/>
+                      <a:round/>
+                      <a:headEnd len="sm" w="sm" type="none"/>
+                      <a:tailEnd len="sm" w="sm" type="none"/>
+                    </a:lnT>
+                    <a:lnB cap="flat" cmpd="sng" w="9525">
+                      <a:solidFill>
+                        <a:schemeClr val="dk1"/>
+                      </a:solidFill>
+                      <a:prstDash val="solid"/>
+                      <a:round/>
+                      <a:headEnd len="sm" w="sm" type="none"/>
+                      <a:tailEnd len="sm" w="sm" type="none"/>
+                    </a:lnB>
+                  </a:tcPr>
+                </a:tc>
+                <a:tc>
+                  <a:txBody>
+                    <a:bodyPr/>
+                    <a:lstStyle/>
+                    <a:p>
+                      <a:pPr indent="0" lvl="0" marL="0" rtl="0" algn="l">
+                        <a:spcBef>
+                          <a:spcPts val="1200"/>
+                        </a:spcBef>
+                        <a:spcAft>
+                          <a:spcPts val="0"/>
+                        </a:spcAft>
+                        <a:buNone/>
+                      </a:pPr>
+                      <a:r>
+                        <a:rPr lang="ru-RU" sz="2500">
+                          <a:latin typeface="Times New Roman"/>
+                          <a:ea typeface="Times New Roman"/>
+                          <a:cs typeface="Times New Roman"/>
+                          <a:sym typeface="Times New Roman"/>
+                        </a:rPr>
+                        <a:t>24</a:t>
+                      </a:r>
+                      <a:endParaRPr sz="2500">
+                        <a:latin typeface="Times New Roman"/>
+                        <a:ea typeface="Times New Roman"/>
+                        <a:cs typeface="Times New Roman"/>
+                        <a:sym typeface="Times New Roman"/>
+                      </a:endParaRPr>
+                    </a:p>
+                  </a:txBody>
+                  <a:tcPr marT="54000" marB="54000" marR="54000" marL="54000">
+                    <a:lnL cap="flat" cmpd="sng" w="38100">
+                      <a:solidFill>
+                        <a:schemeClr val="dk1"/>
+                      </a:solidFill>
+                      <a:prstDash val="solid"/>
+                      <a:round/>
+                      <a:headEnd len="sm" w="sm" type="none"/>
+                      <a:tailEnd len="sm" w="sm" type="none"/>
+                    </a:lnL>
+                    <a:lnR cap="flat" cmpd="sng" w="38100">
+                      <a:solidFill>
+                        <a:schemeClr val="dk1"/>
+                      </a:solidFill>
+                      <a:prstDash val="solid"/>
+                      <a:round/>
+                      <a:headEnd len="sm" w="sm" type="none"/>
+                      <a:tailEnd len="sm" w="sm" type="none"/>
+                    </a:lnR>
+                    <a:lnT cap="flat" cmpd="sng" w="38100">
+                      <a:solidFill>
+                        <a:schemeClr val="dk1"/>
+                      </a:solidFill>
+                      <a:prstDash val="solid"/>
+                      <a:round/>
+                      <a:headEnd len="sm" w="sm" type="none"/>
+                      <a:tailEnd len="sm" w="sm" type="none"/>
+                    </a:lnT>
+                    <a:lnB cap="flat" cmpd="sng" w="9525">
+                      <a:solidFill>
+                        <a:schemeClr val="dk1"/>
+                      </a:solidFill>
+                      <a:prstDash val="solid"/>
+                      <a:round/>
+                      <a:headEnd len="sm" w="sm" type="none"/>
+                      <a:tailEnd len="sm" w="sm" type="none"/>
+                    </a:lnB>
+                  </a:tcPr>
+                </a:tc>
+              </a:tr>
+              <a:tr h="390525">
+                <a:tc>
+                  <a:txBody>
+                    <a:bodyPr/>
+                    <a:lstStyle/>
+                    <a:p>
+                      <a:pPr indent="0" lvl="0" marL="0" rtl="0" algn="l">
+                        <a:spcBef>
+                          <a:spcPts val="1200"/>
+                        </a:spcBef>
+                        <a:spcAft>
+                          <a:spcPts val="0"/>
+                        </a:spcAft>
+                        <a:buNone/>
+                      </a:pPr>
+                      <a:r>
+                        <a:rPr lang="ru-RU" sz="2500">
+                          <a:solidFill>
+                            <a:schemeClr val="dk1"/>
+                          </a:solidFill>
+                          <a:latin typeface="Times New Roman"/>
+                          <a:ea typeface="Times New Roman"/>
+                          <a:cs typeface="Times New Roman"/>
+                          <a:sym typeface="Times New Roman"/>
+                        </a:rPr>
+                        <a:t>Адрес объекта</a:t>
+                      </a:r>
+                      <a:endParaRPr sz="2500">
+                        <a:solidFill>
+                          <a:schemeClr val="dk1"/>
+                        </a:solidFill>
+                        <a:latin typeface="Times New Roman"/>
+                        <a:ea typeface="Times New Roman"/>
+                        <a:cs typeface="Times New Roman"/>
+                        <a:sym typeface="Times New Roman"/>
+                      </a:endParaRPr>
+                    </a:p>
+                  </a:txBody>
+                  <a:tcPr marT="54000" marB="54000" marR="54000" marL="54000">
+                    <a:lnL cap="flat" cmpd="sng" w="38100">
+                      <a:solidFill>
+                        <a:schemeClr val="dk1"/>
+                      </a:solidFill>
+                      <a:prstDash val="solid"/>
+                      <a:round/>
+                      <a:headEnd len="sm" w="sm" type="none"/>
+                      <a:tailEnd len="sm" w="sm" type="none"/>
+                    </a:lnL>
+                    <a:lnR cap="flat" cmpd="sng" w="38100">
+                      <a:solidFill>
+                        <a:schemeClr val="dk1"/>
+                      </a:solidFill>
+                      <a:prstDash val="solid"/>
+                      <a:round/>
+                      <a:headEnd len="sm" w="sm" type="none"/>
+                      <a:tailEnd len="sm" w="sm" type="none"/>
+                    </a:lnR>
+                    <a:lnT cap="flat" cmpd="sng" w="9525">
+                      <a:solidFill>
+                        <a:schemeClr val="dk1"/>
+                      </a:solidFill>
+                      <a:prstDash val="solid"/>
+                      <a:round/>
+                      <a:headEnd len="sm" w="sm" type="none"/>
+                      <a:tailEnd len="sm" w="sm" type="none"/>
+                    </a:lnT>
+                    <a:lnB cap="flat" cmpd="sng" w="9525">
+                      <a:solidFill>
+                        <a:schemeClr val="dk1"/>
+                      </a:solidFill>
+                      <a:prstDash val="solid"/>
+                      <a:round/>
+                      <a:headEnd len="sm" w="sm" type="none"/>
+                      <a:tailEnd len="sm" w="sm" type="none"/>
+                    </a:lnB>
+                  </a:tcPr>
+                </a:tc>
+                <a:tc>
+                  <a:txBody>
+                    <a:bodyPr/>
+                    <a:lstStyle/>
+                    <a:p>
+                      <a:pPr indent="0" lvl="0" marL="0" rtl="0" algn="l">
+                        <a:spcBef>
+                          <a:spcPts val="0"/>
+                        </a:spcBef>
+                        <a:spcAft>
+                          <a:spcPts val="0"/>
+                        </a:spcAft>
+                        <a:buNone/>
+                      </a:pPr>
+                      <a:r>
+                        <a:rPr lang="ru-RU" sz="2500">
+                          <a:latin typeface="Times New Roman"/>
+                          <a:ea typeface="Times New Roman"/>
+                          <a:cs typeface="Times New Roman"/>
+                          <a:sym typeface="Times New Roman"/>
+                        </a:rPr>
+                        <a:t>8</a:t>
+                      </a:r>
+                      <a:endParaRPr sz="2500">
+                        <a:latin typeface="Times New Roman"/>
+                        <a:ea typeface="Times New Roman"/>
+                        <a:cs typeface="Times New Roman"/>
+                        <a:sym typeface="Times New Roman"/>
+                      </a:endParaRPr>
+                    </a:p>
+                  </a:txBody>
+                  <a:tcPr marT="54000" marB="54000" marR="54000" marL="54000">
+                    <a:lnL cap="flat" cmpd="sng" w="38100">
+                      <a:solidFill>
+                        <a:schemeClr val="dk1"/>
+                      </a:solidFill>
+                      <a:prstDash val="solid"/>
+                      <a:round/>
+                      <a:headEnd len="sm" w="sm" type="none"/>
+                      <a:tailEnd len="sm" w="sm" type="none"/>
+                    </a:lnL>
+                    <a:lnR cap="flat" cmpd="sng" w="38100">
+                      <a:solidFill>
+                        <a:schemeClr val="dk1"/>
+                      </a:solidFill>
+                      <a:prstDash val="solid"/>
+                      <a:round/>
+                      <a:headEnd len="sm" w="sm" type="none"/>
+                      <a:tailEnd len="sm" w="sm" type="none"/>
+                    </a:lnR>
+                    <a:lnT cap="flat" cmpd="sng" w="9525">
+                      <a:solidFill>
+                        <a:schemeClr val="dk1"/>
+                      </a:solidFill>
+                      <a:prstDash val="solid"/>
+                      <a:round/>
+                      <a:headEnd len="sm" w="sm" type="none"/>
+                      <a:tailEnd len="sm" w="sm" type="none"/>
+                    </a:lnT>
+                    <a:lnB cap="flat" cmpd="sng" w="9525">
+                      <a:solidFill>
+                        <a:schemeClr val="dk1"/>
+                      </a:solidFill>
+                      <a:prstDash val="solid"/>
+                      <a:round/>
+                      <a:headEnd len="sm" w="sm" type="none"/>
+                      <a:tailEnd len="sm" w="sm" type="none"/>
+                    </a:lnB>
+                  </a:tcPr>
+                </a:tc>
+              </a:tr>
+              <a:tr h="390525">
+                <a:tc>
+                  <a:txBody>
+                    <a:bodyPr/>
+                    <a:lstStyle/>
+                    <a:p>
+                      <a:pPr indent="0" lvl="0" marL="0" rtl="0" algn="l">
+                        <a:spcBef>
+                          <a:spcPts val="1200"/>
+                        </a:spcBef>
+                        <a:spcAft>
+                          <a:spcPts val="0"/>
+                        </a:spcAft>
+                        <a:buNone/>
+                      </a:pPr>
+                      <a:r>
+                        <a:rPr lang="ru-RU" sz="2500">
+                          <a:solidFill>
+                            <a:schemeClr val="dk1"/>
+                          </a:solidFill>
+                          <a:latin typeface="Times New Roman"/>
+                          <a:ea typeface="Times New Roman"/>
+                          <a:cs typeface="Times New Roman"/>
+                          <a:sym typeface="Times New Roman"/>
+                        </a:rPr>
+                        <a:t>Метаданные о типе</a:t>
+                      </a:r>
+                      <a:endParaRPr sz="2500">
+                        <a:latin typeface="Times New Roman"/>
+                        <a:ea typeface="Times New Roman"/>
+                        <a:cs typeface="Times New Roman"/>
+                        <a:sym typeface="Times New Roman"/>
+                      </a:endParaRPr>
+                    </a:p>
+                  </a:txBody>
+                  <a:tcPr marT="54000" marB="54000" marR="54000" marL="54000">
+                    <a:lnL cap="flat" cmpd="sng" w="38100">
+                      <a:solidFill>
+                        <a:schemeClr val="dk1"/>
+                      </a:solidFill>
+                      <a:prstDash val="solid"/>
+                      <a:round/>
+                      <a:headEnd len="sm" w="sm" type="none"/>
+                      <a:tailEnd len="sm" w="sm" type="none"/>
+                    </a:lnL>
+                    <a:lnR cap="flat" cmpd="sng" w="38100">
+                      <a:solidFill>
+                        <a:schemeClr val="dk1"/>
+                      </a:solidFill>
+                      <a:prstDash val="solid"/>
+                      <a:round/>
+                      <a:headEnd len="sm" w="sm" type="none"/>
+                      <a:tailEnd len="sm" w="sm" type="none"/>
+                    </a:lnR>
+                    <a:lnT cap="flat" cmpd="sng" w="9525">
+                      <a:solidFill>
+                        <a:schemeClr val="dk1"/>
+                      </a:solidFill>
+                      <a:prstDash val="solid"/>
+                      <a:round/>
+                      <a:headEnd len="sm" w="sm" type="none"/>
+                      <a:tailEnd len="sm" w="sm" type="none"/>
+                    </a:lnT>
+                    <a:lnB cap="flat" cmpd="sng" w="9525">
+                      <a:solidFill>
+                        <a:schemeClr val="dk1"/>
+                      </a:solidFill>
+                      <a:prstDash val="solid"/>
+                      <a:round/>
+                      <a:headEnd len="sm" w="sm" type="none"/>
+                      <a:tailEnd len="sm" w="sm" type="none"/>
+                    </a:lnB>
+                  </a:tcPr>
+                </a:tc>
+                <a:tc>
+                  <a:txBody>
+                    <a:bodyPr/>
+                    <a:lstStyle/>
+                    <a:p>
+                      <a:pPr indent="0" lvl="0" marL="0" rtl="0" algn="l">
+                        <a:spcBef>
+                          <a:spcPts val="0"/>
+                        </a:spcBef>
+                        <a:spcAft>
+                          <a:spcPts val="0"/>
+                        </a:spcAft>
+                        <a:buNone/>
+                      </a:pPr>
+                      <a:r>
+                        <a:rPr lang="ru-RU" sz="2500">
+                          <a:latin typeface="Times New Roman"/>
+                          <a:ea typeface="Times New Roman"/>
+                          <a:cs typeface="Times New Roman"/>
+                          <a:sym typeface="Times New Roman"/>
+                        </a:rPr>
+                        <a:t>16</a:t>
+                      </a:r>
+                      <a:endParaRPr sz="2500">
+                        <a:latin typeface="Times New Roman"/>
+                        <a:ea typeface="Times New Roman"/>
+                        <a:cs typeface="Times New Roman"/>
+                        <a:sym typeface="Times New Roman"/>
+                      </a:endParaRPr>
+                    </a:p>
+                  </a:txBody>
+                  <a:tcPr marT="54000" marB="54000" marR="54000" marL="54000">
+                    <a:lnL cap="flat" cmpd="sng" w="38100">
+                      <a:solidFill>
+                        <a:schemeClr val="dk1"/>
+                      </a:solidFill>
+                      <a:prstDash val="solid"/>
+                      <a:round/>
+                      <a:headEnd len="sm" w="sm" type="none"/>
+                      <a:tailEnd len="sm" w="sm" type="none"/>
+                    </a:lnL>
+                    <a:lnR cap="flat" cmpd="sng" w="38100">
+                      <a:solidFill>
+                        <a:schemeClr val="dk1"/>
+                      </a:solidFill>
+                      <a:prstDash val="solid"/>
+                      <a:round/>
+                      <a:headEnd len="sm" w="sm" type="none"/>
+                      <a:tailEnd len="sm" w="sm" type="none"/>
+                    </a:lnR>
+                    <a:lnT cap="flat" cmpd="sng" w="9525">
+                      <a:solidFill>
+                        <a:schemeClr val="dk1"/>
+                      </a:solidFill>
+                      <a:prstDash val="solid"/>
+                      <a:round/>
+                      <a:headEnd len="sm" w="sm" type="none"/>
+                      <a:tailEnd len="sm" w="sm" type="none"/>
+                    </a:lnT>
+                    <a:lnB cap="flat" cmpd="sng" w="9525">
+                      <a:solidFill>
+                        <a:schemeClr val="dk1"/>
+                      </a:solidFill>
+                      <a:prstDash val="solid"/>
+                      <a:round/>
+                      <a:headEnd len="sm" w="sm" type="none"/>
+                      <a:tailEnd len="sm" w="sm" type="none"/>
+                    </a:lnB>
+                  </a:tcPr>
+                </a:tc>
+              </a:tr>
+              <a:tr h="390525">
+                <a:tc>
+                  <a:txBody>
+                    <a:bodyPr/>
+                    <a:lstStyle/>
+                    <a:p>
+                      <a:pPr indent="0" lvl="0" marL="0" rtl="0" algn="l">
+                        <a:spcBef>
+                          <a:spcPts val="1200"/>
+                        </a:spcBef>
+                        <a:spcAft>
+                          <a:spcPts val="0"/>
+                        </a:spcAft>
+                        <a:buNone/>
+                      </a:pPr>
+                      <a:r>
+                        <a:rPr lang="ru-RU" sz="2500">
+                          <a:latin typeface="Times New Roman"/>
+                          <a:ea typeface="Times New Roman"/>
+                          <a:cs typeface="Times New Roman"/>
+                          <a:sym typeface="Times New Roman"/>
+                        </a:rPr>
+                        <a:t>Указатель на арену памяти</a:t>
+                      </a:r>
+                      <a:endParaRPr sz="2500">
+                        <a:latin typeface="Times New Roman"/>
+                        <a:ea typeface="Times New Roman"/>
+                        <a:cs typeface="Times New Roman"/>
+                        <a:sym typeface="Times New Roman"/>
+                      </a:endParaRPr>
+                    </a:p>
+                  </a:txBody>
+                  <a:tcPr marT="54000" marB="54000" marR="54000" marL="54000">
+                    <a:lnL cap="flat" cmpd="sng" w="38100">
+                      <a:solidFill>
+                        <a:schemeClr val="dk1"/>
+                      </a:solidFill>
+                      <a:prstDash val="solid"/>
+                      <a:round/>
+                      <a:headEnd len="sm" w="sm" type="none"/>
+                      <a:tailEnd len="sm" w="sm" type="none"/>
+                    </a:lnL>
+                    <a:lnR cap="flat" cmpd="sng" w="38100">
+                      <a:solidFill>
+                        <a:schemeClr val="dk1"/>
+                      </a:solidFill>
+                      <a:prstDash val="solid"/>
+                      <a:round/>
+                      <a:headEnd len="sm" w="sm" type="none"/>
+                      <a:tailEnd len="sm" w="sm" type="none"/>
+                    </a:lnR>
+                    <a:lnT cap="flat" cmpd="sng" w="9525">
+                      <a:solidFill>
+                        <a:schemeClr val="dk1"/>
+                      </a:solidFill>
+                      <a:prstDash val="solid"/>
+                      <a:round/>
+                      <a:headEnd len="sm" w="sm" type="none"/>
+                      <a:tailEnd len="sm" w="sm" type="none"/>
+                    </a:lnT>
+                    <a:lnB cap="flat" cmpd="sng" w="9525">
+                      <a:solidFill>
+                        <a:schemeClr val="dk1"/>
+                      </a:solidFill>
+                      <a:prstDash val="solid"/>
+                      <a:round/>
+                      <a:headEnd len="sm" w="sm" type="none"/>
+                      <a:tailEnd len="sm" w="sm" type="none"/>
+                    </a:lnB>
+                  </a:tcPr>
+                </a:tc>
+                <a:tc>
+                  <a:txBody>
+                    <a:bodyPr/>
+                    <a:lstStyle/>
+                    <a:p>
+                      <a:pPr indent="0" lvl="0" marL="0" rtl="0" algn="l">
+                        <a:spcBef>
+                          <a:spcPts val="0"/>
+                        </a:spcBef>
+                        <a:spcAft>
+                          <a:spcPts val="0"/>
+                        </a:spcAft>
+                        <a:buNone/>
+                      </a:pPr>
+                      <a:r>
+                        <a:rPr lang="ru-RU" sz="2500">
+                          <a:latin typeface="Times New Roman"/>
+                          <a:ea typeface="Times New Roman"/>
+                          <a:cs typeface="Times New Roman"/>
+                          <a:sym typeface="Times New Roman"/>
+                        </a:rPr>
+                        <a:t>8</a:t>
+                      </a:r>
+                      <a:endParaRPr sz="2500">
+                        <a:latin typeface="Times New Roman"/>
+                        <a:ea typeface="Times New Roman"/>
+                        <a:cs typeface="Times New Roman"/>
+                        <a:sym typeface="Times New Roman"/>
+                      </a:endParaRPr>
+                    </a:p>
+                  </a:txBody>
+                  <a:tcPr marT="54000" marB="54000" marR="54000" marL="54000">
+                    <a:lnL cap="flat" cmpd="sng" w="38100">
+                      <a:solidFill>
+                        <a:schemeClr val="dk1"/>
+                      </a:solidFill>
+                      <a:prstDash val="solid"/>
+                      <a:round/>
+                      <a:headEnd len="sm" w="sm" type="none"/>
+                      <a:tailEnd len="sm" w="sm" type="none"/>
+                    </a:lnL>
+                    <a:lnR cap="flat" cmpd="sng" w="38100">
+                      <a:solidFill>
+                        <a:schemeClr val="dk1"/>
+                      </a:solidFill>
+                      <a:prstDash val="solid"/>
+                      <a:round/>
+                      <a:headEnd len="sm" w="sm" type="none"/>
+                      <a:tailEnd len="sm" w="sm" type="none"/>
+                    </a:lnR>
+                    <a:lnT cap="flat" cmpd="sng" w="9525">
+                      <a:solidFill>
+                        <a:schemeClr val="dk1"/>
+                      </a:solidFill>
+                      <a:prstDash val="solid"/>
+                      <a:round/>
+                      <a:headEnd len="sm" w="sm" type="none"/>
+                      <a:tailEnd len="sm" w="sm" type="none"/>
+                    </a:lnT>
+                    <a:lnB cap="flat" cmpd="sng" w="9525">
+                      <a:solidFill>
+                        <a:schemeClr val="dk1"/>
+                      </a:solidFill>
+                      <a:prstDash val="solid"/>
+                      <a:round/>
+                      <a:headEnd len="sm" w="sm" type="none"/>
+                      <a:tailEnd len="sm" w="sm" type="none"/>
+                    </a:lnB>
+                  </a:tcPr>
+                </a:tc>
+              </a:tr>
+              <a:tr h="694800">
+                <a:tc>
+                  <a:txBody>
+                    <a:bodyPr/>
+                    <a:lstStyle/>
+                    <a:p>
+                      <a:pPr indent="0" lvl="0" marL="0" rtl="0" algn="l">
+                        <a:spcBef>
+                          <a:spcPts val="1200"/>
+                        </a:spcBef>
+                        <a:spcAft>
+                          <a:spcPts val="0"/>
+                        </a:spcAft>
+                        <a:buNone/>
+                      </a:pPr>
+                      <a:r>
+                        <a:rPr lang="ru-RU" sz="2500">
+                          <a:solidFill>
+                            <a:schemeClr val="dk1"/>
+                          </a:solidFill>
+                          <a:latin typeface="Times New Roman"/>
+                          <a:ea typeface="Times New Roman"/>
+                          <a:cs typeface="Times New Roman"/>
+                          <a:sym typeface="Times New Roman"/>
+                        </a:rPr>
+                        <a:t>Идентификатор последней разметки</a:t>
+                      </a:r>
+                      <a:endParaRPr sz="2500">
+                        <a:latin typeface="Times New Roman"/>
+                        <a:ea typeface="Times New Roman"/>
+                        <a:cs typeface="Times New Roman"/>
+                        <a:sym typeface="Times New Roman"/>
+                      </a:endParaRPr>
+                    </a:p>
+                  </a:txBody>
+                  <a:tcPr marT="54000" marB="54000" marR="54000" marL="54000">
+                    <a:lnL cap="flat" cmpd="sng" w="38100">
+                      <a:solidFill>
+                        <a:schemeClr val="dk1"/>
+                      </a:solidFill>
+                      <a:prstDash val="solid"/>
+                      <a:round/>
+                      <a:headEnd len="sm" w="sm" type="none"/>
+                      <a:tailEnd len="sm" w="sm" type="none"/>
+                    </a:lnL>
+                    <a:lnR cap="flat" cmpd="sng" w="38100">
+                      <a:solidFill>
+                        <a:schemeClr val="dk1"/>
+                      </a:solidFill>
+                      <a:prstDash val="solid"/>
+                      <a:round/>
+                      <a:headEnd len="sm" w="sm" type="none"/>
+                      <a:tailEnd len="sm" w="sm" type="none"/>
+                    </a:lnR>
+                    <a:lnT cap="flat" cmpd="sng" w="9525">
+                      <a:solidFill>
+                        <a:schemeClr val="dk1"/>
+                      </a:solidFill>
+                      <a:prstDash val="solid"/>
+                      <a:round/>
+                      <a:headEnd len="sm" w="sm" type="none"/>
+                      <a:tailEnd len="sm" w="sm" type="none"/>
+                    </a:lnT>
+                    <a:lnB cap="flat" cmpd="sng" w="9525">
+                      <a:solidFill>
+                        <a:schemeClr val="dk1"/>
+                      </a:solidFill>
+                      <a:prstDash val="solid"/>
+                      <a:round/>
+                      <a:headEnd len="sm" w="sm" type="none"/>
+                      <a:tailEnd len="sm" w="sm" type="none"/>
+                    </a:lnB>
+                  </a:tcPr>
+                </a:tc>
+                <a:tc>
+                  <a:txBody>
+                    <a:bodyPr/>
+                    <a:lstStyle/>
+                    <a:p>
+                      <a:pPr indent="0" lvl="0" marL="0" rtl="0" algn="l">
+                        <a:spcBef>
+                          <a:spcPts val="0"/>
+                        </a:spcBef>
+                        <a:spcAft>
+                          <a:spcPts val="0"/>
+                        </a:spcAft>
+                        <a:buNone/>
+                      </a:pPr>
+                      <a:r>
+                        <a:rPr lang="ru-RU" sz="2500">
+                          <a:latin typeface="Times New Roman"/>
+                          <a:ea typeface="Times New Roman"/>
+                          <a:cs typeface="Times New Roman"/>
+                          <a:sym typeface="Times New Roman"/>
+                        </a:rPr>
+                        <a:t>8</a:t>
+                      </a:r>
+                      <a:endParaRPr sz="2500">
+                        <a:latin typeface="Times New Roman"/>
+                        <a:ea typeface="Times New Roman"/>
+                        <a:cs typeface="Times New Roman"/>
+                        <a:sym typeface="Times New Roman"/>
+                      </a:endParaRPr>
+                    </a:p>
+                  </a:txBody>
+                  <a:tcPr marT="54000" marB="54000" marR="54000" marL="54000">
+                    <a:lnL cap="flat" cmpd="sng" w="38100">
+                      <a:solidFill>
+                        <a:schemeClr val="dk1"/>
+                      </a:solidFill>
+                      <a:prstDash val="solid"/>
+                      <a:round/>
+                      <a:headEnd len="sm" w="sm" type="none"/>
+                      <a:tailEnd len="sm" w="sm" type="none"/>
+                    </a:lnL>
+                    <a:lnR cap="flat" cmpd="sng" w="38100">
+                      <a:solidFill>
+                        <a:schemeClr val="dk1"/>
+                      </a:solidFill>
+                      <a:prstDash val="solid"/>
+                      <a:round/>
+                      <a:headEnd len="sm" w="sm" type="none"/>
+                      <a:tailEnd len="sm" w="sm" type="none"/>
+                    </a:lnR>
+                    <a:lnT cap="flat" cmpd="sng" w="9525">
+                      <a:solidFill>
+                        <a:schemeClr val="dk1"/>
+                      </a:solidFill>
+                      <a:prstDash val="solid"/>
+                      <a:round/>
+                      <a:headEnd len="sm" w="sm" type="none"/>
+                      <a:tailEnd len="sm" w="sm" type="none"/>
+                    </a:lnT>
+                    <a:lnB cap="flat" cmpd="sng" w="9525">
+                      <a:solidFill>
+                        <a:schemeClr val="dk1"/>
+                      </a:solidFill>
+                      <a:prstDash val="solid"/>
+                      <a:round/>
+                      <a:headEnd len="sm" w="sm" type="none"/>
+                      <a:tailEnd len="sm" w="sm" type="none"/>
+                    </a:lnB>
+                  </a:tcPr>
+                </a:tc>
+              </a:tr>
+              <a:tr h="390525">
+                <a:tc>
+                  <a:txBody>
+                    <a:bodyPr/>
+                    <a:lstStyle/>
+                    <a:p>
+                      <a:pPr indent="0" lvl="0" marL="0" rtl="0" algn="l">
+                        <a:spcBef>
+                          <a:spcPts val="0"/>
+                        </a:spcBef>
+                        <a:spcAft>
+                          <a:spcPts val="0"/>
+                        </a:spcAft>
+                        <a:buNone/>
+                      </a:pPr>
+                      <a:r>
+                        <a:rPr lang="ru-RU" sz="2500">
+                          <a:solidFill>
+                            <a:schemeClr val="dk1"/>
+                          </a:solidFill>
+                          <a:latin typeface="Times New Roman"/>
+                          <a:ea typeface="Times New Roman"/>
+                          <a:cs typeface="Times New Roman"/>
+                          <a:sym typeface="Times New Roman"/>
+                        </a:rPr>
+                        <a:t>Флаг участия в цикле ссылок</a:t>
+                      </a:r>
+                      <a:endParaRPr sz="2500">
+                        <a:latin typeface="Times New Roman"/>
+                        <a:ea typeface="Times New Roman"/>
+                        <a:cs typeface="Times New Roman"/>
+                        <a:sym typeface="Times New Roman"/>
+                      </a:endParaRPr>
+                    </a:p>
+                  </a:txBody>
+                  <a:tcPr marT="54000" marB="54000" marR="54000" marL="54000">
+                    <a:lnL cap="flat" cmpd="sng" w="38100">
+                      <a:solidFill>
+                        <a:schemeClr val="dk1"/>
+                      </a:solidFill>
+                      <a:prstDash val="solid"/>
+                      <a:round/>
+                      <a:headEnd len="sm" w="sm" type="none"/>
+                      <a:tailEnd len="sm" w="sm" type="none"/>
+                    </a:lnL>
+                    <a:lnR cap="flat" cmpd="sng" w="38100">
+                      <a:solidFill>
+                        <a:schemeClr val="dk1"/>
+                      </a:solidFill>
+                      <a:prstDash val="solid"/>
+                      <a:round/>
+                      <a:headEnd len="sm" w="sm" type="none"/>
+                      <a:tailEnd len="sm" w="sm" type="none"/>
+                    </a:lnR>
+                    <a:lnT cap="flat" cmpd="sng" w="9525">
+                      <a:solidFill>
+                        <a:schemeClr val="dk1"/>
+                      </a:solidFill>
+                      <a:prstDash val="solid"/>
+                      <a:round/>
+                      <a:headEnd len="sm" w="sm" type="none"/>
+                      <a:tailEnd len="sm" w="sm" type="none"/>
+                    </a:lnT>
+                    <a:lnB cap="flat" cmpd="sng" w="9525">
+                      <a:solidFill>
+                        <a:schemeClr val="dk1"/>
+                      </a:solidFill>
+                      <a:prstDash val="solid"/>
+                      <a:round/>
+                      <a:headEnd len="sm" w="sm" type="none"/>
+                      <a:tailEnd len="sm" w="sm" type="none"/>
+                    </a:lnB>
+                  </a:tcPr>
+                </a:tc>
+                <a:tc>
+                  <a:txBody>
+                    <a:bodyPr/>
+                    <a:lstStyle/>
+                    <a:p>
+                      <a:pPr indent="0" lvl="0" marL="0" rtl="0" algn="l">
+                        <a:spcBef>
+                          <a:spcPts val="0"/>
+                        </a:spcBef>
+                        <a:spcAft>
+                          <a:spcPts val="0"/>
+                        </a:spcAft>
+                        <a:buNone/>
+                      </a:pPr>
+                      <a:r>
+                        <a:rPr lang="ru-RU" sz="2500">
+                          <a:latin typeface="Times New Roman"/>
+                          <a:ea typeface="Times New Roman"/>
+                          <a:cs typeface="Times New Roman"/>
+                          <a:sym typeface="Times New Roman"/>
+                        </a:rPr>
+                        <a:t>1</a:t>
+                      </a:r>
+                      <a:endParaRPr sz="2500">
+                        <a:latin typeface="Times New Roman"/>
+                        <a:ea typeface="Times New Roman"/>
+                        <a:cs typeface="Times New Roman"/>
+                        <a:sym typeface="Times New Roman"/>
+                      </a:endParaRPr>
+                    </a:p>
+                  </a:txBody>
+                  <a:tcPr marT="54000" marB="54000" marR="54000" marL="54000">
+                    <a:lnL cap="flat" cmpd="sng" w="38100">
+                      <a:solidFill>
+                        <a:schemeClr val="dk1"/>
+                      </a:solidFill>
+                      <a:prstDash val="solid"/>
+                      <a:round/>
+                      <a:headEnd len="sm" w="sm" type="none"/>
+                      <a:tailEnd len="sm" w="sm" type="none"/>
+                    </a:lnL>
+                    <a:lnR cap="flat" cmpd="sng" w="38100">
+                      <a:solidFill>
+                        <a:schemeClr val="dk1"/>
+                      </a:solidFill>
+                      <a:prstDash val="solid"/>
+                      <a:round/>
+                      <a:headEnd len="sm" w="sm" type="none"/>
+                      <a:tailEnd len="sm" w="sm" type="none"/>
+                    </a:lnR>
+                    <a:lnT cap="flat" cmpd="sng" w="9525">
+                      <a:solidFill>
+                        <a:schemeClr val="dk1"/>
+                      </a:solidFill>
+                      <a:prstDash val="solid"/>
+                      <a:round/>
+                      <a:headEnd len="sm" w="sm" type="none"/>
+                      <a:tailEnd len="sm" w="sm" type="none"/>
+                    </a:lnT>
+                    <a:lnB cap="flat" cmpd="sng" w="9525">
+                      <a:solidFill>
+                        <a:schemeClr val="dk1"/>
+                      </a:solidFill>
+                      <a:prstDash val="solid"/>
+                      <a:round/>
+                      <a:headEnd len="sm" w="sm" type="none"/>
+                      <a:tailEnd len="sm" w="sm" type="none"/>
+                    </a:lnB>
+                  </a:tcPr>
+                </a:tc>
+              </a:tr>
+              <a:tr h="390525">
+                <a:tc>
+                  <a:txBody>
+                    <a:bodyPr/>
+                    <a:lstStyle/>
+                    <a:p>
+                      <a:pPr indent="0" lvl="0" marL="0" rtl="0" algn="l">
+                        <a:spcBef>
+                          <a:spcPts val="0"/>
+                        </a:spcBef>
+                        <a:spcAft>
+                          <a:spcPts val="0"/>
+                        </a:spcAft>
+                        <a:buNone/>
+                      </a:pPr>
+                      <a:r>
+                        <a:rPr lang="ru-RU" sz="2500">
+                          <a:solidFill>
+                            <a:schemeClr val="dk1"/>
+                          </a:solidFill>
+                          <a:latin typeface="Times New Roman"/>
+                          <a:ea typeface="Times New Roman"/>
+                          <a:cs typeface="Times New Roman"/>
+                          <a:sym typeface="Times New Roman"/>
+                        </a:rPr>
+                        <a:t>Счётчик ссылок</a:t>
+                      </a:r>
+                      <a:endParaRPr sz="2500">
+                        <a:latin typeface="Times New Roman"/>
+                        <a:ea typeface="Times New Roman"/>
+                        <a:cs typeface="Times New Roman"/>
+                        <a:sym typeface="Times New Roman"/>
+                      </a:endParaRPr>
+                    </a:p>
+                  </a:txBody>
+                  <a:tcPr marT="54000" marB="54000" marR="54000" marL="54000">
+                    <a:lnL cap="flat" cmpd="sng" w="38100">
+                      <a:solidFill>
+                        <a:schemeClr val="dk1"/>
+                      </a:solidFill>
+                      <a:prstDash val="solid"/>
+                      <a:round/>
+                      <a:headEnd len="sm" w="sm" type="none"/>
+                      <a:tailEnd len="sm" w="sm" type="none"/>
+                    </a:lnL>
+                    <a:lnR cap="flat" cmpd="sng" w="38100">
+                      <a:solidFill>
+                        <a:schemeClr val="dk1"/>
+                      </a:solidFill>
+                      <a:prstDash val="solid"/>
+                      <a:round/>
+                      <a:headEnd len="sm" w="sm" type="none"/>
+                      <a:tailEnd len="sm" w="sm" type="none"/>
+                    </a:lnR>
+                    <a:lnT cap="flat" cmpd="sng" w="9525">
+                      <a:solidFill>
+                        <a:schemeClr val="dk1"/>
+                      </a:solidFill>
+                      <a:prstDash val="solid"/>
+                      <a:round/>
+                      <a:headEnd len="sm" w="sm" type="none"/>
+                      <a:tailEnd len="sm" w="sm" type="none"/>
+                    </a:lnT>
+                    <a:lnB cap="flat" cmpd="sng" w="9525">
+                      <a:solidFill>
+                        <a:schemeClr val="dk1"/>
+                      </a:solidFill>
+                      <a:prstDash val="solid"/>
+                      <a:round/>
+                      <a:headEnd len="sm" w="sm" type="none"/>
+                      <a:tailEnd len="sm" w="sm" type="none"/>
+                    </a:lnB>
+                  </a:tcPr>
+                </a:tc>
+                <a:tc>
+                  <a:txBody>
+                    <a:bodyPr/>
+                    <a:lstStyle/>
+                    <a:p>
+                      <a:pPr indent="0" lvl="0" marL="0" rtl="0" algn="l">
+                        <a:spcBef>
+                          <a:spcPts val="0"/>
+                        </a:spcBef>
+                        <a:spcAft>
+                          <a:spcPts val="0"/>
+                        </a:spcAft>
+                        <a:buNone/>
+                      </a:pPr>
+                      <a:r>
+                        <a:rPr lang="ru-RU" sz="2500">
+                          <a:latin typeface="Times New Roman"/>
+                          <a:ea typeface="Times New Roman"/>
+                          <a:cs typeface="Times New Roman"/>
+                          <a:sym typeface="Times New Roman"/>
+                        </a:rPr>
+                        <a:t>8</a:t>
+                      </a:r>
+                      <a:endParaRPr sz="2500">
+                        <a:latin typeface="Times New Roman"/>
+                        <a:ea typeface="Times New Roman"/>
+                        <a:cs typeface="Times New Roman"/>
+                        <a:sym typeface="Times New Roman"/>
+                      </a:endParaRPr>
+                    </a:p>
+                  </a:txBody>
+                  <a:tcPr marT="54000" marB="54000" marR="54000" marL="54000">
+                    <a:lnL cap="flat" cmpd="sng" w="38100">
+                      <a:solidFill>
+                        <a:schemeClr val="dk1"/>
+                      </a:solidFill>
+                      <a:prstDash val="solid"/>
+                      <a:round/>
+                      <a:headEnd len="sm" w="sm" type="none"/>
+                      <a:tailEnd len="sm" w="sm" type="none"/>
+                    </a:lnL>
+                    <a:lnR cap="flat" cmpd="sng" w="38100">
+                      <a:solidFill>
+                        <a:schemeClr val="dk1"/>
+                      </a:solidFill>
+                      <a:prstDash val="solid"/>
+                      <a:round/>
+                      <a:headEnd len="sm" w="sm" type="none"/>
+                      <a:tailEnd len="sm" w="sm" type="none"/>
+                    </a:lnR>
+                    <a:lnT cap="flat" cmpd="sng" w="9525">
+                      <a:solidFill>
+                        <a:schemeClr val="dk1"/>
+                      </a:solidFill>
+                      <a:prstDash val="solid"/>
+                      <a:round/>
+                      <a:headEnd len="sm" w="sm" type="none"/>
+                      <a:tailEnd len="sm" w="sm" type="none"/>
+                    </a:lnT>
+                    <a:lnB cap="flat" cmpd="sng" w="9525">
+                      <a:solidFill>
+                        <a:schemeClr val="dk1"/>
+                      </a:solidFill>
+                      <a:prstDash val="solid"/>
+                      <a:round/>
+                      <a:headEnd len="sm" w="sm" type="none"/>
+                      <a:tailEnd len="sm" w="sm" type="none"/>
+                    </a:lnB>
+                  </a:tcPr>
+                </a:tc>
+              </a:tr>
+              <a:tr h="390525">
+                <a:tc>
+                  <a:txBody>
+                    <a:bodyPr/>
+                    <a:lstStyle/>
+                    <a:p>
+                      <a:pPr indent="0" lvl="0" marL="0" rtl="0" algn="l">
+                        <a:spcBef>
+                          <a:spcPts val="0"/>
+                        </a:spcBef>
+                        <a:spcAft>
+                          <a:spcPts val="0"/>
+                        </a:spcAft>
+                        <a:buNone/>
+                      </a:pPr>
+                      <a:r>
+                        <a:rPr lang="ru-RU" sz="2500">
+                          <a:solidFill>
+                            <a:schemeClr val="dk1"/>
+                          </a:solidFill>
+                          <a:latin typeface="Times New Roman"/>
+                          <a:ea typeface="Times New Roman"/>
+                          <a:cs typeface="Times New Roman"/>
+                          <a:sym typeface="Times New Roman"/>
+                        </a:rPr>
+                        <a:t>Флаг финализации</a:t>
+                      </a:r>
+                      <a:endParaRPr sz="2500">
+                        <a:latin typeface="Times New Roman"/>
+                        <a:ea typeface="Times New Roman"/>
+                        <a:cs typeface="Times New Roman"/>
+                        <a:sym typeface="Times New Roman"/>
+                      </a:endParaRPr>
+                    </a:p>
+                  </a:txBody>
+                  <a:tcPr marT="54000" marB="54000" marR="54000" marL="54000">
+                    <a:lnL cap="flat" cmpd="sng" w="38100">
+                      <a:solidFill>
+                        <a:schemeClr val="dk1"/>
+                      </a:solidFill>
+                      <a:prstDash val="solid"/>
+                      <a:round/>
+                      <a:headEnd len="sm" w="sm" type="none"/>
+                      <a:tailEnd len="sm" w="sm" type="none"/>
+                    </a:lnL>
+                    <a:lnR cap="flat" cmpd="sng" w="38100">
+                      <a:solidFill>
+                        <a:schemeClr val="dk1"/>
+                      </a:solidFill>
+                      <a:prstDash val="solid"/>
+                      <a:round/>
+                      <a:headEnd len="sm" w="sm" type="none"/>
+                      <a:tailEnd len="sm" w="sm" type="none"/>
+                    </a:lnR>
+                    <a:lnT cap="flat" cmpd="sng" w="9525">
+                      <a:solidFill>
+                        <a:schemeClr val="dk1"/>
+                      </a:solidFill>
+                      <a:prstDash val="solid"/>
+                      <a:round/>
+                      <a:headEnd len="sm" w="sm" type="none"/>
+                      <a:tailEnd len="sm" w="sm" type="none"/>
+                    </a:lnT>
+                    <a:lnB cap="flat" cmpd="sng" w="38100">
+                      <a:solidFill>
+                        <a:schemeClr val="dk1"/>
+                      </a:solidFill>
+                      <a:prstDash val="solid"/>
+                      <a:round/>
+                      <a:headEnd len="sm" w="sm" type="none"/>
+                      <a:tailEnd len="sm" w="sm" type="none"/>
+                    </a:lnB>
+                  </a:tcPr>
+                </a:tc>
+                <a:tc>
+                  <a:txBody>
+                    <a:bodyPr/>
+                    <a:lstStyle/>
+                    <a:p>
+                      <a:pPr indent="0" lvl="0" marL="0" rtl="0" algn="l">
+                        <a:spcBef>
+                          <a:spcPts val="0"/>
+                        </a:spcBef>
+                        <a:spcAft>
+                          <a:spcPts val="0"/>
+                        </a:spcAft>
+                        <a:buNone/>
+                      </a:pPr>
+                      <a:r>
+                        <a:rPr lang="ru-RU" sz="2500">
+                          <a:latin typeface="Times New Roman"/>
+                          <a:ea typeface="Times New Roman"/>
+                          <a:cs typeface="Times New Roman"/>
+                          <a:sym typeface="Times New Roman"/>
+                        </a:rPr>
+                        <a:t>4</a:t>
+                      </a:r>
+                      <a:endParaRPr sz="2500">
+                        <a:latin typeface="Times New Roman"/>
+                        <a:ea typeface="Times New Roman"/>
+                        <a:cs typeface="Times New Roman"/>
+                        <a:sym typeface="Times New Roman"/>
+                      </a:endParaRPr>
+                    </a:p>
+                  </a:txBody>
+                  <a:tcPr marT="54000" marB="54000" marR="54000" marL="54000">
+                    <a:lnL cap="flat" cmpd="sng" w="38100">
+                      <a:solidFill>
+                        <a:schemeClr val="dk1"/>
+                      </a:solidFill>
+                      <a:prstDash val="solid"/>
+                      <a:round/>
+                      <a:headEnd len="sm" w="sm" type="none"/>
+                      <a:tailEnd len="sm" w="sm" type="none"/>
+                    </a:lnL>
+                    <a:lnR cap="flat" cmpd="sng" w="38100">
+                      <a:solidFill>
+                        <a:schemeClr val="dk1"/>
+                      </a:solidFill>
+                      <a:prstDash val="solid"/>
+                      <a:round/>
+                      <a:headEnd len="sm" w="sm" type="none"/>
+                      <a:tailEnd len="sm" w="sm" type="none"/>
+                    </a:lnR>
+                    <a:lnT cap="flat" cmpd="sng" w="9525">
+                      <a:solidFill>
+                        <a:schemeClr val="dk1"/>
+                      </a:solidFill>
+                      <a:prstDash val="solid"/>
+                      <a:round/>
+                      <a:headEnd len="sm" w="sm" type="none"/>
+                      <a:tailEnd len="sm" w="sm" type="none"/>
+                    </a:lnT>
+                    <a:lnB cap="flat" cmpd="sng" w="38100">
+                      <a:solidFill>
+                        <a:schemeClr val="dk1"/>
+                      </a:solidFill>
+                      <a:prstDash val="solid"/>
+                      <a:round/>
+                      <a:headEnd len="sm" w="sm" type="none"/>
+                      <a:tailEnd len="sm" w="sm" type="none"/>
+                    </a:lnB>
+                  </a:tcPr>
+                </a:tc>
+              </a:tr>
+              <a:tr h="390525">
+                <a:tc>
+                  <a:txBody>
+                    <a:bodyPr/>
+                    <a:lstStyle/>
+                    <a:p>
+                      <a:pPr indent="0" lvl="0" marL="0" rtl="0" algn="l">
+                        <a:spcBef>
+                          <a:spcPts val="0"/>
+                        </a:spcBef>
+                        <a:spcAft>
+                          <a:spcPts val="0"/>
+                        </a:spcAft>
+                        <a:buNone/>
+                      </a:pPr>
+                      <a:r>
+                        <a:rPr b="1" lang="ru-RU" sz="2500">
+                          <a:latin typeface="Times New Roman"/>
+                          <a:ea typeface="Times New Roman"/>
+                          <a:cs typeface="Times New Roman"/>
+                          <a:sym typeface="Times New Roman"/>
+                        </a:rPr>
+                        <a:t>Итого (с учётом выравнивания)</a:t>
+                      </a:r>
+                      <a:endParaRPr b="1" sz="2500">
+                        <a:latin typeface="Times New Roman"/>
+                        <a:ea typeface="Times New Roman"/>
+                        <a:cs typeface="Times New Roman"/>
+                        <a:sym typeface="Times New Roman"/>
+                      </a:endParaRPr>
+                    </a:p>
+                  </a:txBody>
+                  <a:tcPr marT="54000" marB="54000" marR="54000" marL="54000">
+                    <a:lnL cap="flat" cmpd="sng" w="38100">
+                      <a:solidFill>
+                        <a:schemeClr val="dk1"/>
+                      </a:solidFill>
+                      <a:prstDash val="solid"/>
+                      <a:round/>
+                      <a:headEnd len="sm" w="sm" type="none"/>
+                      <a:tailEnd len="sm" w="sm" type="none"/>
+                    </a:lnL>
+                    <a:lnR cap="flat" cmpd="sng" w="38100">
+                      <a:solidFill>
+                        <a:schemeClr val="dk1"/>
+                      </a:solidFill>
+                      <a:prstDash val="solid"/>
+                      <a:round/>
+                      <a:headEnd len="sm" w="sm" type="none"/>
+                      <a:tailEnd len="sm" w="sm" type="none"/>
+                    </a:lnR>
+                    <a:lnT cap="flat" cmpd="sng" w="38100">
+                      <a:solidFill>
+                        <a:schemeClr val="dk1"/>
+                      </a:solidFill>
+                      <a:prstDash val="solid"/>
+                      <a:round/>
+                      <a:headEnd len="sm" w="sm" type="none"/>
+                      <a:tailEnd len="sm" w="sm" type="none"/>
+                    </a:lnT>
+                    <a:lnB cap="flat" cmpd="sng" w="38100">
+                      <a:solidFill>
+                        <a:schemeClr val="dk1"/>
+                      </a:solidFill>
+                      <a:prstDash val="solid"/>
+                      <a:round/>
+                      <a:headEnd len="sm" w="sm" type="none"/>
+                      <a:tailEnd len="sm" w="sm" type="none"/>
+                    </a:lnB>
+                  </a:tcPr>
+                </a:tc>
+                <a:tc>
+                  <a:txBody>
+                    <a:bodyPr/>
+                    <a:lstStyle/>
+                    <a:p>
+                      <a:pPr indent="0" lvl="0" marL="0" rtl="0" algn="l">
+                        <a:spcBef>
+                          <a:spcPts val="0"/>
+                        </a:spcBef>
+                        <a:spcAft>
+                          <a:spcPts val="0"/>
+                        </a:spcAft>
+                        <a:buNone/>
+                      </a:pPr>
+                      <a:r>
+                        <a:rPr b="1" lang="ru-RU" sz="2500">
+                          <a:latin typeface="Times New Roman"/>
+                          <a:ea typeface="Times New Roman"/>
+                          <a:cs typeface="Times New Roman"/>
+                          <a:sym typeface="Times New Roman"/>
+                        </a:rPr>
+                        <a:t>88</a:t>
+                      </a:r>
+                      <a:endParaRPr b="1" sz="2500">
+                        <a:latin typeface="Times New Roman"/>
+                        <a:ea typeface="Times New Roman"/>
+                        <a:cs typeface="Times New Roman"/>
+                        <a:sym typeface="Times New Roman"/>
+                      </a:endParaRPr>
+                    </a:p>
+                  </a:txBody>
+                  <a:tcPr marT="54000" marB="54000" marR="54000" marL="54000">
+                    <a:lnL cap="flat" cmpd="sng" w="38100">
+                      <a:solidFill>
+                        <a:schemeClr val="dk1"/>
+                      </a:solidFill>
+                      <a:prstDash val="solid"/>
+                      <a:round/>
+                      <a:headEnd len="sm" w="sm" type="none"/>
+                      <a:tailEnd len="sm" w="sm" type="none"/>
+                    </a:lnL>
+                    <a:lnR cap="flat" cmpd="sng" w="38100">
+                      <a:solidFill>
+                        <a:schemeClr val="dk1"/>
+                      </a:solidFill>
+                      <a:prstDash val="solid"/>
+                      <a:round/>
+                      <a:headEnd len="sm" w="sm" type="none"/>
+                      <a:tailEnd len="sm" w="sm" type="none"/>
+                    </a:lnR>
+                    <a:lnT cap="flat" cmpd="sng" w="38100">
+                      <a:solidFill>
+                        <a:schemeClr val="dk1"/>
+                      </a:solidFill>
+                      <a:prstDash val="solid"/>
+                      <a:round/>
+                      <a:headEnd len="sm" w="sm" type="none"/>
+                      <a:tailEnd len="sm" w="sm" type="none"/>
+                    </a:lnT>
+                    <a:lnB cap="flat" cmpd="sng" w="38100">
+                      <a:solidFill>
+                        <a:schemeClr val="dk1"/>
+                      </a:solidFill>
+                      <a:prstDash val="solid"/>
+                      <a:round/>
+                      <a:headEnd len="sm" w="sm" type="none"/>
+                      <a:tailEnd len="sm" w="sm" type="none"/>
+                    </a:lnB>
+                  </a:tcPr>
                 </a:tc>
               </a:tr>
             </a:tbl>
@@ -16379,7 +18671,7 @@
   <p:cSld>
     <p:spTree>
       <p:nvGrpSpPr>
-        <p:cNvPr id="200" name="Shape 200"/>
+        <p:cNvPr id="199" name="Shape 199"/>
         <p:cNvGrpSpPr/>
         <p:nvPr/>
       </p:nvGrpSpPr>
@@ -16393,7 +18685,7 @@
       </p:grpSpPr>
       <p:sp>
         <p:nvSpPr>
-          <p:cNvPr id="201" name="Google Shape;201;p26"/>
+          <p:cNvPr id="200" name="Google Shape;200;p26"/>
           <p:cNvSpPr txBox="1"/>
           <p:nvPr>
             <p:ph type="title"/>
@@ -16469,7 +18761,7 @@
       </p:sp>
       <p:sp>
         <p:nvSpPr>
-          <p:cNvPr id="202" name="Google Shape;202;p26"/>
+          <p:cNvPr id="201" name="Google Shape;201;p26"/>
           <p:cNvSpPr txBox="1"/>
           <p:nvPr/>
         </p:nvSpPr>
@@ -16582,7 +18874,7 @@
               <a:t> = 0 </a:t>
             </a:r>
             <a:r>
-              <a:rPr b="1" i="1" lang="ru-RU" sz="2500">
+              <a:rPr b="1" lang="ru-RU" sz="2500">
                 <a:solidFill>
                   <a:schemeClr val="dk1"/>
                 </a:solidFill>
@@ -16593,7 +18885,19 @@
               </a:rPr>
               <a:t>(не рассматривается)</a:t>
             </a:r>
-            <a:endParaRPr b="1" i="1" sz="2500">
+            <a:r>
+              <a:rPr lang="ru-RU" sz="2500">
+                <a:solidFill>
+                  <a:schemeClr val="dk1"/>
+                </a:solidFill>
+                <a:latin typeface="Times New Roman"/>
+                <a:ea typeface="Times New Roman"/>
+                <a:cs typeface="Times New Roman"/>
+                <a:sym typeface="Times New Roman"/>
+              </a:rPr>
+              <a:t>;</a:t>
+            </a:r>
+            <a:endParaRPr sz="2500">
               <a:solidFill>
                 <a:schemeClr val="dk1"/>
               </a:solidFill>
@@ -17381,7 +19685,7 @@
       </p:sp>
       <p:sp>
         <p:nvSpPr>
-          <p:cNvPr id="203" name="Google Shape;203;p26"/>
+          <p:cNvPr id="202" name="Google Shape;202;p26"/>
           <p:cNvSpPr txBox="1"/>
           <p:nvPr>
             <p:ph idx="12" type="sldNum"/>
@@ -17425,7 +19729,7 @@
       </p:sp>
       <p:pic>
         <p:nvPicPr>
-          <p:cNvPr id="204" name="Google Shape;204;p26"/>
+          <p:cNvPr id="203" name="Google Shape;203;p26"/>
           <p:cNvPicPr preferRelativeResize="0"/>
           <p:nvPr/>
         </p:nvPicPr>
@@ -17439,8 +19743,8 @@
         </p:blipFill>
         <p:spPr>
           <a:xfrm>
-            <a:off x="6079275" y="1325700"/>
-            <a:ext cx="5274525" cy="3898975"/>
+            <a:off x="6113575" y="1325688"/>
+            <a:ext cx="5240225" cy="3890328"/>
           </a:xfrm>
           <a:prstGeom prst="rect">
             <a:avLst/>
@@ -17464,7 +19768,7 @@
   <p:cSld>
     <p:spTree>
       <p:nvGrpSpPr>
-        <p:cNvPr id="209" name="Shape 209"/>
+        <p:cNvPr id="208" name="Shape 208"/>
         <p:cNvGrpSpPr/>
         <p:nvPr/>
       </p:nvGrpSpPr>
@@ -17476,6 +19780,34 @@
           <a:chExt cx="0" cy="0"/>
         </a:xfrm>
       </p:grpSpPr>
+      <p:pic>
+        <p:nvPicPr>
+          <p:cNvPr id="209" name="Google Shape;209;p27"/>
+          <p:cNvPicPr preferRelativeResize="0"/>
+          <p:nvPr/>
+        </p:nvPicPr>
+        <p:blipFill>
+          <a:blip r:embed="rId3">
+            <a:alphaModFix/>
+          </a:blip>
+          <a:stretch>
+            <a:fillRect/>
+          </a:stretch>
+        </p:blipFill>
+        <p:spPr>
+          <a:xfrm>
+            <a:off x="1106625" y="1250325"/>
+            <a:ext cx="4425548" cy="2755940"/>
+          </a:xfrm>
+          <a:prstGeom prst="rect">
+            <a:avLst/>
+          </a:prstGeom>
+          <a:noFill/>
+          <a:ln>
+            <a:noFill/>
+          </a:ln>
+        </p:spPr>
+      </p:pic>
       <p:sp>
         <p:nvSpPr>
           <p:cNvPr id="210" name="Google Shape;210;p27"/>
@@ -17807,34 +20139,108 @@
           </a:p>
         </p:txBody>
       </p:sp>
-      <p:pic>
-        <p:nvPicPr>
+      <p:graphicFrame>
+        <p:nvGraphicFramePr>
           <p:cNvPr id="213" name="Google Shape;213;p27"/>
-          <p:cNvPicPr preferRelativeResize="0"/>
+          <p:cNvGraphicFramePr/>
           <p:nvPr/>
-        </p:nvPicPr>
-        <p:blipFill>
-          <a:blip r:embed="rId3">
-            <a:alphaModFix/>
-          </a:blip>
-          <a:stretch>
-            <a:fillRect/>
-          </a:stretch>
-        </p:blipFill>
-        <p:spPr>
-          <a:xfrm>
-            <a:off x="384263" y="1396862"/>
-            <a:ext cx="5541057" cy="2626724"/>
-          </a:xfrm>
-          <a:prstGeom prst="rect">
-            <a:avLst/>
-          </a:prstGeom>
-          <a:noFill/>
-          <a:ln>
-            <a:noFill/>
-          </a:ln>
-        </p:spPr>
-      </p:pic>
+        </p:nvGraphicFramePr>
+        <p:xfrm>
+          <a:off x="4831575" y="3050175"/>
+          <a:ext cx="3000000" cy="3000000"/>
+        </p:xfrm>
+        <a:graphic>
+          <a:graphicData uri="http://schemas.openxmlformats.org/drawingml/2006/table">
+            <a:tbl>
+              <a:tblPr>
+                <a:noFill/>
+                <a:tableStyleId>{3040A678-AA60-46EF-9325-F8BF5F913F62}</a:tableStyleId>
+              </a:tblPr>
+              <a:tblGrid>
+                <a:gridCol w="532800"/>
+              </a:tblGrid>
+              <a:tr h="381000">
+                <a:tc>
+                  <a:txBody>
+                    <a:bodyPr/>
+                    <a:lstStyle/>
+                    <a:p>
+                      <a:pPr indent="0" lvl="0" marL="0" rtl="0" algn="l">
+                        <a:spcBef>
+                          <a:spcPts val="0"/>
+                        </a:spcBef>
+                        <a:spcAft>
+                          <a:spcPts val="0"/>
+                        </a:spcAft>
+                        <a:buNone/>
+                      </a:pPr>
+                      <a:r>
+                        <a:rPr lang="ru-RU" sz="3000">
+                          <a:highlight>
+                            <a:schemeClr val="lt1"/>
+                          </a:highlight>
+                          <a:latin typeface="Times New Roman"/>
+                          <a:ea typeface="Times New Roman"/>
+                          <a:cs typeface="Times New Roman"/>
+                          <a:sym typeface="Times New Roman"/>
+                        </a:rPr>
+                        <a:t>VC</a:t>
+                      </a:r>
+                      <a:endParaRPr sz="3000">
+                        <a:highlight>
+                          <a:schemeClr val="lt1"/>
+                        </a:highlight>
+                        <a:latin typeface="Times New Roman"/>
+                        <a:ea typeface="Times New Roman"/>
+                        <a:cs typeface="Times New Roman"/>
+                        <a:sym typeface="Times New Roman"/>
+                      </a:endParaRPr>
+                    </a:p>
+                  </a:txBody>
+                  <a:tcPr marT="0" marB="0" marR="0" marL="0">
+                    <a:lnL cap="flat" cmpd="sng" w="9525">
+                      <a:solidFill>
+                        <a:schemeClr val="dk1"/>
+                      </a:solidFill>
+                      <a:prstDash val="solid"/>
+                      <a:round/>
+                      <a:headEnd len="sm" w="sm" type="none"/>
+                      <a:tailEnd len="sm" w="sm" type="none"/>
+                    </a:lnL>
+                    <a:lnR cap="flat" cmpd="sng" w="9525">
+                      <a:solidFill>
+                        <a:schemeClr val="dk1"/>
+                      </a:solidFill>
+                      <a:prstDash val="solid"/>
+                      <a:round/>
+                      <a:headEnd len="sm" w="sm" type="none"/>
+                      <a:tailEnd len="sm" w="sm" type="none"/>
+                    </a:lnR>
+                    <a:lnT cap="flat" cmpd="sng" w="9525">
+                      <a:solidFill>
+                        <a:schemeClr val="dk1"/>
+                      </a:solidFill>
+                      <a:prstDash val="solid"/>
+                      <a:round/>
+                      <a:headEnd len="sm" w="sm" type="none"/>
+                      <a:tailEnd len="sm" w="sm" type="none"/>
+                    </a:lnT>
+                    <a:lnB cap="flat" cmpd="sng" w="9525">
+                      <a:solidFill>
+                        <a:schemeClr val="dk1"/>
+                      </a:solidFill>
+                      <a:prstDash val="solid"/>
+                      <a:round/>
+                      <a:headEnd len="sm" w="sm" type="none"/>
+                      <a:tailEnd len="sm" w="sm" type="none"/>
+                    </a:lnB>
+                  </a:tcPr>
+                </a:tc>
+              </a:tr>
+            </a:tbl>
+          </a:graphicData>
+        </a:graphic>
+      </p:graphicFrame>
       <p:pic>
         <p:nvPicPr>
           <p:cNvPr id="214" name="Google Shape;214;p27"/>
@@ -17851,8 +20257,8 @@
         </p:blipFill>
         <p:spPr>
           <a:xfrm>
-            <a:off x="6220875" y="1396850"/>
-            <a:ext cx="5541052" cy="2626724"/>
+            <a:off x="6778625" y="1250325"/>
+            <a:ext cx="4425548" cy="2755940"/>
           </a:xfrm>
           <a:prstGeom prst="rect">
             <a:avLst/>
@@ -17879,8 +20285,8 @@
         </p:blipFill>
         <p:spPr>
           <a:xfrm>
-            <a:off x="386575" y="4094725"/>
-            <a:ext cx="5536452" cy="2626726"/>
+            <a:off x="1106625" y="4030137"/>
+            <a:ext cx="4425548" cy="2755925"/>
           </a:xfrm>
           <a:prstGeom prst="rect">
             <a:avLst/>
@@ -17898,7 +20304,7 @@
           <p:nvPr/>
         </p:nvGraphicFramePr>
         <p:xfrm>
-          <a:off x="5148588" y="5355650"/>
+          <a:off x="10501525" y="3050175"/>
           <a:ext cx="3000000" cy="3000000"/>
         </p:xfrm>
         <a:graphic>
@@ -17906,10 +20312,10 @@
             <a:tbl>
               <a:tblPr>
                 <a:noFill/>
-                <a:tableStyleId>{570A7BF6-090D-43EB-A9A2-8F647BD2D7F3}</a:tableStyleId>
+                <a:tableStyleId>{3040A678-AA60-46EF-9325-F8BF5F913F62}</a:tableStyleId>
               </a:tblPr>
               <a:tblGrid>
-                <a:gridCol w="649725"/>
+                <a:gridCol w="511200"/>
               </a:tblGrid>
               <a:tr h="381000">
                 <a:tc>
@@ -17927,15 +20333,21 @@
                         <a:buNone/>
                       </a:pPr>
                       <a:r>
-                        <a:rPr lang="ru-RU" sz="2500">
+                        <a:rPr lang="ru-RU" sz="3000">
+                          <a:highlight>
+                            <a:schemeClr val="lt1"/>
+                          </a:highlight>
                           <a:latin typeface="Times New Roman"/>
                           <a:ea typeface="Times New Roman"/>
                           <a:cs typeface="Times New Roman"/>
                           <a:sym typeface="Times New Roman"/>
                         </a:rPr>
-                        <a:t>VQ</a:t>
+                        <a:t>VL</a:t>
                       </a:r>
-                      <a:endParaRPr sz="2500">
+                      <a:endParaRPr sz="3000">
+                        <a:highlight>
+                          <a:schemeClr val="lt1"/>
+                        </a:highlight>
                         <a:latin typeface="Times New Roman"/>
                         <a:ea typeface="Times New Roman"/>
                         <a:cs typeface="Times New Roman"/>
@@ -17943,7 +20355,7 @@
                       </a:endParaRPr>
                     </a:p>
                   </a:txBody>
-                  <a:tcPr marT="91425" marB="91425" marR="91425" marL="91425">
+                  <a:tcPr marT="0" marB="0" marR="0" marL="0">
                     <a:lnL cap="flat" cmpd="sng" w="9525">
                       <a:solidFill>
                         <a:schemeClr val="dk1"/>
@@ -17994,7 +20406,7 @@
           <p:nvPr/>
         </p:nvGraphicFramePr>
         <p:xfrm>
-          <a:off x="5129700" y="2979925"/>
+          <a:off x="4822575" y="5861600"/>
           <a:ext cx="3000000" cy="3000000"/>
         </p:xfrm>
         <a:graphic>
@@ -18002,10 +20414,10 @@
             <a:tbl>
               <a:tblPr>
                 <a:noFill/>
-                <a:tableStyleId>{570A7BF6-090D-43EB-A9A2-8F647BD2D7F3}</a:tableStyleId>
+                <a:tableStyleId>{3040A678-AA60-46EF-9325-F8BF5F913F62}</a:tableStyleId>
               </a:tblPr>
               <a:tblGrid>
-                <a:gridCol w="628950"/>
+                <a:gridCol w="550800"/>
               </a:tblGrid>
               <a:tr h="381000">
                 <a:tc>
@@ -18023,15 +20435,21 @@
                         <a:buNone/>
                       </a:pPr>
                       <a:r>
-                        <a:rPr lang="ru-RU" sz="2500">
+                        <a:rPr lang="ru-RU" sz="3000">
+                          <a:highlight>
+                            <a:schemeClr val="lt1"/>
+                          </a:highlight>
                           <a:latin typeface="Times New Roman"/>
                           <a:ea typeface="Times New Roman"/>
                           <a:cs typeface="Times New Roman"/>
                           <a:sym typeface="Times New Roman"/>
                         </a:rPr>
-                        <a:t>VC</a:t>
+                        <a:t>VQ</a:t>
                       </a:r>
-                      <a:endParaRPr sz="2500">
+                      <a:endParaRPr sz="3000">
+                        <a:highlight>
+                          <a:schemeClr val="lt1"/>
+                        </a:highlight>
                         <a:latin typeface="Times New Roman"/>
                         <a:ea typeface="Times New Roman"/>
                         <a:cs typeface="Times New Roman"/>
@@ -18039,103 +20457,7 @@
                       </a:endParaRPr>
                     </a:p>
                   </a:txBody>
-                  <a:tcPr marT="91425" marB="91425" marR="91425" marL="91425">
-                    <a:lnL cap="flat" cmpd="sng" w="9525">
-                      <a:solidFill>
-                        <a:schemeClr val="dk1"/>
-                      </a:solidFill>
-                      <a:prstDash val="solid"/>
-                      <a:round/>
-                      <a:headEnd len="sm" w="sm" type="none"/>
-                      <a:tailEnd len="sm" w="sm" type="none"/>
-                    </a:lnL>
-                    <a:lnR cap="flat" cmpd="sng" w="9525">
-                      <a:solidFill>
-                        <a:schemeClr val="dk1"/>
-                      </a:solidFill>
-                      <a:prstDash val="solid"/>
-                      <a:round/>
-                      <a:headEnd len="sm" w="sm" type="none"/>
-                      <a:tailEnd len="sm" w="sm" type="none"/>
-                    </a:lnR>
-                    <a:lnT cap="flat" cmpd="sng" w="9525">
-                      <a:solidFill>
-                        <a:schemeClr val="dk1"/>
-                      </a:solidFill>
-                      <a:prstDash val="solid"/>
-                      <a:round/>
-                      <a:headEnd len="sm" w="sm" type="none"/>
-                      <a:tailEnd len="sm" w="sm" type="none"/>
-                    </a:lnT>
-                    <a:lnB cap="flat" cmpd="sng" w="9525">
-                      <a:solidFill>
-                        <a:schemeClr val="dk1"/>
-                      </a:solidFill>
-                      <a:prstDash val="solid"/>
-                      <a:round/>
-                      <a:headEnd len="sm" w="sm" type="none"/>
-                      <a:tailEnd len="sm" w="sm" type="none"/>
-                    </a:lnB>
-                  </a:tcPr>
-                </a:tc>
-              </a:tr>
-            </a:tbl>
-          </a:graphicData>
-        </a:graphic>
-      </p:graphicFrame>
-      <p:graphicFrame>
-        <p:nvGraphicFramePr>
-          <p:cNvPr id="218" name="Google Shape;218;p27"/>
-          <p:cNvGraphicFramePr/>
-          <p:nvPr/>
-        </p:nvGraphicFramePr>
-        <p:xfrm>
-          <a:off x="10961875" y="2979925"/>
-          <a:ext cx="3000000" cy="3000000"/>
-        </p:xfrm>
-        <a:graphic>
-          <a:graphicData uri="http://schemas.openxmlformats.org/drawingml/2006/table">
-            <a:tbl>
-              <a:tblPr>
-                <a:noFill/>
-                <a:tableStyleId>{570A7BF6-090D-43EB-A9A2-8F647BD2D7F3}</a:tableStyleId>
-              </a:tblPr>
-              <a:tblGrid>
-                <a:gridCol w="628950"/>
-              </a:tblGrid>
-              <a:tr h="381000">
-                <a:tc>
-                  <a:txBody>
-                    <a:bodyPr/>
-                    <a:lstStyle/>
-                    <a:p>
-                      <a:pPr indent="0" lvl="0" marL="0" rtl="0" algn="l">
-                        <a:spcBef>
-                          <a:spcPts val="0"/>
-                        </a:spcBef>
-                        <a:spcAft>
-                          <a:spcPts val="0"/>
-                        </a:spcAft>
-                        <a:buNone/>
-                      </a:pPr>
-                      <a:r>
-                        <a:rPr lang="ru-RU" sz="2500">
-                          <a:latin typeface="Times New Roman"/>
-                          <a:ea typeface="Times New Roman"/>
-                          <a:cs typeface="Times New Roman"/>
-                          <a:sym typeface="Times New Roman"/>
-                        </a:rPr>
-                        <a:t>VL</a:t>
-                      </a:r>
-                      <a:endParaRPr sz="2500">
-                        <a:latin typeface="Times New Roman"/>
-                        <a:ea typeface="Times New Roman"/>
-                        <a:cs typeface="Times New Roman"/>
-                        <a:sym typeface="Times New Roman"/>
-                      </a:endParaRPr>
-                    </a:p>
-                  </a:txBody>
-                  <a:tcPr marT="91425" marB="91425" marR="91425" marL="91425">
+                  <a:tcPr marT="0" marB="0" marR="0" marL="0">
                     <a:lnL cap="flat" cmpd="sng" w="9525">
                       <a:solidFill>
                         <a:schemeClr val="dk1"/>
@@ -18192,7 +20514,7 @@
   <p:cSld>
     <p:spTree>
       <p:nvGrpSpPr>
-        <p:cNvPr id="223" name="Shape 223"/>
+        <p:cNvPr id="222" name="Shape 222"/>
         <p:cNvGrpSpPr/>
         <p:nvPr/>
       </p:nvGrpSpPr>
@@ -18206,7 +20528,7 @@
       </p:grpSpPr>
       <p:sp>
         <p:nvSpPr>
-          <p:cNvPr id="224" name="Google Shape;224;p28"/>
+          <p:cNvPr id="223" name="Google Shape;223;p28"/>
           <p:cNvSpPr txBox="1"/>
           <p:nvPr>
             <p:ph type="title"/>
@@ -18291,7 +20613,7 @@
       </p:sp>
       <p:sp>
         <p:nvSpPr>
-          <p:cNvPr id="225" name="Google Shape;225;p28"/>
+          <p:cNvPr id="224" name="Google Shape;224;p28"/>
           <p:cNvSpPr txBox="1"/>
           <p:nvPr>
             <p:ph idx="12" type="sldNum"/>
@@ -18335,14 +20657,14 @@
       </p:sp>
       <p:sp>
         <p:nvSpPr>
-          <p:cNvPr id="226" name="Google Shape;226;p28"/>
+          <p:cNvPr id="225" name="Google Shape;225;p28"/>
           <p:cNvSpPr txBox="1"/>
           <p:nvPr/>
         </p:nvSpPr>
         <p:spPr>
           <a:xfrm>
             <a:off x="633550" y="5860150"/>
-            <a:ext cx="5652300" cy="861300"/>
+            <a:ext cx="5719200" cy="861300"/>
           </a:xfrm>
           <a:prstGeom prst="rect">
             <a:avLst/>
@@ -18401,7 +20723,7 @@
                 <a:cs typeface="Times New Roman"/>
                 <a:sym typeface="Times New Roman"/>
               </a:rPr>
-              <a:t>доп. память полиномиально надквадратично зависит от длины входа</a:t>
+              <a:t>доп. память полиномиально надквадратично зависит от длины входа.</a:t>
             </a:r>
             <a:endParaRPr sz="2500">
               <a:solidFill>
@@ -18417,7 +20739,7 @@
       </p:sp>
       <p:sp>
         <p:nvSpPr>
-          <p:cNvPr id="227" name="Google Shape;227;p28"/>
+          <p:cNvPr id="226" name="Google Shape;226;p28"/>
           <p:cNvSpPr txBox="1"/>
           <p:nvPr/>
         </p:nvSpPr>
@@ -18471,7 +20793,7 @@
                 <a:cs typeface="Times New Roman"/>
                 <a:sym typeface="Times New Roman"/>
               </a:rPr>
-              <a:t>: доп. память экспоненциально зависит от длины входа</a:t>
+              <a:t>: доп. память экспоненциально зависит от длины входа.</a:t>
             </a:r>
             <a:endParaRPr sz="2500">
               <a:solidFill>
@@ -18487,7 +20809,7 @@
       </p:sp>
       <p:pic>
         <p:nvPicPr>
-          <p:cNvPr id="228" name="Google Shape;228;p28"/>
+          <p:cNvPr id="227" name="Google Shape;227;p28"/>
           <p:cNvPicPr preferRelativeResize="0"/>
           <p:nvPr/>
         </p:nvPicPr>
@@ -18501,8 +20823,8 @@
         </p:blipFill>
         <p:spPr>
           <a:xfrm>
-            <a:off x="1172124" y="1334575"/>
-            <a:ext cx="4575150" cy="4498893"/>
+            <a:off x="445400" y="1343487"/>
+            <a:ext cx="5413560" cy="4498901"/>
           </a:xfrm>
           <a:prstGeom prst="rect">
             <a:avLst/>
@@ -18513,105 +20835,9 @@
           </a:ln>
         </p:spPr>
       </p:pic>
-      <p:graphicFrame>
-        <p:nvGraphicFramePr>
-          <p:cNvPr id="229" name="Google Shape;229;p28"/>
-          <p:cNvGraphicFramePr/>
-          <p:nvPr/>
-        </p:nvGraphicFramePr>
-        <p:xfrm>
-          <a:off x="4999075" y="4806900"/>
-          <a:ext cx="3000000" cy="3000000"/>
-        </p:xfrm>
-        <a:graphic>
-          <a:graphicData uri="http://schemas.openxmlformats.org/drawingml/2006/table">
-            <a:tbl>
-              <a:tblPr>
-                <a:noFill/>
-                <a:tableStyleId>{570A7BF6-090D-43EB-A9A2-8F647BD2D7F3}</a:tableStyleId>
-              </a:tblPr>
-              <a:tblGrid>
-                <a:gridCol w="628950"/>
-              </a:tblGrid>
-              <a:tr h="381000">
-                <a:tc>
-                  <a:txBody>
-                    <a:bodyPr/>
-                    <a:lstStyle/>
-                    <a:p>
-                      <a:pPr indent="0" lvl="0" marL="0" rtl="0" algn="l">
-                        <a:spcBef>
-                          <a:spcPts val="0"/>
-                        </a:spcBef>
-                        <a:spcAft>
-                          <a:spcPts val="0"/>
-                        </a:spcAft>
-                        <a:buNone/>
-                      </a:pPr>
-                      <a:r>
-                        <a:rPr lang="ru-RU" sz="2500">
-                          <a:latin typeface="Times New Roman"/>
-                          <a:ea typeface="Times New Roman"/>
-                          <a:cs typeface="Times New Roman"/>
-                          <a:sym typeface="Times New Roman"/>
-                        </a:rPr>
-                        <a:t>VP</a:t>
-                      </a:r>
-                      <a:endParaRPr sz="2500">
-                        <a:latin typeface="Times New Roman"/>
-                        <a:ea typeface="Times New Roman"/>
-                        <a:cs typeface="Times New Roman"/>
-                        <a:sym typeface="Times New Roman"/>
-                      </a:endParaRPr>
-                    </a:p>
-                  </a:txBody>
-                  <a:tcPr marT="91425" marB="91425" marR="91425" marL="91425">
-                    <a:lnL cap="flat" cmpd="sng" w="9525">
-                      <a:solidFill>
-                        <a:schemeClr val="dk1"/>
-                      </a:solidFill>
-                      <a:prstDash val="solid"/>
-                      <a:round/>
-                      <a:headEnd len="sm" w="sm" type="none"/>
-                      <a:tailEnd len="sm" w="sm" type="none"/>
-                    </a:lnL>
-                    <a:lnR cap="flat" cmpd="sng" w="9525">
-                      <a:solidFill>
-                        <a:schemeClr val="dk1"/>
-                      </a:solidFill>
-                      <a:prstDash val="solid"/>
-                      <a:round/>
-                      <a:headEnd len="sm" w="sm" type="none"/>
-                      <a:tailEnd len="sm" w="sm" type="none"/>
-                    </a:lnR>
-                    <a:lnT cap="flat" cmpd="sng" w="9525">
-                      <a:solidFill>
-                        <a:schemeClr val="dk1"/>
-                      </a:solidFill>
-                      <a:prstDash val="solid"/>
-                      <a:round/>
-                      <a:headEnd len="sm" w="sm" type="none"/>
-                      <a:tailEnd len="sm" w="sm" type="none"/>
-                    </a:lnT>
-                    <a:lnB cap="flat" cmpd="sng" w="9525">
-                      <a:solidFill>
-                        <a:schemeClr val="dk1"/>
-                      </a:solidFill>
-                      <a:prstDash val="solid"/>
-                      <a:round/>
-                      <a:headEnd len="sm" w="sm" type="none"/>
-                      <a:tailEnd len="sm" w="sm" type="none"/>
-                    </a:lnB>
-                  </a:tcPr>
-                </a:tc>
-              </a:tr>
-            </a:tbl>
-          </a:graphicData>
-        </a:graphic>
-      </p:graphicFrame>
       <p:pic>
         <p:nvPicPr>
-          <p:cNvPr id="230" name="Google Shape;230;p28"/>
+          <p:cNvPr id="228" name="Google Shape;228;p28"/>
           <p:cNvPicPr preferRelativeResize="0"/>
           <p:nvPr/>
         </p:nvPicPr>
@@ -18625,8 +20851,8 @@
         </p:blipFill>
         <p:spPr>
           <a:xfrm>
-            <a:off x="6778302" y="1373863"/>
-            <a:ext cx="4575150" cy="4420325"/>
+            <a:off x="6218000" y="1343500"/>
+            <a:ext cx="5413551" cy="4498885"/>
           </a:xfrm>
           <a:prstGeom prst="rect">
             <a:avLst/>
@@ -18637,102 +20863,6 @@
           </a:ln>
         </p:spPr>
       </p:pic>
-      <p:graphicFrame>
-        <p:nvGraphicFramePr>
-          <p:cNvPr id="231" name="Google Shape;231;p28"/>
-          <p:cNvGraphicFramePr/>
-          <p:nvPr/>
-        </p:nvGraphicFramePr>
-        <p:xfrm>
-          <a:off x="10586175" y="4806900"/>
-          <a:ext cx="3000000" cy="3000000"/>
-        </p:xfrm>
-        <a:graphic>
-          <a:graphicData uri="http://schemas.openxmlformats.org/drawingml/2006/table">
-            <a:tbl>
-              <a:tblPr>
-                <a:noFill/>
-                <a:tableStyleId>{570A7BF6-090D-43EB-A9A2-8F647BD2D7F3}</a:tableStyleId>
-              </a:tblPr>
-              <a:tblGrid>
-                <a:gridCol w="628950"/>
-              </a:tblGrid>
-              <a:tr h="381000">
-                <a:tc>
-                  <a:txBody>
-                    <a:bodyPr/>
-                    <a:lstStyle/>
-                    <a:p>
-                      <a:pPr indent="0" lvl="0" marL="0" rtl="0" algn="l">
-                        <a:spcBef>
-                          <a:spcPts val="0"/>
-                        </a:spcBef>
-                        <a:spcAft>
-                          <a:spcPts val="0"/>
-                        </a:spcAft>
-                        <a:buNone/>
-                      </a:pPr>
-                      <a:r>
-                        <a:rPr lang="ru-RU" sz="2500">
-                          <a:latin typeface="Times New Roman"/>
-                          <a:ea typeface="Times New Roman"/>
-                          <a:cs typeface="Times New Roman"/>
-                          <a:sym typeface="Times New Roman"/>
-                        </a:rPr>
-                        <a:t>VE</a:t>
-                      </a:r>
-                      <a:endParaRPr sz="2500">
-                        <a:latin typeface="Times New Roman"/>
-                        <a:ea typeface="Times New Roman"/>
-                        <a:cs typeface="Times New Roman"/>
-                        <a:sym typeface="Times New Roman"/>
-                      </a:endParaRPr>
-                    </a:p>
-                  </a:txBody>
-                  <a:tcPr marT="91425" marB="91425" marR="91425" marL="91425">
-                    <a:lnL cap="flat" cmpd="sng" w="9525">
-                      <a:solidFill>
-                        <a:schemeClr val="dk1"/>
-                      </a:solidFill>
-                      <a:prstDash val="solid"/>
-                      <a:round/>
-                      <a:headEnd len="sm" w="sm" type="none"/>
-                      <a:tailEnd len="sm" w="sm" type="none"/>
-                    </a:lnL>
-                    <a:lnR cap="flat" cmpd="sng" w="9525">
-                      <a:solidFill>
-                        <a:schemeClr val="dk1"/>
-                      </a:solidFill>
-                      <a:prstDash val="solid"/>
-                      <a:round/>
-                      <a:headEnd len="sm" w="sm" type="none"/>
-                      <a:tailEnd len="sm" w="sm" type="none"/>
-                    </a:lnR>
-                    <a:lnT cap="flat" cmpd="sng" w="9525">
-                      <a:solidFill>
-                        <a:schemeClr val="dk1"/>
-                      </a:solidFill>
-                      <a:prstDash val="solid"/>
-                      <a:round/>
-                      <a:headEnd len="sm" w="sm" type="none"/>
-                      <a:tailEnd len="sm" w="sm" type="none"/>
-                    </a:lnT>
-                    <a:lnB cap="flat" cmpd="sng" w="9525">
-                      <a:solidFill>
-                        <a:schemeClr val="dk1"/>
-                      </a:solidFill>
-                      <a:prstDash val="solid"/>
-                      <a:round/>
-                      <a:headEnd len="sm" w="sm" type="none"/>
-                      <a:tailEnd len="sm" w="sm" type="none"/>
-                    </a:lnB>
-                  </a:tcPr>
-                </a:tc>
-              </a:tr>
-            </a:tbl>
-          </a:graphicData>
-        </a:graphic>
-      </p:graphicFrame>
     </p:spTree>
   </p:cSld>
   <p:clrMapOvr>
@@ -18746,7 +20876,7 @@
   <p:cSld>
     <p:spTree>
       <p:nvGrpSpPr>
-        <p:cNvPr id="236" name="Shape 236"/>
+        <p:cNvPr id="233" name="Shape 233"/>
         <p:cNvGrpSpPr/>
         <p:nvPr/>
       </p:nvGrpSpPr>
@@ -18760,7 +20890,7 @@
       </p:grpSpPr>
       <p:sp>
         <p:nvSpPr>
-          <p:cNvPr id="237" name="Google Shape;237;p29"/>
+          <p:cNvPr id="234" name="Google Shape;234;p29"/>
           <p:cNvSpPr txBox="1"/>
           <p:nvPr>
             <p:ph type="title"/>
@@ -18819,7 +20949,7 @@
       </p:sp>
       <p:sp>
         <p:nvSpPr>
-          <p:cNvPr id="238" name="Google Shape;238;p29"/>
+          <p:cNvPr id="235" name="Google Shape;235;p29"/>
           <p:cNvSpPr txBox="1"/>
           <p:nvPr/>
         </p:nvSpPr>
@@ -18873,7 +21003,7 @@
                 <a:cs typeface="Times New Roman"/>
                 <a:sym typeface="Times New Roman"/>
               </a:rPr>
-              <a:t> был разработан и реализован метод автоматического управления памятью. Все поставленные задачи были выполнены:</a:t>
+              <a:t> был разработан и реализован метод автоматического управления памятью. Все поставленные задачи были выполнены.</a:t>
             </a:r>
             <a:endParaRPr sz="2500">
               <a:solidFill>
@@ -18898,7 +21028,7 @@
               </a:buClr>
               <a:buSzPts val="2500"/>
               <a:buFont typeface="Times New Roman"/>
-              <a:buChar char="-"/>
+              <a:buAutoNum type="arabicPeriod"/>
             </a:pPr>
             <a:r>
               <a:rPr lang="ru-RU" sz="2500">
@@ -18935,7 +21065,7 @@
               </a:buClr>
               <a:buSzPts val="2500"/>
               <a:buFont typeface="Times New Roman"/>
-              <a:buChar char="-"/>
+              <a:buAutoNum type="arabicPeriod"/>
             </a:pPr>
             <a:r>
               <a:rPr lang="ru-RU" sz="2500">
@@ -18947,31 +21077,7 @@
                 <a:cs typeface="Times New Roman"/>
                 <a:sym typeface="Times New Roman"/>
               </a:rPr>
-              <a:t>Проведена классификация алгоритмов по требованиям к дополнительной памяти: выделены классы </a:t>
-            </a:r>
-            <a:r>
-              <a:rPr b="1" lang="ru-RU" sz="2500">
-                <a:solidFill>
-                  <a:schemeClr val="dk1"/>
-                </a:solidFill>
-                <a:latin typeface="Times New Roman"/>
-                <a:ea typeface="Times New Roman"/>
-                <a:cs typeface="Times New Roman"/>
-                <a:sym typeface="Times New Roman"/>
-              </a:rPr>
-              <a:t>V0, VC, VL, VQ, VP и VE</a:t>
-            </a:r>
-            <a:r>
-              <a:rPr lang="ru-RU" sz="2500">
-                <a:solidFill>
-                  <a:schemeClr val="dk1"/>
-                </a:solidFill>
-                <a:latin typeface="Times New Roman"/>
-                <a:ea typeface="Times New Roman"/>
-                <a:cs typeface="Times New Roman"/>
-                <a:sym typeface="Times New Roman"/>
-              </a:rPr>
-              <a:t>.</a:t>
+              <a:t>Спроектирован метод автоматического управления памятью.</a:t>
             </a:r>
             <a:endParaRPr sz="2500">
               <a:solidFill>
@@ -18996,7 +21102,7 @@
               </a:buClr>
               <a:buSzPts val="2500"/>
               <a:buFont typeface="Times New Roman"/>
-              <a:buChar char="-"/>
+              <a:buAutoNum type="arabicPeriod"/>
             </a:pPr>
             <a:r>
               <a:rPr lang="ru-RU" sz="2500">
@@ -19008,7 +21114,7 @@
                 <a:cs typeface="Times New Roman"/>
                 <a:sym typeface="Times New Roman"/>
               </a:rPr>
-              <a:t>Спроектирован и реализован метод автоматического управления памятью.</a:t>
+              <a:t>Спроектированный метод реализован в виде подключаемой библиотеки.</a:t>
             </a:r>
             <a:endParaRPr sz="2500">
               <a:solidFill>
@@ -19033,7 +21139,7 @@
               </a:buClr>
               <a:buSzPts val="2500"/>
               <a:buFont typeface="Times New Roman"/>
-              <a:buChar char="-"/>
+              <a:buAutoNum type="arabicPeriod"/>
             </a:pPr>
             <a:r>
               <a:rPr lang="ru-RU" sz="2500">
@@ -19045,7 +21151,7 @@
                 <a:cs typeface="Times New Roman"/>
                 <a:sym typeface="Times New Roman"/>
               </a:rPr>
-              <a:t>Сравнительный анализ выявил области применения реализованного метода: алгоритмы класса </a:t>
+              <a:t>Сформированы рекомендации по применению реализованного метода: алгоритмы классов </a:t>
             </a:r>
             <a:r>
               <a:rPr b="1" lang="ru-RU" sz="2500">
@@ -19057,21 +21163,45 @@
                 <a:cs typeface="Times New Roman"/>
                 <a:sym typeface="Times New Roman"/>
               </a:rPr>
-              <a:t>VP и VE</a:t>
-            </a:r>
-            <a:r>
-              <a:rPr lang="ru-RU" sz="1600">
+              <a:t>VP</a:t>
+            </a:r>
+            <a:r>
+              <a:rPr lang="ru-RU" sz="2500">
                 <a:solidFill>
                   <a:schemeClr val="dk1"/>
                 </a:solidFill>
-                <a:latin typeface="Open Sans"/>
-                <a:ea typeface="Open Sans"/>
-                <a:cs typeface="Open Sans"/>
-                <a:sym typeface="Open Sans"/>
+                <a:latin typeface="Times New Roman"/>
+                <a:ea typeface="Times New Roman"/>
+                <a:cs typeface="Times New Roman"/>
+                <a:sym typeface="Times New Roman"/>
+              </a:rPr>
+              <a:t> и </a:t>
+            </a:r>
+            <a:r>
+              <a:rPr b="1" lang="ru-RU" sz="2500">
+                <a:solidFill>
+                  <a:schemeClr val="dk1"/>
+                </a:solidFill>
+                <a:latin typeface="Times New Roman"/>
+                <a:ea typeface="Times New Roman"/>
+                <a:cs typeface="Times New Roman"/>
+                <a:sym typeface="Times New Roman"/>
+              </a:rPr>
+              <a:t>VE</a:t>
+            </a:r>
+            <a:r>
+              <a:rPr lang="ru-RU" sz="2500">
+                <a:solidFill>
+                  <a:schemeClr val="dk1"/>
+                </a:solidFill>
+                <a:latin typeface="Times New Roman"/>
+                <a:ea typeface="Times New Roman"/>
+                <a:cs typeface="Times New Roman"/>
+                <a:sym typeface="Times New Roman"/>
               </a:rPr>
               <a:t>.</a:t>
             </a:r>
-            <a:endParaRPr sz="2500">
+            <a:endParaRPr sz="1600">
               <a:solidFill>
                 <a:schemeClr val="dk1"/>
               </a:solidFill>
@@ -19085,7 +21215,7 @@
       </p:sp>
       <p:sp>
         <p:nvSpPr>
-          <p:cNvPr id="239" name="Google Shape;239;p29"/>
+          <p:cNvPr id="236" name="Google Shape;236;p29"/>
           <p:cNvSpPr txBox="1"/>
           <p:nvPr>
             <p:ph idx="12" type="sldNum"/>
@@ -19140,7 +21270,7 @@
   <p:cSld>
     <p:spTree>
       <p:nvGrpSpPr>
-        <p:cNvPr id="244" name="Shape 244"/>
+        <p:cNvPr id="241" name="Shape 241"/>
         <p:cNvGrpSpPr/>
         <p:nvPr/>
       </p:nvGrpSpPr>
@@ -19154,7 +21284,7 @@
       </p:grpSpPr>
       <p:sp>
         <p:nvSpPr>
-          <p:cNvPr id="245" name="Google Shape;245;p30"/>
+          <p:cNvPr id="242" name="Google Shape;242;p30"/>
           <p:cNvSpPr txBox="1"/>
           <p:nvPr>
             <p:ph type="title"/>
@@ -19213,14 +21343,14 @@
       </p:sp>
       <p:sp>
         <p:nvSpPr>
-          <p:cNvPr id="246" name="Google Shape;246;p30"/>
+          <p:cNvPr id="243" name="Google Shape;243;p30"/>
           <p:cNvSpPr txBox="1"/>
           <p:nvPr/>
         </p:nvSpPr>
         <p:spPr>
           <a:xfrm>
             <a:off x="502925" y="993925"/>
-            <a:ext cx="11186100" cy="1325700"/>
+            <a:ext cx="11186100" cy="3276300"/>
           </a:xfrm>
           <a:prstGeom prst="rect">
             <a:avLst/>
@@ -19346,11 +21476,78 @@
               <a:sym typeface="Times New Roman"/>
             </a:endParaRPr>
           </a:p>
+          <a:p>
+            <a:pPr indent="0" lvl="0" marL="0" rtl="0" algn="just">
+              <a:spcBef>
+                <a:spcPts val="1200"/>
+              </a:spcBef>
+              <a:spcAft>
+                <a:spcPts val="0"/>
+              </a:spcAft>
+              <a:buNone/>
+            </a:pPr>
+            <a:r>
+              <a:t/>
+            </a:r>
+            <a:endParaRPr sz="2500">
+              <a:solidFill>
+                <a:schemeClr val="dk1"/>
+              </a:solidFill>
+              <a:latin typeface="Times New Roman"/>
+              <a:ea typeface="Times New Roman"/>
+              <a:cs typeface="Times New Roman"/>
+              <a:sym typeface="Times New Roman"/>
+            </a:endParaRPr>
+          </a:p>
+          <a:p>
+            <a:pPr indent="0" lvl="0" marL="0" rtl="0" algn="just">
+              <a:spcBef>
+                <a:spcPts val="1200"/>
+              </a:spcBef>
+              <a:spcAft>
+                <a:spcPts val="0"/>
+              </a:spcAft>
+              <a:buNone/>
+            </a:pPr>
+            <a:r>
+              <a:rPr lang="ru-RU" sz="2500">
+                <a:solidFill>
+                  <a:schemeClr val="dk1"/>
+                </a:solidFill>
+                <a:latin typeface="Times New Roman"/>
+                <a:ea typeface="Times New Roman"/>
+                <a:cs typeface="Times New Roman"/>
+                <a:sym typeface="Times New Roman"/>
+              </a:rPr>
+              <a:t>Результаты работы поданы для участия в м</a:t>
+            </a:r>
+            <a:r>
+              <a:rPr lang="ru-RU" sz="2500">
+                <a:solidFill>
+                  <a:schemeClr val="dk1"/>
+                </a:solidFill>
+                <a:latin typeface="Times New Roman"/>
+                <a:ea typeface="Times New Roman"/>
+                <a:cs typeface="Times New Roman"/>
+                <a:sym typeface="Times New Roman"/>
+              </a:rPr>
+              <a:t>еждународной научной конференции «Математические методы в технике и технологиях ММТТ-37».</a:t>
+            </a:r>
+            <a:endParaRPr sz="2500">
+              <a:solidFill>
+                <a:schemeClr val="dk1"/>
+              </a:solidFill>
+              <a:latin typeface="Times New Roman"/>
+              <a:ea typeface="Times New Roman"/>
+              <a:cs typeface="Times New Roman"/>
+              <a:sym typeface="Times New Roman"/>
+            </a:endParaRPr>
+          </a:p>
         </p:txBody>
       </p:sp>
       <p:sp>
         <p:nvSpPr>
-          <p:cNvPr id="247" name="Google Shape;247;p30"/>
+          <p:cNvPr id="244" name="Google Shape;244;p30"/>
           <p:cNvSpPr txBox="1"/>
           <p:nvPr>
             <p:ph idx="12" type="sldNum"/>
@@ -19389,128 +21586,6 @@
               <a:t>‹#›</a:t>
             </a:fld>
             <a:endParaRPr/>
-          </a:p>
-        </p:txBody>
-      </p:sp>
-      <p:sp>
-        <p:nvSpPr>
-          <p:cNvPr id="248" name="Google Shape;248;p30"/>
-          <p:cNvSpPr txBox="1"/>
-          <p:nvPr>
-            <p:ph type="title"/>
-          </p:nvPr>
-        </p:nvSpPr>
-        <p:spPr>
-          <a:xfrm>
-            <a:off x="838225" y="2269188"/>
-            <a:ext cx="10515600" cy="1325700"/>
-          </a:xfrm>
-          <a:prstGeom prst="rect">
-            <a:avLst/>
-          </a:prstGeom>
-          <a:noFill/>
-          <a:ln>
-            <a:noFill/>
-          </a:ln>
-        </p:spPr>
-        <p:txBody>
-          <a:bodyPr anchorCtr="0" anchor="ctr" bIns="45700" lIns="91425" spcFirstLastPara="1" rIns="91425" wrap="square" tIns="45700">
-            <a:normAutofit/>
-          </a:bodyPr>
-          <a:lstStyle/>
-          <a:p>
-            <a:pPr indent="0" lvl="0" marL="0" rtl="0" algn="l">
-              <a:spcBef>
-                <a:spcPts val="0"/>
-              </a:spcBef>
-              <a:spcAft>
-                <a:spcPts val="0"/>
-              </a:spcAft>
-              <a:buClr>
-                <a:schemeClr val="dk1"/>
-              </a:buClr>
-              <a:buSzPts val="4400"/>
-              <a:buFont typeface="Times New Roman"/>
-              <a:buNone/>
-            </a:pPr>
-            <a:r>
-              <a:rPr lang="ru-RU">
-                <a:latin typeface="Times New Roman"/>
-                <a:ea typeface="Times New Roman"/>
-                <a:cs typeface="Times New Roman"/>
-                <a:sym typeface="Times New Roman"/>
-              </a:rPr>
-              <a:t>Публикации</a:t>
-            </a:r>
-            <a:endParaRPr>
-              <a:latin typeface="Times New Roman"/>
-              <a:ea typeface="Times New Roman"/>
-              <a:cs typeface="Times New Roman"/>
-              <a:sym typeface="Times New Roman"/>
-            </a:endParaRPr>
-          </a:p>
-        </p:txBody>
-      </p:sp>
-      <p:sp>
-        <p:nvSpPr>
-          <p:cNvPr id="249" name="Google Shape;249;p30"/>
-          <p:cNvSpPr txBox="1"/>
-          <p:nvPr/>
-        </p:nvSpPr>
-        <p:spPr>
-          <a:xfrm>
-            <a:off x="502950" y="3263113"/>
-            <a:ext cx="11186100" cy="1325700"/>
-          </a:xfrm>
-          <a:prstGeom prst="rect">
-            <a:avLst/>
-          </a:prstGeom>
-          <a:noFill/>
-          <a:ln>
-            <a:noFill/>
-          </a:ln>
-        </p:spPr>
-        <p:txBody>
-          <a:bodyPr anchorCtr="0" anchor="t" bIns="91425" lIns="91425" spcFirstLastPara="1" rIns="91425" wrap="square" tIns="91425">
-            <a:noAutofit/>
-          </a:bodyPr>
-          <a:lstStyle/>
-          <a:p>
-            <a:pPr indent="-387350" lvl="0" marL="457200" rtl="0" algn="just">
-              <a:spcBef>
-                <a:spcPts val="1200"/>
-              </a:spcBef>
-              <a:spcAft>
-                <a:spcPts val="0"/>
-              </a:spcAft>
-              <a:buClr>
-                <a:schemeClr val="dk1"/>
-              </a:buClr>
-              <a:buSzPts val="2500"/>
-              <a:buFont typeface="Times New Roman"/>
-              <a:buChar char="-"/>
-            </a:pPr>
-            <a:r>
-              <a:rPr lang="ru-RU" sz="2500">
-                <a:solidFill>
-                  <a:schemeClr val="dk1"/>
-                </a:solidFill>
-                <a:latin typeface="Times New Roman"/>
-                <a:ea typeface="Times New Roman"/>
-                <a:cs typeface="Times New Roman"/>
-                <a:sym typeface="Times New Roman"/>
-              </a:rPr>
-              <a:t>TODO</a:t>
-            </a:r>
-            <a:endParaRPr sz="2500">
-              <a:solidFill>
-                <a:schemeClr val="dk1"/>
-              </a:solidFill>
-              <a:latin typeface="Times New Roman"/>
-              <a:ea typeface="Times New Roman"/>
-              <a:cs typeface="Times New Roman"/>
-              <a:sym typeface="Times New Roman"/>
-            </a:endParaRPr>
           </a:p>
         </p:txBody>
       </p:sp>
@@ -19856,7 +21931,7 @@
                 <a:cs typeface="Times New Roman"/>
                 <a:sym typeface="Times New Roman"/>
               </a:rPr>
-              <a:t>Определить области применения реализованного метода.</a:t>
+              <a:t>Сформировать рекомендации по применению реализованного метода.</a:t>
             </a:r>
             <a:endParaRPr sz="1600">
               <a:solidFill>
@@ -22008,8 +24083,8 @@
         </p:blipFill>
         <p:spPr>
           <a:xfrm>
-            <a:off x="1178613" y="1131700"/>
-            <a:ext cx="9834774" cy="5481574"/>
+            <a:off x="1178625" y="1131700"/>
+            <a:ext cx="8658826" cy="5481574"/>
           </a:xfrm>
           <a:prstGeom prst="rect">
             <a:avLst/>
@@ -22055,8 +24130,8 @@
         </p:nvSpPr>
         <p:spPr>
           <a:xfrm>
-            <a:off x="838175" y="0"/>
-            <a:ext cx="11062800" cy="1777800"/>
+            <a:off x="838200" y="0"/>
+            <a:ext cx="11121000" cy="1325700"/>
           </a:xfrm>
           <a:prstGeom prst="rect">
             <a:avLst/>
@@ -22068,7 +24143,7 @@
         </p:spPr>
         <p:txBody>
           <a:bodyPr anchorCtr="0" anchor="ctr" bIns="45700" lIns="91425" spcFirstLastPara="1" rIns="91425" wrap="square" tIns="45700">
-            <a:normAutofit fontScale="90000"/>
+            <a:noAutofit/>
           </a:bodyPr>
           <a:lstStyle/>
           <a:p>
@@ -22082,7 +24157,7 @@
               <a:buClr>
                 <a:schemeClr val="dk1"/>
               </a:buClr>
-              <a:buSzPct val="100000"/>
+              <a:buSzPts val="4400"/>
               <a:buFont typeface="Times New Roman"/>
               <a:buNone/>
             </a:pPr>
@@ -22094,23 +24169,6 @@
                 <a:sym typeface="Times New Roman"/>
               </a:rPr>
               <a:t>Метод автоматического управления памятью</a:t>
-            </a:r>
-            <a:br>
-              <a:rPr lang="ru-RU">
-                <a:latin typeface="Times New Roman"/>
-                <a:ea typeface="Times New Roman"/>
-                <a:cs typeface="Times New Roman"/>
-                <a:sym typeface="Times New Roman"/>
-              </a:rPr>
-            </a:br>
-            <a:r>
-              <a:rPr lang="ru-RU">
-                <a:latin typeface="Times New Roman"/>
-                <a:ea typeface="Times New Roman"/>
-                <a:cs typeface="Times New Roman"/>
-                <a:sym typeface="Times New Roman"/>
-              </a:rPr>
-              <a:t>с гарантированным временем выполнения</a:t>
             </a:r>
             <a:br>
               <a:rPr lang="ru-RU">
@@ -22138,9 +24196,37 @@
           </a:p>
         </p:txBody>
       </p:sp>
+      <p:pic>
+        <p:nvPicPr>
+          <p:cNvPr id="150" name="Google Shape;150;p20"/>
+          <p:cNvPicPr preferRelativeResize="0"/>
+          <p:nvPr/>
+        </p:nvPicPr>
+        <p:blipFill>
+          <a:blip r:embed="rId3">
+            <a:alphaModFix/>
+          </a:blip>
+          <a:stretch>
+            <a:fillRect/>
+          </a:stretch>
+        </p:blipFill>
+        <p:spPr>
+          <a:xfrm>
+            <a:off x="322488" y="1325700"/>
+            <a:ext cx="11547028" cy="5395750"/>
+          </a:xfrm>
+          <a:prstGeom prst="rect">
+            <a:avLst/>
+          </a:prstGeom>
+          <a:noFill/>
+          <a:ln>
+            <a:noFill/>
+          </a:ln>
+        </p:spPr>
+      </p:pic>
       <p:sp>
         <p:nvSpPr>
-          <p:cNvPr id="150" name="Google Shape;150;p20"/>
+          <p:cNvPr id="151" name="Google Shape;151;p20"/>
           <p:cNvSpPr txBox="1"/>
           <p:nvPr>
             <p:ph idx="12" type="sldNum"/>
@@ -22182,34 +24268,6 @@
           </a:p>
         </p:txBody>
       </p:sp>
-      <p:pic>
-        <p:nvPicPr>
-          <p:cNvPr id="151" name="Google Shape;151;p20"/>
-          <p:cNvPicPr preferRelativeResize="0"/>
-          <p:nvPr/>
-        </p:nvPicPr>
-        <p:blipFill>
-          <a:blip r:embed="rId3">
-            <a:alphaModFix/>
-          </a:blip>
-          <a:stretch>
-            <a:fillRect/>
-          </a:stretch>
-        </p:blipFill>
-        <p:spPr>
-          <a:xfrm>
-            <a:off x="889275" y="1777800"/>
-            <a:ext cx="10413450" cy="4642324"/>
-          </a:xfrm>
-          <a:prstGeom prst="rect">
-            <a:avLst/>
-          </a:prstGeom>
-          <a:noFill/>
-          <a:ln>
-            <a:noFill/>
-          </a:ln>
-        </p:spPr>
-      </p:pic>
     </p:spTree>
   </p:cSld>
   <p:clrMapOvr>
@@ -22283,7 +24341,7 @@
                 <a:cs typeface="Times New Roman"/>
                 <a:sym typeface="Times New Roman"/>
               </a:rPr>
-              <a:t>Алгоритм выделения памяти</a:t>
+              <a:t>Алгоритм выделения объектов</a:t>
             </a:r>
             <a:endParaRPr>
               <a:latin typeface="Times New Roman"/>
@@ -22338,9 +24396,215 @@
           </a:p>
         </p:txBody>
       </p:sp>
+      <p:sp>
+        <p:nvSpPr>
+          <p:cNvPr id="159" name="Google Shape;159;p21"/>
+          <p:cNvSpPr txBox="1"/>
+          <p:nvPr/>
+        </p:nvSpPr>
+        <p:spPr>
+          <a:xfrm>
+            <a:off x="7199675" y="1088075"/>
+            <a:ext cx="4701300" cy="4385100"/>
+          </a:xfrm>
+          <a:prstGeom prst="rect">
+            <a:avLst/>
+          </a:prstGeom>
+          <a:noFill/>
+          <a:ln>
+            <a:noFill/>
+          </a:ln>
+        </p:spPr>
+        <p:txBody>
+          <a:bodyPr anchorCtr="0" anchor="t" bIns="91425" lIns="91425" spcFirstLastPara="1" rIns="91425" wrap="square" tIns="91425">
+            <a:noAutofit/>
+          </a:bodyPr>
+          <a:lstStyle/>
+          <a:p>
+            <a:pPr indent="0" lvl="0" marL="0" rtl="0" algn="l">
+              <a:spcBef>
+                <a:spcPts val="0"/>
+              </a:spcBef>
+              <a:spcAft>
+                <a:spcPts val="0"/>
+              </a:spcAft>
+              <a:buNone/>
+            </a:pPr>
+            <a:r>
+              <a:rPr b="1" lang="ru-RU" sz="2500">
+                <a:solidFill>
+                  <a:schemeClr val="dk1"/>
+                </a:solidFill>
+                <a:latin typeface="Times New Roman"/>
+                <a:ea typeface="Times New Roman"/>
+                <a:cs typeface="Times New Roman"/>
+                <a:sym typeface="Times New Roman"/>
+              </a:rPr>
+              <a:t>Арена</a:t>
+            </a:r>
+            <a:r>
+              <a:rPr lang="ru-RU" sz="2500">
+                <a:solidFill>
+                  <a:schemeClr val="dk1"/>
+                </a:solidFill>
+                <a:latin typeface="Times New Roman"/>
+                <a:ea typeface="Times New Roman"/>
+                <a:cs typeface="Times New Roman"/>
+                <a:sym typeface="Times New Roman"/>
+              </a:rPr>
+              <a:t> – область кучи фиксированного размера.</a:t>
+            </a:r>
+            <a:br>
+              <a:rPr lang="ru-RU" sz="2500">
+                <a:solidFill>
+                  <a:schemeClr val="dk1"/>
+                </a:solidFill>
+                <a:latin typeface="Times New Roman"/>
+                <a:ea typeface="Times New Roman"/>
+                <a:cs typeface="Times New Roman"/>
+                <a:sym typeface="Times New Roman"/>
+              </a:rPr>
+            </a:br>
+            <a:br>
+              <a:rPr lang="ru-RU" sz="2500">
+                <a:solidFill>
+                  <a:schemeClr val="dk1"/>
+                </a:solidFill>
+                <a:latin typeface="Times New Roman"/>
+                <a:ea typeface="Times New Roman"/>
+                <a:cs typeface="Times New Roman"/>
+                <a:sym typeface="Times New Roman"/>
+              </a:rPr>
+            </a:br>
+            <a:r>
+              <a:rPr b="1" lang="ru-RU" sz="2500">
+                <a:solidFill>
+                  <a:schemeClr val="dk1"/>
+                </a:solidFill>
+                <a:latin typeface="Times New Roman"/>
+                <a:ea typeface="Times New Roman"/>
+                <a:cs typeface="Times New Roman"/>
+                <a:sym typeface="Times New Roman"/>
+              </a:rPr>
+              <a:t>Геттер</a:t>
+            </a:r>
+            <a:r>
+              <a:rPr lang="ru-RU" sz="2500">
+                <a:solidFill>
+                  <a:schemeClr val="dk1"/>
+                </a:solidFill>
+                <a:latin typeface="Times New Roman"/>
+                <a:ea typeface="Times New Roman"/>
+                <a:cs typeface="Times New Roman"/>
+                <a:sym typeface="Times New Roman"/>
+              </a:rPr>
+              <a:t> – функция, позволяющая получить доступ к объекту.</a:t>
+            </a:r>
+            <a:endParaRPr sz="2500">
+              <a:solidFill>
+                <a:schemeClr val="dk1"/>
+              </a:solidFill>
+              <a:latin typeface="Times New Roman"/>
+              <a:ea typeface="Times New Roman"/>
+              <a:cs typeface="Times New Roman"/>
+              <a:sym typeface="Times New Roman"/>
+            </a:endParaRPr>
+          </a:p>
+          <a:p>
+            <a:pPr indent="0" lvl="0" marL="0" rtl="0" algn="l">
+              <a:spcBef>
+                <a:spcPts val="0"/>
+              </a:spcBef>
+              <a:spcAft>
+                <a:spcPts val="0"/>
+              </a:spcAft>
+              <a:buNone/>
+            </a:pPr>
+            <a:r>
+              <a:t/>
+            </a:r>
+            <a:endParaRPr sz="2500">
+              <a:solidFill>
+                <a:schemeClr val="dk1"/>
+              </a:solidFill>
+              <a:latin typeface="Times New Roman"/>
+              <a:ea typeface="Times New Roman"/>
+              <a:cs typeface="Times New Roman"/>
+              <a:sym typeface="Times New Roman"/>
+            </a:endParaRPr>
+          </a:p>
+          <a:p>
+            <a:pPr indent="0" lvl="0" marL="0" rtl="0" algn="l">
+              <a:spcBef>
+                <a:spcPts val="0"/>
+              </a:spcBef>
+              <a:spcAft>
+                <a:spcPts val="0"/>
+              </a:spcAft>
+              <a:buNone/>
+            </a:pPr>
+            <a:r>
+              <a:rPr b="1" lang="ru-RU" sz="2500">
+                <a:solidFill>
+                  <a:schemeClr val="dk1"/>
+                </a:solidFill>
+                <a:latin typeface="Times New Roman"/>
+                <a:ea typeface="Times New Roman"/>
+                <a:cs typeface="Times New Roman"/>
+                <a:sym typeface="Times New Roman"/>
+              </a:rPr>
+              <a:t>Финализатор</a:t>
+            </a:r>
+            <a:r>
+              <a:rPr lang="ru-RU" sz="2500">
+                <a:solidFill>
+                  <a:schemeClr val="dk1"/>
+                </a:solidFill>
+                <a:latin typeface="Times New Roman"/>
+                <a:ea typeface="Times New Roman"/>
+                <a:cs typeface="Times New Roman"/>
+                <a:sym typeface="Times New Roman"/>
+              </a:rPr>
+              <a:t> – функция, которая запускается, когда сборщик мусора определяет,</a:t>
+            </a:r>
+            <a:br>
+              <a:rPr lang="ru-RU" sz="2500">
+                <a:solidFill>
+                  <a:schemeClr val="dk1"/>
+                </a:solidFill>
+                <a:latin typeface="Times New Roman"/>
+                <a:ea typeface="Times New Roman"/>
+                <a:cs typeface="Times New Roman"/>
+                <a:sym typeface="Times New Roman"/>
+              </a:rPr>
+            </a:br>
+            <a:r>
+              <a:rPr lang="ru-RU" sz="2500">
+                <a:solidFill>
+                  <a:schemeClr val="dk1"/>
+                </a:solidFill>
+                <a:latin typeface="Times New Roman"/>
+                <a:ea typeface="Times New Roman"/>
+                <a:cs typeface="Times New Roman"/>
+                <a:sym typeface="Times New Roman"/>
+              </a:rPr>
+              <a:t>что рассматриваемый объект недоступен в программе.</a:t>
+            </a:r>
+            <a:endParaRPr sz="2500">
+              <a:solidFill>
+                <a:schemeClr val="dk1"/>
+              </a:solidFill>
+              <a:latin typeface="Times New Roman"/>
+              <a:ea typeface="Times New Roman"/>
+              <a:cs typeface="Times New Roman"/>
+              <a:sym typeface="Times New Roman"/>
+            </a:endParaRPr>
+          </a:p>
+        </p:txBody>
+      </p:sp>
       <p:pic>
         <p:nvPicPr>
-          <p:cNvPr id="159" name="Google Shape;159;p21"/>
+          <p:cNvPr id="160" name="Google Shape;160;p21"/>
           <p:cNvPicPr preferRelativeResize="0"/>
           <p:nvPr/>
         </p:nvPicPr>
@@ -22354,8 +24618,8 @@
         </p:blipFill>
         <p:spPr>
           <a:xfrm>
-            <a:off x="3055100" y="1088075"/>
-            <a:ext cx="6081802" cy="5633374"/>
+            <a:off x="838175" y="1088075"/>
+            <a:ext cx="6094648" cy="5633374"/>
           </a:xfrm>
           <a:prstGeom prst="rect">
             <a:avLst/>
@@ -22379,7 +24643,7 @@
   <p:cSld>
     <p:spTree>
       <p:nvGrpSpPr>
-        <p:cNvPr id="164" name="Shape 164"/>
+        <p:cNvPr id="165" name="Shape 165"/>
         <p:cNvGrpSpPr/>
         <p:nvPr/>
       </p:nvGrpSpPr>
@@ -22393,7 +24657,7 @@
       </p:grpSpPr>
       <p:sp>
         <p:nvSpPr>
-          <p:cNvPr id="165" name="Google Shape;165;p22"/>
+          <p:cNvPr id="166" name="Google Shape;166;p22"/>
           <p:cNvSpPr txBox="1"/>
           <p:nvPr>
             <p:ph type="title"/>
@@ -22439,7 +24703,7 @@
                 <a:cs typeface="Times New Roman"/>
                 <a:sym typeface="Times New Roman"/>
               </a:rPr>
-              <a:t>Алгоритм разметки</a:t>
+              <a:t>Алгоритм определения циклов ссылок</a:t>
             </a:r>
             <a:endParaRPr>
               <a:latin typeface="Times New Roman"/>
@@ -22452,7 +24716,7 @@
       </p:sp>
       <p:sp>
         <p:nvSpPr>
-          <p:cNvPr id="166" name="Google Shape;166;p22"/>
+          <p:cNvPr id="167" name="Google Shape;167;p22"/>
           <p:cNvSpPr txBox="1"/>
           <p:nvPr>
             <p:ph idx="12" type="sldNum"/>
@@ -22496,7 +24760,7 @@
       </p:sp>
       <p:pic>
         <p:nvPicPr>
-          <p:cNvPr id="167" name="Google Shape;167;p22"/>
+          <p:cNvPr id="168" name="Google Shape;168;p22"/>
           <p:cNvPicPr preferRelativeResize="0"/>
           <p:nvPr/>
         </p:nvPicPr>
@@ -22510,8 +24774,8 @@
         </p:blipFill>
         <p:spPr>
           <a:xfrm>
-            <a:off x="2333775" y="1052400"/>
-            <a:ext cx="7524449" cy="5669051"/>
+            <a:off x="838175" y="1052400"/>
+            <a:ext cx="7558723" cy="5669050"/>
           </a:xfrm>
           <a:prstGeom prst="rect">
             <a:avLst/>
@@ -22522,6 +24786,100 @@
           </a:ln>
         </p:spPr>
       </p:pic>
+      <p:sp>
+        <p:nvSpPr>
+          <p:cNvPr id="169" name="Google Shape;169;p22"/>
+          <p:cNvSpPr txBox="1"/>
+          <p:nvPr/>
+        </p:nvSpPr>
+        <p:spPr>
+          <a:xfrm>
+            <a:off x="7175625" y="1052400"/>
+            <a:ext cx="4725300" cy="2349000"/>
+          </a:xfrm>
+          <a:prstGeom prst="rect">
+            <a:avLst/>
+          </a:prstGeom>
+          <a:noFill/>
+          <a:ln>
+            <a:noFill/>
+          </a:ln>
+        </p:spPr>
+        <p:txBody>
+          <a:bodyPr anchorCtr="0" anchor="t" bIns="91425" lIns="91425" spcFirstLastPara="1" rIns="91425" wrap="square" tIns="91425">
+            <a:noAutofit/>
+          </a:bodyPr>
+          <a:lstStyle/>
+          <a:p>
+            <a:pPr indent="0" lvl="0" marL="0" rtl="0" algn="l">
+              <a:spcBef>
+                <a:spcPts val="0"/>
+              </a:spcBef>
+              <a:spcAft>
+                <a:spcPts val="0"/>
+              </a:spcAft>
+              <a:buNone/>
+            </a:pPr>
+            <a:r>
+              <a:rPr b="1" lang="ru-RU" sz="2500">
+                <a:solidFill>
+                  <a:schemeClr val="dk1"/>
+                </a:solidFill>
+                <a:latin typeface="Times New Roman"/>
+                <a:ea typeface="Times New Roman"/>
+                <a:cs typeface="Times New Roman"/>
+                <a:sym typeface="Times New Roman"/>
+              </a:rPr>
+              <a:t>Цикл ссылок</a:t>
+            </a:r>
+            <a:r>
+              <a:rPr lang="ru-RU" sz="2500">
+                <a:solidFill>
+                  <a:schemeClr val="dk1"/>
+                </a:solidFill>
+                <a:latin typeface="Times New Roman"/>
+                <a:ea typeface="Times New Roman"/>
+                <a:cs typeface="Times New Roman"/>
+                <a:sym typeface="Times New Roman"/>
+              </a:rPr>
+              <a:t> – группа объектов, ссы</a:t>
+            </a:r>
+            <a:r>
+              <a:rPr lang="ru-RU" sz="2500">
+                <a:solidFill>
+                  <a:schemeClr val="dk1"/>
+                </a:solidFill>
+                <a:latin typeface="Times New Roman"/>
+                <a:ea typeface="Times New Roman"/>
+                <a:cs typeface="Times New Roman"/>
+                <a:sym typeface="Times New Roman"/>
+              </a:rPr>
+              <a:t>лки которых</a:t>
+            </a:r>
+            <a:r>
+              <a:rPr lang="ru-RU" sz="2500">
+                <a:solidFill>
+                  <a:schemeClr val="dk1"/>
+                </a:solidFill>
+                <a:latin typeface="Times New Roman"/>
+                <a:ea typeface="Times New Roman"/>
+                <a:cs typeface="Times New Roman"/>
+                <a:sym typeface="Times New Roman"/>
+              </a:rPr>
+              <a:t> друг на друга образуют замкнутый цикл.</a:t>
+            </a:r>
+            <a:endParaRPr sz="2500">
+              <a:solidFill>
+                <a:schemeClr val="dk1"/>
+              </a:solidFill>
+              <a:latin typeface="Times New Roman"/>
+              <a:ea typeface="Times New Roman"/>
+              <a:cs typeface="Times New Roman"/>
+              <a:sym typeface="Times New Roman"/>
+            </a:endParaRPr>
+          </a:p>
+        </p:txBody>
+      </p:sp>
     </p:spTree>
   </p:cSld>
   <p:clrMapOvr>

--- a/docs/presentation/bachelor-thesis.pptx
+++ b/docs/presentation/bachelor-thesis.pptx
@@ -17196,7 +17196,7 @@
           <p:nvPr/>
         </p:nvGraphicFramePr>
         <p:xfrm>
-          <a:off x="838200" y="1117100"/>
+          <a:off x="2409263" y="1181300"/>
           <a:ext cx="3000000" cy="3000000"/>
         </p:xfrm>
         <a:graphic>
@@ -17204,7 +17204,7 @@
             <a:tbl>
               <a:tblPr>
                 <a:noFill/>
-                <a:tableStyleId>{3040A678-AA60-46EF-9325-F8BF5F913F62}</a:tableStyleId>
+                <a:tableStyleId>{609F98D7-9113-49A3-A9B2-F0A66C1CE5DE}</a:tableStyleId>
               </a:tblPr>
               <a:tblGrid>
                 <a:gridCol w="5040575"/>
@@ -20154,7 +20154,7 @@
             <a:tbl>
               <a:tblPr>
                 <a:noFill/>
-                <a:tableStyleId>{3040A678-AA60-46EF-9325-F8BF5F913F62}</a:tableStyleId>
+                <a:tableStyleId>{609F98D7-9113-49A3-A9B2-F0A66C1CE5DE}</a:tableStyleId>
               </a:tblPr>
               <a:tblGrid>
                 <a:gridCol w="532800"/>
@@ -20312,7 +20312,7 @@
             <a:tbl>
               <a:tblPr>
                 <a:noFill/>
-                <a:tableStyleId>{3040A678-AA60-46EF-9325-F8BF5F913F62}</a:tableStyleId>
+                <a:tableStyleId>{609F98D7-9113-49A3-A9B2-F0A66C1CE5DE}</a:tableStyleId>
               </a:tblPr>
               <a:tblGrid>
                 <a:gridCol w="511200"/>
@@ -20414,7 +20414,7 @@
             <a:tbl>
               <a:tblPr>
                 <a:noFill/>
-                <a:tableStyleId>{3040A678-AA60-46EF-9325-F8BF5F913F62}</a:tableStyleId>
+                <a:tableStyleId>{609F98D7-9113-49A3-A9B2-F0A66C1CE5DE}</a:tableStyleId>
               </a:tblPr>
               <a:tblGrid>
                 <a:gridCol w="550800"/>
@@ -24083,8 +24083,8 @@
         </p:blipFill>
         <p:spPr>
           <a:xfrm>
-            <a:off x="1178625" y="1131700"/>
-            <a:ext cx="8658826" cy="5481574"/>
+            <a:off x="1960062" y="1043275"/>
+            <a:ext cx="8969375" cy="5678175"/>
           </a:xfrm>
           <a:prstGeom prst="rect">
             <a:avLst/>
